--- a/CSS/1. Présentation/Cours CSS - v1.0.pptx
+++ b/CSS/1. Présentation/Cours CSS - v1.0.pptx
@@ -5,7 +5,7 @@
     <p:sldMasterId id="2147483684" r:id="rId1"/>
   </p:sldMasterIdLst>
   <p:notesMasterIdLst>
-    <p:notesMasterId r:id="rId28"/>
+    <p:notesMasterId r:id="rId29"/>
   </p:notesMasterIdLst>
   <p:sldIdLst>
     <p:sldId id="256" r:id="rId2"/>
@@ -26,14 +26,15 @@
     <p:sldId id="345" r:id="rId17"/>
     <p:sldId id="347" r:id="rId18"/>
     <p:sldId id="348" r:id="rId19"/>
-    <p:sldId id="349" r:id="rId20"/>
-    <p:sldId id="274" r:id="rId21"/>
-    <p:sldId id="301" r:id="rId22"/>
-    <p:sldId id="321" r:id="rId23"/>
-    <p:sldId id="322" r:id="rId24"/>
-    <p:sldId id="335" r:id="rId25"/>
-    <p:sldId id="323" r:id="rId26"/>
-    <p:sldId id="336" r:id="rId27"/>
+    <p:sldId id="350" r:id="rId20"/>
+    <p:sldId id="349" r:id="rId21"/>
+    <p:sldId id="274" r:id="rId22"/>
+    <p:sldId id="301" r:id="rId23"/>
+    <p:sldId id="321" r:id="rId24"/>
+    <p:sldId id="322" r:id="rId25"/>
+    <p:sldId id="335" r:id="rId26"/>
+    <p:sldId id="323" r:id="rId27"/>
+    <p:sldId id="336" r:id="rId28"/>
   </p:sldIdLst>
   <p:sldSz cx="12192000" cy="6858000"/>
   <p:notesSz cx="6858000" cy="9144000"/>
@@ -7328,7 +7329,7 @@
           <a:p>
             <a:fld id="{76FF421F-F6E0-49E1-8813-FA3EDB57181A}" type="slidenum">
               <a:rPr lang="fr-CA" smtClean="0"/>
-              <a:t>21</a:t>
+              <a:t>22</a:t>
             </a:fld>
             <a:endParaRPr lang="fr-CA"/>
           </a:p>
@@ -13120,6 +13121,14 @@
 <file path=ppt/slides/slide19.xml><?xml version="1.0" encoding="utf-8"?>
 <p:sld xmlns:a="http://schemas.openxmlformats.org/drawingml/2006/main" xmlns:r="http://schemas.openxmlformats.org/officeDocument/2006/relationships" xmlns:p="http://schemas.openxmlformats.org/presentationml/2006/main">
   <p:cSld>
+    <p:bg>
+      <p:bgPr>
+        <a:solidFill>
+          <a:schemeClr val="bg1"/>
+        </a:solidFill>
+        <a:effectLst/>
+      </p:bgPr>
+    </p:bg>
     <p:spTree>
       <p:nvGrpSpPr>
         <p:cNvPr id="1" name=""/>
@@ -13136,10 +13145,170 @@
       </p:grpSpPr>
       <p:sp>
         <p:nvSpPr>
-          <p:cNvPr id="5" name="Titre 4">
+          <p:cNvPr id="82" name="Rectangle 81">
             <a:extLst>
               <a:ext uri="{FF2B5EF4-FFF2-40B4-BE49-F238E27FC236}">
-                <a16:creationId xmlns:a16="http://schemas.microsoft.com/office/drawing/2014/main" id="{4906A919-D020-479A-AC5A-D9F539FF3D33}"/>
+                <a16:creationId xmlns:a16="http://schemas.microsoft.com/office/drawing/2014/main" id="{823AC064-BC96-4F32-8AE1-B2FD38754823}"/>
+              </a:ext>
+            </a:extLst>
+          </p:cNvPr>
+          <p:cNvSpPr>
+            <a:spLocks noGrp="1" noRot="1" noChangeAspect="1" noMove="1" noResize="1" noEditPoints="1" noAdjustHandles="1" noChangeArrowheads="1" noChangeShapeType="1" noTextEdit="1"/>
+          </p:cNvSpPr>
+          <p:nvPr>
+            <p:extLst>
+              <p:ext uri="{386F3935-93C4-4BCD-93E2-E3B085C9AB24}">
+                <p16:designElem xmlns:p16="http://schemas.microsoft.com/office/powerpoint/2015/main" val="1"/>
+              </p:ext>
+            </p:extLst>
+          </p:nvPr>
+        </p:nvSpPr>
+        <p:spPr bwMode="ltGray">
+          <a:xfrm>
+            <a:off x="378068" y="4633546"/>
+            <a:ext cx="11438793" cy="1844256"/>
+          </a:xfrm>
+          <a:prstGeom prst="rect">
+            <a:avLst/>
+          </a:prstGeom>
+          <a:solidFill>
+            <a:srgbClr val="404040"/>
+          </a:solidFill>
+          <a:ln w="127000" cap="sq" cmpd="thinThick">
+            <a:solidFill>
+              <a:srgbClr val="404040"/>
+            </a:solidFill>
+          </a:ln>
+        </p:spPr>
+        <p:style>
+          <a:lnRef idx="2">
+            <a:schemeClr val="accent1">
+              <a:shade val="50000"/>
+            </a:schemeClr>
+          </a:lnRef>
+          <a:fillRef idx="1">
+            <a:schemeClr val="accent1"/>
+          </a:fillRef>
+          <a:effectRef idx="0">
+            <a:schemeClr val="accent1"/>
+          </a:effectRef>
+          <a:fontRef idx="minor">
+            <a:schemeClr val="lt1"/>
+          </a:fontRef>
+        </p:style>
+        <p:txBody>
+          <a:bodyPr rtlCol="0" anchor="ctr"/>
+          <a:lstStyle/>
+          <a:p>
+            <a:pPr algn="ctr"/>
+            <a:endParaRPr lang="en-US"/>
+          </a:p>
+        </p:txBody>
+      </p:sp>
+      <p:cxnSp>
+        <p:nvCxnSpPr>
+          <p:cNvPr id="84" name="Straight Connector 83">
+            <a:extLst>
+              <a:ext uri="{FF2B5EF4-FFF2-40B4-BE49-F238E27FC236}">
+                <a16:creationId xmlns:a16="http://schemas.microsoft.com/office/drawing/2014/main" id="{7E7C77BC-7138-40B1-A15B-20F57A494629}"/>
+              </a:ext>
+            </a:extLst>
+          </p:cNvPr>
+          <p:cNvCxnSpPr>
+            <a:cxnSpLocks noGrp="1" noRot="1" noChangeAspect="1" noMove="1" noResize="1" noEditPoints="1" noAdjustHandles="1" noChangeArrowheads="1" noChangeShapeType="1"/>
+          </p:cNvCxnSpPr>
+          <p:nvPr>
+            <p:extLst>
+              <p:ext uri="{386F3935-93C4-4BCD-93E2-E3B085C9AB24}">
+                <p16:designElem xmlns:p16="http://schemas.microsoft.com/office/powerpoint/2015/main" val="1"/>
+              </p:ext>
+            </p:extLst>
+          </p:nvPr>
+        </p:nvCxnSpPr>
+        <p:spPr>
+          <a:xfrm>
+            <a:off x="2209800" y="5738691"/>
+            <a:ext cx="7772400" cy="0"/>
+          </a:xfrm>
+          <a:prstGeom prst="line">
+            <a:avLst/>
+          </a:prstGeom>
+          <a:ln w="22225">
+            <a:solidFill>
+              <a:srgbClr val="D9D9D9"/>
+            </a:solidFill>
+          </a:ln>
+        </p:spPr>
+        <p:style>
+          <a:lnRef idx="1">
+            <a:schemeClr val="accent1"/>
+          </a:lnRef>
+          <a:fillRef idx="0">
+            <a:schemeClr val="accent1"/>
+          </a:fillRef>
+          <a:effectRef idx="0">
+            <a:schemeClr val="accent1"/>
+          </a:effectRef>
+          <a:fontRef idx="minor">
+            <a:schemeClr val="tx1"/>
+          </a:fontRef>
+        </p:style>
+      </p:cxnSp>
+      <p:cxnSp>
+        <p:nvCxnSpPr>
+          <p:cNvPr id="86" name="Straight Connector 85">
+            <a:extLst>
+              <a:ext uri="{FF2B5EF4-FFF2-40B4-BE49-F238E27FC236}">
+                <a16:creationId xmlns:a16="http://schemas.microsoft.com/office/drawing/2014/main" id="{DB146403-F3D6-484B-B2ED-97F9565D0370}"/>
+              </a:ext>
+            </a:extLst>
+          </p:cNvPr>
+          <p:cNvCxnSpPr>
+            <a:cxnSpLocks noGrp="1" noRot="1" noChangeAspect="1" noMove="1" noResize="1" noEditPoints="1" noAdjustHandles="1" noChangeArrowheads="1" noChangeShapeType="1"/>
+          </p:cNvCxnSpPr>
+          <p:nvPr>
+            <p:extLst>
+              <p:ext uri="{386F3935-93C4-4BCD-93E2-E3B085C9AB24}">
+                <p16:designElem xmlns:p16="http://schemas.microsoft.com/office/powerpoint/2015/main" val="1"/>
+              </p:ext>
+            </p:extLst>
+          </p:nvPr>
+        </p:nvCxnSpPr>
+        <p:spPr>
+          <a:xfrm>
+            <a:off x="6096000" y="477749"/>
+            <a:ext cx="0" cy="3657600"/>
+          </a:xfrm>
+          <a:prstGeom prst="line">
+            <a:avLst/>
+          </a:prstGeom>
+          <a:ln w="101600" cmpd="dbl">
+            <a:solidFill>
+              <a:srgbClr val="595959"/>
+            </a:solidFill>
+          </a:ln>
+        </p:spPr>
+        <p:style>
+          <a:lnRef idx="1">
+            <a:schemeClr val="accent1"/>
+          </a:lnRef>
+          <a:fillRef idx="0">
+            <a:schemeClr val="accent1"/>
+          </a:fillRef>
+          <a:effectRef idx="0">
+            <a:schemeClr val="accent1"/>
+          </a:effectRef>
+          <a:fontRef idx="minor">
+            <a:schemeClr val="tx1"/>
+          </a:fontRef>
+        </p:style>
+      </p:cxnSp>
+      <p:sp>
+        <p:nvSpPr>
+          <p:cNvPr id="2" name="Titre 1">
+            <a:extLst>
+              <a:ext uri="{FF2B5EF4-FFF2-40B4-BE49-F238E27FC236}">
+                <a16:creationId xmlns:a16="http://schemas.microsoft.com/office/drawing/2014/main" id="{F0DD20CB-0FB9-4003-AE9D-231F020F5929}"/>
               </a:ext>
             </a:extLst>
           </p:cNvPr>
@@ -13147,82 +13316,118 @@
             <a:spLocks noGrp="1"/>
           </p:cNvSpPr>
           <p:nvPr>
-            <p:ph type="ctrTitle"/>
+            <p:ph type="title"/>
           </p:nvPr>
         </p:nvSpPr>
-        <p:spPr/>
+        <p:spPr>
+          <a:xfrm>
+            <a:off x="527538" y="4756638"/>
+            <a:ext cx="11139854" cy="930447"/>
+          </a:xfrm>
+        </p:spPr>
         <p:txBody>
-          <a:bodyPr/>
+          <a:bodyPr vert="horz" lIns="91440" tIns="45720" rIns="91440" bIns="45720" rtlCol="0" anchor="b">
+            <a:normAutofit/>
+          </a:bodyPr>
           <a:lstStyle/>
           <a:p>
-            <a:r>
-              <a:rPr lang="fr-CA" dirty="0"/>
-              <a:t>Exercice #1</a:t>
-            </a:r>
+            <a:pPr algn="ctr"/>
+            <a:r>
+              <a:rPr lang="en-US" sz="5400" dirty="0" err="1">
+                <a:solidFill>
+                  <a:srgbClr val="FFFFFF"/>
+                </a:solidFill>
+              </a:rPr>
+              <a:t>Sélecteur</a:t>
+            </a:r>
+            <a:r>
+              <a:rPr lang="en-US" sz="5400" dirty="0">
+                <a:solidFill>
+                  <a:srgbClr val="FFFFFF"/>
+                </a:solidFill>
+              </a:rPr>
+              <a:t> </a:t>
+            </a:r>
+            <a:r>
+              <a:rPr lang="en-US" sz="5400" dirty="0" err="1">
+                <a:solidFill>
+                  <a:srgbClr val="FFFFFF"/>
+                </a:solidFill>
+              </a:rPr>
+              <a:t>d’attribut</a:t>
+            </a:r>
+            <a:endParaRPr lang="en-US" sz="5400" dirty="0">
+              <a:solidFill>
+                <a:srgbClr val="FFFFFF"/>
+              </a:solidFill>
+            </a:endParaRPr>
           </a:p>
         </p:txBody>
       </p:sp>
-      <p:sp>
-        <p:nvSpPr>
-          <p:cNvPr id="6" name="Sous-titre 5">
+      <p:pic>
+        <p:nvPicPr>
+          <p:cNvPr id="5" name="Image 4">
             <a:extLst>
               <a:ext uri="{FF2B5EF4-FFF2-40B4-BE49-F238E27FC236}">
-                <a16:creationId xmlns:a16="http://schemas.microsoft.com/office/drawing/2014/main" id="{D4E8AAF7-3291-42EF-8749-155B01266A3A}"/>
+                <a16:creationId xmlns:a16="http://schemas.microsoft.com/office/drawing/2014/main" id="{19FFD056-8A6F-49B9-9CE0-E9882D665597}"/>
               </a:ext>
             </a:extLst>
           </p:cNvPr>
-          <p:cNvSpPr>
-            <a:spLocks noGrp="1"/>
-          </p:cNvSpPr>
-          <p:nvPr>
-            <p:ph type="subTitle" idx="1"/>
-          </p:nvPr>
-        </p:nvSpPr>
-        <p:spPr/>
-        <p:txBody>
-          <a:bodyPr/>
-          <a:lstStyle/>
-          <a:p>
-            <a:r>
-              <a:rPr lang="fr-CA" dirty="0">
-                <a:latin typeface="Consolas" panose="020B0609020204030204" pitchFamily="49" charset="0"/>
-                <a:cs typeface="Consolas" panose="020B0609020204030204" pitchFamily="49" charset="0"/>
-              </a:rPr>
-              <a:t>git clone https://github.com/EzoQC/SAAQ.git</a:t>
-            </a:r>
-            <a:br>
-              <a:rPr lang="fr-CA" dirty="0">
-                <a:latin typeface="Consolas" panose="020B0609020204030204" pitchFamily="49" charset="0"/>
-                <a:cs typeface="Consolas" panose="020B0609020204030204" pitchFamily="49" charset="0"/>
-              </a:rPr>
-            </a:br>
-            <a:r>
-              <a:rPr lang="fr-CA" dirty="0">
-                <a:latin typeface="Consolas" panose="020B0609020204030204" pitchFamily="49" charset="0"/>
-                <a:cs typeface="Consolas" panose="020B0609020204030204" pitchFamily="49" charset="0"/>
-              </a:rPr>
-              <a:t>ou</a:t>
-            </a:r>
-            <a:br>
-              <a:rPr lang="fr-CA" dirty="0">
-                <a:latin typeface="Consolas" panose="020B0609020204030204" pitchFamily="49" charset="0"/>
-                <a:cs typeface="Consolas" panose="020B0609020204030204" pitchFamily="49" charset="0"/>
-              </a:rPr>
-            </a:br>
-            <a:r>
-              <a:rPr lang="fr-CA" dirty="0">
-                <a:latin typeface="Consolas" panose="020B0609020204030204" pitchFamily="49" charset="0"/>
-                <a:cs typeface="Consolas" panose="020B0609020204030204" pitchFamily="49" charset="0"/>
-              </a:rPr>
-              <a:t>git pull</a:t>
-            </a:r>
-          </a:p>
-        </p:txBody>
-      </p:sp>
+          <p:cNvPicPr>
+            <a:picLocks noChangeAspect="1"/>
+          </p:cNvPicPr>
+          <p:nvPr/>
+        </p:nvPicPr>
+        <p:blipFill>
+          <a:blip r:embed="rId2"/>
+          <a:stretch>
+            <a:fillRect/>
+          </a:stretch>
+        </p:blipFill>
+        <p:spPr>
+          <a:xfrm>
+            <a:off x="1149783" y="342243"/>
+            <a:ext cx="3829050" cy="4133850"/>
+          </a:xfrm>
+          <a:prstGeom prst="rect">
+            <a:avLst/>
+          </a:prstGeom>
+        </p:spPr>
+      </p:pic>
+      <p:pic>
+        <p:nvPicPr>
+          <p:cNvPr id="6" name="Image 5">
+            <a:extLst>
+              <a:ext uri="{FF2B5EF4-FFF2-40B4-BE49-F238E27FC236}">
+                <a16:creationId xmlns:a16="http://schemas.microsoft.com/office/drawing/2014/main" id="{4F2E9FC7-CDB8-4568-A968-9FAF25F2342B}"/>
+              </a:ext>
+            </a:extLst>
+          </p:cNvPr>
+          <p:cNvPicPr>
+            <a:picLocks noChangeAspect="1"/>
+          </p:cNvPicPr>
+          <p:nvPr/>
+        </p:nvPicPr>
+        <p:blipFill>
+          <a:blip r:embed="rId3"/>
+          <a:stretch>
+            <a:fillRect/>
+          </a:stretch>
+        </p:blipFill>
+        <p:spPr>
+          <a:xfrm>
+            <a:off x="6292361" y="415836"/>
+            <a:ext cx="5524500" cy="3781425"/>
+          </a:xfrm>
+          <a:prstGeom prst="rect">
+            <a:avLst/>
+          </a:prstGeom>
+        </p:spPr>
+      </p:pic>
     </p:spTree>
     <p:extLst>
       <p:ext uri="{BB962C8B-B14F-4D97-AF65-F5344CB8AC3E}">
-        <p14:creationId xmlns:p14="http://schemas.microsoft.com/office/powerpoint/2010/main" val="1086577132"/>
+        <p14:creationId xmlns:p14="http://schemas.microsoft.com/office/powerpoint/2010/main" val="508326088"/>
       </p:ext>
     </p:extLst>
   </p:cSld>
@@ -14089,6 +14294,121 @@
 <file path=ppt/slides/slide20.xml><?xml version="1.0" encoding="utf-8"?>
 <p:sld xmlns:a="http://schemas.openxmlformats.org/drawingml/2006/main" xmlns:r="http://schemas.openxmlformats.org/officeDocument/2006/relationships" xmlns:p="http://schemas.openxmlformats.org/presentationml/2006/main">
   <p:cSld>
+    <p:spTree>
+      <p:nvGrpSpPr>
+        <p:cNvPr id="1" name=""/>
+        <p:cNvGrpSpPr/>
+        <p:nvPr/>
+      </p:nvGrpSpPr>
+      <p:grpSpPr>
+        <a:xfrm>
+          <a:off x="0" y="0"/>
+          <a:ext cx="0" cy="0"/>
+          <a:chOff x="0" y="0"/>
+          <a:chExt cx="0" cy="0"/>
+        </a:xfrm>
+      </p:grpSpPr>
+      <p:sp>
+        <p:nvSpPr>
+          <p:cNvPr id="5" name="Titre 4">
+            <a:extLst>
+              <a:ext uri="{FF2B5EF4-FFF2-40B4-BE49-F238E27FC236}">
+                <a16:creationId xmlns:a16="http://schemas.microsoft.com/office/drawing/2014/main" id="{4906A919-D020-479A-AC5A-D9F539FF3D33}"/>
+              </a:ext>
+            </a:extLst>
+          </p:cNvPr>
+          <p:cNvSpPr>
+            <a:spLocks noGrp="1"/>
+          </p:cNvSpPr>
+          <p:nvPr>
+            <p:ph type="ctrTitle"/>
+          </p:nvPr>
+        </p:nvSpPr>
+        <p:spPr/>
+        <p:txBody>
+          <a:bodyPr/>
+          <a:lstStyle/>
+          <a:p>
+            <a:r>
+              <a:rPr lang="fr-CA" dirty="0"/>
+              <a:t>Exercice #1</a:t>
+            </a:r>
+          </a:p>
+        </p:txBody>
+      </p:sp>
+      <p:sp>
+        <p:nvSpPr>
+          <p:cNvPr id="6" name="Sous-titre 5">
+            <a:extLst>
+              <a:ext uri="{FF2B5EF4-FFF2-40B4-BE49-F238E27FC236}">
+                <a16:creationId xmlns:a16="http://schemas.microsoft.com/office/drawing/2014/main" id="{D4E8AAF7-3291-42EF-8749-155B01266A3A}"/>
+              </a:ext>
+            </a:extLst>
+          </p:cNvPr>
+          <p:cNvSpPr>
+            <a:spLocks noGrp="1"/>
+          </p:cNvSpPr>
+          <p:nvPr>
+            <p:ph type="subTitle" idx="1"/>
+          </p:nvPr>
+        </p:nvSpPr>
+        <p:spPr/>
+        <p:txBody>
+          <a:bodyPr/>
+          <a:lstStyle/>
+          <a:p>
+            <a:r>
+              <a:rPr lang="fr-CA" dirty="0">
+                <a:latin typeface="Consolas" panose="020B0609020204030204" pitchFamily="49" charset="0"/>
+                <a:cs typeface="Consolas" panose="020B0609020204030204" pitchFamily="49" charset="0"/>
+              </a:rPr>
+              <a:t>git clone https://github.com/EzoQC/SAAQ.git</a:t>
+            </a:r>
+            <a:br>
+              <a:rPr lang="fr-CA" dirty="0">
+                <a:latin typeface="Consolas" panose="020B0609020204030204" pitchFamily="49" charset="0"/>
+                <a:cs typeface="Consolas" panose="020B0609020204030204" pitchFamily="49" charset="0"/>
+              </a:rPr>
+            </a:br>
+            <a:r>
+              <a:rPr lang="fr-CA" dirty="0">
+                <a:latin typeface="Consolas" panose="020B0609020204030204" pitchFamily="49" charset="0"/>
+                <a:cs typeface="Consolas" panose="020B0609020204030204" pitchFamily="49" charset="0"/>
+              </a:rPr>
+              <a:t>ou</a:t>
+            </a:r>
+            <a:br>
+              <a:rPr lang="fr-CA" dirty="0">
+                <a:latin typeface="Consolas" panose="020B0609020204030204" pitchFamily="49" charset="0"/>
+                <a:cs typeface="Consolas" panose="020B0609020204030204" pitchFamily="49" charset="0"/>
+              </a:rPr>
+            </a:br>
+            <a:r>
+              <a:rPr lang="fr-CA" dirty="0">
+                <a:latin typeface="Consolas" panose="020B0609020204030204" pitchFamily="49" charset="0"/>
+                <a:cs typeface="Consolas" panose="020B0609020204030204" pitchFamily="49" charset="0"/>
+              </a:rPr>
+              <a:t>git pull</a:t>
+            </a:r>
+          </a:p>
+        </p:txBody>
+      </p:sp>
+    </p:spTree>
+    <p:extLst>
+      <p:ext uri="{BB962C8B-B14F-4D97-AF65-F5344CB8AC3E}">
+        <p14:creationId xmlns:p14="http://schemas.microsoft.com/office/powerpoint/2010/main" val="1086577132"/>
+      </p:ext>
+    </p:extLst>
+  </p:cSld>
+  <p:clrMapOvr>
+    <a:masterClrMapping/>
+  </p:clrMapOvr>
+</p:sld>
+</file>
+
+<file path=ppt/slides/slide21.xml><?xml version="1.0" encoding="utf-8"?>
+<p:sld xmlns:a="http://schemas.openxmlformats.org/drawingml/2006/main" xmlns:r="http://schemas.openxmlformats.org/officeDocument/2006/relationships" xmlns:p="http://schemas.openxmlformats.org/presentationml/2006/main">
+  <p:cSld>
     <p:bg>
       <p:bgPr>
         <a:solidFill>
@@ -14296,7 +14616,7 @@
 </p:sld>
 </file>
 
-<file path=ppt/slides/slide21.xml><?xml version="1.0" encoding="utf-8"?>
+<file path=ppt/slides/slide22.xml><?xml version="1.0" encoding="utf-8"?>
 <p:sld xmlns:a="http://schemas.openxmlformats.org/drawingml/2006/main" xmlns:r="http://schemas.openxmlformats.org/officeDocument/2006/relationships" xmlns:p="http://schemas.openxmlformats.org/presentationml/2006/main">
   <p:cSld>
     <p:bg>
@@ -14617,7 +14937,7 @@
 </p:sld>
 </file>
 
-<file path=ppt/slides/slide22.xml><?xml version="1.0" encoding="utf-8"?>
+<file path=ppt/slides/slide23.xml><?xml version="1.0" encoding="utf-8"?>
 <p:sld xmlns:a="http://schemas.openxmlformats.org/drawingml/2006/main" xmlns:r="http://schemas.openxmlformats.org/officeDocument/2006/relationships" xmlns:p="http://schemas.openxmlformats.org/presentationml/2006/main">
   <p:cSld>
     <p:spTree>
@@ -14801,7 +15121,7 @@
 </p:sld>
 </file>
 
-<file path=ppt/slides/slide23.xml><?xml version="1.0" encoding="utf-8"?>
+<file path=ppt/slides/slide24.xml><?xml version="1.0" encoding="utf-8"?>
 <p:sld xmlns:a="http://schemas.openxmlformats.org/drawingml/2006/main" xmlns:r="http://schemas.openxmlformats.org/officeDocument/2006/relationships" xmlns:p="http://schemas.openxmlformats.org/presentationml/2006/main">
   <p:cSld>
     <p:spTree>
@@ -14981,7 +15301,7 @@
 </p:sld>
 </file>
 
-<file path=ppt/slides/slide24.xml><?xml version="1.0" encoding="utf-8"?>
+<file path=ppt/slides/slide25.xml><?xml version="1.0" encoding="utf-8"?>
 <p:sld xmlns:a="http://schemas.openxmlformats.org/drawingml/2006/main" xmlns:r="http://schemas.openxmlformats.org/officeDocument/2006/relationships" xmlns:p="http://schemas.openxmlformats.org/presentationml/2006/main">
   <p:cSld>
     <p:bg>
@@ -15183,7 +15503,7 @@
 </p:sld>
 </file>
 
-<file path=ppt/slides/slide25.xml><?xml version="1.0" encoding="utf-8"?>
+<file path=ppt/slides/slide26.xml><?xml version="1.0" encoding="utf-8"?>
 <p:sld xmlns:a="http://schemas.openxmlformats.org/drawingml/2006/main" xmlns:r="http://schemas.openxmlformats.org/officeDocument/2006/relationships" xmlns:p="http://schemas.openxmlformats.org/presentationml/2006/main">
   <p:cSld>
     <p:spTree>
@@ -15272,7 +15592,7 @@
 </p:sld>
 </file>
 
-<file path=ppt/slides/slide26.xml><?xml version="1.0" encoding="utf-8"?>
+<file path=ppt/slides/slide27.xml><?xml version="1.0" encoding="utf-8"?>
 <p:sld xmlns:a="http://schemas.openxmlformats.org/drawingml/2006/main" xmlns:r="http://schemas.openxmlformats.org/officeDocument/2006/relationships" xmlns:p="http://schemas.openxmlformats.org/presentationml/2006/main">
   <p:cSld>
     <p:bg>

--- a/CSS/1. Présentation/Cours CSS - v1.0.pptx
+++ b/CSS/1. Présentation/Cours CSS - v1.0.pptx
@@ -5,7 +5,7 @@
     <p:sldMasterId id="2147483684" r:id="rId1"/>
   </p:sldMasterIdLst>
   <p:notesMasterIdLst>
-    <p:notesMasterId r:id="rId29"/>
+    <p:notesMasterId r:id="rId36"/>
   </p:notesMasterIdLst>
   <p:sldIdLst>
     <p:sldId id="256" r:id="rId2"/>
@@ -28,13 +28,20 @@
     <p:sldId id="348" r:id="rId19"/>
     <p:sldId id="350" r:id="rId20"/>
     <p:sldId id="349" r:id="rId21"/>
-    <p:sldId id="274" r:id="rId22"/>
-    <p:sldId id="301" r:id="rId23"/>
-    <p:sldId id="321" r:id="rId24"/>
-    <p:sldId id="322" r:id="rId25"/>
-    <p:sldId id="335" r:id="rId26"/>
-    <p:sldId id="323" r:id="rId27"/>
-    <p:sldId id="336" r:id="rId28"/>
+    <p:sldId id="351" r:id="rId22"/>
+    <p:sldId id="352" r:id="rId23"/>
+    <p:sldId id="353" r:id="rId24"/>
+    <p:sldId id="354" r:id="rId25"/>
+    <p:sldId id="355" r:id="rId26"/>
+    <p:sldId id="356" r:id="rId27"/>
+    <p:sldId id="357" r:id="rId28"/>
+    <p:sldId id="358" r:id="rId29"/>
+    <p:sldId id="301" r:id="rId30"/>
+    <p:sldId id="321" r:id="rId31"/>
+    <p:sldId id="322" r:id="rId32"/>
+    <p:sldId id="335" r:id="rId33"/>
+    <p:sldId id="323" r:id="rId34"/>
+    <p:sldId id="336" r:id="rId35"/>
   </p:sldIdLst>
   <p:sldSz cx="12192000" cy="6858000"/>
   <p:notesSz cx="6858000" cy="9144000"/>
@@ -151,10 +158,6 @@
     </p:extLst>
   </p:cmAuthor>
 </p:cmAuthorLst>
-</file>
-
-<file path=ppt/revisionInfo.xml><?xml version="1.0" encoding="utf-8"?>
-<p1510:revInfo xmlns:a="http://schemas.openxmlformats.org/drawingml/2006/main" xmlns:r="http://schemas.openxmlformats.org/officeDocument/2006/relationships" xmlns:p1510="http://schemas.microsoft.com/office/powerpoint/2015/10/main"/>
 </file>
 
 <file path=ppt/diagrams/colors1.xml><?xml version="1.0" encoding="utf-8"?>
@@ -939,757 +942,6 @@
 </dgm:colorsDef>
 </file>
 
-<file path=ppt/diagrams/colors2.xml><?xml version="1.0" encoding="utf-8"?>
-<dgm:colorsDef xmlns:dgm="http://schemas.openxmlformats.org/drawingml/2006/diagram" xmlns:a="http://schemas.openxmlformats.org/drawingml/2006/main" uniqueId="urn:microsoft.com/office/officeart/2005/8/colors/accent0_3">
-  <dgm:title val=""/>
-  <dgm:desc val=""/>
-  <dgm:catLst>
-    <dgm:cat type="mainScheme" pri="10300"/>
-  </dgm:catLst>
-  <dgm:styleLbl name="node0">
-    <dgm:fillClrLst meth="repeat">
-      <a:schemeClr val="dk2"/>
-    </dgm:fillClrLst>
-    <dgm:linClrLst meth="repeat">
-      <a:schemeClr val="lt2"/>
-    </dgm:linClrLst>
-    <dgm:effectClrLst/>
-    <dgm:txLinClrLst/>
-    <dgm:txFillClrLst/>
-    <dgm:txEffectClrLst/>
-  </dgm:styleLbl>
-  <dgm:styleLbl name="alignNode1">
-    <dgm:fillClrLst meth="repeat">
-      <a:schemeClr val="dk2"/>
-    </dgm:fillClrLst>
-    <dgm:linClrLst meth="repeat">
-      <a:schemeClr val="dk2"/>
-    </dgm:linClrLst>
-    <dgm:effectClrLst/>
-    <dgm:txLinClrLst/>
-    <dgm:txFillClrLst/>
-    <dgm:txEffectClrLst/>
-  </dgm:styleLbl>
-  <dgm:styleLbl name="node1">
-    <dgm:fillClrLst meth="repeat">
-      <a:schemeClr val="dk2"/>
-    </dgm:fillClrLst>
-    <dgm:linClrLst meth="repeat">
-      <a:schemeClr val="lt2"/>
-    </dgm:linClrLst>
-    <dgm:effectClrLst/>
-    <dgm:txLinClrLst/>
-    <dgm:txFillClrLst/>
-    <dgm:txEffectClrLst/>
-  </dgm:styleLbl>
-  <dgm:styleLbl name="lnNode1">
-    <dgm:fillClrLst meth="repeat">
-      <a:schemeClr val="dk2"/>
-    </dgm:fillClrLst>
-    <dgm:linClrLst meth="repeat">
-      <a:schemeClr val="lt2"/>
-    </dgm:linClrLst>
-    <dgm:effectClrLst/>
-    <dgm:txLinClrLst/>
-    <dgm:txFillClrLst/>
-    <dgm:txEffectClrLst/>
-  </dgm:styleLbl>
-  <dgm:styleLbl name="vennNode1">
-    <dgm:fillClrLst meth="repeat">
-      <a:schemeClr val="dk2">
-        <a:alpha val="50000"/>
-      </a:schemeClr>
-    </dgm:fillClrLst>
-    <dgm:linClrLst meth="repeat">
-      <a:schemeClr val="lt2"/>
-    </dgm:linClrLst>
-    <dgm:effectClrLst/>
-    <dgm:txLinClrLst/>
-    <dgm:txFillClrLst/>
-    <dgm:txEffectClrLst/>
-  </dgm:styleLbl>
-  <dgm:styleLbl name="node2">
-    <dgm:fillClrLst meth="repeat">
-      <a:schemeClr val="dk2"/>
-    </dgm:fillClrLst>
-    <dgm:linClrLst meth="repeat">
-      <a:schemeClr val="lt2"/>
-    </dgm:linClrLst>
-    <dgm:effectClrLst/>
-    <dgm:txLinClrLst/>
-    <dgm:txFillClrLst/>
-    <dgm:txEffectClrLst/>
-  </dgm:styleLbl>
-  <dgm:styleLbl name="node3">
-    <dgm:fillClrLst meth="repeat">
-      <a:schemeClr val="dk2"/>
-    </dgm:fillClrLst>
-    <dgm:linClrLst meth="repeat">
-      <a:schemeClr val="lt2"/>
-    </dgm:linClrLst>
-    <dgm:effectClrLst/>
-    <dgm:txLinClrLst/>
-    <dgm:txFillClrLst/>
-    <dgm:txEffectClrLst/>
-  </dgm:styleLbl>
-  <dgm:styleLbl name="node4">
-    <dgm:fillClrLst meth="repeat">
-      <a:schemeClr val="dk2"/>
-    </dgm:fillClrLst>
-    <dgm:linClrLst meth="repeat">
-      <a:schemeClr val="lt2"/>
-    </dgm:linClrLst>
-    <dgm:effectClrLst/>
-    <dgm:txLinClrLst/>
-    <dgm:txFillClrLst/>
-    <dgm:txEffectClrLst/>
-  </dgm:styleLbl>
-  <dgm:styleLbl name="fgImgPlace1">
-    <dgm:fillClrLst meth="repeat">
-      <a:schemeClr val="dk2">
-        <a:tint val="50000"/>
-      </a:schemeClr>
-    </dgm:fillClrLst>
-    <dgm:linClrLst meth="repeat">
-      <a:schemeClr val="lt2"/>
-    </dgm:linClrLst>
-    <dgm:effectClrLst/>
-    <dgm:txLinClrLst/>
-    <dgm:txFillClrLst meth="repeat">
-      <a:schemeClr val="lt2"/>
-    </dgm:txFillClrLst>
-    <dgm:txEffectClrLst/>
-  </dgm:styleLbl>
-  <dgm:styleLbl name="alignImgPlace1">
-    <dgm:fillClrLst meth="repeat">
-      <a:schemeClr val="dk2">
-        <a:tint val="50000"/>
-      </a:schemeClr>
-    </dgm:fillClrLst>
-    <dgm:linClrLst meth="repeat">
-      <a:schemeClr val="dk2">
-        <a:shade val="80000"/>
-      </a:schemeClr>
-    </dgm:linClrLst>
-    <dgm:effectClrLst/>
-    <dgm:txLinClrLst/>
-    <dgm:txFillClrLst meth="repeat">
-      <a:schemeClr val="lt2"/>
-    </dgm:txFillClrLst>
-    <dgm:txEffectClrLst/>
-  </dgm:styleLbl>
-  <dgm:styleLbl name="bgImgPlace1">
-    <dgm:fillClrLst meth="repeat">
-      <a:schemeClr val="dk2">
-        <a:tint val="50000"/>
-      </a:schemeClr>
-    </dgm:fillClrLst>
-    <dgm:linClrLst meth="repeat">
-      <a:schemeClr val="dk2">
-        <a:shade val="80000"/>
-      </a:schemeClr>
-    </dgm:linClrLst>
-    <dgm:effectClrLst/>
-    <dgm:txLinClrLst/>
-    <dgm:txFillClrLst meth="repeat">
-      <a:schemeClr val="lt2"/>
-    </dgm:txFillClrLst>
-    <dgm:txEffectClrLst/>
-  </dgm:styleLbl>
-  <dgm:styleLbl name="sibTrans2D1">
-    <dgm:fillClrLst meth="repeat">
-      <a:schemeClr val="dk2">
-        <a:tint val="60000"/>
-      </a:schemeClr>
-    </dgm:fillClrLst>
-    <dgm:linClrLst meth="repeat">
-      <a:schemeClr val="dk2">
-        <a:tint val="60000"/>
-      </a:schemeClr>
-    </dgm:linClrLst>
-    <dgm:effectClrLst/>
-    <dgm:txLinClrLst/>
-    <dgm:txFillClrLst/>
-    <dgm:txEffectClrLst/>
-  </dgm:styleLbl>
-  <dgm:styleLbl name="fgSibTrans2D1">
-    <dgm:fillClrLst meth="repeat">
-      <a:schemeClr val="dk2">
-        <a:tint val="60000"/>
-      </a:schemeClr>
-    </dgm:fillClrLst>
-    <dgm:linClrLst meth="repeat">
-      <a:schemeClr val="dk2">
-        <a:tint val="60000"/>
-      </a:schemeClr>
-    </dgm:linClrLst>
-    <dgm:effectClrLst/>
-    <dgm:txLinClrLst/>
-    <dgm:txFillClrLst/>
-    <dgm:txEffectClrLst/>
-  </dgm:styleLbl>
-  <dgm:styleLbl name="bgSibTrans2D1">
-    <dgm:fillClrLst meth="repeat">
-      <a:schemeClr val="dk2">
-        <a:tint val="60000"/>
-      </a:schemeClr>
-    </dgm:fillClrLst>
-    <dgm:linClrLst meth="repeat">
-      <a:schemeClr val="dk2">
-        <a:tint val="60000"/>
-      </a:schemeClr>
-    </dgm:linClrLst>
-    <dgm:effectClrLst/>
-    <dgm:txLinClrLst/>
-    <dgm:txFillClrLst/>
-    <dgm:txEffectClrLst/>
-  </dgm:styleLbl>
-  <dgm:styleLbl name="sibTrans1D1">
-    <dgm:fillClrLst meth="repeat">
-      <a:schemeClr val="dk2"/>
-    </dgm:fillClrLst>
-    <dgm:linClrLst meth="repeat">
-      <a:schemeClr val="dk2"/>
-    </dgm:linClrLst>
-    <dgm:effectClrLst/>
-    <dgm:txLinClrLst/>
-    <dgm:txFillClrLst meth="repeat">
-      <a:schemeClr val="lt2"/>
-    </dgm:txFillClrLst>
-    <dgm:txEffectClrLst/>
-  </dgm:styleLbl>
-  <dgm:styleLbl name="callout">
-    <dgm:fillClrLst meth="repeat">
-      <a:schemeClr val="dk2"/>
-    </dgm:fillClrLst>
-    <dgm:linClrLst meth="repeat">
-      <a:schemeClr val="dk2">
-        <a:tint val="50000"/>
-      </a:schemeClr>
-    </dgm:linClrLst>
-    <dgm:effectClrLst/>
-    <dgm:txLinClrLst/>
-    <dgm:txFillClrLst meth="repeat">
-      <a:schemeClr val="lt2"/>
-    </dgm:txFillClrLst>
-    <dgm:txEffectClrLst/>
-  </dgm:styleLbl>
-  <dgm:styleLbl name="asst0">
-    <dgm:fillClrLst meth="repeat">
-      <a:schemeClr val="dk2"/>
-    </dgm:fillClrLst>
-    <dgm:linClrLst meth="repeat">
-      <a:schemeClr val="lt2"/>
-    </dgm:linClrLst>
-    <dgm:effectClrLst/>
-    <dgm:txLinClrLst/>
-    <dgm:txFillClrLst/>
-    <dgm:txEffectClrLst/>
-  </dgm:styleLbl>
-  <dgm:styleLbl name="asst1">
-    <dgm:fillClrLst meth="repeat">
-      <a:schemeClr val="dk2"/>
-    </dgm:fillClrLst>
-    <dgm:linClrLst meth="repeat">
-      <a:schemeClr val="lt2"/>
-    </dgm:linClrLst>
-    <dgm:effectClrLst/>
-    <dgm:txLinClrLst/>
-    <dgm:txFillClrLst/>
-    <dgm:txEffectClrLst/>
-  </dgm:styleLbl>
-  <dgm:styleLbl name="asst2">
-    <dgm:fillClrLst meth="repeat">
-      <a:schemeClr val="dk2"/>
-    </dgm:fillClrLst>
-    <dgm:linClrLst meth="repeat">
-      <a:schemeClr val="lt2"/>
-    </dgm:linClrLst>
-    <dgm:effectClrLst/>
-    <dgm:txLinClrLst/>
-    <dgm:txFillClrLst/>
-    <dgm:txEffectClrLst/>
-  </dgm:styleLbl>
-  <dgm:styleLbl name="asst3">
-    <dgm:fillClrLst meth="repeat">
-      <a:schemeClr val="dk2"/>
-    </dgm:fillClrLst>
-    <dgm:linClrLst meth="repeat">
-      <a:schemeClr val="lt2"/>
-    </dgm:linClrLst>
-    <dgm:effectClrLst/>
-    <dgm:txLinClrLst/>
-    <dgm:txFillClrLst/>
-    <dgm:txEffectClrLst/>
-  </dgm:styleLbl>
-  <dgm:styleLbl name="asst4">
-    <dgm:fillClrLst meth="repeat">
-      <a:schemeClr val="dk2"/>
-    </dgm:fillClrLst>
-    <dgm:linClrLst meth="repeat">
-      <a:schemeClr val="lt2"/>
-    </dgm:linClrLst>
-    <dgm:effectClrLst/>
-    <dgm:txLinClrLst/>
-    <dgm:txFillClrLst/>
-    <dgm:txEffectClrLst/>
-  </dgm:styleLbl>
-  <dgm:styleLbl name="parChTrans2D1">
-    <dgm:fillClrLst meth="repeat">
-      <a:schemeClr val="dk2">
-        <a:tint val="60000"/>
-      </a:schemeClr>
-    </dgm:fillClrLst>
-    <dgm:linClrLst meth="repeat">
-      <a:schemeClr val="dk2">
-        <a:tint val="60000"/>
-      </a:schemeClr>
-    </dgm:linClrLst>
-    <dgm:effectClrLst/>
-    <dgm:txLinClrLst/>
-    <dgm:txFillClrLst meth="repeat">
-      <a:schemeClr val="lt2"/>
-    </dgm:txFillClrLst>
-    <dgm:txEffectClrLst/>
-  </dgm:styleLbl>
-  <dgm:styleLbl name="parChTrans2D2">
-    <dgm:fillClrLst meth="repeat">
-      <a:schemeClr val="dk2"/>
-    </dgm:fillClrLst>
-    <dgm:linClrLst meth="repeat">
-      <a:schemeClr val="dk2"/>
-    </dgm:linClrLst>
-    <dgm:effectClrLst/>
-    <dgm:txLinClrLst/>
-    <dgm:txFillClrLst meth="repeat">
-      <a:schemeClr val="lt2"/>
-    </dgm:txFillClrLst>
-    <dgm:txEffectClrLst/>
-  </dgm:styleLbl>
-  <dgm:styleLbl name="parChTrans2D3">
-    <dgm:fillClrLst meth="repeat">
-      <a:schemeClr val="dk2"/>
-    </dgm:fillClrLst>
-    <dgm:linClrLst meth="repeat">
-      <a:schemeClr val="dk2"/>
-    </dgm:linClrLst>
-    <dgm:effectClrLst/>
-    <dgm:txLinClrLst/>
-    <dgm:txFillClrLst meth="repeat">
-      <a:schemeClr val="lt2"/>
-    </dgm:txFillClrLst>
-    <dgm:txEffectClrLst/>
-  </dgm:styleLbl>
-  <dgm:styleLbl name="parChTrans2D4">
-    <dgm:fillClrLst meth="repeat">
-      <a:schemeClr val="dk2"/>
-    </dgm:fillClrLst>
-    <dgm:linClrLst meth="repeat">
-      <a:schemeClr val="dk2"/>
-    </dgm:linClrLst>
-    <dgm:effectClrLst/>
-    <dgm:txLinClrLst/>
-    <dgm:txFillClrLst meth="repeat">
-      <a:schemeClr val="lt2"/>
-    </dgm:txFillClrLst>
-    <dgm:txEffectClrLst/>
-  </dgm:styleLbl>
-  <dgm:styleLbl name="parChTrans1D1">
-    <dgm:fillClrLst meth="repeat">
-      <a:schemeClr val="dk2"/>
-    </dgm:fillClrLst>
-    <dgm:linClrLst meth="repeat">
-      <a:schemeClr val="dk2">
-        <a:shade val="60000"/>
-      </a:schemeClr>
-    </dgm:linClrLst>
-    <dgm:effectClrLst/>
-    <dgm:txLinClrLst/>
-    <dgm:txFillClrLst meth="repeat">
-      <a:schemeClr val="tx1"/>
-    </dgm:txFillClrLst>
-    <dgm:txEffectClrLst/>
-  </dgm:styleLbl>
-  <dgm:styleLbl name="parChTrans1D2">
-    <dgm:fillClrLst meth="repeat">
-      <a:schemeClr val="dk2"/>
-    </dgm:fillClrLst>
-    <dgm:linClrLst meth="repeat">
-      <a:schemeClr val="dk2">
-        <a:shade val="60000"/>
-      </a:schemeClr>
-    </dgm:linClrLst>
-    <dgm:effectClrLst/>
-    <dgm:txLinClrLst/>
-    <dgm:txFillClrLst meth="repeat">
-      <a:schemeClr val="tx1"/>
-    </dgm:txFillClrLst>
-    <dgm:txEffectClrLst/>
-  </dgm:styleLbl>
-  <dgm:styleLbl name="parChTrans1D3">
-    <dgm:fillClrLst meth="repeat">
-      <a:schemeClr val="dk2"/>
-    </dgm:fillClrLst>
-    <dgm:linClrLst meth="repeat">
-      <a:schemeClr val="dk2">
-        <a:shade val="80000"/>
-      </a:schemeClr>
-    </dgm:linClrLst>
-    <dgm:effectClrLst/>
-    <dgm:txLinClrLst/>
-    <dgm:txFillClrLst meth="repeat">
-      <a:schemeClr val="tx1"/>
-    </dgm:txFillClrLst>
-    <dgm:txEffectClrLst/>
-  </dgm:styleLbl>
-  <dgm:styleLbl name="parChTrans1D4">
-    <dgm:fillClrLst meth="repeat">
-      <a:schemeClr val="dk2"/>
-    </dgm:fillClrLst>
-    <dgm:linClrLst meth="repeat">
-      <a:schemeClr val="dk2">
-        <a:shade val="80000"/>
-      </a:schemeClr>
-    </dgm:linClrLst>
-    <dgm:effectClrLst/>
-    <dgm:txLinClrLst/>
-    <dgm:txFillClrLst meth="repeat">
-      <a:schemeClr val="tx1"/>
-    </dgm:txFillClrLst>
-    <dgm:txEffectClrLst/>
-  </dgm:styleLbl>
-  <dgm:styleLbl name="fgAcc1">
-    <dgm:fillClrLst meth="repeat">
-      <a:schemeClr val="lt2">
-        <a:alpha val="90000"/>
-      </a:schemeClr>
-    </dgm:fillClrLst>
-    <dgm:linClrLst meth="repeat">
-      <a:schemeClr val="dk2"/>
-    </dgm:linClrLst>
-    <dgm:effectClrLst/>
-    <dgm:txLinClrLst/>
-    <dgm:txFillClrLst meth="repeat">
-      <a:schemeClr val="dk1"/>
-    </dgm:txFillClrLst>
-    <dgm:txEffectClrLst/>
-  </dgm:styleLbl>
-  <dgm:styleLbl name="conFgAcc1">
-    <dgm:fillClrLst meth="repeat">
-      <a:schemeClr val="lt2">
-        <a:alpha val="90000"/>
-      </a:schemeClr>
-    </dgm:fillClrLst>
-    <dgm:linClrLst meth="repeat">
-      <a:schemeClr val="dk2"/>
-    </dgm:linClrLst>
-    <dgm:effectClrLst/>
-    <dgm:txLinClrLst/>
-    <dgm:txFillClrLst meth="repeat">
-      <a:schemeClr val="dk1"/>
-    </dgm:txFillClrLst>
-    <dgm:txEffectClrLst/>
-  </dgm:styleLbl>
-  <dgm:styleLbl name="alignAcc1">
-    <dgm:fillClrLst meth="repeat">
-      <a:schemeClr val="lt2">
-        <a:alpha val="90000"/>
-      </a:schemeClr>
-    </dgm:fillClrLst>
-    <dgm:linClrLst meth="repeat">
-      <a:schemeClr val="dk2"/>
-    </dgm:linClrLst>
-    <dgm:effectClrLst/>
-    <dgm:txLinClrLst/>
-    <dgm:txFillClrLst meth="repeat">
-      <a:schemeClr val="dk1"/>
-    </dgm:txFillClrLst>
-    <dgm:txEffectClrLst/>
-  </dgm:styleLbl>
-  <dgm:styleLbl name="trAlignAcc1">
-    <dgm:fillClrLst meth="repeat">
-      <a:schemeClr val="lt2">
-        <a:alpha val="40000"/>
-      </a:schemeClr>
-    </dgm:fillClrLst>
-    <dgm:linClrLst meth="repeat">
-      <a:schemeClr val="dk2"/>
-    </dgm:linClrLst>
-    <dgm:effectClrLst/>
-    <dgm:txLinClrLst/>
-    <dgm:txFillClrLst meth="repeat">
-      <a:schemeClr val="dk1"/>
-    </dgm:txFillClrLst>
-    <dgm:txEffectClrLst/>
-  </dgm:styleLbl>
-  <dgm:styleLbl name="bgAcc1">
-    <dgm:fillClrLst meth="repeat">
-      <a:schemeClr val="lt2">
-        <a:alpha val="90000"/>
-      </a:schemeClr>
-    </dgm:fillClrLst>
-    <dgm:linClrLst meth="repeat">
-      <a:schemeClr val="dk2"/>
-    </dgm:linClrLst>
-    <dgm:effectClrLst/>
-    <dgm:txLinClrLst/>
-    <dgm:txFillClrLst meth="repeat">
-      <a:schemeClr val="dk1"/>
-    </dgm:txFillClrLst>
-    <dgm:txEffectClrLst/>
-  </dgm:styleLbl>
-  <dgm:styleLbl name="solidFgAcc1">
-    <dgm:fillClrLst meth="repeat">
-      <a:schemeClr val="lt2"/>
-    </dgm:fillClrLst>
-    <dgm:linClrLst meth="repeat">
-      <a:schemeClr val="dk2"/>
-    </dgm:linClrLst>
-    <dgm:effectClrLst/>
-    <dgm:txLinClrLst/>
-    <dgm:txFillClrLst meth="repeat">
-      <a:schemeClr val="dk1"/>
-    </dgm:txFillClrLst>
-    <dgm:txEffectClrLst/>
-  </dgm:styleLbl>
-  <dgm:styleLbl name="solidAlignAcc1">
-    <dgm:fillClrLst meth="repeat">
-      <a:schemeClr val="lt2"/>
-    </dgm:fillClrLst>
-    <dgm:linClrLst meth="repeat">
-      <a:schemeClr val="dk2"/>
-    </dgm:linClrLst>
-    <dgm:effectClrLst/>
-    <dgm:txLinClrLst/>
-    <dgm:txFillClrLst meth="repeat">
-      <a:schemeClr val="dk1"/>
-    </dgm:txFillClrLst>
-    <dgm:txEffectClrLst/>
-  </dgm:styleLbl>
-  <dgm:styleLbl name="solidBgAcc1">
-    <dgm:fillClrLst meth="repeat">
-      <a:schemeClr val="lt2"/>
-    </dgm:fillClrLst>
-    <dgm:linClrLst meth="repeat">
-      <a:schemeClr val="dk2"/>
-    </dgm:linClrLst>
-    <dgm:effectClrLst/>
-    <dgm:txLinClrLst/>
-    <dgm:txFillClrLst meth="repeat">
-      <a:schemeClr val="dk1"/>
-    </dgm:txFillClrLst>
-    <dgm:txEffectClrLst/>
-  </dgm:styleLbl>
-  <dgm:styleLbl name="fgAccFollowNode1">
-    <dgm:fillClrLst meth="repeat">
-      <a:schemeClr val="dk2">
-        <a:alpha val="90000"/>
-        <a:tint val="40000"/>
-      </a:schemeClr>
-    </dgm:fillClrLst>
-    <dgm:linClrLst meth="repeat">
-      <a:schemeClr val="dk2">
-        <a:alpha val="90000"/>
-        <a:tint val="40000"/>
-      </a:schemeClr>
-    </dgm:linClrLst>
-    <dgm:effectClrLst/>
-    <dgm:txLinClrLst/>
-    <dgm:txFillClrLst meth="repeat">
-      <a:schemeClr val="dk1"/>
-    </dgm:txFillClrLst>
-    <dgm:txEffectClrLst/>
-  </dgm:styleLbl>
-  <dgm:styleLbl name="alignAccFollowNode1">
-    <dgm:fillClrLst meth="repeat">
-      <a:schemeClr val="dk2">
-        <a:alpha val="90000"/>
-        <a:tint val="40000"/>
-      </a:schemeClr>
-    </dgm:fillClrLst>
-    <dgm:linClrLst meth="repeat">
-      <a:schemeClr val="dk2">
-        <a:alpha val="90000"/>
-        <a:tint val="40000"/>
-      </a:schemeClr>
-    </dgm:linClrLst>
-    <dgm:effectClrLst/>
-    <dgm:txLinClrLst/>
-    <dgm:txFillClrLst meth="repeat">
-      <a:schemeClr val="dk1"/>
-    </dgm:txFillClrLst>
-    <dgm:txEffectClrLst/>
-  </dgm:styleLbl>
-  <dgm:styleLbl name="bgAccFollowNode1">
-    <dgm:fillClrLst meth="repeat">
-      <a:schemeClr val="dk2">
-        <a:alpha val="90000"/>
-        <a:tint val="40000"/>
-      </a:schemeClr>
-    </dgm:fillClrLst>
-    <dgm:linClrLst meth="repeat">
-      <a:schemeClr val="dk2">
-        <a:alpha val="90000"/>
-        <a:tint val="40000"/>
-      </a:schemeClr>
-    </dgm:linClrLst>
-    <dgm:effectClrLst/>
-    <dgm:txLinClrLst/>
-    <dgm:txFillClrLst meth="repeat">
-      <a:schemeClr val="dk1"/>
-    </dgm:txFillClrLst>
-    <dgm:txEffectClrLst/>
-  </dgm:styleLbl>
-  <dgm:styleLbl name="fgAcc0">
-    <dgm:fillClrLst meth="repeat">
-      <a:schemeClr val="lt2">
-        <a:alpha val="90000"/>
-      </a:schemeClr>
-    </dgm:fillClrLst>
-    <dgm:linClrLst meth="repeat">
-      <a:schemeClr val="dk2"/>
-    </dgm:linClrLst>
-    <dgm:effectClrLst/>
-    <dgm:txLinClrLst/>
-    <dgm:txFillClrLst meth="repeat">
-      <a:schemeClr val="dk1"/>
-    </dgm:txFillClrLst>
-    <dgm:txEffectClrLst/>
-  </dgm:styleLbl>
-  <dgm:styleLbl name="fgAcc2">
-    <dgm:fillClrLst meth="repeat">
-      <a:schemeClr val="lt2">
-        <a:alpha val="90000"/>
-      </a:schemeClr>
-    </dgm:fillClrLst>
-    <dgm:linClrLst meth="repeat">
-      <a:schemeClr val="dk2"/>
-    </dgm:linClrLst>
-    <dgm:effectClrLst/>
-    <dgm:txLinClrLst/>
-    <dgm:txFillClrLst meth="repeat">
-      <a:schemeClr val="dk1"/>
-    </dgm:txFillClrLst>
-    <dgm:txEffectClrLst/>
-  </dgm:styleLbl>
-  <dgm:styleLbl name="fgAcc3">
-    <dgm:fillClrLst meth="repeat">
-      <a:schemeClr val="lt2">
-        <a:alpha val="90000"/>
-      </a:schemeClr>
-    </dgm:fillClrLst>
-    <dgm:linClrLst meth="repeat">
-      <a:schemeClr val="dk2"/>
-    </dgm:linClrLst>
-    <dgm:effectClrLst/>
-    <dgm:txLinClrLst/>
-    <dgm:txFillClrLst meth="repeat">
-      <a:schemeClr val="dk1"/>
-    </dgm:txFillClrLst>
-    <dgm:txEffectClrLst/>
-  </dgm:styleLbl>
-  <dgm:styleLbl name="fgAcc4">
-    <dgm:fillClrLst meth="repeat">
-      <a:schemeClr val="lt2">
-        <a:alpha val="90000"/>
-      </a:schemeClr>
-    </dgm:fillClrLst>
-    <dgm:linClrLst meth="repeat">
-      <a:schemeClr val="dk2"/>
-    </dgm:linClrLst>
-    <dgm:effectClrLst/>
-    <dgm:txLinClrLst/>
-    <dgm:txFillClrLst meth="repeat">
-      <a:schemeClr val="dk1"/>
-    </dgm:txFillClrLst>
-    <dgm:txEffectClrLst/>
-  </dgm:styleLbl>
-  <dgm:styleLbl name="bgShp">
-    <dgm:fillClrLst meth="repeat">
-      <a:schemeClr val="dk2">
-        <a:tint val="40000"/>
-      </a:schemeClr>
-    </dgm:fillClrLst>
-    <dgm:linClrLst meth="repeat">
-      <a:schemeClr val="dk2"/>
-    </dgm:linClrLst>
-    <dgm:effectClrLst/>
-    <dgm:txLinClrLst/>
-    <dgm:txFillClrLst meth="repeat">
-      <a:schemeClr val="dk1"/>
-    </dgm:txFillClrLst>
-    <dgm:txEffectClrLst/>
-  </dgm:styleLbl>
-  <dgm:styleLbl name="dkBgShp">
-    <dgm:fillClrLst meth="repeat">
-      <a:schemeClr val="dk2">
-        <a:shade val="80000"/>
-      </a:schemeClr>
-    </dgm:fillClrLst>
-    <dgm:linClrLst meth="repeat">
-      <a:schemeClr val="dk2"/>
-    </dgm:linClrLst>
-    <dgm:effectClrLst/>
-    <dgm:txLinClrLst/>
-    <dgm:txFillClrLst meth="repeat">
-      <a:schemeClr val="lt1"/>
-    </dgm:txFillClrLst>
-    <dgm:txEffectClrLst/>
-  </dgm:styleLbl>
-  <dgm:styleLbl name="trBgShp">
-    <dgm:fillClrLst meth="repeat">
-      <a:schemeClr val="dk2">
-        <a:tint val="50000"/>
-        <a:alpha val="40000"/>
-      </a:schemeClr>
-    </dgm:fillClrLst>
-    <dgm:linClrLst meth="repeat">
-      <a:schemeClr val="dk2"/>
-    </dgm:linClrLst>
-    <dgm:effectClrLst/>
-    <dgm:txLinClrLst/>
-    <dgm:txFillClrLst meth="repeat">
-      <a:schemeClr val="lt1"/>
-    </dgm:txFillClrLst>
-    <dgm:txEffectClrLst/>
-  </dgm:styleLbl>
-  <dgm:styleLbl name="fgShp">
-    <dgm:fillClrLst meth="repeat">
-      <a:schemeClr val="dk2">
-        <a:tint val="60000"/>
-      </a:schemeClr>
-    </dgm:fillClrLst>
-    <dgm:linClrLst meth="repeat">
-      <a:schemeClr val="lt2"/>
-    </dgm:linClrLst>
-    <dgm:effectClrLst/>
-    <dgm:txLinClrLst/>
-    <dgm:txFillClrLst meth="repeat">
-      <a:schemeClr val="dk1"/>
-    </dgm:txFillClrLst>
-    <dgm:txEffectClrLst/>
-  </dgm:styleLbl>
-  <dgm:styleLbl name="revTx">
-    <dgm:fillClrLst meth="repeat">
-      <a:schemeClr val="lt2">
-        <a:alpha val="0"/>
-      </a:schemeClr>
-    </dgm:fillClrLst>
-    <dgm:linClrLst meth="repeat">
-      <a:schemeClr val="dk1">
-        <a:alpha val="0"/>
-      </a:schemeClr>
-    </dgm:linClrLst>
-    <dgm:effectClrLst/>
-    <dgm:txLinClrLst/>
-    <dgm:txFillClrLst meth="repeat">
-      <a:schemeClr val="tx1"/>
-    </dgm:txFillClrLst>
-    <dgm:txEffectClrLst/>
-  </dgm:styleLbl>
-</dgm:colorsDef>
-</file>
-
 <file path=ppt/diagrams/data1.xml><?xml version="1.0" encoding="utf-8"?>
 <dgm:dataModel xmlns:dgm="http://schemas.openxmlformats.org/drawingml/2006/diagram" xmlns:a="http://schemas.openxmlformats.org/drawingml/2006/main">
   <dgm:ptLst>
@@ -1712,10 +964,10 @@
         <a:lstStyle/>
         <a:p>
           <a:r>
-            <a:rPr lang="fr-CA"/>
+            <a:rPr lang="fr-CA" dirty="0"/>
             <a:t>Présentation et historique</a:t>
           </a:r>
-          <a:endParaRPr lang="en-US"/>
+          <a:endParaRPr lang="en-US" dirty="0"/>
         </a:p>
       </dgm:t>
     </dgm:pt>
@@ -1753,7 +1005,7 @@
         <a:p>
           <a:r>
             <a:rPr lang="fr-CA" dirty="0"/>
-            <a:t>Les propriétés</a:t>
+            <a:t>Display</a:t>
           </a:r>
           <a:endParaRPr lang="en-US" dirty="0"/>
         </a:p>
@@ -1771,7 +1023,7 @@
       </dgm:t>
     </dgm:pt>
     <dgm:pt modelId="{3F4A44E5-93AB-4090-BFC9-9CDCC305A51E}" type="sibTrans" cxnId="{06420FA1-CB3E-4B4D-8842-70FD9757381A}">
-      <dgm:prSet phldrT="02" phldr="0"/>
+      <dgm:prSet phldrT="03" phldr="0"/>
       <dgm:spPr/>
       <dgm:t>
         <a:bodyPr/>
@@ -1779,7 +1031,7 @@
         <a:p>
           <a:r>
             <a:rPr lang="en-US"/>
-            <a:t>02</a:t>
+            <a:t>03</a:t>
           </a:r>
         </a:p>
       </dgm:t>
@@ -1792,8 +1044,8 @@
         <a:lstStyle/>
         <a:p>
           <a:r>
-            <a:rPr lang="fr-CA" dirty="0"/>
-            <a:t>Les animations</a:t>
+            <a:rPr lang="fr-CA" dirty="0" err="1"/>
+            <a:t>FlexBox</a:t>
           </a:r>
           <a:endParaRPr lang="en-US" dirty="0"/>
         </a:p>
@@ -1811,50 +1063,6 @@
       </dgm:t>
     </dgm:pt>
     <dgm:pt modelId="{5E848E2A-BC23-4C4B-B598-06D3638E9292}" type="sibTrans" cxnId="{04C088D9-5918-4A1C-AE65-677521BE5D30}">
-      <dgm:prSet phldrT="03" phldr="0"/>
-      <dgm:spPr/>
-      <dgm:t>
-        <a:bodyPr/>
-        <a:lstStyle/>
-        <a:p>
-          <a:r>
-            <a:rPr lang="en-US"/>
-            <a:t>03</a:t>
-          </a:r>
-        </a:p>
-      </dgm:t>
-    </dgm:pt>
-    <dgm:pt modelId="{C74E4BD6-EB9D-4F91-BB01-872882CF7A7A}">
-      <dgm:prSet/>
-      <dgm:spPr/>
-      <dgm:t>
-        <a:bodyPr/>
-        <a:lstStyle/>
-        <a:p>
-          <a:r>
-            <a:rPr lang="en-US" dirty="0"/>
-            <a:t>Les </a:t>
-          </a:r>
-          <a:r>
-            <a:rPr lang="en-US" dirty="0" err="1"/>
-            <a:t>sélecteurs</a:t>
-          </a:r>
-          <a:endParaRPr lang="en-US" dirty="0"/>
-        </a:p>
-      </dgm:t>
-    </dgm:pt>
-    <dgm:pt modelId="{048672E3-9174-48F1-8E33-7D1BE351BA72}" type="parTrans" cxnId="{66278FC1-E49F-4C34-A59E-59EEC58995C2}">
-      <dgm:prSet/>
-      <dgm:spPr/>
-      <dgm:t>
-        <a:bodyPr/>
-        <a:lstStyle/>
-        <a:p>
-          <a:endParaRPr lang="en-US"/>
-        </a:p>
-      </dgm:t>
-    </dgm:pt>
-    <dgm:pt modelId="{FD43A277-0ABF-46C7-9239-7BAC00FED75B}" type="sibTrans" cxnId="{66278FC1-E49F-4C34-A59E-59EEC58995C2}">
       <dgm:prSet phldrT="04" phldr="0"/>
       <dgm:spPr/>
       <dgm:t>
@@ -1969,13 +1177,8 @@
         <a:p>
           <a:r>
             <a:rPr lang="en-US" dirty="0"/>
-            <a:t>Frameworks </a:t>
+            <a:t>Animations</a:t>
           </a:r>
-          <a:r>
-            <a:rPr lang="en-US" dirty="0" err="1"/>
-            <a:t>populaires</a:t>
-          </a:r>
-          <a:endParaRPr lang="en-US" dirty="0"/>
         </a:p>
       </dgm:t>
     </dgm:pt>
@@ -2000,6 +1203,50 @@
           <a:r>
             <a:rPr lang="en-US"/>
             <a:t>07</a:t>
+          </a:r>
+        </a:p>
+      </dgm:t>
+    </dgm:pt>
+    <dgm:pt modelId="{34A4BC67-F18A-4056-95BC-7277021A653C}">
+      <dgm:prSet/>
+      <dgm:spPr/>
+      <dgm:t>
+        <a:bodyPr/>
+        <a:lstStyle/>
+        <a:p>
+          <a:r>
+            <a:rPr lang="en-US" dirty="0"/>
+            <a:t>Les </a:t>
+          </a:r>
+          <a:r>
+            <a:rPr lang="en-US" dirty="0" err="1"/>
+            <a:t>sélecteurs</a:t>
+          </a:r>
+          <a:endParaRPr lang="en-US" dirty="0"/>
+        </a:p>
+      </dgm:t>
+    </dgm:pt>
+    <dgm:pt modelId="{0BF2533B-B8E8-4298-836A-C06BBE649C26}" type="parTrans" cxnId="{0EF995A2-6BD7-4EB6-AC60-64FD7297B26C}">
+      <dgm:prSet/>
+      <dgm:spPr/>
+      <dgm:t>
+        <a:bodyPr/>
+        <a:lstStyle/>
+        <a:p>
+          <a:endParaRPr lang="en-US"/>
+        </a:p>
+      </dgm:t>
+    </dgm:pt>
+    <dgm:pt modelId="{F1BD3F1E-BD4E-48D3-BF58-DDD8BD0557E0}" type="sibTrans" cxnId="{0EF995A2-6BD7-4EB6-AC60-64FD7297B26C}">
+      <dgm:prSet phldrT="02" phldr="0"/>
+      <dgm:spPr/>
+      <dgm:t>
+        <a:bodyPr/>
+        <a:lstStyle/>
+        <a:p>
+          <a:r>
+            <a:rPr lang="en-US"/>
+            <a:t>02</a:t>
           </a:r>
         </a:p>
       </dgm:t>
@@ -2046,6 +1293,39 @@
       <dgm:prSet presAssocID="{E780E9FF-CF27-48FB-A566-739A5FC08D7A}" presName="sibTrans" presStyleCnt="0"/>
       <dgm:spPr/>
     </dgm:pt>
+    <dgm:pt modelId="{268BD20E-0D8D-46CA-B1AA-2DC5D42E12F6}" type="pres">
+      <dgm:prSet presAssocID="{34A4BC67-F18A-4056-95BC-7277021A653C}" presName="compositeNode" presStyleCnt="0">
+        <dgm:presLayoutVars>
+          <dgm:bulletEnabled val="1"/>
+        </dgm:presLayoutVars>
+      </dgm:prSet>
+      <dgm:spPr/>
+    </dgm:pt>
+    <dgm:pt modelId="{5000D9A7-B49F-45B3-BE70-9D694A5BCCF6}" type="pres">
+      <dgm:prSet presAssocID="{34A4BC67-F18A-4056-95BC-7277021A653C}" presName="bgRect" presStyleLbl="alignNode1" presStyleIdx="1" presStyleCnt="7"/>
+      <dgm:spPr/>
+    </dgm:pt>
+    <dgm:pt modelId="{0C3CC6F9-0B09-4EF9-8CC9-2EB1E4E33BFC}" type="pres">
+      <dgm:prSet presAssocID="{F1BD3F1E-BD4E-48D3-BF58-DDD8BD0557E0}" presName="sibTransNodeRect" presStyleLbl="alignNode1" presStyleIdx="1" presStyleCnt="7">
+        <dgm:presLayoutVars>
+          <dgm:chMax val="0"/>
+          <dgm:bulletEnabled val="1"/>
+        </dgm:presLayoutVars>
+      </dgm:prSet>
+      <dgm:spPr/>
+    </dgm:pt>
+    <dgm:pt modelId="{D3E6A72E-1835-4B0A-9612-BDAC45306E73}" type="pres">
+      <dgm:prSet presAssocID="{34A4BC67-F18A-4056-95BC-7277021A653C}" presName="nodeRect" presStyleLbl="alignNode1" presStyleIdx="1" presStyleCnt="7">
+        <dgm:presLayoutVars>
+          <dgm:bulletEnabled val="1"/>
+        </dgm:presLayoutVars>
+      </dgm:prSet>
+      <dgm:spPr/>
+    </dgm:pt>
+    <dgm:pt modelId="{A1D256BA-2155-4917-9FBD-8632B0AEFD85}" type="pres">
+      <dgm:prSet presAssocID="{F1BD3F1E-BD4E-48D3-BF58-DDD8BD0557E0}" presName="sibTrans" presStyleCnt="0"/>
+      <dgm:spPr/>
+    </dgm:pt>
     <dgm:pt modelId="{EFE3BD13-AC8A-4FD1-B9C0-0BCE181105A9}" type="pres">
       <dgm:prSet presAssocID="{4CAA67BA-1842-44AE-8909-7DA9906EAF02}" presName="compositeNode" presStyleCnt="0">
         <dgm:presLayoutVars>
@@ -2055,11 +1335,11 @@
       <dgm:spPr/>
     </dgm:pt>
     <dgm:pt modelId="{4BF1B55C-59A9-4BDA-8A14-BF9AE2810641}" type="pres">
-      <dgm:prSet presAssocID="{4CAA67BA-1842-44AE-8909-7DA9906EAF02}" presName="bgRect" presStyleLbl="alignNode1" presStyleIdx="1" presStyleCnt="7"/>
+      <dgm:prSet presAssocID="{4CAA67BA-1842-44AE-8909-7DA9906EAF02}" presName="bgRect" presStyleLbl="alignNode1" presStyleIdx="2" presStyleCnt="7"/>
       <dgm:spPr/>
     </dgm:pt>
     <dgm:pt modelId="{FC25EDB3-D9F1-49F3-9BE4-50ACC997575C}" type="pres">
-      <dgm:prSet presAssocID="{3F4A44E5-93AB-4090-BFC9-9CDCC305A51E}" presName="sibTransNodeRect" presStyleLbl="alignNode1" presStyleIdx="1" presStyleCnt="7">
+      <dgm:prSet presAssocID="{3F4A44E5-93AB-4090-BFC9-9CDCC305A51E}" presName="sibTransNodeRect" presStyleLbl="alignNode1" presStyleIdx="2" presStyleCnt="7">
         <dgm:presLayoutVars>
           <dgm:chMax val="0"/>
           <dgm:bulletEnabled val="1"/>
@@ -2068,7 +1348,7 @@
       <dgm:spPr/>
     </dgm:pt>
     <dgm:pt modelId="{108D3B44-8130-4822-B810-D078A1766AF7}" type="pres">
-      <dgm:prSet presAssocID="{4CAA67BA-1842-44AE-8909-7DA9906EAF02}" presName="nodeRect" presStyleLbl="alignNode1" presStyleIdx="1" presStyleCnt="7">
+      <dgm:prSet presAssocID="{4CAA67BA-1842-44AE-8909-7DA9906EAF02}" presName="nodeRect" presStyleLbl="alignNode1" presStyleIdx="2" presStyleCnt="7">
         <dgm:presLayoutVars>
           <dgm:bulletEnabled val="1"/>
         </dgm:presLayoutVars>
@@ -2088,11 +1368,11 @@
       <dgm:spPr/>
     </dgm:pt>
     <dgm:pt modelId="{EA525C08-8D94-46EF-9096-EC9BCE951F5F}" type="pres">
-      <dgm:prSet presAssocID="{466F9C7B-ED81-4891-A2FA-44D652270270}" presName="bgRect" presStyleLbl="alignNode1" presStyleIdx="2" presStyleCnt="7"/>
+      <dgm:prSet presAssocID="{466F9C7B-ED81-4891-A2FA-44D652270270}" presName="bgRect" presStyleLbl="alignNode1" presStyleIdx="3" presStyleCnt="7"/>
       <dgm:spPr/>
     </dgm:pt>
     <dgm:pt modelId="{41C1CB81-365C-4EE4-A20B-3F8659459FE1}" type="pres">
-      <dgm:prSet presAssocID="{5E848E2A-BC23-4C4B-B598-06D3638E9292}" presName="sibTransNodeRect" presStyleLbl="alignNode1" presStyleIdx="2" presStyleCnt="7">
+      <dgm:prSet presAssocID="{5E848E2A-BC23-4C4B-B598-06D3638E9292}" presName="sibTransNodeRect" presStyleLbl="alignNode1" presStyleIdx="3" presStyleCnt="7">
         <dgm:presLayoutVars>
           <dgm:chMax val="0"/>
           <dgm:bulletEnabled val="1"/>
@@ -2101,7 +1381,7 @@
       <dgm:spPr/>
     </dgm:pt>
     <dgm:pt modelId="{5FC38F6F-8D27-4F26-8A7C-72ED6E990401}" type="pres">
-      <dgm:prSet presAssocID="{466F9C7B-ED81-4891-A2FA-44D652270270}" presName="nodeRect" presStyleLbl="alignNode1" presStyleIdx="2" presStyleCnt="7">
+      <dgm:prSet presAssocID="{466F9C7B-ED81-4891-A2FA-44D652270270}" presName="nodeRect" presStyleLbl="alignNode1" presStyleIdx="3" presStyleCnt="7">
         <dgm:presLayoutVars>
           <dgm:bulletEnabled val="1"/>
         </dgm:presLayoutVars>
@@ -2110,39 +1390,6 @@
     </dgm:pt>
     <dgm:pt modelId="{72CE65BB-221C-4E8C-A611-311F6EB92356}" type="pres">
       <dgm:prSet presAssocID="{5E848E2A-BC23-4C4B-B598-06D3638E9292}" presName="sibTrans" presStyleCnt="0"/>
-      <dgm:spPr/>
-    </dgm:pt>
-    <dgm:pt modelId="{99CC034B-EBAA-41CE-965B-9EC7537C4863}" type="pres">
-      <dgm:prSet presAssocID="{C74E4BD6-EB9D-4F91-BB01-872882CF7A7A}" presName="compositeNode" presStyleCnt="0">
-        <dgm:presLayoutVars>
-          <dgm:bulletEnabled val="1"/>
-        </dgm:presLayoutVars>
-      </dgm:prSet>
-      <dgm:spPr/>
-    </dgm:pt>
-    <dgm:pt modelId="{7AC9307C-5B31-44E6-9A3F-BBAC43B0A7A8}" type="pres">
-      <dgm:prSet presAssocID="{C74E4BD6-EB9D-4F91-BB01-872882CF7A7A}" presName="bgRect" presStyleLbl="alignNode1" presStyleIdx="3" presStyleCnt="7"/>
-      <dgm:spPr/>
-    </dgm:pt>
-    <dgm:pt modelId="{11432C2F-B32D-4149-A0DD-11211B88AC37}" type="pres">
-      <dgm:prSet presAssocID="{FD43A277-0ABF-46C7-9239-7BAC00FED75B}" presName="sibTransNodeRect" presStyleLbl="alignNode1" presStyleIdx="3" presStyleCnt="7">
-        <dgm:presLayoutVars>
-          <dgm:chMax val="0"/>
-          <dgm:bulletEnabled val="1"/>
-        </dgm:presLayoutVars>
-      </dgm:prSet>
-      <dgm:spPr/>
-    </dgm:pt>
-    <dgm:pt modelId="{89CA60BF-CE08-4F23-9F67-2645ED35A42D}" type="pres">
-      <dgm:prSet presAssocID="{C74E4BD6-EB9D-4F91-BB01-872882CF7A7A}" presName="nodeRect" presStyleLbl="alignNode1" presStyleIdx="3" presStyleCnt="7">
-        <dgm:presLayoutVars>
-          <dgm:bulletEnabled val="1"/>
-        </dgm:presLayoutVars>
-      </dgm:prSet>
-      <dgm:spPr/>
-    </dgm:pt>
-    <dgm:pt modelId="{8D4F858C-37E0-4F81-A5C9-1B6E7975D22D}" type="pres">
-      <dgm:prSet presAssocID="{FD43A277-0ABF-46C7-9239-7BAC00FED75B}" presName="sibTrans" presStyleCnt="0"/>
       <dgm:spPr/>
     </dgm:pt>
     <dgm:pt modelId="{DB7D4165-D402-4CE0-8632-C361DCB2795C}" type="pres">
@@ -2243,15 +1490,15 @@
   </dgm:ptLst>
   <dgm:cxnLst>
     <dgm:cxn modelId="{24FBAA0F-C90E-444F-BC7D-505075B1AD39}" type="presOf" srcId="{076BC9AC-4E35-4874-94E8-3B83F44F8E22}" destId="{6AC3B85A-8012-443B-90CE-B64A7DBEF91C}" srcOrd="0" destOrd="0" presId="urn:microsoft.com/office/officeart/2016/7/layout/LinearBlockProcessNumbered"/>
-    <dgm:cxn modelId="{9BF43015-B687-446B-B563-1A4DAEFA9CFF}" type="presOf" srcId="{C74E4BD6-EB9D-4F91-BB01-872882CF7A7A}" destId="{7AC9307C-5B31-44E6-9A3F-BBAC43B0A7A8}" srcOrd="0" destOrd="0" presId="urn:microsoft.com/office/officeart/2016/7/layout/LinearBlockProcessNumbered"/>
     <dgm:cxn modelId="{7A030916-FE4A-4BA9-99AA-6D8025BDCAC0}" type="presOf" srcId="{5E848E2A-BC23-4C4B-B598-06D3638E9292}" destId="{41C1CB81-365C-4EE4-A20B-3F8659459FE1}" srcOrd="0" destOrd="0" presId="urn:microsoft.com/office/officeart/2016/7/layout/LinearBlockProcessNumbered"/>
     <dgm:cxn modelId="{7DC1BD2E-564D-4A0D-9F99-2031C5681595}" type="presOf" srcId="{E780E9FF-CF27-48FB-A566-739A5FC08D7A}" destId="{2BDA68BE-D35E-42AC-AD6E-163D1E23BC54}" srcOrd="0" destOrd="0" presId="urn:microsoft.com/office/officeart/2016/7/layout/LinearBlockProcessNumbered"/>
-    <dgm:cxn modelId="{44615F30-8A6C-48E3-B66E-21BE58904CBD}" type="presOf" srcId="{C74E4BD6-EB9D-4F91-BB01-872882CF7A7A}" destId="{89CA60BF-CE08-4F23-9F67-2645ED35A42D}" srcOrd="1" destOrd="0" presId="urn:microsoft.com/office/officeart/2016/7/layout/LinearBlockProcessNumbered"/>
     <dgm:cxn modelId="{A4FDE735-3F1B-4089-B564-8F65AAE1F9B1}" type="presOf" srcId="{6FDB3249-AFDE-470D-81EC-93A2999A7150}" destId="{FBA11231-CD38-4C6A-A2C0-8D6EF2FCB349}" srcOrd="0" destOrd="0" presId="urn:microsoft.com/office/officeart/2016/7/layout/LinearBlockProcessNumbered"/>
     <dgm:cxn modelId="{A2551D39-BFB1-417A-8A53-20F043E5FB94}" type="presOf" srcId="{3F4A44E5-93AB-4090-BFC9-9CDCC305A51E}" destId="{FC25EDB3-D9F1-49F3-9BE4-50ACC997575C}" srcOrd="0" destOrd="0" presId="urn:microsoft.com/office/officeart/2016/7/layout/LinearBlockProcessNumbered"/>
+    <dgm:cxn modelId="{08194A3C-EDF8-4B1D-BE82-15D35D8615D5}" type="presOf" srcId="{34A4BC67-F18A-4056-95BC-7277021A653C}" destId="{5000D9A7-B49F-45B3-BE70-9D694A5BCCF6}" srcOrd="0" destOrd="0" presId="urn:microsoft.com/office/officeart/2016/7/layout/LinearBlockProcessNumbered"/>
+    <dgm:cxn modelId="{FD42FB5E-7928-4D99-8FAF-6480F05CBCE9}" type="presOf" srcId="{F1BD3F1E-BD4E-48D3-BF58-DDD8BD0557E0}" destId="{0C3CC6F9-0B09-4EF9-8CC9-2EB1E4E33BFC}" srcOrd="0" destOrd="0" presId="urn:microsoft.com/office/officeart/2016/7/layout/LinearBlockProcessNumbered"/>
+    <dgm:cxn modelId="{9B303643-5B71-43E1-9F7D-C12C0E7CA256}" type="presOf" srcId="{34A4BC67-F18A-4056-95BC-7277021A653C}" destId="{D3E6A72E-1835-4B0A-9612-BDAC45306E73}" srcOrd="1" destOrd="0" presId="urn:microsoft.com/office/officeart/2016/7/layout/LinearBlockProcessNumbered"/>
     <dgm:cxn modelId="{7E531764-69CC-4EAF-A8C0-49651A2E6006}" type="presOf" srcId="{44F03A0C-3C4B-4E90-A793-DBDCF53FCE65}" destId="{17661AF8-79D7-45AC-AC82-DF956C1B6996}" srcOrd="0" destOrd="0" presId="urn:microsoft.com/office/officeart/2016/7/layout/LinearBlockProcessNumbered"/>
     <dgm:cxn modelId="{35447368-6539-4344-AF7F-F2BE87E12F33}" srcId="{3780B436-22B5-484B-8716-3D8C2D5BBB9D}" destId="{6FDB3249-AFDE-470D-81EC-93A2999A7150}" srcOrd="4" destOrd="0" parTransId="{E53EA685-49AF-4451-877A-8FEEAA29D962}" sibTransId="{076BC9AC-4E35-4874-94E8-3B83F44F8E22}"/>
-    <dgm:cxn modelId="{E7EE896A-6F54-47E8-8FDD-729F2DC6F59E}" type="presOf" srcId="{FD43A277-0ABF-46C7-9239-7BAC00FED75B}" destId="{11432C2F-B32D-4149-A0DD-11211B88AC37}" srcOrd="0" destOrd="0" presId="urn:microsoft.com/office/officeart/2016/7/layout/LinearBlockProcessNumbered"/>
     <dgm:cxn modelId="{775AE74C-7DA6-40C1-91F1-86AC116FF800}" type="presOf" srcId="{3C972B14-4C7B-4936-A7ED-C9DC11EE6234}" destId="{0BCDFAC6-0380-4F90-9501-3A27451846DC}" srcOrd="0" destOrd="0" presId="urn:microsoft.com/office/officeart/2016/7/layout/LinearBlockProcessNumbered"/>
     <dgm:cxn modelId="{266C9E4D-48F2-4FAB-9118-82D4F64B09B5}" type="presOf" srcId="{466F9C7B-ED81-4891-A2FA-44D652270270}" destId="{5FC38F6F-8D27-4F26-8A7C-72ED6E990401}" srcOrd="1" destOrd="0" presId="urn:microsoft.com/office/officeart/2016/7/layout/LinearBlockProcessNumbered"/>
     <dgm:cxn modelId="{3A8B0856-CAC1-4C77-A887-6C91F111447A}" type="presOf" srcId="{184D8D9D-8B0B-4583-A3AC-B90869F7566A}" destId="{9680E1C8-4667-40B2-ABE8-78E1552AA566}" srcOrd="1" destOrd="0" presId="urn:microsoft.com/office/officeart/2016/7/layout/LinearBlockProcessNumbered"/>
@@ -2260,15 +1507,15 @@
     <dgm:cxn modelId="{4DD29780-BBBA-4727-8214-912CCFFB7531}" srcId="{3780B436-22B5-484B-8716-3D8C2D5BBB9D}" destId="{184D8D9D-8B0B-4583-A3AC-B90869F7566A}" srcOrd="0" destOrd="0" parTransId="{6F5FFD4C-CE7B-4B2E-9D88-27A663093BE1}" sibTransId="{E780E9FF-CF27-48FB-A566-739A5FC08D7A}"/>
     <dgm:cxn modelId="{50CDF98E-8111-41F9-82B1-1065E7B20C65}" srcId="{3780B436-22B5-484B-8716-3D8C2D5BBB9D}" destId="{C74DD454-A15D-4957-859B-41B20A741986}" srcOrd="5" destOrd="0" parTransId="{50411692-5DAF-4886-8E72-DF966E3B5F3A}" sibTransId="{3C972B14-4C7B-4936-A7ED-C9DC11EE6234}"/>
     <dgm:cxn modelId="{4531E09D-2531-4EF9-BF5F-4542EB7712F2}" type="presOf" srcId="{6FDB3249-AFDE-470D-81EC-93A2999A7150}" destId="{3D2E9549-C69A-4FE7-B421-C5D6EBCBA015}" srcOrd="1" destOrd="0" presId="urn:microsoft.com/office/officeart/2016/7/layout/LinearBlockProcessNumbered"/>
-    <dgm:cxn modelId="{06420FA1-CB3E-4B4D-8842-70FD9757381A}" srcId="{3780B436-22B5-484B-8716-3D8C2D5BBB9D}" destId="{4CAA67BA-1842-44AE-8909-7DA9906EAF02}" srcOrd="1" destOrd="0" parTransId="{4BF3F775-9489-4FCA-AD8B-9AF4C27B04AD}" sibTransId="{3F4A44E5-93AB-4090-BFC9-9CDCC305A51E}"/>
+    <dgm:cxn modelId="{06420FA1-CB3E-4B4D-8842-70FD9757381A}" srcId="{3780B436-22B5-484B-8716-3D8C2D5BBB9D}" destId="{4CAA67BA-1842-44AE-8909-7DA9906EAF02}" srcOrd="2" destOrd="0" parTransId="{4BF3F775-9489-4FCA-AD8B-9AF4C27B04AD}" sibTransId="{3F4A44E5-93AB-4090-BFC9-9CDCC305A51E}"/>
+    <dgm:cxn modelId="{0EF995A2-6BD7-4EB6-AC60-64FD7297B26C}" srcId="{3780B436-22B5-484B-8716-3D8C2D5BBB9D}" destId="{34A4BC67-F18A-4056-95BC-7277021A653C}" srcOrd="1" destOrd="0" parTransId="{0BF2533B-B8E8-4298-836A-C06BBE649C26}" sibTransId="{F1BD3F1E-BD4E-48D3-BF58-DDD8BD0557E0}"/>
     <dgm:cxn modelId="{F11B8DB0-F354-4D8E-A4F9-FAFECB24ED73}" type="presOf" srcId="{184D8D9D-8B0B-4583-A3AC-B90869F7566A}" destId="{6E5C421E-07EC-4631-8472-B43D4B9E0ABD}" srcOrd="0" destOrd="0" presId="urn:microsoft.com/office/officeart/2016/7/layout/LinearBlockProcessNumbered"/>
     <dgm:cxn modelId="{8FE4E5B7-9951-4BF5-AE40-0B92DFA4A920}" type="presOf" srcId="{4029C207-DD13-409C-B74F-69BAE8D5B1C3}" destId="{580B4C72-457D-4688-B975-1667CA2CA524}" srcOrd="0" destOrd="0" presId="urn:microsoft.com/office/officeart/2016/7/layout/LinearBlockProcessNumbered"/>
     <dgm:cxn modelId="{37332EBD-84A2-4235-BD53-B6DE20A57724}" type="presOf" srcId="{4CAA67BA-1842-44AE-8909-7DA9906EAF02}" destId="{108D3B44-8130-4822-B810-D078A1766AF7}" srcOrd="1" destOrd="0" presId="urn:microsoft.com/office/officeart/2016/7/layout/LinearBlockProcessNumbered"/>
-    <dgm:cxn modelId="{66278FC1-E49F-4C34-A59E-59EEC58995C2}" srcId="{3780B436-22B5-484B-8716-3D8C2D5BBB9D}" destId="{C74E4BD6-EB9D-4F91-BB01-872882CF7A7A}" srcOrd="3" destOrd="0" parTransId="{048672E3-9174-48F1-8E33-7D1BE351BA72}" sibTransId="{FD43A277-0ABF-46C7-9239-7BAC00FED75B}"/>
     <dgm:cxn modelId="{92DA8BC3-3E83-421E-AB52-BBCDF5CEDB5D}" type="presOf" srcId="{C74DD454-A15D-4957-859B-41B20A741986}" destId="{BC91CA29-9AD6-4612-8A0F-D7BFF513C85A}" srcOrd="1" destOrd="0" presId="urn:microsoft.com/office/officeart/2016/7/layout/LinearBlockProcessNumbered"/>
     <dgm:cxn modelId="{85A751C9-3068-4D44-A613-7DB09ED63488}" srcId="{3780B436-22B5-484B-8716-3D8C2D5BBB9D}" destId="{4029C207-DD13-409C-B74F-69BAE8D5B1C3}" srcOrd="6" destOrd="0" parTransId="{6F1D8F6C-2D11-45F4-9F8F-1C85F803BF0F}" sibTransId="{44F03A0C-3C4B-4E90-A793-DBDCF53FCE65}"/>
     <dgm:cxn modelId="{075449D7-382B-4E2F-8E59-F77B3009256F}" type="presOf" srcId="{4CAA67BA-1842-44AE-8909-7DA9906EAF02}" destId="{4BF1B55C-59A9-4BDA-8A14-BF9AE2810641}" srcOrd="0" destOrd="0" presId="urn:microsoft.com/office/officeart/2016/7/layout/LinearBlockProcessNumbered"/>
-    <dgm:cxn modelId="{04C088D9-5918-4A1C-AE65-677521BE5D30}" srcId="{3780B436-22B5-484B-8716-3D8C2D5BBB9D}" destId="{466F9C7B-ED81-4891-A2FA-44D652270270}" srcOrd="2" destOrd="0" parTransId="{1A4DA3CC-494B-401E-9E0F-20254CC70955}" sibTransId="{5E848E2A-BC23-4C4B-B598-06D3638E9292}"/>
+    <dgm:cxn modelId="{04C088D9-5918-4A1C-AE65-677521BE5D30}" srcId="{3780B436-22B5-484B-8716-3D8C2D5BBB9D}" destId="{466F9C7B-ED81-4891-A2FA-44D652270270}" srcOrd="3" destOrd="0" parTransId="{1A4DA3CC-494B-401E-9E0F-20254CC70955}" sibTransId="{5E848E2A-BC23-4C4B-B598-06D3638E9292}"/>
     <dgm:cxn modelId="{8CCEC9F4-F7DF-4AB3-9B1B-F13D0A7D50D7}" type="presOf" srcId="{4029C207-DD13-409C-B74F-69BAE8D5B1C3}" destId="{1BDDFFAB-0C53-4C75-9189-E641D00FFC50}" srcOrd="1" destOrd="0" presId="urn:microsoft.com/office/officeart/2016/7/layout/LinearBlockProcessNumbered"/>
     <dgm:cxn modelId="{3B19A9F9-C5B9-4B5E-826F-822E2DBD0E1D}" type="presOf" srcId="{C74DD454-A15D-4957-859B-41B20A741986}" destId="{A8F799E2-5C5F-450B-B006-01E84A241995}" srcOrd="0" destOrd="0" presId="urn:microsoft.com/office/officeart/2016/7/layout/LinearBlockProcessNumbered"/>
     <dgm:cxn modelId="{4828F79C-C749-4B00-B40E-506EE8A539C6}" type="presParOf" srcId="{91EE3E17-354D-436D-8B1F-2AB640647836}" destId="{C4F5318F-7BAF-4E73-ADC3-E06A0CEFA3D3}" srcOrd="0" destOrd="0" presId="urn:microsoft.com/office/officeart/2016/7/layout/LinearBlockProcessNumbered"/>
@@ -2276,21 +1523,21 @@
     <dgm:cxn modelId="{BB928A98-17F9-4176-B2DD-9DCA870ABFD3}" type="presParOf" srcId="{C4F5318F-7BAF-4E73-ADC3-E06A0CEFA3D3}" destId="{2BDA68BE-D35E-42AC-AD6E-163D1E23BC54}" srcOrd="1" destOrd="0" presId="urn:microsoft.com/office/officeart/2016/7/layout/LinearBlockProcessNumbered"/>
     <dgm:cxn modelId="{6AF205D8-7252-4791-A362-363B79BC917D}" type="presParOf" srcId="{C4F5318F-7BAF-4E73-ADC3-E06A0CEFA3D3}" destId="{9680E1C8-4667-40B2-ABE8-78E1552AA566}" srcOrd="2" destOrd="0" presId="urn:microsoft.com/office/officeart/2016/7/layout/LinearBlockProcessNumbered"/>
     <dgm:cxn modelId="{56C9A350-798B-415C-B379-080DC7EE42BB}" type="presParOf" srcId="{91EE3E17-354D-436D-8B1F-2AB640647836}" destId="{4FB68DC3-0854-4057-9004-13C7B3355F6C}" srcOrd="1" destOrd="0" presId="urn:microsoft.com/office/officeart/2016/7/layout/LinearBlockProcessNumbered"/>
-    <dgm:cxn modelId="{B5551959-90B6-4EF8-9E9D-18465A89F470}" type="presParOf" srcId="{91EE3E17-354D-436D-8B1F-2AB640647836}" destId="{EFE3BD13-AC8A-4FD1-B9C0-0BCE181105A9}" srcOrd="2" destOrd="0" presId="urn:microsoft.com/office/officeart/2016/7/layout/LinearBlockProcessNumbered"/>
+    <dgm:cxn modelId="{F0B6E600-EB42-459D-976A-09A76F8E4DC6}" type="presParOf" srcId="{91EE3E17-354D-436D-8B1F-2AB640647836}" destId="{268BD20E-0D8D-46CA-B1AA-2DC5D42E12F6}" srcOrd="2" destOrd="0" presId="urn:microsoft.com/office/officeart/2016/7/layout/LinearBlockProcessNumbered"/>
+    <dgm:cxn modelId="{D8332C6D-FD2D-4EE4-9909-A3D6A68CF075}" type="presParOf" srcId="{268BD20E-0D8D-46CA-B1AA-2DC5D42E12F6}" destId="{5000D9A7-B49F-45B3-BE70-9D694A5BCCF6}" srcOrd="0" destOrd="0" presId="urn:microsoft.com/office/officeart/2016/7/layout/LinearBlockProcessNumbered"/>
+    <dgm:cxn modelId="{A2E7E86B-03AA-4200-A732-21C12EECB144}" type="presParOf" srcId="{268BD20E-0D8D-46CA-B1AA-2DC5D42E12F6}" destId="{0C3CC6F9-0B09-4EF9-8CC9-2EB1E4E33BFC}" srcOrd="1" destOrd="0" presId="urn:microsoft.com/office/officeart/2016/7/layout/LinearBlockProcessNumbered"/>
+    <dgm:cxn modelId="{EF150ABD-EDD8-4F51-BB8D-4EDE07651236}" type="presParOf" srcId="{268BD20E-0D8D-46CA-B1AA-2DC5D42E12F6}" destId="{D3E6A72E-1835-4B0A-9612-BDAC45306E73}" srcOrd="2" destOrd="0" presId="urn:microsoft.com/office/officeart/2016/7/layout/LinearBlockProcessNumbered"/>
+    <dgm:cxn modelId="{FF472FDB-B64B-48AD-8832-B5BD715F832C}" type="presParOf" srcId="{91EE3E17-354D-436D-8B1F-2AB640647836}" destId="{A1D256BA-2155-4917-9FBD-8632B0AEFD85}" srcOrd="3" destOrd="0" presId="urn:microsoft.com/office/officeart/2016/7/layout/LinearBlockProcessNumbered"/>
+    <dgm:cxn modelId="{B5551959-90B6-4EF8-9E9D-18465A89F470}" type="presParOf" srcId="{91EE3E17-354D-436D-8B1F-2AB640647836}" destId="{EFE3BD13-AC8A-4FD1-B9C0-0BCE181105A9}" srcOrd="4" destOrd="0" presId="urn:microsoft.com/office/officeart/2016/7/layout/LinearBlockProcessNumbered"/>
     <dgm:cxn modelId="{E397E0B5-ECCD-4822-80C5-6E9BD74F41F0}" type="presParOf" srcId="{EFE3BD13-AC8A-4FD1-B9C0-0BCE181105A9}" destId="{4BF1B55C-59A9-4BDA-8A14-BF9AE2810641}" srcOrd="0" destOrd="0" presId="urn:microsoft.com/office/officeart/2016/7/layout/LinearBlockProcessNumbered"/>
     <dgm:cxn modelId="{37A9EF8C-21E1-42D0-ABF4-1601162E3879}" type="presParOf" srcId="{EFE3BD13-AC8A-4FD1-B9C0-0BCE181105A9}" destId="{FC25EDB3-D9F1-49F3-9BE4-50ACC997575C}" srcOrd="1" destOrd="0" presId="urn:microsoft.com/office/officeart/2016/7/layout/LinearBlockProcessNumbered"/>
     <dgm:cxn modelId="{ADABD5D3-17C3-412E-93E3-69DCF0CA79EA}" type="presParOf" srcId="{EFE3BD13-AC8A-4FD1-B9C0-0BCE181105A9}" destId="{108D3B44-8130-4822-B810-D078A1766AF7}" srcOrd="2" destOrd="0" presId="urn:microsoft.com/office/officeart/2016/7/layout/LinearBlockProcessNumbered"/>
-    <dgm:cxn modelId="{1E49B9DC-CC6F-480E-A89C-5E7DF05B5292}" type="presParOf" srcId="{91EE3E17-354D-436D-8B1F-2AB640647836}" destId="{5F48E0F0-ECCB-46DD-A3AB-59E32C46426E}" srcOrd="3" destOrd="0" presId="urn:microsoft.com/office/officeart/2016/7/layout/LinearBlockProcessNumbered"/>
-    <dgm:cxn modelId="{2E724F5C-99D2-4852-B696-AC26CAF7BBC9}" type="presParOf" srcId="{91EE3E17-354D-436D-8B1F-2AB640647836}" destId="{E931C5F6-CBAF-4E24-9163-09B19A845AA4}" srcOrd="4" destOrd="0" presId="urn:microsoft.com/office/officeart/2016/7/layout/LinearBlockProcessNumbered"/>
+    <dgm:cxn modelId="{1E49B9DC-CC6F-480E-A89C-5E7DF05B5292}" type="presParOf" srcId="{91EE3E17-354D-436D-8B1F-2AB640647836}" destId="{5F48E0F0-ECCB-46DD-A3AB-59E32C46426E}" srcOrd="5" destOrd="0" presId="urn:microsoft.com/office/officeart/2016/7/layout/LinearBlockProcessNumbered"/>
+    <dgm:cxn modelId="{2E724F5C-99D2-4852-B696-AC26CAF7BBC9}" type="presParOf" srcId="{91EE3E17-354D-436D-8B1F-2AB640647836}" destId="{E931C5F6-CBAF-4E24-9163-09B19A845AA4}" srcOrd="6" destOrd="0" presId="urn:microsoft.com/office/officeart/2016/7/layout/LinearBlockProcessNumbered"/>
     <dgm:cxn modelId="{304396DF-7AE4-4C2E-AFFA-0FAC01F39F96}" type="presParOf" srcId="{E931C5F6-CBAF-4E24-9163-09B19A845AA4}" destId="{EA525C08-8D94-46EF-9096-EC9BCE951F5F}" srcOrd="0" destOrd="0" presId="urn:microsoft.com/office/officeart/2016/7/layout/LinearBlockProcessNumbered"/>
     <dgm:cxn modelId="{BFCDF103-108A-4271-AE29-8AF05F8C8B0D}" type="presParOf" srcId="{E931C5F6-CBAF-4E24-9163-09B19A845AA4}" destId="{41C1CB81-365C-4EE4-A20B-3F8659459FE1}" srcOrd="1" destOrd="0" presId="urn:microsoft.com/office/officeart/2016/7/layout/LinearBlockProcessNumbered"/>
     <dgm:cxn modelId="{5A6F9659-CEFE-45C8-9A32-E7701D960140}" type="presParOf" srcId="{E931C5F6-CBAF-4E24-9163-09B19A845AA4}" destId="{5FC38F6F-8D27-4F26-8A7C-72ED6E990401}" srcOrd="2" destOrd="0" presId="urn:microsoft.com/office/officeart/2016/7/layout/LinearBlockProcessNumbered"/>
-    <dgm:cxn modelId="{60CBFAAC-AA1D-4E8B-8DB4-69F8DEB88D9F}" type="presParOf" srcId="{91EE3E17-354D-436D-8B1F-2AB640647836}" destId="{72CE65BB-221C-4E8C-A611-311F6EB92356}" srcOrd="5" destOrd="0" presId="urn:microsoft.com/office/officeart/2016/7/layout/LinearBlockProcessNumbered"/>
-    <dgm:cxn modelId="{6882609D-596E-4AC9-8A4B-721629727E4D}" type="presParOf" srcId="{91EE3E17-354D-436D-8B1F-2AB640647836}" destId="{99CC034B-EBAA-41CE-965B-9EC7537C4863}" srcOrd="6" destOrd="0" presId="urn:microsoft.com/office/officeart/2016/7/layout/LinearBlockProcessNumbered"/>
-    <dgm:cxn modelId="{36F76843-A86E-4739-A4C9-693277DC2F8D}" type="presParOf" srcId="{99CC034B-EBAA-41CE-965B-9EC7537C4863}" destId="{7AC9307C-5B31-44E6-9A3F-BBAC43B0A7A8}" srcOrd="0" destOrd="0" presId="urn:microsoft.com/office/officeart/2016/7/layout/LinearBlockProcessNumbered"/>
-    <dgm:cxn modelId="{BAFB3339-DE73-47F7-809A-82BD75F0D502}" type="presParOf" srcId="{99CC034B-EBAA-41CE-965B-9EC7537C4863}" destId="{11432C2F-B32D-4149-A0DD-11211B88AC37}" srcOrd="1" destOrd="0" presId="urn:microsoft.com/office/officeart/2016/7/layout/LinearBlockProcessNumbered"/>
-    <dgm:cxn modelId="{033073A8-5DB6-4CAF-8B1F-7E284D0E3A90}" type="presParOf" srcId="{99CC034B-EBAA-41CE-965B-9EC7537C4863}" destId="{89CA60BF-CE08-4F23-9F67-2645ED35A42D}" srcOrd="2" destOrd="0" presId="urn:microsoft.com/office/officeart/2016/7/layout/LinearBlockProcessNumbered"/>
-    <dgm:cxn modelId="{92823F95-2026-467F-87F9-3857C679F84C}" type="presParOf" srcId="{91EE3E17-354D-436D-8B1F-2AB640647836}" destId="{8D4F858C-37E0-4F81-A5C9-1B6E7975D22D}" srcOrd="7" destOrd="0" presId="urn:microsoft.com/office/officeart/2016/7/layout/LinearBlockProcessNumbered"/>
+    <dgm:cxn modelId="{60CBFAAC-AA1D-4E8B-8DB4-69F8DEB88D9F}" type="presParOf" srcId="{91EE3E17-354D-436D-8B1F-2AB640647836}" destId="{72CE65BB-221C-4E8C-A611-311F6EB92356}" srcOrd="7" destOrd="0" presId="urn:microsoft.com/office/officeart/2016/7/layout/LinearBlockProcessNumbered"/>
     <dgm:cxn modelId="{51B7B8CC-DA23-4D75-AB57-1491A22FEAA6}" type="presParOf" srcId="{91EE3E17-354D-436D-8B1F-2AB640647836}" destId="{DB7D4165-D402-4CE0-8632-C361DCB2795C}" srcOrd="8" destOrd="0" presId="urn:microsoft.com/office/officeart/2016/7/layout/LinearBlockProcessNumbered"/>
     <dgm:cxn modelId="{18DC4A3F-BCEA-44D9-BD5B-44F11CCD7E0F}" type="presParOf" srcId="{DB7D4165-D402-4CE0-8632-C361DCB2795C}" destId="{FBA11231-CD38-4C6A-A2C0-8D6EF2FCB349}" srcOrd="0" destOrd="0" presId="urn:microsoft.com/office/officeart/2016/7/layout/LinearBlockProcessNumbered"/>
     <dgm:cxn modelId="{2C675C0D-FC15-4C45-B94C-5AC08AEE2247}" type="presParOf" srcId="{DB7D4165-D402-4CE0-8632-C361DCB2795C}" destId="{6AC3B85A-8012-443B-90CE-B64A7DBEF91C}" srcOrd="1" destOrd="0" presId="urn:microsoft.com/office/officeart/2016/7/layout/LinearBlockProcessNumbered"/>
@@ -2305,284 +1552,6 @@
     <dgm:cxn modelId="{B3C938CA-DD71-4994-B45B-AAE81BF28354}" type="presParOf" srcId="{65D2CCCE-1F48-4EBE-8A64-30A1B823EA1B}" destId="{580B4C72-457D-4688-B975-1667CA2CA524}" srcOrd="0" destOrd="0" presId="urn:microsoft.com/office/officeart/2016/7/layout/LinearBlockProcessNumbered"/>
     <dgm:cxn modelId="{4B88D634-7E37-417B-A79A-14FC52D6623D}" type="presParOf" srcId="{65D2CCCE-1F48-4EBE-8A64-30A1B823EA1B}" destId="{17661AF8-79D7-45AC-AC82-DF956C1B6996}" srcOrd="1" destOrd="0" presId="urn:microsoft.com/office/officeart/2016/7/layout/LinearBlockProcessNumbered"/>
     <dgm:cxn modelId="{F67059F1-7739-4CB1-974A-201D713ECB7C}" type="presParOf" srcId="{65D2CCCE-1F48-4EBE-8A64-30A1B823EA1B}" destId="{1BDDFFAB-0C53-4C75-9189-E641D00FFC50}" srcOrd="2" destOrd="0" presId="urn:microsoft.com/office/officeart/2016/7/layout/LinearBlockProcessNumbered"/>
-  </dgm:cxnLst>
-  <dgm:bg/>
-  <dgm:whole/>
-  <dgm:extLst>
-    <a:ext uri="http://schemas.microsoft.com/office/drawing/2008/diagram">
-      <dsp:dataModelExt xmlns:dsp="http://schemas.microsoft.com/office/drawing/2008/diagram" relId="rId6" minVer="http://schemas.openxmlformats.org/drawingml/2006/diagram"/>
-    </a:ext>
-  </dgm:extLst>
-</dgm:dataModel>
-</file>
-
-<file path=ppt/diagrams/data2.xml><?xml version="1.0" encoding="utf-8"?>
-<dgm:dataModel xmlns:dgm="http://schemas.openxmlformats.org/drawingml/2006/diagram" xmlns:a="http://schemas.openxmlformats.org/drawingml/2006/main">
-  <dgm:ptLst>
-    <dgm:pt modelId="{6DDD1B60-46B7-475C-8353-858D091141C8}" type="doc">
-      <dgm:prSet loTypeId="urn:microsoft.com/office/officeart/2016/7/layout/LinearBlockProcessNumbered" loCatId="process" qsTypeId="urn:microsoft.com/office/officeart/2005/8/quickstyle/simple1" qsCatId="simple" csTypeId="urn:microsoft.com/office/officeart/2005/8/colors/accent0_3" csCatId="mainScheme"/>
-      <dgm:spPr/>
-      <dgm:t>
-        <a:bodyPr/>
-        <a:lstStyle/>
-        <a:p>
-          <a:endParaRPr lang="en-US"/>
-        </a:p>
-      </dgm:t>
-    </dgm:pt>
-    <dgm:pt modelId="{8E45DE01-08B8-498F-ADB5-E38A0EC5A63B}">
-      <dgm:prSet/>
-      <dgm:spPr/>
-      <dgm:t>
-        <a:bodyPr/>
-        <a:lstStyle/>
-        <a:p>
-          <a:r>
-            <a:rPr lang="fr-CA"/>
-            <a:t>Structurer le document en sections</a:t>
-          </a:r>
-          <a:endParaRPr lang="en-US"/>
-        </a:p>
-      </dgm:t>
-    </dgm:pt>
-    <dgm:pt modelId="{076FF16A-9763-470B-BF13-E9BF7E02B4E4}" type="parTrans" cxnId="{DEB8165F-FC21-4DD8-A42E-EABDBDCE01B0}">
-      <dgm:prSet/>
-      <dgm:spPr/>
-      <dgm:t>
-        <a:bodyPr/>
-        <a:lstStyle/>
-        <a:p>
-          <a:endParaRPr lang="en-US"/>
-        </a:p>
-      </dgm:t>
-    </dgm:pt>
-    <dgm:pt modelId="{4FCFF1D7-86B7-41FA-9ADA-6BF40DF2CCA3}" type="sibTrans" cxnId="{DEB8165F-FC21-4DD8-A42E-EABDBDCE01B0}">
-      <dgm:prSet phldrT="01"/>
-      <dgm:spPr/>
-      <dgm:t>
-        <a:bodyPr/>
-        <a:lstStyle/>
-        <a:p>
-          <a:r>
-            <a:rPr lang="en-US"/>
-            <a:t>01</a:t>
-          </a:r>
-        </a:p>
-      </dgm:t>
-    </dgm:pt>
-    <dgm:pt modelId="{142AADDA-B5CF-45C7-B70E-BF07221E58E2}">
-      <dgm:prSet/>
-      <dgm:spPr/>
-      <dgm:t>
-        <a:bodyPr/>
-        <a:lstStyle/>
-        <a:p>
-          <a:r>
-            <a:rPr lang="fr-CA"/>
-            <a:t>Utilisées pour le SEO (Search Engine Optimization)</a:t>
-          </a:r>
-          <a:endParaRPr lang="en-US"/>
-        </a:p>
-      </dgm:t>
-    </dgm:pt>
-    <dgm:pt modelId="{1D65EFAA-E912-47F3-AFFC-ACDC2FD39CBD}" type="parTrans" cxnId="{E154C03E-CC59-4096-BFD1-1694A6C99A44}">
-      <dgm:prSet/>
-      <dgm:spPr/>
-      <dgm:t>
-        <a:bodyPr/>
-        <a:lstStyle/>
-        <a:p>
-          <a:endParaRPr lang="en-US"/>
-        </a:p>
-      </dgm:t>
-    </dgm:pt>
-    <dgm:pt modelId="{3996A334-5866-4BE2-A531-82B8ACD5FD16}" type="sibTrans" cxnId="{E154C03E-CC59-4096-BFD1-1694A6C99A44}">
-      <dgm:prSet phldrT="02"/>
-      <dgm:spPr/>
-      <dgm:t>
-        <a:bodyPr/>
-        <a:lstStyle/>
-        <a:p>
-          <a:r>
-            <a:rPr lang="en-US"/>
-            <a:t>02</a:t>
-          </a:r>
-        </a:p>
-      </dgm:t>
-    </dgm:pt>
-    <dgm:pt modelId="{328656E4-F87F-4A1F-8A57-D5EB01955A17}">
-      <dgm:prSet/>
-      <dgm:spPr/>
-      <dgm:t>
-        <a:bodyPr/>
-        <a:lstStyle/>
-        <a:p>
-          <a:r>
-            <a:rPr lang="fr-CA"/>
-            <a:t>Styles prédéfinis avec polices de tailles variables</a:t>
-          </a:r>
-          <a:endParaRPr lang="en-US"/>
-        </a:p>
-      </dgm:t>
-    </dgm:pt>
-    <dgm:pt modelId="{5A1546A3-3AE1-4847-9B33-C6598F9F454F}" type="parTrans" cxnId="{463EFBE8-A511-4606-BD52-2E7E2EBD4785}">
-      <dgm:prSet/>
-      <dgm:spPr/>
-      <dgm:t>
-        <a:bodyPr/>
-        <a:lstStyle/>
-        <a:p>
-          <a:endParaRPr lang="en-US"/>
-        </a:p>
-      </dgm:t>
-    </dgm:pt>
-    <dgm:pt modelId="{26290640-0150-419B-92E8-64EDADF0F6FE}" type="sibTrans" cxnId="{463EFBE8-A511-4606-BD52-2E7E2EBD4785}">
-      <dgm:prSet phldrT="03"/>
-      <dgm:spPr/>
-      <dgm:t>
-        <a:bodyPr/>
-        <a:lstStyle/>
-        <a:p>
-          <a:r>
-            <a:rPr lang="en-US"/>
-            <a:t>03</a:t>
-          </a:r>
-        </a:p>
-      </dgm:t>
-    </dgm:pt>
-    <dgm:pt modelId="{6D1535D5-5FEB-4285-B14D-24F576769ECE}" type="pres">
-      <dgm:prSet presAssocID="{6DDD1B60-46B7-475C-8353-858D091141C8}" presName="Name0" presStyleCnt="0">
-        <dgm:presLayoutVars>
-          <dgm:animLvl val="lvl"/>
-          <dgm:resizeHandles val="exact"/>
-        </dgm:presLayoutVars>
-      </dgm:prSet>
-      <dgm:spPr/>
-    </dgm:pt>
-    <dgm:pt modelId="{A0428F84-5E42-4FDF-89FA-04B4DDDE27F1}" type="pres">
-      <dgm:prSet presAssocID="{8E45DE01-08B8-498F-ADB5-E38A0EC5A63B}" presName="compositeNode" presStyleCnt="0">
-        <dgm:presLayoutVars>
-          <dgm:bulletEnabled val="1"/>
-        </dgm:presLayoutVars>
-      </dgm:prSet>
-      <dgm:spPr/>
-    </dgm:pt>
-    <dgm:pt modelId="{335C8D1B-2E7F-4982-BBA2-96F87FF4DA1D}" type="pres">
-      <dgm:prSet presAssocID="{8E45DE01-08B8-498F-ADB5-E38A0EC5A63B}" presName="bgRect" presStyleLbl="alignNode1" presStyleIdx="0" presStyleCnt="3"/>
-      <dgm:spPr/>
-    </dgm:pt>
-    <dgm:pt modelId="{80D25142-1AD4-41B8-B6DA-5A77BF46E6DE}" type="pres">
-      <dgm:prSet presAssocID="{4FCFF1D7-86B7-41FA-9ADA-6BF40DF2CCA3}" presName="sibTransNodeRect" presStyleLbl="alignNode1" presStyleIdx="0" presStyleCnt="3">
-        <dgm:presLayoutVars>
-          <dgm:chMax val="0"/>
-          <dgm:bulletEnabled val="1"/>
-        </dgm:presLayoutVars>
-      </dgm:prSet>
-      <dgm:spPr/>
-    </dgm:pt>
-    <dgm:pt modelId="{84F14EB1-48FF-4466-BB98-75E231206F03}" type="pres">
-      <dgm:prSet presAssocID="{8E45DE01-08B8-498F-ADB5-E38A0EC5A63B}" presName="nodeRect" presStyleLbl="alignNode1" presStyleIdx="0" presStyleCnt="3">
-        <dgm:presLayoutVars>
-          <dgm:bulletEnabled val="1"/>
-        </dgm:presLayoutVars>
-      </dgm:prSet>
-      <dgm:spPr/>
-    </dgm:pt>
-    <dgm:pt modelId="{982DA526-2277-4EB6-8915-892B9EF0215A}" type="pres">
-      <dgm:prSet presAssocID="{4FCFF1D7-86B7-41FA-9ADA-6BF40DF2CCA3}" presName="sibTrans" presStyleCnt="0"/>
-      <dgm:spPr/>
-    </dgm:pt>
-    <dgm:pt modelId="{64F7B7EA-BFF9-4CDC-BCAE-5C723D6A4DF4}" type="pres">
-      <dgm:prSet presAssocID="{142AADDA-B5CF-45C7-B70E-BF07221E58E2}" presName="compositeNode" presStyleCnt="0">
-        <dgm:presLayoutVars>
-          <dgm:bulletEnabled val="1"/>
-        </dgm:presLayoutVars>
-      </dgm:prSet>
-      <dgm:spPr/>
-    </dgm:pt>
-    <dgm:pt modelId="{862C77AD-CB48-4F43-BE49-B13D3B36AA4B}" type="pres">
-      <dgm:prSet presAssocID="{142AADDA-B5CF-45C7-B70E-BF07221E58E2}" presName="bgRect" presStyleLbl="alignNode1" presStyleIdx="1" presStyleCnt="3"/>
-      <dgm:spPr/>
-    </dgm:pt>
-    <dgm:pt modelId="{D8B5918D-E206-49F6-88BB-1124846074C2}" type="pres">
-      <dgm:prSet presAssocID="{3996A334-5866-4BE2-A531-82B8ACD5FD16}" presName="sibTransNodeRect" presStyleLbl="alignNode1" presStyleIdx="1" presStyleCnt="3">
-        <dgm:presLayoutVars>
-          <dgm:chMax val="0"/>
-          <dgm:bulletEnabled val="1"/>
-        </dgm:presLayoutVars>
-      </dgm:prSet>
-      <dgm:spPr/>
-    </dgm:pt>
-    <dgm:pt modelId="{1D1D0B7C-8879-41DD-B6E4-F5FBF986A139}" type="pres">
-      <dgm:prSet presAssocID="{142AADDA-B5CF-45C7-B70E-BF07221E58E2}" presName="nodeRect" presStyleLbl="alignNode1" presStyleIdx="1" presStyleCnt="3">
-        <dgm:presLayoutVars>
-          <dgm:bulletEnabled val="1"/>
-        </dgm:presLayoutVars>
-      </dgm:prSet>
-      <dgm:spPr/>
-    </dgm:pt>
-    <dgm:pt modelId="{0468F4AD-ABDA-4510-B909-BB321524D827}" type="pres">
-      <dgm:prSet presAssocID="{3996A334-5866-4BE2-A531-82B8ACD5FD16}" presName="sibTrans" presStyleCnt="0"/>
-      <dgm:spPr/>
-    </dgm:pt>
-    <dgm:pt modelId="{6C5CA502-D477-40F2-8029-797C23168215}" type="pres">
-      <dgm:prSet presAssocID="{328656E4-F87F-4A1F-8A57-D5EB01955A17}" presName="compositeNode" presStyleCnt="0">
-        <dgm:presLayoutVars>
-          <dgm:bulletEnabled val="1"/>
-        </dgm:presLayoutVars>
-      </dgm:prSet>
-      <dgm:spPr/>
-    </dgm:pt>
-    <dgm:pt modelId="{98925FBD-E7B5-4055-B612-A4110531933D}" type="pres">
-      <dgm:prSet presAssocID="{328656E4-F87F-4A1F-8A57-D5EB01955A17}" presName="bgRect" presStyleLbl="alignNode1" presStyleIdx="2" presStyleCnt="3"/>
-      <dgm:spPr/>
-    </dgm:pt>
-    <dgm:pt modelId="{FC430234-066D-40FC-8AA4-CDB0CACF20B8}" type="pres">
-      <dgm:prSet presAssocID="{26290640-0150-419B-92E8-64EDADF0F6FE}" presName="sibTransNodeRect" presStyleLbl="alignNode1" presStyleIdx="2" presStyleCnt="3">
-        <dgm:presLayoutVars>
-          <dgm:chMax val="0"/>
-          <dgm:bulletEnabled val="1"/>
-        </dgm:presLayoutVars>
-      </dgm:prSet>
-      <dgm:spPr/>
-    </dgm:pt>
-    <dgm:pt modelId="{00593DCA-74EB-47B7-AEDA-26A4BA7B75CD}" type="pres">
-      <dgm:prSet presAssocID="{328656E4-F87F-4A1F-8A57-D5EB01955A17}" presName="nodeRect" presStyleLbl="alignNode1" presStyleIdx="2" presStyleCnt="3">
-        <dgm:presLayoutVars>
-          <dgm:bulletEnabled val="1"/>
-        </dgm:presLayoutVars>
-      </dgm:prSet>
-      <dgm:spPr/>
-    </dgm:pt>
-  </dgm:ptLst>
-  <dgm:cxnLst>
-    <dgm:cxn modelId="{4BD87D1D-F211-4D52-9737-A85513F422AB}" type="presOf" srcId="{6DDD1B60-46B7-475C-8353-858D091141C8}" destId="{6D1535D5-5FEB-4285-B14D-24F576769ECE}" srcOrd="0" destOrd="0" presId="urn:microsoft.com/office/officeart/2016/7/layout/LinearBlockProcessNumbered"/>
-    <dgm:cxn modelId="{61D84927-1774-4834-948F-3FD2917E650D}" type="presOf" srcId="{142AADDA-B5CF-45C7-B70E-BF07221E58E2}" destId="{1D1D0B7C-8879-41DD-B6E4-F5FBF986A139}" srcOrd="1" destOrd="0" presId="urn:microsoft.com/office/officeart/2016/7/layout/LinearBlockProcessNumbered"/>
-    <dgm:cxn modelId="{E154C03E-CC59-4096-BFD1-1694A6C99A44}" srcId="{6DDD1B60-46B7-475C-8353-858D091141C8}" destId="{142AADDA-B5CF-45C7-B70E-BF07221E58E2}" srcOrd="1" destOrd="0" parTransId="{1D65EFAA-E912-47F3-AFFC-ACDC2FD39CBD}" sibTransId="{3996A334-5866-4BE2-A531-82B8ACD5FD16}"/>
-    <dgm:cxn modelId="{DEB8165F-FC21-4DD8-A42E-EABDBDCE01B0}" srcId="{6DDD1B60-46B7-475C-8353-858D091141C8}" destId="{8E45DE01-08B8-498F-ADB5-E38A0EC5A63B}" srcOrd="0" destOrd="0" parTransId="{076FF16A-9763-470B-BF13-E9BF7E02B4E4}" sibTransId="{4FCFF1D7-86B7-41FA-9ADA-6BF40DF2CCA3}"/>
-    <dgm:cxn modelId="{B5196E50-6353-4D92-AF4F-E414F0EE4057}" type="presOf" srcId="{8E45DE01-08B8-498F-ADB5-E38A0EC5A63B}" destId="{335C8D1B-2E7F-4982-BBA2-96F87FF4DA1D}" srcOrd="0" destOrd="0" presId="urn:microsoft.com/office/officeart/2016/7/layout/LinearBlockProcessNumbered"/>
-    <dgm:cxn modelId="{FEFE8586-5E55-4433-9B8F-9AA58D2345F1}" type="presOf" srcId="{328656E4-F87F-4A1F-8A57-D5EB01955A17}" destId="{98925FBD-E7B5-4055-B612-A4110531933D}" srcOrd="0" destOrd="0" presId="urn:microsoft.com/office/officeart/2016/7/layout/LinearBlockProcessNumbered"/>
-    <dgm:cxn modelId="{A4D11496-FCDA-412F-82D4-164A9CD3963B}" type="presOf" srcId="{4FCFF1D7-86B7-41FA-9ADA-6BF40DF2CCA3}" destId="{80D25142-1AD4-41B8-B6DA-5A77BF46E6DE}" srcOrd="0" destOrd="0" presId="urn:microsoft.com/office/officeart/2016/7/layout/LinearBlockProcessNumbered"/>
-    <dgm:cxn modelId="{115F15A3-9701-448D-B6CD-31B006A0973D}" type="presOf" srcId="{3996A334-5866-4BE2-A531-82B8ACD5FD16}" destId="{D8B5918D-E206-49F6-88BB-1124846074C2}" srcOrd="0" destOrd="0" presId="urn:microsoft.com/office/officeart/2016/7/layout/LinearBlockProcessNumbered"/>
-    <dgm:cxn modelId="{EB0B20A9-EA62-48ED-BF1D-0F05122B5262}" type="presOf" srcId="{26290640-0150-419B-92E8-64EDADF0F6FE}" destId="{FC430234-066D-40FC-8AA4-CDB0CACF20B8}" srcOrd="0" destOrd="0" presId="urn:microsoft.com/office/officeart/2016/7/layout/LinearBlockProcessNumbered"/>
-    <dgm:cxn modelId="{470559AA-F4CC-4085-A5B0-C326882CBDE6}" type="presOf" srcId="{8E45DE01-08B8-498F-ADB5-E38A0EC5A63B}" destId="{84F14EB1-48FF-4466-BB98-75E231206F03}" srcOrd="1" destOrd="0" presId="urn:microsoft.com/office/officeart/2016/7/layout/LinearBlockProcessNumbered"/>
-    <dgm:cxn modelId="{057954DF-1131-4D7F-8A82-8048CAB9225E}" type="presOf" srcId="{328656E4-F87F-4A1F-8A57-D5EB01955A17}" destId="{00593DCA-74EB-47B7-AEDA-26A4BA7B75CD}" srcOrd="1" destOrd="0" presId="urn:microsoft.com/office/officeart/2016/7/layout/LinearBlockProcessNumbered"/>
-    <dgm:cxn modelId="{463EFBE8-A511-4606-BD52-2E7E2EBD4785}" srcId="{6DDD1B60-46B7-475C-8353-858D091141C8}" destId="{328656E4-F87F-4A1F-8A57-D5EB01955A17}" srcOrd="2" destOrd="0" parTransId="{5A1546A3-3AE1-4847-9B33-C6598F9F454F}" sibTransId="{26290640-0150-419B-92E8-64EDADF0F6FE}"/>
-    <dgm:cxn modelId="{97B0B7EA-F7B3-4697-B296-A7DDFD744D80}" type="presOf" srcId="{142AADDA-B5CF-45C7-B70E-BF07221E58E2}" destId="{862C77AD-CB48-4F43-BE49-B13D3B36AA4B}" srcOrd="0" destOrd="0" presId="urn:microsoft.com/office/officeart/2016/7/layout/LinearBlockProcessNumbered"/>
-    <dgm:cxn modelId="{30F89AAC-9966-4087-9353-7C1C43CD6E5B}" type="presParOf" srcId="{6D1535D5-5FEB-4285-B14D-24F576769ECE}" destId="{A0428F84-5E42-4FDF-89FA-04B4DDDE27F1}" srcOrd="0" destOrd="0" presId="urn:microsoft.com/office/officeart/2016/7/layout/LinearBlockProcessNumbered"/>
-    <dgm:cxn modelId="{0BA545DF-F70A-46A1-B65B-C4F84AB56C9A}" type="presParOf" srcId="{A0428F84-5E42-4FDF-89FA-04B4DDDE27F1}" destId="{335C8D1B-2E7F-4982-BBA2-96F87FF4DA1D}" srcOrd="0" destOrd="0" presId="urn:microsoft.com/office/officeart/2016/7/layout/LinearBlockProcessNumbered"/>
-    <dgm:cxn modelId="{A97DFB72-8DB7-4C6E-B95B-DC523AC3F91D}" type="presParOf" srcId="{A0428F84-5E42-4FDF-89FA-04B4DDDE27F1}" destId="{80D25142-1AD4-41B8-B6DA-5A77BF46E6DE}" srcOrd="1" destOrd="0" presId="urn:microsoft.com/office/officeart/2016/7/layout/LinearBlockProcessNumbered"/>
-    <dgm:cxn modelId="{D9A40242-3330-40F5-A335-72F663C2DCF1}" type="presParOf" srcId="{A0428F84-5E42-4FDF-89FA-04B4DDDE27F1}" destId="{84F14EB1-48FF-4466-BB98-75E231206F03}" srcOrd="2" destOrd="0" presId="urn:microsoft.com/office/officeart/2016/7/layout/LinearBlockProcessNumbered"/>
-    <dgm:cxn modelId="{53AE882F-531E-4C1F-9F26-8E3F6C8B6B70}" type="presParOf" srcId="{6D1535D5-5FEB-4285-B14D-24F576769ECE}" destId="{982DA526-2277-4EB6-8915-892B9EF0215A}" srcOrd="1" destOrd="0" presId="urn:microsoft.com/office/officeart/2016/7/layout/LinearBlockProcessNumbered"/>
-    <dgm:cxn modelId="{426CD80B-07F7-4C0F-BDFB-4EBB315BE98E}" type="presParOf" srcId="{6D1535D5-5FEB-4285-B14D-24F576769ECE}" destId="{64F7B7EA-BFF9-4CDC-BCAE-5C723D6A4DF4}" srcOrd="2" destOrd="0" presId="urn:microsoft.com/office/officeart/2016/7/layout/LinearBlockProcessNumbered"/>
-    <dgm:cxn modelId="{77E22D38-C046-4DFC-BC88-C6593CDC7479}" type="presParOf" srcId="{64F7B7EA-BFF9-4CDC-BCAE-5C723D6A4DF4}" destId="{862C77AD-CB48-4F43-BE49-B13D3B36AA4B}" srcOrd="0" destOrd="0" presId="urn:microsoft.com/office/officeart/2016/7/layout/LinearBlockProcessNumbered"/>
-    <dgm:cxn modelId="{0C40F18F-5570-4D4C-8FF1-19231D181FBC}" type="presParOf" srcId="{64F7B7EA-BFF9-4CDC-BCAE-5C723D6A4DF4}" destId="{D8B5918D-E206-49F6-88BB-1124846074C2}" srcOrd="1" destOrd="0" presId="urn:microsoft.com/office/officeart/2016/7/layout/LinearBlockProcessNumbered"/>
-    <dgm:cxn modelId="{F7960D1E-D8AA-4CF9-92FA-7268BF320733}" type="presParOf" srcId="{64F7B7EA-BFF9-4CDC-BCAE-5C723D6A4DF4}" destId="{1D1D0B7C-8879-41DD-B6E4-F5FBF986A139}" srcOrd="2" destOrd="0" presId="urn:microsoft.com/office/officeart/2016/7/layout/LinearBlockProcessNumbered"/>
-    <dgm:cxn modelId="{6C52ABB3-A626-4E2F-A5A1-FF6DA9DDA079}" type="presParOf" srcId="{6D1535D5-5FEB-4285-B14D-24F576769ECE}" destId="{0468F4AD-ABDA-4510-B909-BB321524D827}" srcOrd="3" destOrd="0" presId="urn:microsoft.com/office/officeart/2016/7/layout/LinearBlockProcessNumbered"/>
-    <dgm:cxn modelId="{3688B711-D361-4EE8-AF21-281E84A1033B}" type="presParOf" srcId="{6D1535D5-5FEB-4285-B14D-24F576769ECE}" destId="{6C5CA502-D477-40F2-8029-797C23168215}" srcOrd="4" destOrd="0" presId="urn:microsoft.com/office/officeart/2016/7/layout/LinearBlockProcessNumbered"/>
-    <dgm:cxn modelId="{8BCFACAE-BF2D-4317-98FB-9E78A81A6A22}" type="presParOf" srcId="{6C5CA502-D477-40F2-8029-797C23168215}" destId="{98925FBD-E7B5-4055-B612-A4110531933D}" srcOrd="0" destOrd="0" presId="urn:microsoft.com/office/officeart/2016/7/layout/LinearBlockProcessNumbered"/>
-    <dgm:cxn modelId="{0A1E04EC-52FE-4239-9D62-5A379DC6D982}" type="presParOf" srcId="{6C5CA502-D477-40F2-8029-797C23168215}" destId="{FC430234-066D-40FC-8AA4-CDB0CACF20B8}" srcOrd="1" destOrd="0" presId="urn:microsoft.com/office/officeart/2016/7/layout/LinearBlockProcessNumbered"/>
-    <dgm:cxn modelId="{511943EB-1E3B-447E-841F-2444B26E1A14}" type="presParOf" srcId="{6C5CA502-D477-40F2-8029-797C23168215}" destId="{00593DCA-74EB-47B7-AEDA-26A4BA7B75CD}" srcOrd="2" destOrd="0" presId="urn:microsoft.com/office/officeart/2016/7/layout/LinearBlockProcessNumbered"/>
   </dgm:cxnLst>
   <dgm:bg/>
   <dgm:whole/>
@@ -2700,10 +1669,10 @@
             <a:buNone/>
           </a:pPr>
           <a:r>
-            <a:rPr lang="fr-CA" sz="1700" kern="1200"/>
+            <a:rPr lang="fr-CA" sz="1700" kern="1200" dirty="0"/>
             <a:t>Présentation et historique</a:t>
           </a:r>
-          <a:endParaRPr lang="en-US" sz="1700" kern="1200"/>
+          <a:endParaRPr lang="en-US" sz="1700" kern="1200" dirty="0"/>
         </a:p>
       </dsp:txBody>
       <dsp:txXfrm>
@@ -2776,7 +1745,7 @@
         <a:ext cx="1404304" cy="674066"/>
       </dsp:txXfrm>
     </dsp:sp>
-    <dsp:sp modelId="{4BF1B55C-59A9-4BDA-8A14-BF9AE2810641}">
+    <dsp:sp modelId="{5000D9A7-B49F-45B3-BE70-9D694A5BCCF6}">
       <dsp:nvSpPr>
         <dsp:cNvPr id="0" name=""/>
         <dsp:cNvSpPr/>
@@ -2874,8 +1843,12 @@
             <a:buNone/>
           </a:pPr>
           <a:r>
-            <a:rPr lang="fr-CA" sz="1700" kern="1200" dirty="0"/>
-            <a:t>Les propriétés</a:t>
+            <a:rPr lang="en-US" sz="1700" kern="1200" dirty="0"/>
+            <a:t>Les </a:t>
+          </a:r>
+          <a:r>
+            <a:rPr lang="en-US" sz="1700" kern="1200" dirty="0" err="1"/>
+            <a:t>sélecteurs</a:t>
           </a:r>
           <a:endParaRPr lang="en-US" sz="1700" kern="1200" dirty="0"/>
         </a:p>
@@ -2885,7 +1858,7 @@
         <a:ext cx="1404304" cy="1011099"/>
       </dsp:txXfrm>
     </dsp:sp>
-    <dsp:sp modelId="{FC25EDB3-D9F1-49F3-9BE4-50ACC997575C}">
+    <dsp:sp modelId="{0C3CC6F9-0B09-4EF9-8CC9-2EB1E4E33BFC}">
       <dsp:nvSpPr>
         <dsp:cNvPr id="0" name=""/>
         <dsp:cNvSpPr/>
@@ -2950,7 +1923,7 @@
         <a:ext cx="1404304" cy="674066"/>
       </dsp:txXfrm>
     </dsp:sp>
-    <dsp:sp modelId="{EA525C08-8D94-46EF-9096-EC9BCE951F5F}">
+    <dsp:sp modelId="{4BF1B55C-59A9-4BDA-8A14-BF9AE2810641}">
       <dsp:nvSpPr>
         <dsp:cNvPr id="0" name=""/>
         <dsp:cNvSpPr/>
@@ -3049,7 +2022,7 @@
           </a:pPr>
           <a:r>
             <a:rPr lang="fr-CA" sz="1700" kern="1200" dirty="0"/>
-            <a:t>Les animations</a:t>
+            <a:t>Display</a:t>
           </a:r>
           <a:endParaRPr lang="en-US" sz="1700" kern="1200" dirty="0"/>
         </a:p>
@@ -3059,7 +2032,7 @@
         <a:ext cx="1404304" cy="1011099"/>
       </dsp:txXfrm>
     </dsp:sp>
-    <dsp:sp modelId="{41C1CB81-365C-4EE4-A20B-3F8659459FE1}">
+    <dsp:sp modelId="{FC25EDB3-D9F1-49F3-9BE4-50ACC997575C}">
       <dsp:nvSpPr>
         <dsp:cNvPr id="0" name=""/>
         <dsp:cNvSpPr/>
@@ -3124,7 +2097,7 @@
         <a:ext cx="1404304" cy="674066"/>
       </dsp:txXfrm>
     </dsp:sp>
-    <dsp:sp modelId="{7AC9307C-5B31-44E6-9A3F-BBAC43B0A7A8}">
+    <dsp:sp modelId="{EA525C08-8D94-46EF-9096-EC9BCE951F5F}">
       <dsp:nvSpPr>
         <dsp:cNvPr id="0" name=""/>
         <dsp:cNvSpPr/>
@@ -3222,12 +2195,8 @@
             <a:buNone/>
           </a:pPr>
           <a:r>
-            <a:rPr lang="en-US" sz="1700" kern="1200" dirty="0"/>
-            <a:t>Les </a:t>
-          </a:r>
-          <a:r>
-            <a:rPr lang="en-US" sz="1700" kern="1200" dirty="0" err="1"/>
-            <a:t>sélecteurs</a:t>
+            <a:rPr lang="fr-CA" sz="1700" kern="1200" dirty="0" err="1"/>
+            <a:t>FlexBox</a:t>
           </a:r>
           <a:endParaRPr lang="en-US" sz="1700" kern="1200" dirty="0"/>
         </a:p>
@@ -3237,7 +2206,7 @@
         <a:ext cx="1404304" cy="1011099"/>
       </dsp:txXfrm>
     </dsp:sp>
-    <dsp:sp modelId="{11432C2F-B32D-4149-A0DD-11211B88AC37}">
+    <dsp:sp modelId="{41C1CB81-365C-4EE4-A20B-3F8659459FE1}">
       <dsp:nvSpPr>
         <dsp:cNvPr id="0" name=""/>
         <dsp:cNvSpPr/>
@@ -3761,13 +2730,8 @@
           </a:pPr>
           <a:r>
             <a:rPr lang="en-US" sz="1700" kern="1200" dirty="0"/>
-            <a:t>Frameworks </a:t>
+            <a:t>Animations</a:t>
           </a:r>
-          <a:r>
-            <a:rPr lang="en-US" sz="1700" kern="1200" dirty="0" err="1"/>
-            <a:t>populaires</a:t>
-          </a:r>
-          <a:endParaRPr lang="en-US" sz="1700" kern="1200" dirty="0"/>
         </a:p>
       </dsp:txBody>
       <dsp:txXfrm>
@@ -3844,717 +2808,7 @@
 </dsp:drawing>
 </file>
 
-<file path=ppt/diagrams/drawing2.xml><?xml version="1.0" encoding="utf-8"?>
-<dsp:drawing xmlns:dgm="http://schemas.openxmlformats.org/drawingml/2006/diagram" xmlns:dsp="http://schemas.microsoft.com/office/drawing/2008/diagram" xmlns:a="http://schemas.openxmlformats.org/drawingml/2006/main">
-  <dsp:spTree>
-    <dsp:nvGrpSpPr>
-      <dsp:cNvPr id="0" name=""/>
-      <dsp:cNvGrpSpPr/>
-    </dsp:nvGrpSpPr>
-    <dsp:grpSpPr/>
-    <dsp:sp modelId="{335C8D1B-2E7F-4982-BBA2-96F87FF4DA1D}">
-      <dsp:nvSpPr>
-        <dsp:cNvPr id="0" name=""/>
-        <dsp:cNvSpPr/>
-      </dsp:nvSpPr>
-      <dsp:spPr>
-        <a:xfrm>
-          <a:off x="489" y="1595924"/>
-          <a:ext cx="1983562" cy="2380275"/>
-        </a:xfrm>
-        <a:prstGeom prst="rect">
-          <a:avLst/>
-        </a:prstGeom>
-        <a:solidFill>
-          <a:schemeClr val="dk2">
-            <a:hueOff val="0"/>
-            <a:satOff val="0"/>
-            <a:lumOff val="0"/>
-            <a:alphaOff val="0"/>
-          </a:schemeClr>
-        </a:solidFill>
-        <a:ln w="12700" cap="flat" cmpd="sng" algn="ctr">
-          <a:solidFill>
-            <a:schemeClr val="dk2">
-              <a:hueOff val="0"/>
-              <a:satOff val="0"/>
-              <a:lumOff val="0"/>
-              <a:alphaOff val="0"/>
-            </a:schemeClr>
-          </a:solidFill>
-          <a:prstDash val="solid"/>
-          <a:miter lim="800000"/>
-        </a:ln>
-        <a:effectLst/>
-      </dsp:spPr>
-      <dsp:style>
-        <a:lnRef idx="2">
-          <a:scrgbClr r="0" g="0" b="0"/>
-        </a:lnRef>
-        <a:fillRef idx="1">
-          <a:scrgbClr r="0" g="0" b="0"/>
-        </a:fillRef>
-        <a:effectRef idx="0">
-          <a:scrgbClr r="0" g="0" b="0"/>
-        </a:effectRef>
-        <a:fontRef idx="minor">
-          <a:schemeClr val="lt1"/>
-        </a:fontRef>
-      </dsp:style>
-      <dsp:txBody>
-        <a:bodyPr spcFirstLastPara="0" vert="horz" wrap="square" lIns="195932" tIns="0" rIns="195932" bIns="330200" numCol="1" spcCol="1270" anchor="t" anchorCtr="0">
-          <a:noAutofit/>
-        </a:bodyPr>
-        <a:lstStyle/>
-        <a:p>
-          <a:pPr marL="0" lvl="0" indent="0" algn="l" defTabSz="844550">
-            <a:lnSpc>
-              <a:spcPct val="90000"/>
-            </a:lnSpc>
-            <a:spcBef>
-              <a:spcPct val="0"/>
-            </a:spcBef>
-            <a:spcAft>
-              <a:spcPct val="35000"/>
-            </a:spcAft>
-            <a:buNone/>
-          </a:pPr>
-          <a:r>
-            <a:rPr lang="fr-CA" sz="1900" kern="1200"/>
-            <a:t>Structurer le document en sections</a:t>
-          </a:r>
-          <a:endParaRPr lang="en-US" sz="1900" kern="1200"/>
-        </a:p>
-      </dsp:txBody>
-      <dsp:txXfrm>
-        <a:off x="489" y="2548034"/>
-        <a:ext cx="1983562" cy="1428165"/>
-      </dsp:txXfrm>
-    </dsp:sp>
-    <dsp:sp modelId="{80D25142-1AD4-41B8-B6DA-5A77BF46E6DE}">
-      <dsp:nvSpPr>
-        <dsp:cNvPr id="0" name=""/>
-        <dsp:cNvSpPr/>
-      </dsp:nvSpPr>
-      <dsp:spPr>
-        <a:xfrm>
-          <a:off x="489" y="1595924"/>
-          <a:ext cx="1983562" cy="952110"/>
-        </a:xfrm>
-        <a:prstGeom prst="rect">
-          <a:avLst/>
-        </a:prstGeom>
-        <a:noFill/>
-        <a:ln w="12700" cap="flat" cmpd="sng" algn="ctr">
-          <a:noFill/>
-          <a:prstDash val="solid"/>
-          <a:miter lim="800000"/>
-        </a:ln>
-        <a:effectLst/>
-        <a:sp3d/>
-      </dsp:spPr>
-      <dsp:style>
-        <a:lnRef idx="2">
-          <a:scrgbClr r="0" g="0" b="0"/>
-        </a:lnRef>
-        <a:fillRef idx="1">
-          <a:scrgbClr r="0" g="0" b="0"/>
-        </a:fillRef>
-        <a:effectRef idx="0">
-          <a:scrgbClr r="0" g="0" b="0"/>
-        </a:effectRef>
-        <a:fontRef idx="minor">
-          <a:schemeClr val="lt1"/>
-        </a:fontRef>
-      </dsp:style>
-      <dsp:txBody>
-        <a:bodyPr spcFirstLastPara="0" vert="horz" wrap="square" lIns="195932" tIns="165100" rIns="195932" bIns="165100" numCol="1" spcCol="1270" anchor="ctr" anchorCtr="0">
-          <a:noAutofit/>
-        </a:bodyPr>
-        <a:lstStyle/>
-        <a:p>
-          <a:pPr marL="0" lvl="0" indent="0" algn="l" defTabSz="1955800">
-            <a:lnSpc>
-              <a:spcPct val="90000"/>
-            </a:lnSpc>
-            <a:spcBef>
-              <a:spcPct val="0"/>
-            </a:spcBef>
-            <a:spcAft>
-              <a:spcPct val="35000"/>
-            </a:spcAft>
-            <a:buNone/>
-          </a:pPr>
-          <a:r>
-            <a:rPr lang="en-US" sz="4400" kern="1200"/>
-            <a:t>01</a:t>
-          </a:r>
-        </a:p>
-      </dsp:txBody>
-      <dsp:txXfrm>
-        <a:off x="489" y="1595924"/>
-        <a:ext cx="1983562" cy="952110"/>
-      </dsp:txXfrm>
-    </dsp:sp>
-    <dsp:sp modelId="{862C77AD-CB48-4F43-BE49-B13D3B36AA4B}">
-      <dsp:nvSpPr>
-        <dsp:cNvPr id="0" name=""/>
-        <dsp:cNvSpPr/>
-      </dsp:nvSpPr>
-      <dsp:spPr>
-        <a:xfrm>
-          <a:off x="2142737" y="1595924"/>
-          <a:ext cx="1983562" cy="2380275"/>
-        </a:xfrm>
-        <a:prstGeom prst="rect">
-          <a:avLst/>
-        </a:prstGeom>
-        <a:solidFill>
-          <a:schemeClr val="dk2">
-            <a:hueOff val="0"/>
-            <a:satOff val="0"/>
-            <a:lumOff val="0"/>
-            <a:alphaOff val="0"/>
-          </a:schemeClr>
-        </a:solidFill>
-        <a:ln w="12700" cap="flat" cmpd="sng" algn="ctr">
-          <a:solidFill>
-            <a:schemeClr val="dk2">
-              <a:hueOff val="0"/>
-              <a:satOff val="0"/>
-              <a:lumOff val="0"/>
-              <a:alphaOff val="0"/>
-            </a:schemeClr>
-          </a:solidFill>
-          <a:prstDash val="solid"/>
-          <a:miter lim="800000"/>
-        </a:ln>
-        <a:effectLst/>
-      </dsp:spPr>
-      <dsp:style>
-        <a:lnRef idx="2">
-          <a:scrgbClr r="0" g="0" b="0"/>
-        </a:lnRef>
-        <a:fillRef idx="1">
-          <a:scrgbClr r="0" g="0" b="0"/>
-        </a:fillRef>
-        <a:effectRef idx="0">
-          <a:scrgbClr r="0" g="0" b="0"/>
-        </a:effectRef>
-        <a:fontRef idx="minor">
-          <a:schemeClr val="lt1"/>
-        </a:fontRef>
-      </dsp:style>
-      <dsp:txBody>
-        <a:bodyPr spcFirstLastPara="0" vert="horz" wrap="square" lIns="195932" tIns="0" rIns="195932" bIns="330200" numCol="1" spcCol="1270" anchor="t" anchorCtr="0">
-          <a:noAutofit/>
-        </a:bodyPr>
-        <a:lstStyle/>
-        <a:p>
-          <a:pPr marL="0" lvl="0" indent="0" algn="l" defTabSz="844550">
-            <a:lnSpc>
-              <a:spcPct val="90000"/>
-            </a:lnSpc>
-            <a:spcBef>
-              <a:spcPct val="0"/>
-            </a:spcBef>
-            <a:spcAft>
-              <a:spcPct val="35000"/>
-            </a:spcAft>
-            <a:buNone/>
-          </a:pPr>
-          <a:r>
-            <a:rPr lang="fr-CA" sz="1900" kern="1200"/>
-            <a:t>Utilisées pour le SEO (Search Engine Optimization)</a:t>
-          </a:r>
-          <a:endParaRPr lang="en-US" sz="1900" kern="1200"/>
-        </a:p>
-      </dsp:txBody>
-      <dsp:txXfrm>
-        <a:off x="2142737" y="2548034"/>
-        <a:ext cx="1983562" cy="1428165"/>
-      </dsp:txXfrm>
-    </dsp:sp>
-    <dsp:sp modelId="{D8B5918D-E206-49F6-88BB-1124846074C2}">
-      <dsp:nvSpPr>
-        <dsp:cNvPr id="0" name=""/>
-        <dsp:cNvSpPr/>
-      </dsp:nvSpPr>
-      <dsp:spPr>
-        <a:xfrm>
-          <a:off x="2142737" y="1595924"/>
-          <a:ext cx="1983562" cy="952110"/>
-        </a:xfrm>
-        <a:prstGeom prst="rect">
-          <a:avLst/>
-        </a:prstGeom>
-        <a:noFill/>
-        <a:ln w="12700" cap="flat" cmpd="sng" algn="ctr">
-          <a:noFill/>
-          <a:prstDash val="solid"/>
-          <a:miter lim="800000"/>
-        </a:ln>
-        <a:effectLst/>
-        <a:sp3d/>
-      </dsp:spPr>
-      <dsp:style>
-        <a:lnRef idx="2">
-          <a:scrgbClr r="0" g="0" b="0"/>
-        </a:lnRef>
-        <a:fillRef idx="1">
-          <a:scrgbClr r="0" g="0" b="0"/>
-        </a:fillRef>
-        <a:effectRef idx="0">
-          <a:scrgbClr r="0" g="0" b="0"/>
-        </a:effectRef>
-        <a:fontRef idx="minor">
-          <a:schemeClr val="lt1"/>
-        </a:fontRef>
-      </dsp:style>
-      <dsp:txBody>
-        <a:bodyPr spcFirstLastPara="0" vert="horz" wrap="square" lIns="195932" tIns="165100" rIns="195932" bIns="165100" numCol="1" spcCol="1270" anchor="ctr" anchorCtr="0">
-          <a:noAutofit/>
-        </a:bodyPr>
-        <a:lstStyle/>
-        <a:p>
-          <a:pPr marL="0" lvl="0" indent="0" algn="l" defTabSz="1955800">
-            <a:lnSpc>
-              <a:spcPct val="90000"/>
-            </a:lnSpc>
-            <a:spcBef>
-              <a:spcPct val="0"/>
-            </a:spcBef>
-            <a:spcAft>
-              <a:spcPct val="35000"/>
-            </a:spcAft>
-            <a:buNone/>
-          </a:pPr>
-          <a:r>
-            <a:rPr lang="en-US" sz="4400" kern="1200"/>
-            <a:t>02</a:t>
-          </a:r>
-        </a:p>
-      </dsp:txBody>
-      <dsp:txXfrm>
-        <a:off x="2142737" y="1595924"/>
-        <a:ext cx="1983562" cy="952110"/>
-      </dsp:txXfrm>
-    </dsp:sp>
-    <dsp:sp modelId="{98925FBD-E7B5-4055-B612-A4110531933D}">
-      <dsp:nvSpPr>
-        <dsp:cNvPr id="0" name=""/>
-        <dsp:cNvSpPr/>
-      </dsp:nvSpPr>
-      <dsp:spPr>
-        <a:xfrm>
-          <a:off x="4284985" y="1595924"/>
-          <a:ext cx="1983562" cy="2380275"/>
-        </a:xfrm>
-        <a:prstGeom prst="rect">
-          <a:avLst/>
-        </a:prstGeom>
-        <a:solidFill>
-          <a:schemeClr val="dk2">
-            <a:hueOff val="0"/>
-            <a:satOff val="0"/>
-            <a:lumOff val="0"/>
-            <a:alphaOff val="0"/>
-          </a:schemeClr>
-        </a:solidFill>
-        <a:ln w="12700" cap="flat" cmpd="sng" algn="ctr">
-          <a:solidFill>
-            <a:schemeClr val="dk2">
-              <a:hueOff val="0"/>
-              <a:satOff val="0"/>
-              <a:lumOff val="0"/>
-              <a:alphaOff val="0"/>
-            </a:schemeClr>
-          </a:solidFill>
-          <a:prstDash val="solid"/>
-          <a:miter lim="800000"/>
-        </a:ln>
-        <a:effectLst/>
-      </dsp:spPr>
-      <dsp:style>
-        <a:lnRef idx="2">
-          <a:scrgbClr r="0" g="0" b="0"/>
-        </a:lnRef>
-        <a:fillRef idx="1">
-          <a:scrgbClr r="0" g="0" b="0"/>
-        </a:fillRef>
-        <a:effectRef idx="0">
-          <a:scrgbClr r="0" g="0" b="0"/>
-        </a:effectRef>
-        <a:fontRef idx="minor">
-          <a:schemeClr val="lt1"/>
-        </a:fontRef>
-      </dsp:style>
-      <dsp:txBody>
-        <a:bodyPr spcFirstLastPara="0" vert="horz" wrap="square" lIns="195932" tIns="0" rIns="195932" bIns="330200" numCol="1" spcCol="1270" anchor="t" anchorCtr="0">
-          <a:noAutofit/>
-        </a:bodyPr>
-        <a:lstStyle/>
-        <a:p>
-          <a:pPr marL="0" lvl="0" indent="0" algn="l" defTabSz="844550">
-            <a:lnSpc>
-              <a:spcPct val="90000"/>
-            </a:lnSpc>
-            <a:spcBef>
-              <a:spcPct val="0"/>
-            </a:spcBef>
-            <a:spcAft>
-              <a:spcPct val="35000"/>
-            </a:spcAft>
-            <a:buNone/>
-          </a:pPr>
-          <a:r>
-            <a:rPr lang="fr-CA" sz="1900" kern="1200"/>
-            <a:t>Styles prédéfinis avec polices de tailles variables</a:t>
-          </a:r>
-          <a:endParaRPr lang="en-US" sz="1900" kern="1200"/>
-        </a:p>
-      </dsp:txBody>
-      <dsp:txXfrm>
-        <a:off x="4284985" y="2548034"/>
-        <a:ext cx="1983562" cy="1428165"/>
-      </dsp:txXfrm>
-    </dsp:sp>
-    <dsp:sp modelId="{FC430234-066D-40FC-8AA4-CDB0CACF20B8}">
-      <dsp:nvSpPr>
-        <dsp:cNvPr id="0" name=""/>
-        <dsp:cNvSpPr/>
-      </dsp:nvSpPr>
-      <dsp:spPr>
-        <a:xfrm>
-          <a:off x="4284985" y="1595924"/>
-          <a:ext cx="1983562" cy="952110"/>
-        </a:xfrm>
-        <a:prstGeom prst="rect">
-          <a:avLst/>
-        </a:prstGeom>
-        <a:noFill/>
-        <a:ln w="12700" cap="flat" cmpd="sng" algn="ctr">
-          <a:noFill/>
-          <a:prstDash val="solid"/>
-          <a:miter lim="800000"/>
-        </a:ln>
-        <a:effectLst/>
-        <a:sp3d/>
-      </dsp:spPr>
-      <dsp:style>
-        <a:lnRef idx="2">
-          <a:scrgbClr r="0" g="0" b="0"/>
-        </a:lnRef>
-        <a:fillRef idx="1">
-          <a:scrgbClr r="0" g="0" b="0"/>
-        </a:fillRef>
-        <a:effectRef idx="0">
-          <a:scrgbClr r="0" g="0" b="0"/>
-        </a:effectRef>
-        <a:fontRef idx="minor">
-          <a:schemeClr val="lt1"/>
-        </a:fontRef>
-      </dsp:style>
-      <dsp:txBody>
-        <a:bodyPr spcFirstLastPara="0" vert="horz" wrap="square" lIns="195932" tIns="165100" rIns="195932" bIns="165100" numCol="1" spcCol="1270" anchor="ctr" anchorCtr="0">
-          <a:noAutofit/>
-        </a:bodyPr>
-        <a:lstStyle/>
-        <a:p>
-          <a:pPr marL="0" lvl="0" indent="0" algn="l" defTabSz="1955800">
-            <a:lnSpc>
-              <a:spcPct val="90000"/>
-            </a:lnSpc>
-            <a:spcBef>
-              <a:spcPct val="0"/>
-            </a:spcBef>
-            <a:spcAft>
-              <a:spcPct val="35000"/>
-            </a:spcAft>
-            <a:buNone/>
-          </a:pPr>
-          <a:r>
-            <a:rPr lang="en-US" sz="4400" kern="1200"/>
-            <a:t>03</a:t>
-          </a:r>
-        </a:p>
-      </dsp:txBody>
-      <dsp:txXfrm>
-        <a:off x="4284985" y="1595924"/>
-        <a:ext cx="1983562" cy="952110"/>
-      </dsp:txXfrm>
-    </dsp:sp>
-  </dsp:spTree>
-</dsp:drawing>
-</file>
-
 <file path=ppt/diagrams/layout1.xml><?xml version="1.0" encoding="utf-8"?>
-<dgm:layoutDef xmlns:dgm="http://schemas.openxmlformats.org/drawingml/2006/diagram" xmlns:a="http://schemas.openxmlformats.org/drawingml/2006/main" uniqueId="urn:microsoft.com/office/officeart/2016/7/layout/LinearBlockProcessNumbered">
-  <dgm:title val="Linear Block Process Numbered"/>
-  <dgm:desc val="Used to show a progression; a timeline; sequential steps in a task, process, or workflow; or to emphasize movement or direction. Automatic numbers have been introduced to show the steps of the process. Level 1 text and Level 2 text both appears in a rectangle."/>
-  <dgm:catLst>
-    <dgm:cat type="process" pri="500"/>
-  </dgm:catLst>
-  <dgm:sampData>
-    <dgm:dataModel>
-      <dgm:ptLst>
-        <dgm:pt modelId="0" type="doc"/>
-        <dgm:pt modelId="1">
-          <dgm:prSet phldr="1"/>
-        </dgm:pt>
-        <dgm:pt modelId="11">
-          <dgm:prSet phldr="1"/>
-        </dgm:pt>
-        <dgm:pt modelId="2">
-          <dgm:prSet phldr="1"/>
-        </dgm:pt>
-        <dgm:pt modelId="21">
-          <dgm:prSet phldr="1"/>
-        </dgm:pt>
-        <dgm:pt modelId="3">
-          <dgm:prSet phldr="1"/>
-        </dgm:pt>
-        <dgm:pt modelId="31">
-          <dgm:prSet phldr="1"/>
-        </dgm:pt>
-        <dgm:pt modelId="101" type="sibTrans" cxnId="4">
-          <dgm:prSet phldrT="1"/>
-          <dgm:t>
-            <a:bodyPr/>
-            <a:lstStyle/>
-            <a:p>
-              <a:r>
-                <a:t>01</a:t>
-              </a:r>
-            </a:p>
-          </dgm:t>
-        </dgm:pt>
-        <dgm:pt modelId="201" type="sibTrans" cxnId="5">
-          <dgm:prSet phldrT="2"/>
-          <dgm:t>
-            <a:bodyPr/>
-            <a:lstStyle/>
-            <a:p>
-              <a:r>
-                <a:t>02</a:t>
-              </a:r>
-            </a:p>
-          </dgm:t>
-        </dgm:pt>
-        <dgm:pt modelId="301" type="sibTrans" cxnId="6">
-          <dgm:prSet phldrT="3"/>
-          <dgm:t>
-            <a:bodyPr/>
-            <a:lstStyle/>
-            <a:p>
-              <a:r>
-                <a:t>03</a:t>
-              </a:r>
-            </a:p>
-          </dgm:t>
-        </dgm:pt>
-      </dgm:ptLst>
-      <dgm:cxnLst>
-        <dgm:cxn modelId="4" srcId="0" destId="1" srcOrd="0" destOrd="0" sibTransId="101"/>
-        <dgm:cxn modelId="5" srcId="0" destId="2" srcOrd="1" destOrd="0" sibTransId="201"/>
-        <dgm:cxn modelId="6" srcId="0" destId="3" srcOrd="2" destOrd="0" sibTransId="301"/>
-        <dgm:cxn modelId="13" srcId="1" destId="11" srcOrd="0" destOrd="0"/>
-        <dgm:cxn modelId="23" srcId="2" destId="21" srcOrd="0" destOrd="0"/>
-        <dgm:cxn modelId="33" srcId="3" destId="31" srcOrd="0" destOrd="0"/>
-      </dgm:cxnLst>
-      <dgm:bg/>
-      <dgm:whole/>
-    </dgm:dataModel>
-  </dgm:sampData>
-  <dgm:styleData>
-    <dgm:dataModel>
-      <dgm:ptLst>
-        <dgm:pt modelId="0" type="doc"/>
-        <dgm:pt modelId="1"/>
-        <dgm:pt modelId="11"/>
-        <dgm:pt modelId="2"/>
-        <dgm:pt modelId="21"/>
-      </dgm:ptLst>
-      <dgm:cxnLst>
-        <dgm:cxn modelId="4" srcId="0" destId="1" srcOrd="0" destOrd="0"/>
-        <dgm:cxn modelId="5" srcId="0" destId="2" srcOrd="1" destOrd="0"/>
-        <dgm:cxn modelId="13" srcId="1" destId="11" srcOrd="0" destOrd="0"/>
-        <dgm:cxn modelId="23" srcId="2" destId="21" srcOrd="0" destOrd="0"/>
-      </dgm:cxnLst>
-      <dgm:bg/>
-      <dgm:whole/>
-    </dgm:dataModel>
-  </dgm:styleData>
-  <dgm:clrData>
-    <dgm:dataModel>
-      <dgm:ptLst>
-        <dgm:pt modelId="0" type="doc"/>
-        <dgm:pt modelId="1"/>
-        <dgm:pt modelId="11"/>
-        <dgm:pt modelId="2"/>
-        <dgm:pt modelId="21"/>
-        <dgm:pt modelId="3"/>
-        <dgm:pt modelId="31"/>
-        <dgm:pt modelId="4"/>
-        <dgm:pt modelId="41"/>
-      </dgm:ptLst>
-      <dgm:cxnLst>
-        <dgm:cxn modelId="5" srcId="0" destId="1" srcOrd="0" destOrd="0"/>
-        <dgm:cxn modelId="6" srcId="0" destId="2" srcOrd="1" destOrd="0"/>
-        <dgm:cxn modelId="7" srcId="0" destId="3" srcOrd="2" destOrd="0"/>
-        <dgm:cxn modelId="8" srcId="0" destId="4" srcOrd="3" destOrd="0"/>
-        <dgm:cxn modelId="13" srcId="1" destId="11" srcOrd="0" destOrd="0"/>
-        <dgm:cxn modelId="23" srcId="2" destId="21" srcOrd="0" destOrd="0"/>
-        <dgm:cxn modelId="33" srcId="3" destId="31" srcOrd="0" destOrd="0"/>
-        <dgm:cxn modelId="43" srcId="4" destId="41" srcOrd="0" destOrd="0"/>
-      </dgm:cxnLst>
-      <dgm:bg/>
-      <dgm:whole/>
-    </dgm:dataModel>
-  </dgm:clrData>
-  <dgm:layoutNode name="Name0">
-    <dgm:varLst>
-      <dgm:animLvl val="lvl"/>
-      <dgm:resizeHandles val="exact"/>
-    </dgm:varLst>
-    <dgm:alg type="lin">
-      <dgm:param type="linDir" val="fromL"/>
-      <dgm:param type="nodeVertAlign" val="t"/>
-    </dgm:alg>
-    <dgm:shape xmlns:r="http://schemas.openxmlformats.org/officeDocument/2006/relationships" r:blip="">
-      <dgm:adjLst/>
-    </dgm:shape>
-    <dgm:presOf/>
-    <dgm:constrLst>
-      <dgm:constr type="h" for="ch" forName="compositeNode" refType="h"/>
-      <dgm:constr type="w" for="ch" forName="compositeNode" refType="w"/>
-      <dgm:constr type="w" for="des" forName="simulatedConn" refType="w" refFor="ch" refForName="compositeNode" fact="0.15"/>
-      <dgm:constr type="h" for="des" forName="simulatedConn" refType="w" refFor="des" refForName="simulatedConn"/>
-      <dgm:constr type="h" for="des" forName="vSp1" refType="w" refFor="ch" refForName="compositeNode" fact="0.8"/>
-      <dgm:constr type="h" for="des" forName="vSp2" refType="w" refFor="ch" refForName="compositeNode" fact="0.07"/>
-      <dgm:constr type="w" for="ch" forName="vProcSp" refType="w" refFor="des" refForName="simulatedConn" op="equ"/>
-      <dgm:constr type="h" for="ch" forName="vProcSp" refType="h" refFor="ch" refForName="compositeNode" op="equ"/>
-      <dgm:constr type="w" for="ch" forName="sibTrans" refType="w" refFor="ch" refForName="compositeNode" fact="0.08"/>
-      <dgm:constr type="primFontSz" for="des" forName="sibTransNodeRect" op="equ"/>
-      <dgm:constr type="primFontSz" for="des" forName="nodeRect" op="equ"/>
-    </dgm:constrLst>
-    <dgm:ruleLst/>
-    <dgm:forEach name="Name4" axis="ch" ptType="node">
-      <dgm:layoutNode name="compositeNode">
-        <dgm:varLst>
-          <dgm:bulletEnabled val="1"/>
-        </dgm:varLst>
-        <dgm:alg type="composite"/>
-        <dgm:constrLst>
-          <dgm:constr type="h" refType="w" op="lte" fact="1.2"/>
-          <dgm:constr type="w" for="ch" forName="bgRect" refType="w"/>
-          <dgm:constr type="h" for="ch" forName="bgRect" refType="h"/>
-          <dgm:constr type="t" for="ch" forName="bgRect"/>
-          <dgm:constr type="l" for="ch" forName="bgRect"/>
-          <dgm:constr type="w" for="ch" forName="sibTransNodeRect" refType="w" refFor="ch" refForName="bgRect"/>
-          <dgm:constr type="h" for="ch" forName="sibTransNodeRect" refType="h" refFor="ch" refForName="bgRect" fact="0.4"/>
-          <dgm:constr type="t" for="ch" forName="sibTransNodeRect"/>
-          <dgm:constr type="l" for="ch" forName="sibTransNodeRect"/>
-          <dgm:constr type="r" for="ch" forName="nodeRect" refType="r" refFor="ch" refForName="bgRect"/>
-          <dgm:constr type="h" for="ch" forName="nodeRect" refType="h" refFor="ch" refForName="bgRect" fact="0.6"/>
-          <dgm:constr type="t" for="ch" forName="nodeRect" refType="b" refFor="ch" refForName="sibTransNodeRect"/>
-          <dgm:constr type="l" for="ch" forName="nodeRect" refType="l" refFor="ch" refForName="bgRect"/>
-        </dgm:constrLst>
-        <dgm:ruleLst>
-          <dgm:rule type="w" for="ch" forName="nodeRect" val="NaN" fact="NaN" max="30"/>
-        </dgm:ruleLst>
-        <dgm:layoutNode name="bgRect" styleLbl="alignNode1">
-          <dgm:alg type="sp"/>
-          <dgm:shape xmlns:r="http://schemas.openxmlformats.org/officeDocument/2006/relationships" type="rect" r:blip="">
-            <dgm:adjLst>
-              <dgm:adj idx="1" val="0.05"/>
-            </dgm:adjLst>
-          </dgm:shape>
-          <dgm:presOf axis="self"/>
-          <dgm:constrLst/>
-          <dgm:ruleLst/>
-        </dgm:layoutNode>
-        <dgm:forEach name="Name19" axis="followSib" ptType="sibTrans" hideLastTrans="0" cnt="1">
-          <dgm:layoutNode name="sibTransNodeRect" styleLbl="alignNode1">
-            <dgm:varLst>
-              <dgm:chMax val="0"/>
-              <dgm:bulletEnabled val="1"/>
-            </dgm:varLst>
-            <dgm:presOf axis="self"/>
-            <dgm:alg type="tx">
-              <dgm:param type="parTxLTRAlign" val="l"/>
-              <dgm:param type="parTxRTLAlign" val="l"/>
-            </dgm:alg>
-            <dgm:shape xmlns:r="http://schemas.openxmlformats.org/officeDocument/2006/relationships" type="rect" r:blip="" hideGeom="1">
-              <dgm:adjLst/>
-            </dgm:shape>
-            <dgm:constrLst>
-              <dgm:constr type="primFontSz" val="66"/>
-              <dgm:constr type="tMarg" val="13"/>
-              <dgm:constr type="lMarg" refType="w" fact="0.28"/>
-              <dgm:constr type="rMarg" refType="w" fact="0.28"/>
-              <dgm:constr type="bMarg" val="13"/>
-            </dgm:constrLst>
-            <dgm:ruleLst>
-              <dgm:rule type="primFontSz" val="14" fact="NaN" max="NaN"/>
-              <dgm:rule type="tMarg" val="13" fact="NaN" max="NaN"/>
-            </dgm:ruleLst>
-          </dgm:layoutNode>
-        </dgm:forEach>
-        <dgm:layoutNode name="nodeRect" styleLbl="alignNode1" moveWith="bgRect">
-          <dgm:varLst>
-            <dgm:bulletEnabled val="1"/>
-          </dgm:varLst>
-          <dgm:alg type="tx">
-            <dgm:param type="parTxLTRAlign" val="l"/>
-            <dgm:param type="parTxRTLAlign" val="r"/>
-            <dgm:param type="txAnchorVert" val="t"/>
-            <dgm:param type="stBulletLvl" val="2"/>
-          </dgm:alg>
-          <dgm:shape xmlns:r="http://schemas.openxmlformats.org/officeDocument/2006/relationships" type="rect" r:blip="" hideGeom="1">
-            <dgm:adjLst/>
-          </dgm:shape>
-          <dgm:presOf axis="desOrSelf" ptType="node"/>
-          <dgm:constrLst>
-            <dgm:constr type="primFontSz" val="26"/>
-            <dgm:constr type="tMarg"/>
-            <dgm:constr type="lMarg" refType="w" fact="0.28"/>
-            <dgm:constr type="rMarg" refType="w" fact="0.28"/>
-            <dgm:constr type="bMarg" val="26"/>
-          </dgm:constrLst>
-          <dgm:ruleLst>
-            <dgm:rule type="primFontSz" val="11" fact="NaN" max="NaN"/>
-          </dgm:ruleLst>
-        </dgm:layoutNode>
-      </dgm:layoutNode>
-      <dgm:forEach name="Name14" axis="followSib" ptType="sibTrans" cnt="1">
-        <dgm:layoutNode name="sibTrans">
-          <dgm:alg type="sp"/>
-          <dgm:shape xmlns:r="http://schemas.openxmlformats.org/officeDocument/2006/relationships" r:blip="">
-            <dgm:adjLst/>
-          </dgm:shape>
-          <dgm:presOf/>
-          <dgm:constrLst/>
-          <dgm:ruleLst/>
-        </dgm:layoutNode>
-      </dgm:forEach>
-    </dgm:forEach>
-  </dgm:layoutNode>
-  <dgm:extLst>
-    <a:ext uri="{4F341089-5ED1-44EC-B178-C955D00A3D55}">
-      <dgm1611:autoBuNodeInfoLst xmlns:dgm1611="http://schemas.microsoft.com/office/drawing/2016/11/diagram">
-        <dgm1611:autoBuNodeInfo lvl="1" ptType="sibTrans">
-          <dgm1611:buPr prefix="" leadZeros="1">
-            <a:buAutoNum type="arabicParenBoth"/>
-          </dgm1611:buPr>
-        </dgm1611:autoBuNodeInfo>
-      </dgm1611:autoBuNodeInfoLst>
-    </a:ext>
-  </dgm:extLst>
-</dgm:layoutDef>
-</file>
-
-<file path=ppt/diagrams/layout2.xml><?xml version="1.0" encoding="utf-8"?>
 <dgm:layoutDef xmlns:dgm="http://schemas.openxmlformats.org/drawingml/2006/diagram" xmlns:a="http://schemas.openxmlformats.org/drawingml/2006/main" uniqueId="urn:microsoft.com/office/officeart/2016/7/layout/LinearBlockProcessNumbered">
   <dgm:title val="Linear Block Process Numbered"/>
   <dgm:desc val="Used to show a progression; a timeline; sequential steps in a task, process, or workflow; or to emphasize movement or direction. Automatic numbers have been introduced to show the steps of the process. Level 1 text and Level 2 text both appears in a rectangle."/>
@@ -5880,1040 +4134,6 @@
 </dgm:styleDef>
 </file>
 
-<file path=ppt/diagrams/quickStyle2.xml><?xml version="1.0" encoding="utf-8"?>
-<dgm:styleDef xmlns:dgm="http://schemas.openxmlformats.org/drawingml/2006/diagram" xmlns:a="http://schemas.openxmlformats.org/drawingml/2006/main" uniqueId="urn:microsoft.com/office/officeart/2005/8/quickstyle/simple1">
-  <dgm:title val=""/>
-  <dgm:desc val=""/>
-  <dgm:catLst>
-    <dgm:cat type="simple" pri="10100"/>
-  </dgm:catLst>
-  <dgm:scene3d>
-    <a:camera prst="orthographicFront"/>
-    <a:lightRig rig="threePt" dir="t"/>
-  </dgm:scene3d>
-  <dgm:styleLbl name="node0">
-    <dgm:scene3d>
-      <a:camera prst="orthographicFront"/>
-      <a:lightRig rig="threePt" dir="t"/>
-    </dgm:scene3d>
-    <dgm:sp3d/>
-    <dgm:txPr/>
-    <dgm:style>
-      <a:lnRef idx="2">
-        <a:scrgbClr r="0" g="0" b="0"/>
-      </a:lnRef>
-      <a:fillRef idx="1">
-        <a:scrgbClr r="0" g="0" b="0"/>
-      </a:fillRef>
-      <a:effectRef idx="0">
-        <a:scrgbClr r="0" g="0" b="0"/>
-      </a:effectRef>
-      <a:fontRef idx="minor">
-        <a:schemeClr val="lt1"/>
-      </a:fontRef>
-    </dgm:style>
-  </dgm:styleLbl>
-  <dgm:styleLbl name="lnNode1">
-    <dgm:scene3d>
-      <a:camera prst="orthographicFront"/>
-      <a:lightRig rig="threePt" dir="t"/>
-    </dgm:scene3d>
-    <dgm:sp3d/>
-    <dgm:txPr/>
-    <dgm:style>
-      <a:lnRef idx="2">
-        <a:scrgbClr r="0" g="0" b="0"/>
-      </a:lnRef>
-      <a:fillRef idx="1">
-        <a:scrgbClr r="0" g="0" b="0"/>
-      </a:fillRef>
-      <a:effectRef idx="0">
-        <a:scrgbClr r="0" g="0" b="0"/>
-      </a:effectRef>
-      <a:fontRef idx="minor">
-        <a:schemeClr val="lt1"/>
-      </a:fontRef>
-    </dgm:style>
-  </dgm:styleLbl>
-  <dgm:styleLbl name="vennNode1">
-    <dgm:scene3d>
-      <a:camera prst="orthographicFront"/>
-      <a:lightRig rig="threePt" dir="t"/>
-    </dgm:scene3d>
-    <dgm:sp3d/>
-    <dgm:txPr/>
-    <dgm:style>
-      <a:lnRef idx="2">
-        <a:scrgbClr r="0" g="0" b="0"/>
-      </a:lnRef>
-      <a:fillRef idx="1">
-        <a:scrgbClr r="0" g="0" b="0"/>
-      </a:fillRef>
-      <a:effectRef idx="0">
-        <a:scrgbClr r="0" g="0" b="0"/>
-      </a:effectRef>
-      <a:fontRef idx="minor">
-        <a:schemeClr val="tx1"/>
-      </a:fontRef>
-    </dgm:style>
-  </dgm:styleLbl>
-  <dgm:styleLbl name="alignNode1">
-    <dgm:scene3d>
-      <a:camera prst="orthographicFront"/>
-      <a:lightRig rig="threePt" dir="t"/>
-    </dgm:scene3d>
-    <dgm:sp3d/>
-    <dgm:txPr/>
-    <dgm:style>
-      <a:lnRef idx="2">
-        <a:scrgbClr r="0" g="0" b="0"/>
-      </a:lnRef>
-      <a:fillRef idx="1">
-        <a:scrgbClr r="0" g="0" b="0"/>
-      </a:fillRef>
-      <a:effectRef idx="0">
-        <a:scrgbClr r="0" g="0" b="0"/>
-      </a:effectRef>
-      <a:fontRef idx="minor">
-        <a:schemeClr val="lt1"/>
-      </a:fontRef>
-    </dgm:style>
-  </dgm:styleLbl>
-  <dgm:styleLbl name="node1">
-    <dgm:scene3d>
-      <a:camera prst="orthographicFront"/>
-      <a:lightRig rig="threePt" dir="t"/>
-    </dgm:scene3d>
-    <dgm:sp3d/>
-    <dgm:txPr/>
-    <dgm:style>
-      <a:lnRef idx="2">
-        <a:scrgbClr r="0" g="0" b="0"/>
-      </a:lnRef>
-      <a:fillRef idx="1">
-        <a:scrgbClr r="0" g="0" b="0"/>
-      </a:fillRef>
-      <a:effectRef idx="0">
-        <a:scrgbClr r="0" g="0" b="0"/>
-      </a:effectRef>
-      <a:fontRef idx="minor">
-        <a:schemeClr val="lt1"/>
-      </a:fontRef>
-    </dgm:style>
-  </dgm:styleLbl>
-  <dgm:styleLbl name="node2">
-    <dgm:scene3d>
-      <a:camera prst="orthographicFront"/>
-      <a:lightRig rig="threePt" dir="t"/>
-    </dgm:scene3d>
-    <dgm:sp3d/>
-    <dgm:txPr/>
-    <dgm:style>
-      <a:lnRef idx="2">
-        <a:scrgbClr r="0" g="0" b="0"/>
-      </a:lnRef>
-      <a:fillRef idx="1">
-        <a:scrgbClr r="0" g="0" b="0"/>
-      </a:fillRef>
-      <a:effectRef idx="0">
-        <a:scrgbClr r="0" g="0" b="0"/>
-      </a:effectRef>
-      <a:fontRef idx="minor">
-        <a:schemeClr val="lt1"/>
-      </a:fontRef>
-    </dgm:style>
-  </dgm:styleLbl>
-  <dgm:styleLbl name="node3">
-    <dgm:scene3d>
-      <a:camera prst="orthographicFront"/>
-      <a:lightRig rig="threePt" dir="t"/>
-    </dgm:scene3d>
-    <dgm:sp3d/>
-    <dgm:txPr/>
-    <dgm:style>
-      <a:lnRef idx="2">
-        <a:scrgbClr r="0" g="0" b="0"/>
-      </a:lnRef>
-      <a:fillRef idx="1">
-        <a:scrgbClr r="0" g="0" b="0"/>
-      </a:fillRef>
-      <a:effectRef idx="0">
-        <a:scrgbClr r="0" g="0" b="0"/>
-      </a:effectRef>
-      <a:fontRef idx="minor">
-        <a:schemeClr val="lt1"/>
-      </a:fontRef>
-    </dgm:style>
-  </dgm:styleLbl>
-  <dgm:styleLbl name="node4">
-    <dgm:scene3d>
-      <a:camera prst="orthographicFront"/>
-      <a:lightRig rig="threePt" dir="t"/>
-    </dgm:scene3d>
-    <dgm:sp3d/>
-    <dgm:txPr/>
-    <dgm:style>
-      <a:lnRef idx="2">
-        <a:scrgbClr r="0" g="0" b="0"/>
-      </a:lnRef>
-      <a:fillRef idx="1">
-        <a:scrgbClr r="0" g="0" b="0"/>
-      </a:fillRef>
-      <a:effectRef idx="0">
-        <a:scrgbClr r="0" g="0" b="0"/>
-      </a:effectRef>
-      <a:fontRef idx="minor">
-        <a:schemeClr val="lt1"/>
-      </a:fontRef>
-    </dgm:style>
-  </dgm:styleLbl>
-  <dgm:styleLbl name="fgImgPlace1">
-    <dgm:scene3d>
-      <a:camera prst="orthographicFront"/>
-      <a:lightRig rig="threePt" dir="t"/>
-    </dgm:scene3d>
-    <dgm:sp3d/>
-    <dgm:txPr/>
-    <dgm:style>
-      <a:lnRef idx="2">
-        <a:scrgbClr r="0" g="0" b="0"/>
-      </a:lnRef>
-      <a:fillRef idx="1">
-        <a:scrgbClr r="0" g="0" b="0"/>
-      </a:fillRef>
-      <a:effectRef idx="0">
-        <a:scrgbClr r="0" g="0" b="0"/>
-      </a:effectRef>
-      <a:fontRef idx="minor"/>
-    </dgm:style>
-  </dgm:styleLbl>
-  <dgm:styleLbl name="alignImgPlace1">
-    <dgm:scene3d>
-      <a:camera prst="orthographicFront"/>
-      <a:lightRig rig="threePt" dir="t"/>
-    </dgm:scene3d>
-    <dgm:sp3d/>
-    <dgm:txPr/>
-    <dgm:style>
-      <a:lnRef idx="2">
-        <a:scrgbClr r="0" g="0" b="0"/>
-      </a:lnRef>
-      <a:fillRef idx="1">
-        <a:scrgbClr r="0" g="0" b="0"/>
-      </a:fillRef>
-      <a:effectRef idx="0">
-        <a:scrgbClr r="0" g="0" b="0"/>
-      </a:effectRef>
-      <a:fontRef idx="minor"/>
-    </dgm:style>
-  </dgm:styleLbl>
-  <dgm:styleLbl name="bgImgPlace1">
-    <dgm:scene3d>
-      <a:camera prst="orthographicFront"/>
-      <a:lightRig rig="threePt" dir="t"/>
-    </dgm:scene3d>
-    <dgm:sp3d/>
-    <dgm:txPr/>
-    <dgm:style>
-      <a:lnRef idx="2">
-        <a:scrgbClr r="0" g="0" b="0"/>
-      </a:lnRef>
-      <a:fillRef idx="1">
-        <a:scrgbClr r="0" g="0" b="0"/>
-      </a:fillRef>
-      <a:effectRef idx="0">
-        <a:scrgbClr r="0" g="0" b="0"/>
-      </a:effectRef>
-      <a:fontRef idx="minor"/>
-    </dgm:style>
-  </dgm:styleLbl>
-  <dgm:styleLbl name="sibTrans2D1">
-    <dgm:scene3d>
-      <a:camera prst="orthographicFront"/>
-      <a:lightRig rig="threePt" dir="t"/>
-    </dgm:scene3d>
-    <dgm:sp3d/>
-    <dgm:txPr/>
-    <dgm:style>
-      <a:lnRef idx="0">
-        <a:scrgbClr r="0" g="0" b="0"/>
-      </a:lnRef>
-      <a:fillRef idx="1">
-        <a:scrgbClr r="0" g="0" b="0"/>
-      </a:fillRef>
-      <a:effectRef idx="0">
-        <a:scrgbClr r="0" g="0" b="0"/>
-      </a:effectRef>
-      <a:fontRef idx="minor">
-        <a:schemeClr val="lt1"/>
-      </a:fontRef>
-    </dgm:style>
-  </dgm:styleLbl>
-  <dgm:styleLbl name="fgSibTrans2D1">
-    <dgm:scene3d>
-      <a:camera prst="orthographicFront"/>
-      <a:lightRig rig="threePt" dir="t"/>
-    </dgm:scene3d>
-    <dgm:sp3d/>
-    <dgm:txPr/>
-    <dgm:style>
-      <a:lnRef idx="0">
-        <a:scrgbClr r="0" g="0" b="0"/>
-      </a:lnRef>
-      <a:fillRef idx="1">
-        <a:scrgbClr r="0" g="0" b="0"/>
-      </a:fillRef>
-      <a:effectRef idx="0">
-        <a:scrgbClr r="0" g="0" b="0"/>
-      </a:effectRef>
-      <a:fontRef idx="minor">
-        <a:schemeClr val="lt1"/>
-      </a:fontRef>
-    </dgm:style>
-  </dgm:styleLbl>
-  <dgm:styleLbl name="bgSibTrans2D1">
-    <dgm:scene3d>
-      <a:camera prst="orthographicFront"/>
-      <a:lightRig rig="threePt" dir="t"/>
-    </dgm:scene3d>
-    <dgm:sp3d/>
-    <dgm:txPr/>
-    <dgm:style>
-      <a:lnRef idx="0">
-        <a:scrgbClr r="0" g="0" b="0"/>
-      </a:lnRef>
-      <a:fillRef idx="1">
-        <a:scrgbClr r="0" g="0" b="0"/>
-      </a:fillRef>
-      <a:effectRef idx="0">
-        <a:scrgbClr r="0" g="0" b="0"/>
-      </a:effectRef>
-      <a:fontRef idx="minor">
-        <a:schemeClr val="lt1"/>
-      </a:fontRef>
-    </dgm:style>
-  </dgm:styleLbl>
-  <dgm:styleLbl name="sibTrans1D1">
-    <dgm:scene3d>
-      <a:camera prst="orthographicFront"/>
-      <a:lightRig rig="threePt" dir="t"/>
-    </dgm:scene3d>
-    <dgm:sp3d/>
-    <dgm:txPr/>
-    <dgm:style>
-      <a:lnRef idx="1">
-        <a:scrgbClr r="0" g="0" b="0"/>
-      </a:lnRef>
-      <a:fillRef idx="0">
-        <a:scrgbClr r="0" g="0" b="0"/>
-      </a:fillRef>
-      <a:effectRef idx="0">
-        <a:scrgbClr r="0" g="0" b="0"/>
-      </a:effectRef>
-      <a:fontRef idx="minor"/>
-    </dgm:style>
-  </dgm:styleLbl>
-  <dgm:styleLbl name="callout">
-    <dgm:scene3d>
-      <a:camera prst="orthographicFront"/>
-      <a:lightRig rig="threePt" dir="t"/>
-    </dgm:scene3d>
-    <dgm:sp3d/>
-    <dgm:txPr/>
-    <dgm:style>
-      <a:lnRef idx="2">
-        <a:scrgbClr r="0" g="0" b="0"/>
-      </a:lnRef>
-      <a:fillRef idx="1">
-        <a:scrgbClr r="0" g="0" b="0"/>
-      </a:fillRef>
-      <a:effectRef idx="0">
-        <a:scrgbClr r="0" g="0" b="0"/>
-      </a:effectRef>
-      <a:fontRef idx="minor"/>
-    </dgm:style>
-  </dgm:styleLbl>
-  <dgm:styleLbl name="asst0">
-    <dgm:scene3d>
-      <a:camera prst="orthographicFront"/>
-      <a:lightRig rig="threePt" dir="t"/>
-    </dgm:scene3d>
-    <dgm:sp3d/>
-    <dgm:txPr/>
-    <dgm:style>
-      <a:lnRef idx="2">
-        <a:scrgbClr r="0" g="0" b="0"/>
-      </a:lnRef>
-      <a:fillRef idx="1">
-        <a:scrgbClr r="0" g="0" b="0"/>
-      </a:fillRef>
-      <a:effectRef idx="0">
-        <a:scrgbClr r="0" g="0" b="0"/>
-      </a:effectRef>
-      <a:fontRef idx="minor">
-        <a:schemeClr val="lt1"/>
-      </a:fontRef>
-    </dgm:style>
-  </dgm:styleLbl>
-  <dgm:styleLbl name="asst1">
-    <dgm:scene3d>
-      <a:camera prst="orthographicFront"/>
-      <a:lightRig rig="threePt" dir="t"/>
-    </dgm:scene3d>
-    <dgm:sp3d/>
-    <dgm:txPr/>
-    <dgm:style>
-      <a:lnRef idx="2">
-        <a:scrgbClr r="0" g="0" b="0"/>
-      </a:lnRef>
-      <a:fillRef idx="1">
-        <a:scrgbClr r="0" g="0" b="0"/>
-      </a:fillRef>
-      <a:effectRef idx="0">
-        <a:scrgbClr r="0" g="0" b="0"/>
-      </a:effectRef>
-      <a:fontRef idx="minor">
-        <a:schemeClr val="lt1"/>
-      </a:fontRef>
-    </dgm:style>
-  </dgm:styleLbl>
-  <dgm:styleLbl name="asst2">
-    <dgm:scene3d>
-      <a:camera prst="orthographicFront"/>
-      <a:lightRig rig="threePt" dir="t"/>
-    </dgm:scene3d>
-    <dgm:sp3d/>
-    <dgm:txPr/>
-    <dgm:style>
-      <a:lnRef idx="2">
-        <a:scrgbClr r="0" g="0" b="0"/>
-      </a:lnRef>
-      <a:fillRef idx="1">
-        <a:scrgbClr r="0" g="0" b="0"/>
-      </a:fillRef>
-      <a:effectRef idx="0">
-        <a:scrgbClr r="0" g="0" b="0"/>
-      </a:effectRef>
-      <a:fontRef idx="minor">
-        <a:schemeClr val="lt1"/>
-      </a:fontRef>
-    </dgm:style>
-  </dgm:styleLbl>
-  <dgm:styleLbl name="asst3">
-    <dgm:scene3d>
-      <a:camera prst="orthographicFront"/>
-      <a:lightRig rig="threePt" dir="t"/>
-    </dgm:scene3d>
-    <dgm:sp3d/>
-    <dgm:txPr/>
-    <dgm:style>
-      <a:lnRef idx="2">
-        <a:scrgbClr r="0" g="0" b="0"/>
-      </a:lnRef>
-      <a:fillRef idx="1">
-        <a:scrgbClr r="0" g="0" b="0"/>
-      </a:fillRef>
-      <a:effectRef idx="0">
-        <a:scrgbClr r="0" g="0" b="0"/>
-      </a:effectRef>
-      <a:fontRef idx="minor">
-        <a:schemeClr val="lt1"/>
-      </a:fontRef>
-    </dgm:style>
-  </dgm:styleLbl>
-  <dgm:styleLbl name="asst4">
-    <dgm:scene3d>
-      <a:camera prst="orthographicFront"/>
-      <a:lightRig rig="threePt" dir="t"/>
-    </dgm:scene3d>
-    <dgm:sp3d/>
-    <dgm:txPr/>
-    <dgm:style>
-      <a:lnRef idx="2">
-        <a:scrgbClr r="0" g="0" b="0"/>
-      </a:lnRef>
-      <a:fillRef idx="1">
-        <a:scrgbClr r="0" g="0" b="0"/>
-      </a:fillRef>
-      <a:effectRef idx="0">
-        <a:scrgbClr r="0" g="0" b="0"/>
-      </a:effectRef>
-      <a:fontRef idx="minor">
-        <a:schemeClr val="lt1"/>
-      </a:fontRef>
-    </dgm:style>
-  </dgm:styleLbl>
-  <dgm:styleLbl name="parChTrans2D1">
-    <dgm:scene3d>
-      <a:camera prst="orthographicFront"/>
-      <a:lightRig rig="threePt" dir="t"/>
-    </dgm:scene3d>
-    <dgm:sp3d/>
-    <dgm:txPr/>
-    <dgm:style>
-      <a:lnRef idx="2">
-        <a:scrgbClr r="0" g="0" b="0"/>
-      </a:lnRef>
-      <a:fillRef idx="1">
-        <a:scrgbClr r="0" g="0" b="0"/>
-      </a:fillRef>
-      <a:effectRef idx="0">
-        <a:scrgbClr r="0" g="0" b="0"/>
-      </a:effectRef>
-      <a:fontRef idx="minor">
-        <a:schemeClr val="lt1"/>
-      </a:fontRef>
-    </dgm:style>
-  </dgm:styleLbl>
-  <dgm:styleLbl name="parChTrans2D2">
-    <dgm:scene3d>
-      <a:camera prst="orthographicFront"/>
-      <a:lightRig rig="threePt" dir="t"/>
-    </dgm:scene3d>
-    <dgm:sp3d/>
-    <dgm:txPr/>
-    <dgm:style>
-      <a:lnRef idx="2">
-        <a:scrgbClr r="0" g="0" b="0"/>
-      </a:lnRef>
-      <a:fillRef idx="1">
-        <a:scrgbClr r="0" g="0" b="0"/>
-      </a:fillRef>
-      <a:effectRef idx="0">
-        <a:scrgbClr r="0" g="0" b="0"/>
-      </a:effectRef>
-      <a:fontRef idx="minor">
-        <a:schemeClr val="lt1"/>
-      </a:fontRef>
-    </dgm:style>
-  </dgm:styleLbl>
-  <dgm:styleLbl name="parChTrans2D3">
-    <dgm:scene3d>
-      <a:camera prst="orthographicFront"/>
-      <a:lightRig rig="threePt" dir="t"/>
-    </dgm:scene3d>
-    <dgm:sp3d/>
-    <dgm:txPr/>
-    <dgm:style>
-      <a:lnRef idx="2">
-        <a:scrgbClr r="0" g="0" b="0"/>
-      </a:lnRef>
-      <a:fillRef idx="1">
-        <a:scrgbClr r="0" g="0" b="0"/>
-      </a:fillRef>
-      <a:effectRef idx="0">
-        <a:scrgbClr r="0" g="0" b="0"/>
-      </a:effectRef>
-      <a:fontRef idx="minor">
-        <a:schemeClr val="lt1"/>
-      </a:fontRef>
-    </dgm:style>
-  </dgm:styleLbl>
-  <dgm:styleLbl name="parChTrans2D4">
-    <dgm:scene3d>
-      <a:camera prst="orthographicFront"/>
-      <a:lightRig rig="threePt" dir="t"/>
-    </dgm:scene3d>
-    <dgm:sp3d/>
-    <dgm:txPr/>
-    <dgm:style>
-      <a:lnRef idx="2">
-        <a:scrgbClr r="0" g="0" b="0"/>
-      </a:lnRef>
-      <a:fillRef idx="1">
-        <a:scrgbClr r="0" g="0" b="0"/>
-      </a:fillRef>
-      <a:effectRef idx="0">
-        <a:scrgbClr r="0" g="0" b="0"/>
-      </a:effectRef>
-      <a:fontRef idx="minor">
-        <a:schemeClr val="lt1"/>
-      </a:fontRef>
-    </dgm:style>
-  </dgm:styleLbl>
-  <dgm:styleLbl name="parChTrans1D1">
-    <dgm:scene3d>
-      <a:camera prst="orthographicFront"/>
-      <a:lightRig rig="threePt" dir="t"/>
-    </dgm:scene3d>
-    <dgm:sp3d/>
-    <dgm:txPr/>
-    <dgm:style>
-      <a:lnRef idx="2">
-        <a:scrgbClr r="0" g="0" b="0"/>
-      </a:lnRef>
-      <a:fillRef idx="0">
-        <a:scrgbClr r="0" g="0" b="0"/>
-      </a:fillRef>
-      <a:effectRef idx="0">
-        <a:scrgbClr r="0" g="0" b="0"/>
-      </a:effectRef>
-      <a:fontRef idx="minor"/>
-    </dgm:style>
-  </dgm:styleLbl>
-  <dgm:styleLbl name="parChTrans1D2">
-    <dgm:scene3d>
-      <a:camera prst="orthographicFront"/>
-      <a:lightRig rig="threePt" dir="t"/>
-    </dgm:scene3d>
-    <dgm:sp3d/>
-    <dgm:txPr/>
-    <dgm:style>
-      <a:lnRef idx="2">
-        <a:scrgbClr r="0" g="0" b="0"/>
-      </a:lnRef>
-      <a:fillRef idx="0">
-        <a:scrgbClr r="0" g="0" b="0"/>
-      </a:fillRef>
-      <a:effectRef idx="0">
-        <a:scrgbClr r="0" g="0" b="0"/>
-      </a:effectRef>
-      <a:fontRef idx="minor"/>
-    </dgm:style>
-  </dgm:styleLbl>
-  <dgm:styleLbl name="parChTrans1D3">
-    <dgm:scene3d>
-      <a:camera prst="orthographicFront"/>
-      <a:lightRig rig="threePt" dir="t"/>
-    </dgm:scene3d>
-    <dgm:sp3d/>
-    <dgm:txPr/>
-    <dgm:style>
-      <a:lnRef idx="2">
-        <a:scrgbClr r="0" g="0" b="0"/>
-      </a:lnRef>
-      <a:fillRef idx="0">
-        <a:scrgbClr r="0" g="0" b="0"/>
-      </a:fillRef>
-      <a:effectRef idx="0">
-        <a:scrgbClr r="0" g="0" b="0"/>
-      </a:effectRef>
-      <a:fontRef idx="minor"/>
-    </dgm:style>
-  </dgm:styleLbl>
-  <dgm:styleLbl name="parChTrans1D4">
-    <dgm:scene3d>
-      <a:camera prst="orthographicFront"/>
-      <a:lightRig rig="threePt" dir="t"/>
-    </dgm:scene3d>
-    <dgm:sp3d/>
-    <dgm:txPr/>
-    <dgm:style>
-      <a:lnRef idx="2">
-        <a:scrgbClr r="0" g="0" b="0"/>
-      </a:lnRef>
-      <a:fillRef idx="0">
-        <a:scrgbClr r="0" g="0" b="0"/>
-      </a:fillRef>
-      <a:effectRef idx="0">
-        <a:scrgbClr r="0" g="0" b="0"/>
-      </a:effectRef>
-      <a:fontRef idx="minor"/>
-    </dgm:style>
-  </dgm:styleLbl>
-  <dgm:styleLbl name="fgAcc1">
-    <dgm:scene3d>
-      <a:camera prst="orthographicFront"/>
-      <a:lightRig rig="threePt" dir="t"/>
-    </dgm:scene3d>
-    <dgm:sp3d/>
-    <dgm:txPr/>
-    <dgm:style>
-      <a:lnRef idx="2">
-        <a:scrgbClr r="0" g="0" b="0"/>
-      </a:lnRef>
-      <a:fillRef idx="1">
-        <a:scrgbClr r="0" g="0" b="0"/>
-      </a:fillRef>
-      <a:effectRef idx="0">
-        <a:scrgbClr r="0" g="0" b="0"/>
-      </a:effectRef>
-      <a:fontRef idx="minor"/>
-    </dgm:style>
-  </dgm:styleLbl>
-  <dgm:styleLbl name="conFgAcc1">
-    <dgm:scene3d>
-      <a:camera prst="orthographicFront"/>
-      <a:lightRig rig="threePt" dir="t"/>
-    </dgm:scene3d>
-    <dgm:sp3d/>
-    <dgm:txPr/>
-    <dgm:style>
-      <a:lnRef idx="2">
-        <a:scrgbClr r="0" g="0" b="0"/>
-      </a:lnRef>
-      <a:fillRef idx="1">
-        <a:scrgbClr r="0" g="0" b="0"/>
-      </a:fillRef>
-      <a:effectRef idx="0">
-        <a:scrgbClr r="0" g="0" b="0"/>
-      </a:effectRef>
-      <a:fontRef idx="minor"/>
-    </dgm:style>
-  </dgm:styleLbl>
-  <dgm:styleLbl name="alignAcc1">
-    <dgm:scene3d>
-      <a:camera prst="orthographicFront"/>
-      <a:lightRig rig="threePt" dir="t"/>
-    </dgm:scene3d>
-    <dgm:sp3d/>
-    <dgm:txPr/>
-    <dgm:style>
-      <a:lnRef idx="2">
-        <a:scrgbClr r="0" g="0" b="0"/>
-      </a:lnRef>
-      <a:fillRef idx="1">
-        <a:scrgbClr r="0" g="0" b="0"/>
-      </a:fillRef>
-      <a:effectRef idx="0">
-        <a:scrgbClr r="0" g="0" b="0"/>
-      </a:effectRef>
-      <a:fontRef idx="minor"/>
-    </dgm:style>
-  </dgm:styleLbl>
-  <dgm:styleLbl name="trAlignAcc1">
-    <dgm:scene3d>
-      <a:camera prst="orthographicFront"/>
-      <a:lightRig rig="threePt" dir="t"/>
-    </dgm:scene3d>
-    <dgm:sp3d/>
-    <dgm:txPr/>
-    <dgm:style>
-      <a:lnRef idx="1">
-        <a:scrgbClr r="0" g="0" b="0"/>
-      </a:lnRef>
-      <a:fillRef idx="1">
-        <a:scrgbClr r="0" g="0" b="0"/>
-      </a:fillRef>
-      <a:effectRef idx="0">
-        <a:scrgbClr r="0" g="0" b="0"/>
-      </a:effectRef>
-      <a:fontRef idx="minor"/>
-    </dgm:style>
-  </dgm:styleLbl>
-  <dgm:styleLbl name="bgAcc1">
-    <dgm:scene3d>
-      <a:camera prst="orthographicFront"/>
-      <a:lightRig rig="threePt" dir="t"/>
-    </dgm:scene3d>
-    <dgm:sp3d/>
-    <dgm:txPr/>
-    <dgm:style>
-      <a:lnRef idx="2">
-        <a:scrgbClr r="0" g="0" b="0"/>
-      </a:lnRef>
-      <a:fillRef idx="1">
-        <a:scrgbClr r="0" g="0" b="0"/>
-      </a:fillRef>
-      <a:effectRef idx="0">
-        <a:scrgbClr r="0" g="0" b="0"/>
-      </a:effectRef>
-      <a:fontRef idx="minor"/>
-    </dgm:style>
-  </dgm:styleLbl>
-  <dgm:styleLbl name="solidFgAcc1">
-    <dgm:scene3d>
-      <a:camera prst="orthographicFront"/>
-      <a:lightRig rig="threePt" dir="t"/>
-    </dgm:scene3d>
-    <dgm:sp3d/>
-    <dgm:txPr/>
-    <dgm:style>
-      <a:lnRef idx="2">
-        <a:scrgbClr r="0" g="0" b="0"/>
-      </a:lnRef>
-      <a:fillRef idx="1">
-        <a:scrgbClr r="0" g="0" b="0"/>
-      </a:fillRef>
-      <a:effectRef idx="0">
-        <a:scrgbClr r="0" g="0" b="0"/>
-      </a:effectRef>
-      <a:fontRef idx="minor"/>
-    </dgm:style>
-  </dgm:styleLbl>
-  <dgm:styleLbl name="solidAlignAcc1">
-    <dgm:scene3d>
-      <a:camera prst="orthographicFront"/>
-      <a:lightRig rig="threePt" dir="t"/>
-    </dgm:scene3d>
-    <dgm:sp3d/>
-    <dgm:txPr/>
-    <dgm:style>
-      <a:lnRef idx="2">
-        <a:scrgbClr r="0" g="0" b="0"/>
-      </a:lnRef>
-      <a:fillRef idx="1">
-        <a:scrgbClr r="0" g="0" b="0"/>
-      </a:fillRef>
-      <a:effectRef idx="0">
-        <a:scrgbClr r="0" g="0" b="0"/>
-      </a:effectRef>
-      <a:fontRef idx="minor"/>
-    </dgm:style>
-  </dgm:styleLbl>
-  <dgm:styleLbl name="solidBgAcc1">
-    <dgm:scene3d>
-      <a:camera prst="orthographicFront"/>
-      <a:lightRig rig="threePt" dir="t"/>
-    </dgm:scene3d>
-    <dgm:sp3d/>
-    <dgm:txPr/>
-    <dgm:style>
-      <a:lnRef idx="2">
-        <a:scrgbClr r="0" g="0" b="0"/>
-      </a:lnRef>
-      <a:fillRef idx="1">
-        <a:scrgbClr r="0" g="0" b="0"/>
-      </a:fillRef>
-      <a:effectRef idx="0">
-        <a:scrgbClr r="0" g="0" b="0"/>
-      </a:effectRef>
-      <a:fontRef idx="minor"/>
-    </dgm:style>
-  </dgm:styleLbl>
-  <dgm:styleLbl name="fgAccFollowNode1">
-    <dgm:scene3d>
-      <a:camera prst="orthographicFront"/>
-      <a:lightRig rig="threePt" dir="t"/>
-    </dgm:scene3d>
-    <dgm:sp3d/>
-    <dgm:txPr/>
-    <dgm:style>
-      <a:lnRef idx="2">
-        <a:scrgbClr r="0" g="0" b="0"/>
-      </a:lnRef>
-      <a:fillRef idx="1">
-        <a:scrgbClr r="0" g="0" b="0"/>
-      </a:fillRef>
-      <a:effectRef idx="0">
-        <a:scrgbClr r="0" g="0" b="0"/>
-      </a:effectRef>
-      <a:fontRef idx="minor"/>
-    </dgm:style>
-  </dgm:styleLbl>
-  <dgm:styleLbl name="alignAccFollowNode1">
-    <dgm:scene3d>
-      <a:camera prst="orthographicFront"/>
-      <a:lightRig rig="threePt" dir="t"/>
-    </dgm:scene3d>
-    <dgm:sp3d/>
-    <dgm:txPr/>
-    <dgm:style>
-      <a:lnRef idx="2">
-        <a:scrgbClr r="0" g="0" b="0"/>
-      </a:lnRef>
-      <a:fillRef idx="1">
-        <a:scrgbClr r="0" g="0" b="0"/>
-      </a:fillRef>
-      <a:effectRef idx="0">
-        <a:scrgbClr r="0" g="0" b="0"/>
-      </a:effectRef>
-      <a:fontRef idx="minor"/>
-    </dgm:style>
-  </dgm:styleLbl>
-  <dgm:styleLbl name="bgAccFollowNode1">
-    <dgm:scene3d>
-      <a:camera prst="orthographicFront"/>
-      <a:lightRig rig="threePt" dir="t"/>
-    </dgm:scene3d>
-    <dgm:sp3d/>
-    <dgm:txPr/>
-    <dgm:style>
-      <a:lnRef idx="2">
-        <a:scrgbClr r="0" g="0" b="0"/>
-      </a:lnRef>
-      <a:fillRef idx="1">
-        <a:scrgbClr r="0" g="0" b="0"/>
-      </a:fillRef>
-      <a:effectRef idx="0">
-        <a:scrgbClr r="0" g="0" b="0"/>
-      </a:effectRef>
-      <a:fontRef idx="minor"/>
-    </dgm:style>
-  </dgm:styleLbl>
-  <dgm:styleLbl name="fgAcc0">
-    <dgm:scene3d>
-      <a:camera prst="orthographicFront"/>
-      <a:lightRig rig="threePt" dir="t"/>
-    </dgm:scene3d>
-    <dgm:sp3d/>
-    <dgm:txPr/>
-    <dgm:style>
-      <a:lnRef idx="2">
-        <a:scrgbClr r="0" g="0" b="0"/>
-      </a:lnRef>
-      <a:fillRef idx="1">
-        <a:scrgbClr r="0" g="0" b="0"/>
-      </a:fillRef>
-      <a:effectRef idx="0">
-        <a:scrgbClr r="0" g="0" b="0"/>
-      </a:effectRef>
-      <a:fontRef idx="minor"/>
-    </dgm:style>
-  </dgm:styleLbl>
-  <dgm:styleLbl name="fgAcc2">
-    <dgm:scene3d>
-      <a:camera prst="orthographicFront"/>
-      <a:lightRig rig="threePt" dir="t"/>
-    </dgm:scene3d>
-    <dgm:sp3d/>
-    <dgm:txPr/>
-    <dgm:style>
-      <a:lnRef idx="2">
-        <a:scrgbClr r="0" g="0" b="0"/>
-      </a:lnRef>
-      <a:fillRef idx="1">
-        <a:scrgbClr r="0" g="0" b="0"/>
-      </a:fillRef>
-      <a:effectRef idx="0">
-        <a:scrgbClr r="0" g="0" b="0"/>
-      </a:effectRef>
-      <a:fontRef idx="minor"/>
-    </dgm:style>
-  </dgm:styleLbl>
-  <dgm:styleLbl name="fgAcc3">
-    <dgm:scene3d>
-      <a:camera prst="orthographicFront"/>
-      <a:lightRig rig="threePt" dir="t"/>
-    </dgm:scene3d>
-    <dgm:sp3d/>
-    <dgm:txPr/>
-    <dgm:style>
-      <a:lnRef idx="2">
-        <a:scrgbClr r="0" g="0" b="0"/>
-      </a:lnRef>
-      <a:fillRef idx="1">
-        <a:scrgbClr r="0" g="0" b="0"/>
-      </a:fillRef>
-      <a:effectRef idx="0">
-        <a:scrgbClr r="0" g="0" b="0"/>
-      </a:effectRef>
-      <a:fontRef idx="minor"/>
-    </dgm:style>
-  </dgm:styleLbl>
-  <dgm:styleLbl name="fgAcc4">
-    <dgm:scene3d>
-      <a:camera prst="orthographicFront"/>
-      <a:lightRig rig="threePt" dir="t"/>
-    </dgm:scene3d>
-    <dgm:sp3d/>
-    <dgm:txPr/>
-    <dgm:style>
-      <a:lnRef idx="2">
-        <a:scrgbClr r="0" g="0" b="0"/>
-      </a:lnRef>
-      <a:fillRef idx="1">
-        <a:scrgbClr r="0" g="0" b="0"/>
-      </a:fillRef>
-      <a:effectRef idx="0">
-        <a:scrgbClr r="0" g="0" b="0"/>
-      </a:effectRef>
-      <a:fontRef idx="minor"/>
-    </dgm:style>
-  </dgm:styleLbl>
-  <dgm:styleLbl name="bgShp">
-    <dgm:scene3d>
-      <a:camera prst="orthographicFront"/>
-      <a:lightRig rig="threePt" dir="t"/>
-    </dgm:scene3d>
-    <dgm:sp3d/>
-    <dgm:txPr/>
-    <dgm:style>
-      <a:lnRef idx="0">
-        <a:scrgbClr r="0" g="0" b="0"/>
-      </a:lnRef>
-      <a:fillRef idx="1">
-        <a:scrgbClr r="0" g="0" b="0"/>
-      </a:fillRef>
-      <a:effectRef idx="0">
-        <a:scrgbClr r="0" g="0" b="0"/>
-      </a:effectRef>
-      <a:fontRef idx="minor"/>
-    </dgm:style>
-  </dgm:styleLbl>
-  <dgm:styleLbl name="dkBgShp">
-    <dgm:scene3d>
-      <a:camera prst="orthographicFront"/>
-      <a:lightRig rig="threePt" dir="t"/>
-    </dgm:scene3d>
-    <dgm:sp3d/>
-    <dgm:txPr/>
-    <dgm:style>
-      <a:lnRef idx="0">
-        <a:scrgbClr r="0" g="0" b="0"/>
-      </a:lnRef>
-      <a:fillRef idx="1">
-        <a:scrgbClr r="0" g="0" b="0"/>
-      </a:fillRef>
-      <a:effectRef idx="0">
-        <a:scrgbClr r="0" g="0" b="0"/>
-      </a:effectRef>
-      <a:fontRef idx="minor"/>
-    </dgm:style>
-  </dgm:styleLbl>
-  <dgm:styleLbl name="trBgShp">
-    <dgm:scene3d>
-      <a:camera prst="orthographicFront"/>
-      <a:lightRig rig="threePt" dir="t"/>
-    </dgm:scene3d>
-    <dgm:sp3d/>
-    <dgm:txPr/>
-    <dgm:style>
-      <a:lnRef idx="0">
-        <a:scrgbClr r="0" g="0" b="0"/>
-      </a:lnRef>
-      <a:fillRef idx="1">
-        <a:scrgbClr r="0" g="0" b="0"/>
-      </a:fillRef>
-      <a:effectRef idx="0">
-        <a:scrgbClr r="0" g="0" b="0"/>
-      </a:effectRef>
-      <a:fontRef idx="minor"/>
-    </dgm:style>
-  </dgm:styleLbl>
-  <dgm:styleLbl name="fgShp">
-    <dgm:scene3d>
-      <a:camera prst="orthographicFront"/>
-      <a:lightRig rig="threePt" dir="t"/>
-    </dgm:scene3d>
-    <dgm:sp3d/>
-    <dgm:txPr/>
-    <dgm:style>
-      <a:lnRef idx="2">
-        <a:scrgbClr r="0" g="0" b="0"/>
-      </a:lnRef>
-      <a:fillRef idx="1">
-        <a:scrgbClr r="0" g="0" b="0"/>
-      </a:fillRef>
-      <a:effectRef idx="0">
-        <a:scrgbClr r="0" g="0" b="0"/>
-      </a:effectRef>
-      <a:fontRef idx="minor"/>
-    </dgm:style>
-  </dgm:styleLbl>
-  <dgm:styleLbl name="revTx">
-    <dgm:scene3d>
-      <a:camera prst="orthographicFront"/>
-      <a:lightRig rig="threePt" dir="t"/>
-    </dgm:scene3d>
-    <dgm:sp3d/>
-    <dgm:txPr/>
-    <dgm:style>
-      <a:lnRef idx="0">
-        <a:scrgbClr r="0" g="0" b="0"/>
-      </a:lnRef>
-      <a:fillRef idx="0">
-        <a:scrgbClr r="0" g="0" b="0"/>
-      </a:fillRef>
-      <a:effectRef idx="0">
-        <a:scrgbClr r="0" g="0" b="0"/>
-      </a:effectRef>
-      <a:fontRef idx="minor"/>
-    </dgm:style>
-  </dgm:styleLbl>
-</dgm:styleDef>
-</file>
-
 <file path=ppt/notesMasters/notesMaster1.xml><?xml version="1.0" encoding="utf-8"?>
 <p:notesMaster xmlns:a="http://schemas.openxmlformats.org/drawingml/2006/main" xmlns:r="http://schemas.openxmlformats.org/officeDocument/2006/relationships" xmlns:p="http://schemas.openxmlformats.org/presentationml/2006/main">
   <p:cSld>
@@ -6996,7 +4216,7 @@
           <a:p>
             <a:fld id="{83484A92-80DB-45F2-84F5-0D1BF1E89935}" type="datetimeFigureOut">
               <a:rPr lang="fr-CA" smtClean="0"/>
-              <a:t>2018-04-19</a:t>
+              <a:t>2018-04-20</a:t>
             </a:fld>
             <a:endParaRPr lang="fr-CA"/>
           </a:p>
@@ -7329,7 +4549,7 @@
           <a:p>
             <a:fld id="{76FF421F-F6E0-49E1-8813-FA3EDB57181A}" type="slidenum">
               <a:rPr lang="fr-CA" smtClean="0"/>
-              <a:t>22</a:t>
+              <a:t>29</a:t>
             </a:fld>
             <a:endParaRPr lang="fr-CA"/>
           </a:p>
@@ -7479,7 +4699,7 @@
           <a:p>
             <a:fld id="{7946004B-0E6B-4AC3-A8D3-BFF0512C2F93}" type="datetimeFigureOut">
               <a:rPr lang="fr-CA" smtClean="0"/>
-              <a:t>2018-04-19</a:t>
+              <a:t>2018-04-20</a:t>
             </a:fld>
             <a:endParaRPr lang="fr-CA"/>
           </a:p>
@@ -7649,7 +4869,7 @@
           <a:p>
             <a:fld id="{7946004B-0E6B-4AC3-A8D3-BFF0512C2F93}" type="datetimeFigureOut">
               <a:rPr lang="fr-CA" smtClean="0"/>
-              <a:t>2018-04-19</a:t>
+              <a:t>2018-04-20</a:t>
             </a:fld>
             <a:endParaRPr lang="fr-CA"/>
           </a:p>
@@ -7829,7 +5049,7 @@
           <a:p>
             <a:fld id="{7946004B-0E6B-4AC3-A8D3-BFF0512C2F93}" type="datetimeFigureOut">
               <a:rPr lang="fr-CA" smtClean="0"/>
-              <a:t>2018-04-19</a:t>
+              <a:t>2018-04-20</a:t>
             </a:fld>
             <a:endParaRPr lang="fr-CA"/>
           </a:p>
@@ -7999,7 +5219,7 @@
           <a:p>
             <a:fld id="{7946004B-0E6B-4AC3-A8D3-BFF0512C2F93}" type="datetimeFigureOut">
               <a:rPr lang="fr-CA" smtClean="0"/>
-              <a:t>2018-04-19</a:t>
+              <a:t>2018-04-20</a:t>
             </a:fld>
             <a:endParaRPr lang="fr-CA"/>
           </a:p>
@@ -8245,7 +5465,7 @@
           <a:p>
             <a:fld id="{7946004B-0E6B-4AC3-A8D3-BFF0512C2F93}" type="datetimeFigureOut">
               <a:rPr lang="fr-CA" smtClean="0"/>
-              <a:t>2018-04-19</a:t>
+              <a:t>2018-04-20</a:t>
             </a:fld>
             <a:endParaRPr lang="fr-CA"/>
           </a:p>
@@ -8477,7 +5697,7 @@
           <a:p>
             <a:fld id="{7946004B-0E6B-4AC3-A8D3-BFF0512C2F93}" type="datetimeFigureOut">
               <a:rPr lang="fr-CA" smtClean="0"/>
-              <a:t>2018-04-19</a:t>
+              <a:t>2018-04-20</a:t>
             </a:fld>
             <a:endParaRPr lang="fr-CA"/>
           </a:p>
@@ -8844,7 +6064,7 @@
           <a:p>
             <a:fld id="{7946004B-0E6B-4AC3-A8D3-BFF0512C2F93}" type="datetimeFigureOut">
               <a:rPr lang="fr-CA" smtClean="0"/>
-              <a:t>2018-04-19</a:t>
+              <a:t>2018-04-20</a:t>
             </a:fld>
             <a:endParaRPr lang="fr-CA"/>
           </a:p>
@@ -8962,7 +6182,7 @@
           <a:p>
             <a:fld id="{7946004B-0E6B-4AC3-A8D3-BFF0512C2F93}" type="datetimeFigureOut">
               <a:rPr lang="fr-CA" smtClean="0"/>
-              <a:t>2018-04-19</a:t>
+              <a:t>2018-04-20</a:t>
             </a:fld>
             <a:endParaRPr lang="fr-CA"/>
           </a:p>
@@ -9057,7 +6277,7 @@
           <a:p>
             <a:fld id="{7946004B-0E6B-4AC3-A8D3-BFF0512C2F93}" type="datetimeFigureOut">
               <a:rPr lang="fr-CA" smtClean="0"/>
-              <a:t>2018-04-19</a:t>
+              <a:t>2018-04-20</a:t>
             </a:fld>
             <a:endParaRPr lang="fr-CA"/>
           </a:p>
@@ -9334,7 +6554,7 @@
           <a:p>
             <a:fld id="{7946004B-0E6B-4AC3-A8D3-BFF0512C2F93}" type="datetimeFigureOut">
               <a:rPr lang="fr-CA" smtClean="0"/>
-              <a:t>2018-04-19</a:t>
+              <a:t>2018-04-20</a:t>
             </a:fld>
             <a:endParaRPr lang="fr-CA"/>
           </a:p>
@@ -9591,7 +6811,7 @@
           <a:p>
             <a:fld id="{7946004B-0E6B-4AC3-A8D3-BFF0512C2F93}" type="datetimeFigureOut">
               <a:rPr lang="fr-CA" smtClean="0"/>
-              <a:t>2018-04-19</a:t>
+              <a:t>2018-04-20</a:t>
             </a:fld>
             <a:endParaRPr lang="fr-CA"/>
           </a:p>
@@ -9804,7 +7024,7 @@
           <a:p>
             <a:fld id="{7946004B-0E6B-4AC3-A8D3-BFF0512C2F93}" type="datetimeFigureOut">
               <a:rPr lang="fr-CA" smtClean="0"/>
-              <a:t>2018-04-19</a:t>
+              <a:t>2018-04-20</a:t>
             </a:fld>
             <a:endParaRPr lang="fr-CA"/>
           </a:p>
@@ -14433,10 +11653,10 @@
       </p:grpSpPr>
       <p:sp>
         <p:nvSpPr>
-          <p:cNvPr id="31" name="Rectangle 30">
+          <p:cNvPr id="8" name="Rectangle 7">
             <a:extLst>
               <a:ext uri="{FF2B5EF4-FFF2-40B4-BE49-F238E27FC236}">
-                <a16:creationId xmlns:a16="http://schemas.microsoft.com/office/drawing/2014/main" id="{83AE3C92-7E04-4978-9145-F75BD4C57A56}"/>
+                <a16:creationId xmlns:a16="http://schemas.microsoft.com/office/drawing/2014/main" id="{8D70B121-56F4-4848-B38B-182089D909FA}"/>
               </a:ext>
             </a:extLst>
           </p:cNvPr>
@@ -14451,15 +11671,20 @@
             </p:extLst>
           </p:nvPr>
         </p:nvSpPr>
-        <p:spPr>
-          <a:xfrm>
-            <a:off x="0" y="0"/>
-            <a:ext cx="4636008" cy="6858000"/>
+        <p:spPr bwMode="ltGray">
+          <a:xfrm>
+            <a:off x="321564" y="320040"/>
+            <a:ext cx="11548872" cy="6217920"/>
           </a:xfrm>
           <a:prstGeom prst="rect">
             <a:avLst/>
           </a:prstGeom>
-          <a:ln>
+          <a:solidFill>
+            <a:schemeClr val="tx1">
+              <a:alpha val="8000"/>
+            </a:schemeClr>
+          </a:solidFill>
+          <a:ln w="127000" cap="sq" cmpd="thinThick">
             <a:noFill/>
           </a:ln>
         </p:spPr>
@@ -14490,10 +11715,10 @@
       </p:sp>
       <p:cxnSp>
         <p:nvCxnSpPr>
-          <p:cNvPr id="33" name="Straight Connector 32">
+          <p:cNvPr id="16" name="Straight Connector 9">
             <a:extLst>
               <a:ext uri="{FF2B5EF4-FFF2-40B4-BE49-F238E27FC236}">
-                <a16:creationId xmlns:a16="http://schemas.microsoft.com/office/drawing/2014/main" id="{0750E988-E414-440A-963B-4EAF7B06DB37}"/>
+                <a16:creationId xmlns:a16="http://schemas.microsoft.com/office/drawing/2014/main" id="{2D72A2C9-F3CA-4216-8BAD-FA4C970C3C4E}"/>
               </a:ext>
             </a:extLst>
           </p:cNvPr>
@@ -14509,18 +11734,19 @@
           </p:nvPr>
         </p:nvCxnSpPr>
         <p:spPr>
-          <a:xfrm flipV="1">
-            <a:off x="762000" y="2971800"/>
-            <a:ext cx="0" cy="914400"/>
+          <a:xfrm>
+            <a:off x="4654296" y="2057400"/>
+            <a:ext cx="0" cy="2743200"/>
           </a:xfrm>
           <a:prstGeom prst="line">
             <a:avLst/>
           </a:prstGeom>
           <a:ln w="19050">
             <a:solidFill>
-              <a:srgbClr val="FFFFFF">
-                <a:alpha val="80000"/>
-              </a:srgbClr>
+              <a:schemeClr val="tx1">
+                <a:lumMod val="85000"/>
+                <a:lumOff val="15000"/>
+              </a:schemeClr>
             </a:solidFill>
           </a:ln>
         </p:spPr>
@@ -14541,10 +11767,10 @@
       </p:cxnSp>
       <p:sp>
         <p:nvSpPr>
-          <p:cNvPr id="5" name="Titre 4">
+          <p:cNvPr id="2" name="Titre 1">
             <a:extLst>
               <a:ext uri="{FF2B5EF4-FFF2-40B4-BE49-F238E27FC236}">
-                <a16:creationId xmlns:a16="http://schemas.microsoft.com/office/drawing/2014/main" id="{6AABD4D2-34EE-4CA4-B6DC-999852117C5A}"/>
+                <a16:creationId xmlns:a16="http://schemas.microsoft.com/office/drawing/2014/main" id="{B621E71C-F70F-4EE9-A6A4-10260DA5AA50}"/>
               </a:ext>
             </a:extLst>
           </p:cNvPr>
@@ -14557,8 +11783,8 @@
         </p:nvSpPr>
         <p:spPr>
           <a:xfrm>
-            <a:off x="943277" y="712269"/>
-            <a:ext cx="3370998" cy="5502264"/>
+            <a:off x="838200" y="963877"/>
+            <a:ext cx="3494362" cy="4930246"/>
           </a:xfrm>
         </p:spPr>
         <p:txBody>
@@ -14567,46 +11793,75 @@
           </a:bodyPr>
           <a:lstStyle/>
           <a:p>
-            <a:r>
-              <a:rPr lang="fr-CA">
+            <a:pPr algn="r"/>
+            <a:r>
+              <a:rPr lang="fr-CA" dirty="0">
                 <a:solidFill>
-                  <a:srgbClr val="FFFFFF"/>
+                  <a:schemeClr val="accent1"/>
                 </a:solidFill>
               </a:rPr>
-              <a:t>À quoi ça sert?</a:t>
+              <a:t>Display &amp; Position</a:t>
             </a:r>
           </a:p>
         </p:txBody>
       </p:sp>
-      <p:graphicFrame>
-        <p:nvGraphicFramePr>
-          <p:cNvPr id="19" name="Espace réservé du contenu 5"/>
-          <p:cNvGraphicFramePr>
-            <a:graphicFrameLocks noGrp="1"/>
-          </p:cNvGraphicFramePr>
+      <p:sp>
+        <p:nvSpPr>
+          <p:cNvPr id="3" name="Espace réservé du contenu 2">
+            <a:extLst>
+              <a:ext uri="{FF2B5EF4-FFF2-40B4-BE49-F238E27FC236}">
+                <a16:creationId xmlns:a16="http://schemas.microsoft.com/office/drawing/2014/main" id="{BD96EFB3-89F9-41FA-9EBA-DFC522EC35A6}"/>
+              </a:ext>
+            </a:extLst>
+          </p:cNvPr>
+          <p:cNvSpPr>
+            <a:spLocks noGrp="1"/>
+          </p:cNvSpPr>
           <p:nvPr>
             <p:ph idx="1"/>
-            <p:extLst>
-              <p:ext uri="{D42A27DB-BD31-4B8C-83A1-F6EECF244321}">
-                <p14:modId xmlns:p14="http://schemas.microsoft.com/office/powerpoint/2010/main" val="2562898702"/>
-              </p:ext>
-            </p:extLst>
-          </p:nvPr>
-        </p:nvGraphicFramePr>
-        <p:xfrm>
-          <a:off x="5280025" y="642938"/>
-          <a:ext cx="6269038" cy="5572125"/>
-        </p:xfrm>
-        <a:graphic>
-          <a:graphicData uri="http://schemas.openxmlformats.org/drawingml/2006/diagram">
-            <dgm:relIds xmlns:dgm="http://schemas.openxmlformats.org/drawingml/2006/diagram" xmlns:r="http://schemas.openxmlformats.org/officeDocument/2006/relationships" r:dm="rId2" r:lo="rId3" r:qs="rId4" r:cs="rId5"/>
-          </a:graphicData>
-        </a:graphic>
-      </p:graphicFrame>
+          </p:nvPr>
+        </p:nvSpPr>
+        <p:spPr>
+          <a:xfrm>
+            <a:off x="4976031" y="963877"/>
+            <a:ext cx="6377769" cy="4930246"/>
+          </a:xfrm>
+        </p:spPr>
+        <p:txBody>
+          <a:bodyPr anchor="ctr">
+            <a:normAutofit/>
+          </a:bodyPr>
+          <a:lstStyle/>
+          <a:p>
+            <a:r>
+              <a:rPr lang="fr-CA" sz="2400" dirty="0"/>
+              <a:t>Permet d’identifier un ou plusieurs éléments</a:t>
+            </a:r>
+          </a:p>
+          <a:p>
+            <a:r>
+              <a:rPr lang="fr-CA" sz="2400" dirty="0"/>
+              <a:t>Permet de spécifier la hiérarchie du DOM</a:t>
+            </a:r>
+          </a:p>
+          <a:p>
+            <a:r>
+              <a:rPr lang="fr-CA" sz="2400" dirty="0"/>
+              <a:t>Permet de spécifier les « frères et sœurs » (siblings)</a:t>
+            </a:r>
+          </a:p>
+          <a:p>
+            <a:r>
+              <a:rPr lang="fr-CA" sz="2400" dirty="0"/>
+              <a:t>Plusieurs façons existent pour identifier un élément</a:t>
+            </a:r>
+          </a:p>
+        </p:txBody>
+      </p:sp>
     </p:spTree>
     <p:extLst>
       <p:ext uri="{BB962C8B-B14F-4D97-AF65-F5344CB8AC3E}">
-        <p14:creationId xmlns:p14="http://schemas.microsoft.com/office/powerpoint/2010/main" val="216954313"/>
+        <p14:creationId xmlns:p14="http://schemas.microsoft.com/office/powerpoint/2010/main" val="1820041820"/>
       </p:ext>
     </p:extLst>
   </p:cSld>
@@ -14643,10 +11898,10 @@
       </p:grpSpPr>
       <p:sp>
         <p:nvSpPr>
-          <p:cNvPr id="11" name="Rectangle 10">
+          <p:cNvPr id="82" name="Rectangle 81">
             <a:extLst>
               <a:ext uri="{FF2B5EF4-FFF2-40B4-BE49-F238E27FC236}">
-                <a16:creationId xmlns:a16="http://schemas.microsoft.com/office/drawing/2014/main" id="{AD812D85-1A73-4B3F-9942-EA3421A28958}"/>
+                <a16:creationId xmlns:a16="http://schemas.microsoft.com/office/drawing/2014/main" id="{823AC064-BC96-4F32-8AE1-B2FD38754823}"/>
               </a:ext>
             </a:extLst>
           </p:cNvPr>
@@ -14661,130 +11916,21 @@
             </p:extLst>
           </p:nvPr>
         </p:nvSpPr>
-        <p:spPr>
-          <a:xfrm>
-            <a:off x="478135" y="476778"/>
-            <a:ext cx="7212450" cy="5920653"/>
+        <p:spPr bwMode="ltGray">
+          <a:xfrm>
+            <a:off x="378068" y="4633546"/>
+            <a:ext cx="11438793" cy="1844256"/>
           </a:xfrm>
           <a:prstGeom prst="rect">
             <a:avLst/>
           </a:prstGeom>
           <a:solidFill>
-            <a:schemeClr val="accent1"/>
+            <a:srgbClr val="404040"/>
           </a:solidFill>
-          <a:ln>
-            <a:noFill/>
-          </a:ln>
-        </p:spPr>
-        <p:style>
-          <a:lnRef idx="1">
-            <a:schemeClr val="accent1"/>
-          </a:lnRef>
-          <a:fillRef idx="3">
-            <a:schemeClr val="accent1"/>
-          </a:fillRef>
-          <a:effectRef idx="2">
-            <a:schemeClr val="accent1"/>
-          </a:effectRef>
-          <a:fontRef idx="minor">
-            <a:schemeClr val="lt1"/>
-          </a:fontRef>
-        </p:style>
-        <p:txBody>
-          <a:bodyPr rtlCol="0" anchor="ctr"/>
-          <a:lstStyle/>
-          <a:p>
-            <a:pPr algn="ctr"/>
-            <a:endParaRPr lang="en-US"/>
-          </a:p>
-        </p:txBody>
-      </p:sp>
-      <p:cxnSp>
-        <p:nvCxnSpPr>
-          <p:cNvPr id="13" name="Straight Connector 12">
-            <a:extLst>
-              <a:ext uri="{FF2B5EF4-FFF2-40B4-BE49-F238E27FC236}">
-                <a16:creationId xmlns:a16="http://schemas.microsoft.com/office/drawing/2014/main" id="{0235ADA5-5364-456A-A990-E53F604378F9}"/>
-              </a:ext>
-            </a:extLst>
-          </p:cNvPr>
-          <p:cNvCxnSpPr>
-            <a:cxnSpLocks noGrp="1" noRot="1" noChangeAspect="1" noMove="1" noResize="1" noEditPoints="1" noAdjustHandles="1" noChangeArrowheads="1" noChangeShapeType="1"/>
-          </p:cNvCxnSpPr>
-          <p:nvPr>
-            <p:extLst>
-              <p:ext uri="{386F3935-93C4-4BCD-93E2-E3B085C9AB24}">
-                <p16:designElem xmlns:p16="http://schemas.microsoft.com/office/powerpoint/2015/main" val="1"/>
-              </p:ext>
-            </p:extLst>
-          </p:nvPr>
-        </p:nvCxnSpPr>
-        <p:spPr>
-          <a:xfrm>
-            <a:off x="3230880" y="4424906"/>
-            <a:ext cx="3657600" cy="0"/>
-          </a:xfrm>
-          <a:prstGeom prst="line">
-            <a:avLst/>
-          </a:prstGeom>
-          <a:ln w="19050">
+          <a:ln w="127000" cap="sq" cmpd="thinThick">
             <a:solidFill>
-              <a:srgbClr val="FFFFFF">
-                <a:alpha val="80000"/>
-              </a:srgbClr>
+              <a:srgbClr val="404040"/>
             </a:solidFill>
-          </a:ln>
-        </p:spPr>
-        <p:style>
-          <a:lnRef idx="1">
-            <a:schemeClr val="accent1"/>
-          </a:lnRef>
-          <a:fillRef idx="0">
-            <a:schemeClr val="accent1"/>
-          </a:fillRef>
-          <a:effectRef idx="0">
-            <a:schemeClr val="accent1"/>
-          </a:effectRef>
-          <a:fontRef idx="minor">
-            <a:schemeClr val="tx1"/>
-          </a:fontRef>
-        </p:style>
-      </p:cxnSp>
-      <p:sp>
-        <p:nvSpPr>
-          <p:cNvPr id="15" name="Rectangle 14">
-            <a:extLst>
-              <a:ext uri="{FF2B5EF4-FFF2-40B4-BE49-F238E27FC236}">
-                <a16:creationId xmlns:a16="http://schemas.microsoft.com/office/drawing/2014/main" id="{FCA36376-A222-465D-BC66-44777DE120CC}"/>
-              </a:ext>
-            </a:extLst>
-          </p:cNvPr>
-          <p:cNvSpPr>
-            <a:spLocks noGrp="1" noRot="1" noChangeAspect="1" noMove="1" noResize="1" noEditPoints="1" noAdjustHandles="1" noChangeArrowheads="1" noChangeShapeType="1" noTextEdit="1"/>
-          </p:cNvSpPr>
-          <p:nvPr>
-            <p:extLst>
-              <p:ext uri="{386F3935-93C4-4BCD-93E2-E3B085C9AB24}">
-                <p16:designElem xmlns:p16="http://schemas.microsoft.com/office/powerpoint/2015/main" val="1"/>
-              </p:ext>
-            </p:extLst>
-          </p:nvPr>
-        </p:nvSpPr>
-        <p:spPr>
-          <a:xfrm>
-            <a:off x="7851452" y="476778"/>
-            <a:ext cx="3864383" cy="5920653"/>
-          </a:xfrm>
-          <a:prstGeom prst="rect">
-            <a:avLst/>
-          </a:prstGeom>
-          <a:solidFill>
-            <a:schemeClr val="bg2">
-              <a:lumMod val="90000"/>
-            </a:schemeClr>
-          </a:solidFill>
-          <a:ln>
-            <a:noFill/>
           </a:ln>
         </p:spPr>
         <p:style>
@@ -14812,6 +11958,1894 @@
           </a:p>
         </p:txBody>
       </p:sp>
+      <p:cxnSp>
+        <p:nvCxnSpPr>
+          <p:cNvPr id="84" name="Straight Connector 83">
+            <a:extLst>
+              <a:ext uri="{FF2B5EF4-FFF2-40B4-BE49-F238E27FC236}">
+                <a16:creationId xmlns:a16="http://schemas.microsoft.com/office/drawing/2014/main" id="{7E7C77BC-7138-40B1-A15B-20F57A494629}"/>
+              </a:ext>
+            </a:extLst>
+          </p:cNvPr>
+          <p:cNvCxnSpPr>
+            <a:cxnSpLocks noGrp="1" noRot="1" noChangeAspect="1" noMove="1" noResize="1" noEditPoints="1" noAdjustHandles="1" noChangeArrowheads="1" noChangeShapeType="1"/>
+          </p:cNvCxnSpPr>
+          <p:nvPr>
+            <p:extLst>
+              <p:ext uri="{386F3935-93C4-4BCD-93E2-E3B085C9AB24}">
+                <p16:designElem xmlns:p16="http://schemas.microsoft.com/office/powerpoint/2015/main" val="1"/>
+              </p:ext>
+            </p:extLst>
+          </p:nvPr>
+        </p:nvCxnSpPr>
+        <p:spPr>
+          <a:xfrm>
+            <a:off x="2209800" y="5738691"/>
+            <a:ext cx="7772400" cy="0"/>
+          </a:xfrm>
+          <a:prstGeom prst="line">
+            <a:avLst/>
+          </a:prstGeom>
+          <a:ln w="22225">
+            <a:solidFill>
+              <a:srgbClr val="D9D9D9"/>
+            </a:solidFill>
+          </a:ln>
+        </p:spPr>
+        <p:style>
+          <a:lnRef idx="1">
+            <a:schemeClr val="accent1"/>
+          </a:lnRef>
+          <a:fillRef idx="0">
+            <a:schemeClr val="accent1"/>
+          </a:fillRef>
+          <a:effectRef idx="0">
+            <a:schemeClr val="accent1"/>
+          </a:effectRef>
+          <a:fontRef idx="minor">
+            <a:schemeClr val="tx1"/>
+          </a:fontRef>
+        </p:style>
+      </p:cxnSp>
+      <p:cxnSp>
+        <p:nvCxnSpPr>
+          <p:cNvPr id="86" name="Straight Connector 85">
+            <a:extLst>
+              <a:ext uri="{FF2B5EF4-FFF2-40B4-BE49-F238E27FC236}">
+                <a16:creationId xmlns:a16="http://schemas.microsoft.com/office/drawing/2014/main" id="{DB146403-F3D6-484B-B2ED-97F9565D0370}"/>
+              </a:ext>
+            </a:extLst>
+          </p:cNvPr>
+          <p:cNvCxnSpPr>
+            <a:cxnSpLocks noGrp="1" noRot="1" noChangeAspect="1" noMove="1" noResize="1" noEditPoints="1" noAdjustHandles="1" noChangeArrowheads="1" noChangeShapeType="1"/>
+          </p:cNvCxnSpPr>
+          <p:nvPr>
+            <p:extLst>
+              <p:ext uri="{386F3935-93C4-4BCD-93E2-E3B085C9AB24}">
+                <p16:designElem xmlns:p16="http://schemas.microsoft.com/office/powerpoint/2015/main" val="1"/>
+              </p:ext>
+            </p:extLst>
+          </p:nvPr>
+        </p:nvCxnSpPr>
+        <p:spPr>
+          <a:xfrm>
+            <a:off x="6096000" y="477749"/>
+            <a:ext cx="0" cy="3657600"/>
+          </a:xfrm>
+          <a:prstGeom prst="line">
+            <a:avLst/>
+          </a:prstGeom>
+          <a:ln w="101600" cmpd="dbl">
+            <a:solidFill>
+              <a:srgbClr val="595959"/>
+            </a:solidFill>
+          </a:ln>
+        </p:spPr>
+        <p:style>
+          <a:lnRef idx="1">
+            <a:schemeClr val="accent1"/>
+          </a:lnRef>
+          <a:fillRef idx="0">
+            <a:schemeClr val="accent1"/>
+          </a:fillRef>
+          <a:effectRef idx="0">
+            <a:schemeClr val="accent1"/>
+          </a:effectRef>
+          <a:fontRef idx="minor">
+            <a:schemeClr val="tx1"/>
+          </a:fontRef>
+        </p:style>
+      </p:cxnSp>
+      <p:sp>
+        <p:nvSpPr>
+          <p:cNvPr id="2" name="Titre 1">
+            <a:extLst>
+              <a:ext uri="{FF2B5EF4-FFF2-40B4-BE49-F238E27FC236}">
+                <a16:creationId xmlns:a16="http://schemas.microsoft.com/office/drawing/2014/main" id="{F0DD20CB-0FB9-4003-AE9D-231F020F5929}"/>
+              </a:ext>
+            </a:extLst>
+          </p:cNvPr>
+          <p:cNvSpPr>
+            <a:spLocks noGrp="1"/>
+          </p:cNvSpPr>
+          <p:nvPr>
+            <p:ph type="title"/>
+          </p:nvPr>
+        </p:nvSpPr>
+        <p:spPr>
+          <a:xfrm>
+            <a:off x="527538" y="4756638"/>
+            <a:ext cx="11139854" cy="930447"/>
+          </a:xfrm>
+        </p:spPr>
+        <p:txBody>
+          <a:bodyPr vert="horz" lIns="91440" tIns="45720" rIns="91440" bIns="45720" rtlCol="0" anchor="b">
+            <a:normAutofit/>
+          </a:bodyPr>
+          <a:lstStyle/>
+          <a:p>
+            <a:pPr algn="ctr"/>
+            <a:r>
+              <a:rPr lang="fr-CA" sz="5400" dirty="0">
+                <a:solidFill>
+                  <a:srgbClr val="FFFFFF"/>
+                </a:solidFill>
+              </a:rPr>
+              <a:t>« </a:t>
+            </a:r>
+            <a:r>
+              <a:rPr lang="fr-CA" sz="5400" dirty="0" err="1">
+                <a:solidFill>
+                  <a:srgbClr val="FFFFFF"/>
+                </a:solidFill>
+              </a:rPr>
+              <a:t>Inline</a:t>
+            </a:r>
+            <a:r>
+              <a:rPr lang="fr-CA" sz="5400" dirty="0">
+                <a:solidFill>
+                  <a:srgbClr val="FFFFFF"/>
+                </a:solidFill>
+              </a:rPr>
+              <a:t> »</a:t>
+            </a:r>
+            <a:endParaRPr lang="en-US" sz="5400" dirty="0">
+              <a:solidFill>
+                <a:srgbClr val="FFFFFF"/>
+              </a:solidFill>
+            </a:endParaRPr>
+          </a:p>
+        </p:txBody>
+      </p:sp>
+      <p:pic>
+        <p:nvPicPr>
+          <p:cNvPr id="3" name="Image 2">
+            <a:extLst>
+              <a:ext uri="{FF2B5EF4-FFF2-40B4-BE49-F238E27FC236}">
+                <a16:creationId xmlns:a16="http://schemas.microsoft.com/office/drawing/2014/main" id="{074E0EAF-D44B-4CFF-812B-E2CF464B1D33}"/>
+              </a:ext>
+            </a:extLst>
+          </p:cNvPr>
+          <p:cNvPicPr>
+            <a:picLocks noChangeAspect="1"/>
+          </p:cNvPicPr>
+          <p:nvPr/>
+        </p:nvPicPr>
+        <p:blipFill>
+          <a:blip r:embed="rId2"/>
+          <a:stretch>
+            <a:fillRect/>
+          </a:stretch>
+        </p:blipFill>
+        <p:spPr>
+          <a:xfrm>
+            <a:off x="1195904" y="1977936"/>
+            <a:ext cx="3829050" cy="657225"/>
+          </a:xfrm>
+          <a:prstGeom prst="rect">
+            <a:avLst/>
+          </a:prstGeom>
+        </p:spPr>
+      </p:pic>
+      <p:pic>
+        <p:nvPicPr>
+          <p:cNvPr id="4" name="Image 3">
+            <a:extLst>
+              <a:ext uri="{FF2B5EF4-FFF2-40B4-BE49-F238E27FC236}">
+                <a16:creationId xmlns:a16="http://schemas.microsoft.com/office/drawing/2014/main" id="{CE0BDDD8-106C-4DBE-BA6A-2F87F90C2FCF}"/>
+              </a:ext>
+            </a:extLst>
+          </p:cNvPr>
+          <p:cNvPicPr>
+            <a:picLocks noChangeAspect="1"/>
+          </p:cNvPicPr>
+          <p:nvPr/>
+        </p:nvPicPr>
+        <p:blipFill>
+          <a:blip r:embed="rId3"/>
+          <a:stretch>
+            <a:fillRect/>
+          </a:stretch>
+        </p:blipFill>
+        <p:spPr>
+          <a:xfrm>
+            <a:off x="7460542" y="438037"/>
+            <a:ext cx="3286125" cy="3886200"/>
+          </a:xfrm>
+          <a:prstGeom prst="rect">
+            <a:avLst/>
+          </a:prstGeom>
+        </p:spPr>
+      </p:pic>
+    </p:spTree>
+    <p:extLst>
+      <p:ext uri="{BB962C8B-B14F-4D97-AF65-F5344CB8AC3E}">
+        <p14:creationId xmlns:p14="http://schemas.microsoft.com/office/powerpoint/2010/main" val="1401409849"/>
+      </p:ext>
+    </p:extLst>
+  </p:cSld>
+  <p:clrMapOvr>
+    <a:masterClrMapping/>
+  </p:clrMapOvr>
+</p:sld>
+</file>
+
+<file path=ppt/slides/slide23.xml><?xml version="1.0" encoding="utf-8"?>
+<p:sld xmlns:a="http://schemas.openxmlformats.org/drawingml/2006/main" xmlns:r="http://schemas.openxmlformats.org/officeDocument/2006/relationships" xmlns:p="http://schemas.openxmlformats.org/presentationml/2006/main">
+  <p:cSld>
+    <p:bg>
+      <p:bgPr>
+        <a:solidFill>
+          <a:schemeClr val="bg1"/>
+        </a:solidFill>
+        <a:effectLst/>
+      </p:bgPr>
+    </p:bg>
+    <p:spTree>
+      <p:nvGrpSpPr>
+        <p:cNvPr id="1" name=""/>
+        <p:cNvGrpSpPr/>
+        <p:nvPr/>
+      </p:nvGrpSpPr>
+      <p:grpSpPr>
+        <a:xfrm>
+          <a:off x="0" y="0"/>
+          <a:ext cx="0" cy="0"/>
+          <a:chOff x="0" y="0"/>
+          <a:chExt cx="0" cy="0"/>
+        </a:xfrm>
+      </p:grpSpPr>
+      <p:sp>
+        <p:nvSpPr>
+          <p:cNvPr id="82" name="Rectangle 81">
+            <a:extLst>
+              <a:ext uri="{FF2B5EF4-FFF2-40B4-BE49-F238E27FC236}">
+                <a16:creationId xmlns:a16="http://schemas.microsoft.com/office/drawing/2014/main" id="{823AC064-BC96-4F32-8AE1-B2FD38754823}"/>
+              </a:ext>
+            </a:extLst>
+          </p:cNvPr>
+          <p:cNvSpPr>
+            <a:spLocks noGrp="1" noRot="1" noChangeAspect="1" noMove="1" noResize="1" noEditPoints="1" noAdjustHandles="1" noChangeArrowheads="1" noChangeShapeType="1" noTextEdit="1"/>
+          </p:cNvSpPr>
+          <p:nvPr>
+            <p:extLst>
+              <p:ext uri="{386F3935-93C4-4BCD-93E2-E3B085C9AB24}">
+                <p16:designElem xmlns:p16="http://schemas.microsoft.com/office/powerpoint/2015/main" val="1"/>
+              </p:ext>
+            </p:extLst>
+          </p:nvPr>
+        </p:nvSpPr>
+        <p:spPr bwMode="ltGray">
+          <a:xfrm>
+            <a:off x="378068" y="4633546"/>
+            <a:ext cx="11438793" cy="1844256"/>
+          </a:xfrm>
+          <a:prstGeom prst="rect">
+            <a:avLst/>
+          </a:prstGeom>
+          <a:solidFill>
+            <a:srgbClr val="404040"/>
+          </a:solidFill>
+          <a:ln w="127000" cap="sq" cmpd="thinThick">
+            <a:solidFill>
+              <a:srgbClr val="404040"/>
+            </a:solidFill>
+          </a:ln>
+        </p:spPr>
+        <p:style>
+          <a:lnRef idx="2">
+            <a:schemeClr val="accent1">
+              <a:shade val="50000"/>
+            </a:schemeClr>
+          </a:lnRef>
+          <a:fillRef idx="1">
+            <a:schemeClr val="accent1"/>
+          </a:fillRef>
+          <a:effectRef idx="0">
+            <a:schemeClr val="accent1"/>
+          </a:effectRef>
+          <a:fontRef idx="minor">
+            <a:schemeClr val="lt1"/>
+          </a:fontRef>
+        </p:style>
+        <p:txBody>
+          <a:bodyPr rtlCol="0" anchor="ctr"/>
+          <a:lstStyle/>
+          <a:p>
+            <a:pPr algn="ctr"/>
+            <a:endParaRPr lang="en-US"/>
+          </a:p>
+        </p:txBody>
+      </p:sp>
+      <p:cxnSp>
+        <p:nvCxnSpPr>
+          <p:cNvPr id="84" name="Straight Connector 83">
+            <a:extLst>
+              <a:ext uri="{FF2B5EF4-FFF2-40B4-BE49-F238E27FC236}">
+                <a16:creationId xmlns:a16="http://schemas.microsoft.com/office/drawing/2014/main" id="{7E7C77BC-7138-40B1-A15B-20F57A494629}"/>
+              </a:ext>
+            </a:extLst>
+          </p:cNvPr>
+          <p:cNvCxnSpPr>
+            <a:cxnSpLocks noGrp="1" noRot="1" noChangeAspect="1" noMove="1" noResize="1" noEditPoints="1" noAdjustHandles="1" noChangeArrowheads="1" noChangeShapeType="1"/>
+          </p:cNvCxnSpPr>
+          <p:nvPr>
+            <p:extLst>
+              <p:ext uri="{386F3935-93C4-4BCD-93E2-E3B085C9AB24}">
+                <p16:designElem xmlns:p16="http://schemas.microsoft.com/office/powerpoint/2015/main" val="1"/>
+              </p:ext>
+            </p:extLst>
+          </p:nvPr>
+        </p:nvCxnSpPr>
+        <p:spPr>
+          <a:xfrm>
+            <a:off x="2209800" y="5738691"/>
+            <a:ext cx="7772400" cy="0"/>
+          </a:xfrm>
+          <a:prstGeom prst="line">
+            <a:avLst/>
+          </a:prstGeom>
+          <a:ln w="22225">
+            <a:solidFill>
+              <a:srgbClr val="D9D9D9"/>
+            </a:solidFill>
+          </a:ln>
+        </p:spPr>
+        <p:style>
+          <a:lnRef idx="1">
+            <a:schemeClr val="accent1"/>
+          </a:lnRef>
+          <a:fillRef idx="0">
+            <a:schemeClr val="accent1"/>
+          </a:fillRef>
+          <a:effectRef idx="0">
+            <a:schemeClr val="accent1"/>
+          </a:effectRef>
+          <a:fontRef idx="minor">
+            <a:schemeClr val="tx1"/>
+          </a:fontRef>
+        </p:style>
+      </p:cxnSp>
+      <p:cxnSp>
+        <p:nvCxnSpPr>
+          <p:cNvPr id="86" name="Straight Connector 85">
+            <a:extLst>
+              <a:ext uri="{FF2B5EF4-FFF2-40B4-BE49-F238E27FC236}">
+                <a16:creationId xmlns:a16="http://schemas.microsoft.com/office/drawing/2014/main" id="{DB146403-F3D6-484B-B2ED-97F9565D0370}"/>
+              </a:ext>
+            </a:extLst>
+          </p:cNvPr>
+          <p:cNvCxnSpPr>
+            <a:cxnSpLocks noGrp="1" noRot="1" noChangeAspect="1" noMove="1" noResize="1" noEditPoints="1" noAdjustHandles="1" noChangeArrowheads="1" noChangeShapeType="1"/>
+          </p:cNvCxnSpPr>
+          <p:nvPr>
+            <p:extLst>
+              <p:ext uri="{386F3935-93C4-4BCD-93E2-E3B085C9AB24}">
+                <p16:designElem xmlns:p16="http://schemas.microsoft.com/office/powerpoint/2015/main" val="1"/>
+              </p:ext>
+            </p:extLst>
+          </p:nvPr>
+        </p:nvCxnSpPr>
+        <p:spPr>
+          <a:xfrm>
+            <a:off x="6096000" y="477749"/>
+            <a:ext cx="0" cy="3657600"/>
+          </a:xfrm>
+          <a:prstGeom prst="line">
+            <a:avLst/>
+          </a:prstGeom>
+          <a:ln w="101600" cmpd="dbl">
+            <a:solidFill>
+              <a:srgbClr val="595959"/>
+            </a:solidFill>
+          </a:ln>
+        </p:spPr>
+        <p:style>
+          <a:lnRef idx="1">
+            <a:schemeClr val="accent1"/>
+          </a:lnRef>
+          <a:fillRef idx="0">
+            <a:schemeClr val="accent1"/>
+          </a:fillRef>
+          <a:effectRef idx="0">
+            <a:schemeClr val="accent1"/>
+          </a:effectRef>
+          <a:fontRef idx="minor">
+            <a:schemeClr val="tx1"/>
+          </a:fontRef>
+        </p:style>
+      </p:cxnSp>
+      <p:sp>
+        <p:nvSpPr>
+          <p:cNvPr id="2" name="Titre 1">
+            <a:extLst>
+              <a:ext uri="{FF2B5EF4-FFF2-40B4-BE49-F238E27FC236}">
+                <a16:creationId xmlns:a16="http://schemas.microsoft.com/office/drawing/2014/main" id="{F0DD20CB-0FB9-4003-AE9D-231F020F5929}"/>
+              </a:ext>
+            </a:extLst>
+          </p:cNvPr>
+          <p:cNvSpPr>
+            <a:spLocks noGrp="1"/>
+          </p:cNvSpPr>
+          <p:nvPr>
+            <p:ph type="title"/>
+          </p:nvPr>
+        </p:nvSpPr>
+        <p:spPr>
+          <a:xfrm>
+            <a:off x="527538" y="4756638"/>
+            <a:ext cx="11139854" cy="930447"/>
+          </a:xfrm>
+        </p:spPr>
+        <p:txBody>
+          <a:bodyPr vert="horz" lIns="91440" tIns="45720" rIns="91440" bIns="45720" rtlCol="0" anchor="b">
+            <a:normAutofit/>
+          </a:bodyPr>
+          <a:lstStyle/>
+          <a:p>
+            <a:pPr algn="ctr"/>
+            <a:r>
+              <a:rPr lang="fr-CA" sz="5400" dirty="0">
+                <a:solidFill>
+                  <a:srgbClr val="FFFFFF"/>
+                </a:solidFill>
+              </a:rPr>
+              <a:t>« Block »</a:t>
+            </a:r>
+            <a:endParaRPr lang="en-US" sz="5400" dirty="0">
+              <a:solidFill>
+                <a:srgbClr val="FFFFFF"/>
+              </a:solidFill>
+            </a:endParaRPr>
+          </a:p>
+        </p:txBody>
+      </p:sp>
+      <p:pic>
+        <p:nvPicPr>
+          <p:cNvPr id="3" name="Image 2">
+            <a:extLst>
+              <a:ext uri="{FF2B5EF4-FFF2-40B4-BE49-F238E27FC236}">
+                <a16:creationId xmlns:a16="http://schemas.microsoft.com/office/drawing/2014/main" id="{37F6C983-40C9-4C5B-8D0E-035CEE53E92D}"/>
+              </a:ext>
+            </a:extLst>
+          </p:cNvPr>
+          <p:cNvPicPr>
+            <a:picLocks noChangeAspect="1"/>
+          </p:cNvPicPr>
+          <p:nvPr/>
+        </p:nvPicPr>
+        <p:blipFill>
+          <a:blip r:embed="rId2"/>
+          <a:stretch>
+            <a:fillRect/>
+          </a:stretch>
+        </p:blipFill>
+        <p:spPr>
+          <a:xfrm>
+            <a:off x="2824679" y="380198"/>
+            <a:ext cx="571500" cy="3533775"/>
+          </a:xfrm>
+          <a:prstGeom prst="rect">
+            <a:avLst/>
+          </a:prstGeom>
+        </p:spPr>
+      </p:pic>
+      <p:pic>
+        <p:nvPicPr>
+          <p:cNvPr id="4" name="Image 3">
+            <a:extLst>
+              <a:ext uri="{FF2B5EF4-FFF2-40B4-BE49-F238E27FC236}">
+                <a16:creationId xmlns:a16="http://schemas.microsoft.com/office/drawing/2014/main" id="{AA152331-0B9D-4157-B030-814101FEDC97}"/>
+              </a:ext>
+            </a:extLst>
+          </p:cNvPr>
+          <p:cNvPicPr>
+            <a:picLocks noChangeAspect="1"/>
+          </p:cNvPicPr>
+          <p:nvPr/>
+        </p:nvPicPr>
+        <p:blipFill>
+          <a:blip r:embed="rId3"/>
+          <a:stretch>
+            <a:fillRect/>
+          </a:stretch>
+        </p:blipFill>
+        <p:spPr>
+          <a:xfrm>
+            <a:off x="7399204" y="495666"/>
+            <a:ext cx="3276600" cy="3457575"/>
+          </a:xfrm>
+          <a:prstGeom prst="rect">
+            <a:avLst/>
+          </a:prstGeom>
+        </p:spPr>
+      </p:pic>
+    </p:spTree>
+    <p:extLst>
+      <p:ext uri="{BB962C8B-B14F-4D97-AF65-F5344CB8AC3E}">
+        <p14:creationId xmlns:p14="http://schemas.microsoft.com/office/powerpoint/2010/main" val="3117608815"/>
+      </p:ext>
+    </p:extLst>
+  </p:cSld>
+  <p:clrMapOvr>
+    <a:masterClrMapping/>
+  </p:clrMapOvr>
+</p:sld>
+</file>
+
+<file path=ppt/slides/slide24.xml><?xml version="1.0" encoding="utf-8"?>
+<p:sld xmlns:a="http://schemas.openxmlformats.org/drawingml/2006/main" xmlns:r="http://schemas.openxmlformats.org/officeDocument/2006/relationships" xmlns:p="http://schemas.openxmlformats.org/presentationml/2006/main">
+  <p:cSld>
+    <p:bg>
+      <p:bgPr>
+        <a:solidFill>
+          <a:schemeClr val="bg1"/>
+        </a:solidFill>
+        <a:effectLst/>
+      </p:bgPr>
+    </p:bg>
+    <p:spTree>
+      <p:nvGrpSpPr>
+        <p:cNvPr id="1" name=""/>
+        <p:cNvGrpSpPr/>
+        <p:nvPr/>
+      </p:nvGrpSpPr>
+      <p:grpSpPr>
+        <a:xfrm>
+          <a:off x="0" y="0"/>
+          <a:ext cx="0" cy="0"/>
+          <a:chOff x="0" y="0"/>
+          <a:chExt cx="0" cy="0"/>
+        </a:xfrm>
+      </p:grpSpPr>
+      <p:sp>
+        <p:nvSpPr>
+          <p:cNvPr id="82" name="Rectangle 81">
+            <a:extLst>
+              <a:ext uri="{FF2B5EF4-FFF2-40B4-BE49-F238E27FC236}">
+                <a16:creationId xmlns:a16="http://schemas.microsoft.com/office/drawing/2014/main" id="{823AC064-BC96-4F32-8AE1-B2FD38754823}"/>
+              </a:ext>
+            </a:extLst>
+          </p:cNvPr>
+          <p:cNvSpPr>
+            <a:spLocks noGrp="1" noRot="1" noChangeAspect="1" noMove="1" noResize="1" noEditPoints="1" noAdjustHandles="1" noChangeArrowheads="1" noChangeShapeType="1" noTextEdit="1"/>
+          </p:cNvSpPr>
+          <p:nvPr>
+            <p:extLst>
+              <p:ext uri="{386F3935-93C4-4BCD-93E2-E3B085C9AB24}">
+                <p16:designElem xmlns:p16="http://schemas.microsoft.com/office/powerpoint/2015/main" val="1"/>
+              </p:ext>
+            </p:extLst>
+          </p:nvPr>
+        </p:nvSpPr>
+        <p:spPr bwMode="ltGray">
+          <a:xfrm>
+            <a:off x="378068" y="4633546"/>
+            <a:ext cx="11438793" cy="1844256"/>
+          </a:xfrm>
+          <a:prstGeom prst="rect">
+            <a:avLst/>
+          </a:prstGeom>
+          <a:solidFill>
+            <a:srgbClr val="404040"/>
+          </a:solidFill>
+          <a:ln w="127000" cap="sq" cmpd="thinThick">
+            <a:solidFill>
+              <a:srgbClr val="404040"/>
+            </a:solidFill>
+          </a:ln>
+        </p:spPr>
+        <p:style>
+          <a:lnRef idx="2">
+            <a:schemeClr val="accent1">
+              <a:shade val="50000"/>
+            </a:schemeClr>
+          </a:lnRef>
+          <a:fillRef idx="1">
+            <a:schemeClr val="accent1"/>
+          </a:fillRef>
+          <a:effectRef idx="0">
+            <a:schemeClr val="accent1"/>
+          </a:effectRef>
+          <a:fontRef idx="minor">
+            <a:schemeClr val="lt1"/>
+          </a:fontRef>
+        </p:style>
+        <p:txBody>
+          <a:bodyPr rtlCol="0" anchor="ctr"/>
+          <a:lstStyle/>
+          <a:p>
+            <a:pPr algn="ctr"/>
+            <a:endParaRPr lang="en-US"/>
+          </a:p>
+        </p:txBody>
+      </p:sp>
+      <p:cxnSp>
+        <p:nvCxnSpPr>
+          <p:cNvPr id="84" name="Straight Connector 83">
+            <a:extLst>
+              <a:ext uri="{FF2B5EF4-FFF2-40B4-BE49-F238E27FC236}">
+                <a16:creationId xmlns:a16="http://schemas.microsoft.com/office/drawing/2014/main" id="{7E7C77BC-7138-40B1-A15B-20F57A494629}"/>
+              </a:ext>
+            </a:extLst>
+          </p:cNvPr>
+          <p:cNvCxnSpPr>
+            <a:cxnSpLocks noGrp="1" noRot="1" noChangeAspect="1" noMove="1" noResize="1" noEditPoints="1" noAdjustHandles="1" noChangeArrowheads="1" noChangeShapeType="1"/>
+          </p:cNvCxnSpPr>
+          <p:nvPr>
+            <p:extLst>
+              <p:ext uri="{386F3935-93C4-4BCD-93E2-E3B085C9AB24}">
+                <p16:designElem xmlns:p16="http://schemas.microsoft.com/office/powerpoint/2015/main" val="1"/>
+              </p:ext>
+            </p:extLst>
+          </p:nvPr>
+        </p:nvCxnSpPr>
+        <p:spPr>
+          <a:xfrm>
+            <a:off x="2209800" y="5738691"/>
+            <a:ext cx="7772400" cy="0"/>
+          </a:xfrm>
+          <a:prstGeom prst="line">
+            <a:avLst/>
+          </a:prstGeom>
+          <a:ln w="22225">
+            <a:solidFill>
+              <a:srgbClr val="D9D9D9"/>
+            </a:solidFill>
+          </a:ln>
+        </p:spPr>
+        <p:style>
+          <a:lnRef idx="1">
+            <a:schemeClr val="accent1"/>
+          </a:lnRef>
+          <a:fillRef idx="0">
+            <a:schemeClr val="accent1"/>
+          </a:fillRef>
+          <a:effectRef idx="0">
+            <a:schemeClr val="accent1"/>
+          </a:effectRef>
+          <a:fontRef idx="minor">
+            <a:schemeClr val="tx1"/>
+          </a:fontRef>
+        </p:style>
+      </p:cxnSp>
+      <p:cxnSp>
+        <p:nvCxnSpPr>
+          <p:cNvPr id="86" name="Straight Connector 85">
+            <a:extLst>
+              <a:ext uri="{FF2B5EF4-FFF2-40B4-BE49-F238E27FC236}">
+                <a16:creationId xmlns:a16="http://schemas.microsoft.com/office/drawing/2014/main" id="{DB146403-F3D6-484B-B2ED-97F9565D0370}"/>
+              </a:ext>
+            </a:extLst>
+          </p:cNvPr>
+          <p:cNvCxnSpPr>
+            <a:cxnSpLocks noGrp="1" noRot="1" noChangeAspect="1" noMove="1" noResize="1" noEditPoints="1" noAdjustHandles="1" noChangeArrowheads="1" noChangeShapeType="1"/>
+          </p:cNvCxnSpPr>
+          <p:nvPr>
+            <p:extLst>
+              <p:ext uri="{386F3935-93C4-4BCD-93E2-E3B085C9AB24}">
+                <p16:designElem xmlns:p16="http://schemas.microsoft.com/office/powerpoint/2015/main" val="1"/>
+              </p:ext>
+            </p:extLst>
+          </p:nvPr>
+        </p:nvCxnSpPr>
+        <p:spPr>
+          <a:xfrm>
+            <a:off x="6096000" y="477749"/>
+            <a:ext cx="0" cy="3657600"/>
+          </a:xfrm>
+          <a:prstGeom prst="line">
+            <a:avLst/>
+          </a:prstGeom>
+          <a:ln w="101600" cmpd="dbl">
+            <a:solidFill>
+              <a:srgbClr val="595959"/>
+            </a:solidFill>
+          </a:ln>
+        </p:spPr>
+        <p:style>
+          <a:lnRef idx="1">
+            <a:schemeClr val="accent1"/>
+          </a:lnRef>
+          <a:fillRef idx="0">
+            <a:schemeClr val="accent1"/>
+          </a:fillRef>
+          <a:effectRef idx="0">
+            <a:schemeClr val="accent1"/>
+          </a:effectRef>
+          <a:fontRef idx="minor">
+            <a:schemeClr val="tx1"/>
+          </a:fontRef>
+        </p:style>
+      </p:cxnSp>
+      <p:sp>
+        <p:nvSpPr>
+          <p:cNvPr id="2" name="Titre 1">
+            <a:extLst>
+              <a:ext uri="{FF2B5EF4-FFF2-40B4-BE49-F238E27FC236}">
+                <a16:creationId xmlns:a16="http://schemas.microsoft.com/office/drawing/2014/main" id="{F0DD20CB-0FB9-4003-AE9D-231F020F5929}"/>
+              </a:ext>
+            </a:extLst>
+          </p:cNvPr>
+          <p:cNvSpPr>
+            <a:spLocks noGrp="1"/>
+          </p:cNvSpPr>
+          <p:nvPr>
+            <p:ph type="title"/>
+          </p:nvPr>
+        </p:nvSpPr>
+        <p:spPr>
+          <a:xfrm>
+            <a:off x="527538" y="4756638"/>
+            <a:ext cx="11139854" cy="930447"/>
+          </a:xfrm>
+        </p:spPr>
+        <p:txBody>
+          <a:bodyPr vert="horz" lIns="91440" tIns="45720" rIns="91440" bIns="45720" rtlCol="0" anchor="b">
+            <a:normAutofit/>
+          </a:bodyPr>
+          <a:lstStyle/>
+          <a:p>
+            <a:pPr algn="ctr"/>
+            <a:r>
+              <a:rPr lang="fr-CA" sz="5400" dirty="0">
+                <a:solidFill>
+                  <a:srgbClr val="FFFFFF"/>
+                </a:solidFill>
+              </a:rPr>
+              <a:t>« </a:t>
+            </a:r>
+            <a:r>
+              <a:rPr lang="fr-CA" sz="5400" dirty="0" err="1">
+                <a:solidFill>
+                  <a:srgbClr val="FFFFFF"/>
+                </a:solidFill>
+              </a:rPr>
+              <a:t>Hidden</a:t>
+            </a:r>
+            <a:r>
+              <a:rPr lang="fr-CA" sz="5400" dirty="0">
+                <a:solidFill>
+                  <a:srgbClr val="FFFFFF"/>
+                </a:solidFill>
+              </a:rPr>
+              <a:t> &amp; display none »</a:t>
+            </a:r>
+            <a:endParaRPr lang="en-US" sz="5400" dirty="0">
+              <a:solidFill>
+                <a:srgbClr val="FFFFFF"/>
+              </a:solidFill>
+            </a:endParaRPr>
+          </a:p>
+        </p:txBody>
+      </p:sp>
+      <p:pic>
+        <p:nvPicPr>
+          <p:cNvPr id="5" name="Image 4">
+            <a:extLst>
+              <a:ext uri="{FF2B5EF4-FFF2-40B4-BE49-F238E27FC236}">
+                <a16:creationId xmlns:a16="http://schemas.microsoft.com/office/drawing/2014/main" id="{C2A9442A-343E-442C-92A3-09686944B75F}"/>
+              </a:ext>
+            </a:extLst>
+          </p:cNvPr>
+          <p:cNvPicPr>
+            <a:picLocks noChangeAspect="1"/>
+          </p:cNvPicPr>
+          <p:nvPr/>
+        </p:nvPicPr>
+        <p:blipFill>
+          <a:blip r:embed="rId2"/>
+          <a:stretch>
+            <a:fillRect/>
+          </a:stretch>
+        </p:blipFill>
+        <p:spPr>
+          <a:xfrm>
+            <a:off x="1525722" y="2011274"/>
+            <a:ext cx="3267075" cy="590550"/>
+          </a:xfrm>
+          <a:prstGeom prst="rect">
+            <a:avLst/>
+          </a:prstGeom>
+        </p:spPr>
+      </p:pic>
+      <p:pic>
+        <p:nvPicPr>
+          <p:cNvPr id="6" name="Image 5">
+            <a:extLst>
+              <a:ext uri="{FF2B5EF4-FFF2-40B4-BE49-F238E27FC236}">
+                <a16:creationId xmlns:a16="http://schemas.microsoft.com/office/drawing/2014/main" id="{AD12DA18-0BCE-4E56-9605-A21B42ED27F5}"/>
+              </a:ext>
+            </a:extLst>
+          </p:cNvPr>
+          <p:cNvPicPr>
+            <a:picLocks noChangeAspect="1"/>
+          </p:cNvPicPr>
+          <p:nvPr/>
+        </p:nvPicPr>
+        <p:blipFill>
+          <a:blip r:embed="rId3"/>
+          <a:stretch>
+            <a:fillRect/>
+          </a:stretch>
+        </p:blipFill>
+        <p:spPr>
+          <a:xfrm>
+            <a:off x="7004547" y="530136"/>
+            <a:ext cx="4286250" cy="3552825"/>
+          </a:xfrm>
+          <a:prstGeom prst="rect">
+            <a:avLst/>
+          </a:prstGeom>
+        </p:spPr>
+      </p:pic>
+    </p:spTree>
+    <p:extLst>
+      <p:ext uri="{BB962C8B-B14F-4D97-AF65-F5344CB8AC3E}">
+        <p14:creationId xmlns:p14="http://schemas.microsoft.com/office/powerpoint/2010/main" val="1522067660"/>
+      </p:ext>
+    </p:extLst>
+  </p:cSld>
+  <p:clrMapOvr>
+    <a:masterClrMapping/>
+  </p:clrMapOvr>
+</p:sld>
+</file>
+
+<file path=ppt/slides/slide25.xml><?xml version="1.0" encoding="utf-8"?>
+<p:sld xmlns:a="http://schemas.openxmlformats.org/drawingml/2006/main" xmlns:r="http://schemas.openxmlformats.org/officeDocument/2006/relationships" xmlns:p="http://schemas.openxmlformats.org/presentationml/2006/main">
+  <p:cSld>
+    <p:spTree>
+      <p:nvGrpSpPr>
+        <p:cNvPr id="1" name=""/>
+        <p:cNvGrpSpPr/>
+        <p:nvPr/>
+      </p:nvGrpSpPr>
+      <p:grpSpPr>
+        <a:xfrm>
+          <a:off x="0" y="0"/>
+          <a:ext cx="0" cy="0"/>
+          <a:chOff x="0" y="0"/>
+          <a:chExt cx="0" cy="0"/>
+        </a:xfrm>
+      </p:grpSpPr>
+      <p:sp>
+        <p:nvSpPr>
+          <p:cNvPr id="5" name="Titre 4">
+            <a:extLst>
+              <a:ext uri="{FF2B5EF4-FFF2-40B4-BE49-F238E27FC236}">
+                <a16:creationId xmlns:a16="http://schemas.microsoft.com/office/drawing/2014/main" id="{4906A919-D020-479A-AC5A-D9F539FF3D33}"/>
+              </a:ext>
+            </a:extLst>
+          </p:cNvPr>
+          <p:cNvSpPr>
+            <a:spLocks noGrp="1"/>
+          </p:cNvSpPr>
+          <p:nvPr>
+            <p:ph type="ctrTitle"/>
+          </p:nvPr>
+        </p:nvSpPr>
+        <p:spPr/>
+        <p:txBody>
+          <a:bodyPr/>
+          <a:lstStyle/>
+          <a:p>
+            <a:r>
+              <a:rPr lang="fr-CA" dirty="0"/>
+              <a:t>Exercice #2</a:t>
+            </a:r>
+          </a:p>
+        </p:txBody>
+      </p:sp>
+      <p:sp>
+        <p:nvSpPr>
+          <p:cNvPr id="6" name="Sous-titre 5">
+            <a:extLst>
+              <a:ext uri="{FF2B5EF4-FFF2-40B4-BE49-F238E27FC236}">
+                <a16:creationId xmlns:a16="http://schemas.microsoft.com/office/drawing/2014/main" id="{D4E8AAF7-3291-42EF-8749-155B01266A3A}"/>
+              </a:ext>
+            </a:extLst>
+          </p:cNvPr>
+          <p:cNvSpPr>
+            <a:spLocks noGrp="1"/>
+          </p:cNvSpPr>
+          <p:nvPr>
+            <p:ph type="subTitle" idx="1"/>
+          </p:nvPr>
+        </p:nvSpPr>
+        <p:spPr/>
+        <p:txBody>
+          <a:bodyPr/>
+          <a:lstStyle/>
+          <a:p>
+            <a:r>
+              <a:rPr lang="fr-CA" dirty="0">
+                <a:latin typeface="Consolas" panose="020B0609020204030204" pitchFamily="49" charset="0"/>
+                <a:cs typeface="Consolas" panose="020B0609020204030204" pitchFamily="49" charset="0"/>
+              </a:rPr>
+              <a:t>Display, position et </a:t>
+            </a:r>
+            <a:r>
+              <a:rPr lang="fr-CA" dirty="0" err="1">
+                <a:latin typeface="Consolas" panose="020B0609020204030204" pitchFamily="49" charset="0"/>
+                <a:cs typeface="Consolas" panose="020B0609020204030204" pitchFamily="49" charset="0"/>
+              </a:rPr>
+              <a:t>visibility</a:t>
+            </a:r>
+            <a:endParaRPr lang="fr-CA" dirty="0">
+              <a:latin typeface="Consolas" panose="020B0609020204030204" pitchFamily="49" charset="0"/>
+              <a:cs typeface="Consolas" panose="020B0609020204030204" pitchFamily="49" charset="0"/>
+            </a:endParaRPr>
+          </a:p>
+        </p:txBody>
+      </p:sp>
+    </p:spTree>
+    <p:extLst>
+      <p:ext uri="{BB962C8B-B14F-4D97-AF65-F5344CB8AC3E}">
+        <p14:creationId xmlns:p14="http://schemas.microsoft.com/office/powerpoint/2010/main" val="146015481"/>
+      </p:ext>
+    </p:extLst>
+  </p:cSld>
+  <p:clrMapOvr>
+    <a:masterClrMapping/>
+  </p:clrMapOvr>
+</p:sld>
+</file>
+
+<file path=ppt/slides/slide26.xml><?xml version="1.0" encoding="utf-8"?>
+<p:sld xmlns:a="http://schemas.openxmlformats.org/drawingml/2006/main" xmlns:r="http://schemas.openxmlformats.org/officeDocument/2006/relationships" xmlns:p="http://schemas.openxmlformats.org/presentationml/2006/main">
+  <p:cSld>
+    <p:bg>
+      <p:bgPr>
+        <a:solidFill>
+          <a:schemeClr val="bg1"/>
+        </a:solidFill>
+        <a:effectLst/>
+      </p:bgPr>
+    </p:bg>
+    <p:spTree>
+      <p:nvGrpSpPr>
+        <p:cNvPr id="1" name=""/>
+        <p:cNvGrpSpPr/>
+        <p:nvPr/>
+      </p:nvGrpSpPr>
+      <p:grpSpPr>
+        <a:xfrm>
+          <a:off x="0" y="0"/>
+          <a:ext cx="0" cy="0"/>
+          <a:chOff x="0" y="0"/>
+          <a:chExt cx="0" cy="0"/>
+        </a:xfrm>
+      </p:grpSpPr>
+      <p:sp>
+        <p:nvSpPr>
+          <p:cNvPr id="82" name="Rectangle 81">
+            <a:extLst>
+              <a:ext uri="{FF2B5EF4-FFF2-40B4-BE49-F238E27FC236}">
+                <a16:creationId xmlns:a16="http://schemas.microsoft.com/office/drawing/2014/main" id="{823AC064-BC96-4F32-8AE1-B2FD38754823}"/>
+              </a:ext>
+            </a:extLst>
+          </p:cNvPr>
+          <p:cNvSpPr>
+            <a:spLocks noGrp="1" noRot="1" noChangeAspect="1" noMove="1" noResize="1" noEditPoints="1" noAdjustHandles="1" noChangeArrowheads="1" noChangeShapeType="1" noTextEdit="1"/>
+          </p:cNvSpPr>
+          <p:nvPr>
+            <p:extLst>
+              <p:ext uri="{386F3935-93C4-4BCD-93E2-E3B085C9AB24}">
+                <p16:designElem xmlns:p16="http://schemas.microsoft.com/office/powerpoint/2015/main" val="1"/>
+              </p:ext>
+            </p:extLst>
+          </p:nvPr>
+        </p:nvSpPr>
+        <p:spPr bwMode="ltGray">
+          <a:xfrm>
+            <a:off x="378068" y="4633546"/>
+            <a:ext cx="11438793" cy="1844256"/>
+          </a:xfrm>
+          <a:prstGeom prst="rect">
+            <a:avLst/>
+          </a:prstGeom>
+          <a:solidFill>
+            <a:srgbClr val="404040"/>
+          </a:solidFill>
+          <a:ln w="127000" cap="sq" cmpd="thinThick">
+            <a:solidFill>
+              <a:srgbClr val="404040"/>
+            </a:solidFill>
+          </a:ln>
+        </p:spPr>
+        <p:style>
+          <a:lnRef idx="2">
+            <a:schemeClr val="accent1">
+              <a:shade val="50000"/>
+            </a:schemeClr>
+          </a:lnRef>
+          <a:fillRef idx="1">
+            <a:schemeClr val="accent1"/>
+          </a:fillRef>
+          <a:effectRef idx="0">
+            <a:schemeClr val="accent1"/>
+          </a:effectRef>
+          <a:fontRef idx="minor">
+            <a:schemeClr val="lt1"/>
+          </a:fontRef>
+        </p:style>
+        <p:txBody>
+          <a:bodyPr rtlCol="0" anchor="ctr"/>
+          <a:lstStyle/>
+          <a:p>
+            <a:pPr algn="ctr"/>
+            <a:endParaRPr lang="en-US"/>
+          </a:p>
+        </p:txBody>
+      </p:sp>
+      <p:cxnSp>
+        <p:nvCxnSpPr>
+          <p:cNvPr id="84" name="Straight Connector 83">
+            <a:extLst>
+              <a:ext uri="{FF2B5EF4-FFF2-40B4-BE49-F238E27FC236}">
+                <a16:creationId xmlns:a16="http://schemas.microsoft.com/office/drawing/2014/main" id="{7E7C77BC-7138-40B1-A15B-20F57A494629}"/>
+              </a:ext>
+            </a:extLst>
+          </p:cNvPr>
+          <p:cNvCxnSpPr>
+            <a:cxnSpLocks noGrp="1" noRot="1" noChangeAspect="1" noMove="1" noResize="1" noEditPoints="1" noAdjustHandles="1" noChangeArrowheads="1" noChangeShapeType="1"/>
+          </p:cNvCxnSpPr>
+          <p:nvPr>
+            <p:extLst>
+              <p:ext uri="{386F3935-93C4-4BCD-93E2-E3B085C9AB24}">
+                <p16:designElem xmlns:p16="http://schemas.microsoft.com/office/powerpoint/2015/main" val="1"/>
+              </p:ext>
+            </p:extLst>
+          </p:nvPr>
+        </p:nvCxnSpPr>
+        <p:spPr>
+          <a:xfrm>
+            <a:off x="2209800" y="5738691"/>
+            <a:ext cx="7772400" cy="0"/>
+          </a:xfrm>
+          <a:prstGeom prst="line">
+            <a:avLst/>
+          </a:prstGeom>
+          <a:ln w="22225">
+            <a:solidFill>
+              <a:srgbClr val="D9D9D9"/>
+            </a:solidFill>
+          </a:ln>
+        </p:spPr>
+        <p:style>
+          <a:lnRef idx="1">
+            <a:schemeClr val="accent1"/>
+          </a:lnRef>
+          <a:fillRef idx="0">
+            <a:schemeClr val="accent1"/>
+          </a:fillRef>
+          <a:effectRef idx="0">
+            <a:schemeClr val="accent1"/>
+          </a:effectRef>
+          <a:fontRef idx="minor">
+            <a:schemeClr val="tx1"/>
+          </a:fontRef>
+        </p:style>
+      </p:cxnSp>
+      <p:cxnSp>
+        <p:nvCxnSpPr>
+          <p:cNvPr id="86" name="Straight Connector 85">
+            <a:extLst>
+              <a:ext uri="{FF2B5EF4-FFF2-40B4-BE49-F238E27FC236}">
+                <a16:creationId xmlns:a16="http://schemas.microsoft.com/office/drawing/2014/main" id="{DB146403-F3D6-484B-B2ED-97F9565D0370}"/>
+              </a:ext>
+            </a:extLst>
+          </p:cNvPr>
+          <p:cNvCxnSpPr>
+            <a:cxnSpLocks noGrp="1" noRot="1" noChangeAspect="1" noMove="1" noResize="1" noEditPoints="1" noAdjustHandles="1" noChangeArrowheads="1" noChangeShapeType="1"/>
+          </p:cNvCxnSpPr>
+          <p:nvPr>
+            <p:extLst>
+              <p:ext uri="{386F3935-93C4-4BCD-93E2-E3B085C9AB24}">
+                <p16:designElem xmlns:p16="http://schemas.microsoft.com/office/powerpoint/2015/main" val="1"/>
+              </p:ext>
+            </p:extLst>
+          </p:nvPr>
+        </p:nvCxnSpPr>
+        <p:spPr>
+          <a:xfrm>
+            <a:off x="6096000" y="477749"/>
+            <a:ext cx="0" cy="3657600"/>
+          </a:xfrm>
+          <a:prstGeom prst="line">
+            <a:avLst/>
+          </a:prstGeom>
+          <a:ln w="101600" cmpd="dbl">
+            <a:solidFill>
+              <a:srgbClr val="595959"/>
+            </a:solidFill>
+          </a:ln>
+        </p:spPr>
+        <p:style>
+          <a:lnRef idx="1">
+            <a:schemeClr val="accent1"/>
+          </a:lnRef>
+          <a:fillRef idx="0">
+            <a:schemeClr val="accent1"/>
+          </a:fillRef>
+          <a:effectRef idx="0">
+            <a:schemeClr val="accent1"/>
+          </a:effectRef>
+          <a:fontRef idx="minor">
+            <a:schemeClr val="tx1"/>
+          </a:fontRef>
+        </p:style>
+      </p:cxnSp>
+      <p:sp>
+        <p:nvSpPr>
+          <p:cNvPr id="2" name="Titre 1">
+            <a:extLst>
+              <a:ext uri="{FF2B5EF4-FFF2-40B4-BE49-F238E27FC236}">
+                <a16:creationId xmlns:a16="http://schemas.microsoft.com/office/drawing/2014/main" id="{F0DD20CB-0FB9-4003-AE9D-231F020F5929}"/>
+              </a:ext>
+            </a:extLst>
+          </p:cNvPr>
+          <p:cNvSpPr>
+            <a:spLocks noGrp="1"/>
+          </p:cNvSpPr>
+          <p:nvPr>
+            <p:ph type="title"/>
+          </p:nvPr>
+        </p:nvSpPr>
+        <p:spPr>
+          <a:xfrm>
+            <a:off x="527538" y="4756638"/>
+            <a:ext cx="11139854" cy="930447"/>
+          </a:xfrm>
+        </p:spPr>
+        <p:txBody>
+          <a:bodyPr vert="horz" lIns="91440" tIns="45720" rIns="91440" bIns="45720" rtlCol="0" anchor="b">
+            <a:normAutofit/>
+          </a:bodyPr>
+          <a:lstStyle/>
+          <a:p>
+            <a:pPr algn="ctr"/>
+            <a:r>
+              <a:rPr lang="fr-CA" sz="5400" dirty="0">
+                <a:solidFill>
+                  <a:srgbClr val="FFFFFF"/>
+                </a:solidFill>
+              </a:rPr>
+              <a:t>« </a:t>
+            </a:r>
+            <a:r>
+              <a:rPr lang="fr-CA" sz="5400" dirty="0" err="1">
+                <a:solidFill>
+                  <a:srgbClr val="FFFFFF"/>
+                </a:solidFill>
+              </a:rPr>
+              <a:t>absolute</a:t>
+            </a:r>
+            <a:r>
+              <a:rPr lang="fr-CA" sz="5400" dirty="0">
+                <a:solidFill>
+                  <a:srgbClr val="FFFFFF"/>
+                </a:solidFill>
+              </a:rPr>
+              <a:t> vs relative »</a:t>
+            </a:r>
+            <a:endParaRPr lang="en-US" sz="5400" dirty="0">
+              <a:solidFill>
+                <a:srgbClr val="FFFFFF"/>
+              </a:solidFill>
+            </a:endParaRPr>
+          </a:p>
+        </p:txBody>
+      </p:sp>
+      <p:pic>
+        <p:nvPicPr>
+          <p:cNvPr id="3" name="Image 2">
+            <a:extLst>
+              <a:ext uri="{FF2B5EF4-FFF2-40B4-BE49-F238E27FC236}">
+                <a16:creationId xmlns:a16="http://schemas.microsoft.com/office/drawing/2014/main" id="{EAC9E79F-66FA-46A9-98EA-912EDB0CE59E}"/>
+              </a:ext>
+            </a:extLst>
+          </p:cNvPr>
+          <p:cNvPicPr>
+            <a:picLocks noChangeAspect="1"/>
+          </p:cNvPicPr>
+          <p:nvPr/>
+        </p:nvPicPr>
+        <p:blipFill>
+          <a:blip r:embed="rId2"/>
+          <a:stretch>
+            <a:fillRect/>
+          </a:stretch>
+        </p:blipFill>
+        <p:spPr>
+          <a:xfrm>
+            <a:off x="1123261" y="264660"/>
+            <a:ext cx="3886200" cy="3895725"/>
+          </a:xfrm>
+          <a:prstGeom prst="rect">
+            <a:avLst/>
+          </a:prstGeom>
+        </p:spPr>
+      </p:pic>
+      <p:pic>
+        <p:nvPicPr>
+          <p:cNvPr id="7" name="Image 6">
+            <a:extLst>
+              <a:ext uri="{FF2B5EF4-FFF2-40B4-BE49-F238E27FC236}">
+                <a16:creationId xmlns:a16="http://schemas.microsoft.com/office/drawing/2014/main" id="{7E0F3F38-EC6E-4A64-AEC0-731DA98A7D0A}"/>
+              </a:ext>
+            </a:extLst>
+          </p:cNvPr>
+          <p:cNvPicPr>
+            <a:picLocks noChangeAspect="1"/>
+          </p:cNvPicPr>
+          <p:nvPr/>
+        </p:nvPicPr>
+        <p:blipFill>
+          <a:blip r:embed="rId3"/>
+          <a:stretch>
+            <a:fillRect/>
+          </a:stretch>
+        </p:blipFill>
+        <p:spPr>
+          <a:xfrm>
+            <a:off x="6197560" y="762637"/>
+            <a:ext cx="5730613" cy="2923633"/>
+          </a:xfrm>
+          <a:prstGeom prst="rect">
+            <a:avLst/>
+          </a:prstGeom>
+        </p:spPr>
+      </p:pic>
+    </p:spTree>
+    <p:extLst>
+      <p:ext uri="{BB962C8B-B14F-4D97-AF65-F5344CB8AC3E}">
+        <p14:creationId xmlns:p14="http://schemas.microsoft.com/office/powerpoint/2010/main" val="1034748573"/>
+      </p:ext>
+    </p:extLst>
+  </p:cSld>
+  <p:clrMapOvr>
+    <a:masterClrMapping/>
+  </p:clrMapOvr>
+</p:sld>
+</file>
+
+<file path=ppt/slides/slide27.xml><?xml version="1.0" encoding="utf-8"?>
+<p:sld xmlns:a="http://schemas.openxmlformats.org/drawingml/2006/main" xmlns:r="http://schemas.openxmlformats.org/officeDocument/2006/relationships" xmlns:p="http://schemas.openxmlformats.org/presentationml/2006/main">
+  <p:cSld>
+    <p:bg>
+      <p:bgPr>
+        <a:solidFill>
+          <a:schemeClr val="bg1"/>
+        </a:solidFill>
+        <a:effectLst/>
+      </p:bgPr>
+    </p:bg>
+    <p:spTree>
+      <p:nvGrpSpPr>
+        <p:cNvPr id="1" name=""/>
+        <p:cNvGrpSpPr/>
+        <p:nvPr/>
+      </p:nvGrpSpPr>
+      <p:grpSpPr>
+        <a:xfrm>
+          <a:off x="0" y="0"/>
+          <a:ext cx="0" cy="0"/>
+          <a:chOff x="0" y="0"/>
+          <a:chExt cx="0" cy="0"/>
+        </a:xfrm>
+      </p:grpSpPr>
+      <p:sp>
+        <p:nvSpPr>
+          <p:cNvPr id="82" name="Rectangle 81">
+            <a:extLst>
+              <a:ext uri="{FF2B5EF4-FFF2-40B4-BE49-F238E27FC236}">
+                <a16:creationId xmlns:a16="http://schemas.microsoft.com/office/drawing/2014/main" id="{823AC064-BC96-4F32-8AE1-B2FD38754823}"/>
+              </a:ext>
+            </a:extLst>
+          </p:cNvPr>
+          <p:cNvSpPr>
+            <a:spLocks noGrp="1" noRot="1" noChangeAspect="1" noMove="1" noResize="1" noEditPoints="1" noAdjustHandles="1" noChangeArrowheads="1" noChangeShapeType="1" noTextEdit="1"/>
+          </p:cNvSpPr>
+          <p:nvPr>
+            <p:extLst>
+              <p:ext uri="{386F3935-93C4-4BCD-93E2-E3B085C9AB24}">
+                <p16:designElem xmlns:p16="http://schemas.microsoft.com/office/powerpoint/2015/main" val="1"/>
+              </p:ext>
+            </p:extLst>
+          </p:nvPr>
+        </p:nvSpPr>
+        <p:spPr bwMode="ltGray">
+          <a:xfrm>
+            <a:off x="378068" y="4633546"/>
+            <a:ext cx="11438793" cy="1844256"/>
+          </a:xfrm>
+          <a:prstGeom prst="rect">
+            <a:avLst/>
+          </a:prstGeom>
+          <a:solidFill>
+            <a:srgbClr val="404040"/>
+          </a:solidFill>
+          <a:ln w="127000" cap="sq" cmpd="thinThick">
+            <a:solidFill>
+              <a:srgbClr val="404040"/>
+            </a:solidFill>
+          </a:ln>
+        </p:spPr>
+        <p:style>
+          <a:lnRef idx="2">
+            <a:schemeClr val="accent1">
+              <a:shade val="50000"/>
+            </a:schemeClr>
+          </a:lnRef>
+          <a:fillRef idx="1">
+            <a:schemeClr val="accent1"/>
+          </a:fillRef>
+          <a:effectRef idx="0">
+            <a:schemeClr val="accent1"/>
+          </a:effectRef>
+          <a:fontRef idx="minor">
+            <a:schemeClr val="lt1"/>
+          </a:fontRef>
+        </p:style>
+        <p:txBody>
+          <a:bodyPr rtlCol="0" anchor="ctr"/>
+          <a:lstStyle/>
+          <a:p>
+            <a:pPr algn="ctr"/>
+            <a:endParaRPr lang="en-US"/>
+          </a:p>
+        </p:txBody>
+      </p:sp>
+      <p:cxnSp>
+        <p:nvCxnSpPr>
+          <p:cNvPr id="84" name="Straight Connector 83">
+            <a:extLst>
+              <a:ext uri="{FF2B5EF4-FFF2-40B4-BE49-F238E27FC236}">
+                <a16:creationId xmlns:a16="http://schemas.microsoft.com/office/drawing/2014/main" id="{7E7C77BC-7138-40B1-A15B-20F57A494629}"/>
+              </a:ext>
+            </a:extLst>
+          </p:cNvPr>
+          <p:cNvCxnSpPr>
+            <a:cxnSpLocks noGrp="1" noRot="1" noChangeAspect="1" noMove="1" noResize="1" noEditPoints="1" noAdjustHandles="1" noChangeArrowheads="1" noChangeShapeType="1"/>
+          </p:cNvCxnSpPr>
+          <p:nvPr>
+            <p:extLst>
+              <p:ext uri="{386F3935-93C4-4BCD-93E2-E3B085C9AB24}">
+                <p16:designElem xmlns:p16="http://schemas.microsoft.com/office/powerpoint/2015/main" val="1"/>
+              </p:ext>
+            </p:extLst>
+          </p:nvPr>
+        </p:nvCxnSpPr>
+        <p:spPr>
+          <a:xfrm>
+            <a:off x="2209800" y="5738691"/>
+            <a:ext cx="7772400" cy="0"/>
+          </a:xfrm>
+          <a:prstGeom prst="line">
+            <a:avLst/>
+          </a:prstGeom>
+          <a:ln w="22225">
+            <a:solidFill>
+              <a:srgbClr val="D9D9D9"/>
+            </a:solidFill>
+          </a:ln>
+        </p:spPr>
+        <p:style>
+          <a:lnRef idx="1">
+            <a:schemeClr val="accent1"/>
+          </a:lnRef>
+          <a:fillRef idx="0">
+            <a:schemeClr val="accent1"/>
+          </a:fillRef>
+          <a:effectRef idx="0">
+            <a:schemeClr val="accent1"/>
+          </a:effectRef>
+          <a:fontRef idx="minor">
+            <a:schemeClr val="tx1"/>
+          </a:fontRef>
+        </p:style>
+      </p:cxnSp>
+      <p:cxnSp>
+        <p:nvCxnSpPr>
+          <p:cNvPr id="86" name="Straight Connector 85">
+            <a:extLst>
+              <a:ext uri="{FF2B5EF4-FFF2-40B4-BE49-F238E27FC236}">
+                <a16:creationId xmlns:a16="http://schemas.microsoft.com/office/drawing/2014/main" id="{DB146403-F3D6-484B-B2ED-97F9565D0370}"/>
+              </a:ext>
+            </a:extLst>
+          </p:cNvPr>
+          <p:cNvCxnSpPr>
+            <a:cxnSpLocks noGrp="1" noRot="1" noChangeAspect="1" noMove="1" noResize="1" noEditPoints="1" noAdjustHandles="1" noChangeArrowheads="1" noChangeShapeType="1"/>
+          </p:cNvCxnSpPr>
+          <p:nvPr>
+            <p:extLst>
+              <p:ext uri="{386F3935-93C4-4BCD-93E2-E3B085C9AB24}">
+                <p16:designElem xmlns:p16="http://schemas.microsoft.com/office/powerpoint/2015/main" val="1"/>
+              </p:ext>
+            </p:extLst>
+          </p:nvPr>
+        </p:nvCxnSpPr>
+        <p:spPr>
+          <a:xfrm>
+            <a:off x="6096000" y="477749"/>
+            <a:ext cx="0" cy="3657600"/>
+          </a:xfrm>
+          <a:prstGeom prst="line">
+            <a:avLst/>
+          </a:prstGeom>
+          <a:ln w="101600" cmpd="dbl">
+            <a:solidFill>
+              <a:srgbClr val="595959"/>
+            </a:solidFill>
+          </a:ln>
+        </p:spPr>
+        <p:style>
+          <a:lnRef idx="1">
+            <a:schemeClr val="accent1"/>
+          </a:lnRef>
+          <a:fillRef idx="0">
+            <a:schemeClr val="accent1"/>
+          </a:fillRef>
+          <a:effectRef idx="0">
+            <a:schemeClr val="accent1"/>
+          </a:effectRef>
+          <a:fontRef idx="minor">
+            <a:schemeClr val="tx1"/>
+          </a:fontRef>
+        </p:style>
+      </p:cxnSp>
+      <p:sp>
+        <p:nvSpPr>
+          <p:cNvPr id="2" name="Titre 1">
+            <a:extLst>
+              <a:ext uri="{FF2B5EF4-FFF2-40B4-BE49-F238E27FC236}">
+                <a16:creationId xmlns:a16="http://schemas.microsoft.com/office/drawing/2014/main" id="{F0DD20CB-0FB9-4003-AE9D-231F020F5929}"/>
+              </a:ext>
+            </a:extLst>
+          </p:cNvPr>
+          <p:cNvSpPr>
+            <a:spLocks noGrp="1"/>
+          </p:cNvSpPr>
+          <p:nvPr>
+            <p:ph type="title"/>
+          </p:nvPr>
+        </p:nvSpPr>
+        <p:spPr>
+          <a:xfrm>
+            <a:off x="527538" y="4756638"/>
+            <a:ext cx="11139854" cy="930447"/>
+          </a:xfrm>
+        </p:spPr>
+        <p:txBody>
+          <a:bodyPr vert="horz" lIns="91440" tIns="45720" rIns="91440" bIns="45720" rtlCol="0" anchor="b">
+            <a:normAutofit/>
+          </a:bodyPr>
+          <a:lstStyle/>
+          <a:p>
+            <a:pPr algn="ctr"/>
+            <a:r>
+              <a:rPr lang="fr-CA" sz="5400" dirty="0">
+                <a:solidFill>
+                  <a:srgbClr val="FFFFFF"/>
+                </a:solidFill>
+              </a:rPr>
+              <a:t>« </a:t>
+            </a:r>
+            <a:r>
+              <a:rPr lang="fr-CA" sz="5400" dirty="0" err="1">
+                <a:solidFill>
+                  <a:srgbClr val="FFFFFF"/>
+                </a:solidFill>
+              </a:rPr>
+              <a:t>absolute</a:t>
+            </a:r>
+            <a:r>
+              <a:rPr lang="fr-CA" sz="5400" dirty="0">
+                <a:solidFill>
+                  <a:srgbClr val="FFFFFF"/>
+                </a:solidFill>
+              </a:rPr>
+              <a:t> vs relative »</a:t>
+            </a:r>
+            <a:endParaRPr lang="en-US" sz="5400" dirty="0">
+              <a:solidFill>
+                <a:srgbClr val="FFFFFF"/>
+              </a:solidFill>
+            </a:endParaRPr>
+          </a:p>
+        </p:txBody>
+      </p:sp>
+      <p:pic>
+        <p:nvPicPr>
+          <p:cNvPr id="4" name="Image 3">
+            <a:extLst>
+              <a:ext uri="{FF2B5EF4-FFF2-40B4-BE49-F238E27FC236}">
+                <a16:creationId xmlns:a16="http://schemas.microsoft.com/office/drawing/2014/main" id="{A95AAEAF-FBFC-43A9-A831-4C5B04EDC7B7}"/>
+              </a:ext>
+            </a:extLst>
+          </p:cNvPr>
+          <p:cNvPicPr>
+            <a:picLocks noChangeAspect="1"/>
+          </p:cNvPicPr>
+          <p:nvPr/>
+        </p:nvPicPr>
+        <p:blipFill>
+          <a:blip r:embed="rId2"/>
+          <a:stretch>
+            <a:fillRect/>
+          </a:stretch>
+        </p:blipFill>
+        <p:spPr>
+          <a:xfrm>
+            <a:off x="1250701" y="344399"/>
+            <a:ext cx="3895725" cy="3924300"/>
+          </a:xfrm>
+          <a:prstGeom prst="rect">
+            <a:avLst/>
+          </a:prstGeom>
+        </p:spPr>
+      </p:pic>
+      <p:pic>
+        <p:nvPicPr>
+          <p:cNvPr id="5" name="Image 4">
+            <a:extLst>
+              <a:ext uri="{FF2B5EF4-FFF2-40B4-BE49-F238E27FC236}">
+                <a16:creationId xmlns:a16="http://schemas.microsoft.com/office/drawing/2014/main" id="{3AB3E0CB-8872-4FC1-A2E4-7941084F4046}"/>
+              </a:ext>
+            </a:extLst>
+          </p:cNvPr>
+          <p:cNvPicPr>
+            <a:picLocks noChangeAspect="1"/>
+          </p:cNvPicPr>
+          <p:nvPr/>
+        </p:nvPicPr>
+        <p:blipFill>
+          <a:blip r:embed="rId3"/>
+          <a:stretch>
+            <a:fillRect/>
+          </a:stretch>
+        </p:blipFill>
+        <p:spPr>
+          <a:xfrm>
+            <a:off x="6096000" y="344399"/>
+            <a:ext cx="6065390" cy="3550037"/>
+          </a:xfrm>
+          <a:prstGeom prst="rect">
+            <a:avLst/>
+          </a:prstGeom>
+        </p:spPr>
+      </p:pic>
+    </p:spTree>
+    <p:extLst>
+      <p:ext uri="{BB962C8B-B14F-4D97-AF65-F5344CB8AC3E}">
+        <p14:creationId xmlns:p14="http://schemas.microsoft.com/office/powerpoint/2010/main" val="936909282"/>
+      </p:ext>
+    </p:extLst>
+  </p:cSld>
+  <p:clrMapOvr>
+    <a:masterClrMapping/>
+  </p:clrMapOvr>
+</p:sld>
+</file>
+
+<file path=ppt/slides/slide28.xml><?xml version="1.0" encoding="utf-8"?>
+<p:sld xmlns:a="http://schemas.openxmlformats.org/drawingml/2006/main" xmlns:r="http://schemas.openxmlformats.org/officeDocument/2006/relationships" xmlns:p="http://schemas.openxmlformats.org/presentationml/2006/main">
+  <p:cSld>
+    <p:spTree>
+      <p:nvGrpSpPr>
+        <p:cNvPr id="1" name=""/>
+        <p:cNvGrpSpPr/>
+        <p:nvPr/>
+      </p:nvGrpSpPr>
+      <p:grpSpPr>
+        <a:xfrm>
+          <a:off x="0" y="0"/>
+          <a:ext cx="0" cy="0"/>
+          <a:chOff x="0" y="0"/>
+          <a:chExt cx="0" cy="0"/>
+        </a:xfrm>
+      </p:grpSpPr>
+      <p:sp>
+        <p:nvSpPr>
+          <p:cNvPr id="5" name="Titre 4">
+            <a:extLst>
+              <a:ext uri="{FF2B5EF4-FFF2-40B4-BE49-F238E27FC236}">
+                <a16:creationId xmlns:a16="http://schemas.microsoft.com/office/drawing/2014/main" id="{4906A919-D020-479A-AC5A-D9F539FF3D33}"/>
+              </a:ext>
+            </a:extLst>
+          </p:cNvPr>
+          <p:cNvSpPr>
+            <a:spLocks noGrp="1"/>
+          </p:cNvSpPr>
+          <p:nvPr>
+            <p:ph type="ctrTitle"/>
+          </p:nvPr>
+        </p:nvSpPr>
+        <p:spPr/>
+        <p:txBody>
+          <a:bodyPr/>
+          <a:lstStyle/>
+          <a:p>
+            <a:r>
+              <a:rPr lang="fr-CA" dirty="0"/>
+              <a:t>Exercice #2 (suite)</a:t>
+            </a:r>
+          </a:p>
+        </p:txBody>
+      </p:sp>
+      <p:sp>
+        <p:nvSpPr>
+          <p:cNvPr id="6" name="Sous-titre 5">
+            <a:extLst>
+              <a:ext uri="{FF2B5EF4-FFF2-40B4-BE49-F238E27FC236}">
+                <a16:creationId xmlns:a16="http://schemas.microsoft.com/office/drawing/2014/main" id="{D4E8AAF7-3291-42EF-8749-155B01266A3A}"/>
+              </a:ext>
+            </a:extLst>
+          </p:cNvPr>
+          <p:cNvSpPr>
+            <a:spLocks noGrp="1"/>
+          </p:cNvSpPr>
+          <p:nvPr>
+            <p:ph type="subTitle" idx="1"/>
+          </p:nvPr>
+        </p:nvSpPr>
+        <p:spPr/>
+        <p:txBody>
+          <a:bodyPr/>
+          <a:lstStyle/>
+          <a:p>
+            <a:r>
+              <a:rPr lang="fr-CA" dirty="0">
+                <a:latin typeface="Consolas" panose="020B0609020204030204" pitchFamily="49" charset="0"/>
+                <a:cs typeface="Consolas" panose="020B0609020204030204" pitchFamily="49" charset="0"/>
+              </a:rPr>
+              <a:t>Display, position et </a:t>
+            </a:r>
+            <a:r>
+              <a:rPr lang="fr-CA" dirty="0" err="1">
+                <a:latin typeface="Consolas" panose="020B0609020204030204" pitchFamily="49" charset="0"/>
+                <a:cs typeface="Consolas" panose="020B0609020204030204" pitchFamily="49" charset="0"/>
+              </a:rPr>
+              <a:t>visibility</a:t>
+            </a:r>
+            <a:endParaRPr lang="fr-CA" dirty="0">
+              <a:latin typeface="Consolas" panose="020B0609020204030204" pitchFamily="49" charset="0"/>
+              <a:cs typeface="Consolas" panose="020B0609020204030204" pitchFamily="49" charset="0"/>
+            </a:endParaRPr>
+          </a:p>
+        </p:txBody>
+      </p:sp>
+    </p:spTree>
+    <p:extLst>
+      <p:ext uri="{BB962C8B-B14F-4D97-AF65-F5344CB8AC3E}">
+        <p14:creationId xmlns:p14="http://schemas.microsoft.com/office/powerpoint/2010/main" val="1381595289"/>
+      </p:ext>
+    </p:extLst>
+  </p:cSld>
+  <p:clrMapOvr>
+    <a:masterClrMapping/>
+  </p:clrMapOvr>
+</p:sld>
+</file>
+
+<file path=ppt/slides/slide29.xml><?xml version="1.0" encoding="utf-8"?>
+<p:sld xmlns:a="http://schemas.openxmlformats.org/drawingml/2006/main" xmlns:r="http://schemas.openxmlformats.org/officeDocument/2006/relationships" xmlns:p="http://schemas.openxmlformats.org/presentationml/2006/main">
+  <p:cSld>
+    <p:bg>
+      <p:bgPr>
+        <a:solidFill>
+          <a:schemeClr val="bg1"/>
+        </a:solidFill>
+        <a:effectLst/>
+      </p:bgPr>
+    </p:bg>
+    <p:spTree>
+      <p:nvGrpSpPr>
+        <p:cNvPr id="1" name=""/>
+        <p:cNvGrpSpPr/>
+        <p:nvPr/>
+      </p:nvGrpSpPr>
+      <p:grpSpPr>
+        <a:xfrm>
+          <a:off x="0" y="0"/>
+          <a:ext cx="0" cy="0"/>
+          <a:chOff x="0" y="0"/>
+          <a:chExt cx="0" cy="0"/>
+        </a:xfrm>
+      </p:grpSpPr>
+      <p:sp>
+        <p:nvSpPr>
+          <p:cNvPr id="11" name="Rectangle 10">
+            <a:extLst>
+              <a:ext uri="{FF2B5EF4-FFF2-40B4-BE49-F238E27FC236}">
+                <a16:creationId xmlns:a16="http://schemas.microsoft.com/office/drawing/2014/main" id="{AD812D85-1A73-4B3F-9942-EA3421A28958}"/>
+              </a:ext>
+            </a:extLst>
+          </p:cNvPr>
+          <p:cNvSpPr>
+            <a:spLocks noGrp="1" noRot="1" noChangeAspect="1" noMove="1" noResize="1" noEditPoints="1" noAdjustHandles="1" noChangeArrowheads="1" noChangeShapeType="1" noTextEdit="1"/>
+          </p:cNvSpPr>
+          <p:nvPr>
+            <p:extLst>
+              <p:ext uri="{386F3935-93C4-4BCD-93E2-E3B085C9AB24}">
+                <p16:designElem xmlns:p16="http://schemas.microsoft.com/office/powerpoint/2015/main" val="1"/>
+              </p:ext>
+            </p:extLst>
+          </p:nvPr>
+        </p:nvSpPr>
+        <p:spPr>
+          <a:xfrm>
+            <a:off x="478135" y="476778"/>
+            <a:ext cx="7212450" cy="5920653"/>
+          </a:xfrm>
+          <a:prstGeom prst="rect">
+            <a:avLst/>
+          </a:prstGeom>
+          <a:solidFill>
+            <a:schemeClr val="accent1"/>
+          </a:solidFill>
+          <a:ln>
+            <a:noFill/>
+          </a:ln>
+        </p:spPr>
+        <p:style>
+          <a:lnRef idx="1">
+            <a:schemeClr val="accent1"/>
+          </a:lnRef>
+          <a:fillRef idx="3">
+            <a:schemeClr val="accent1"/>
+          </a:fillRef>
+          <a:effectRef idx="2">
+            <a:schemeClr val="accent1"/>
+          </a:effectRef>
+          <a:fontRef idx="minor">
+            <a:schemeClr val="lt1"/>
+          </a:fontRef>
+        </p:style>
+        <p:txBody>
+          <a:bodyPr rtlCol="0" anchor="ctr"/>
+          <a:lstStyle/>
+          <a:p>
+            <a:pPr algn="ctr"/>
+            <a:endParaRPr lang="en-US"/>
+          </a:p>
+        </p:txBody>
+      </p:sp>
+      <p:cxnSp>
+        <p:nvCxnSpPr>
+          <p:cNvPr id="13" name="Straight Connector 12">
+            <a:extLst>
+              <a:ext uri="{FF2B5EF4-FFF2-40B4-BE49-F238E27FC236}">
+                <a16:creationId xmlns:a16="http://schemas.microsoft.com/office/drawing/2014/main" id="{0235ADA5-5364-456A-A990-E53F604378F9}"/>
+              </a:ext>
+            </a:extLst>
+          </p:cNvPr>
+          <p:cNvCxnSpPr>
+            <a:cxnSpLocks noGrp="1" noRot="1" noChangeAspect="1" noMove="1" noResize="1" noEditPoints="1" noAdjustHandles="1" noChangeArrowheads="1" noChangeShapeType="1"/>
+          </p:cNvCxnSpPr>
+          <p:nvPr>
+            <p:extLst>
+              <p:ext uri="{386F3935-93C4-4BCD-93E2-E3B085C9AB24}">
+                <p16:designElem xmlns:p16="http://schemas.microsoft.com/office/powerpoint/2015/main" val="1"/>
+              </p:ext>
+            </p:extLst>
+          </p:nvPr>
+        </p:nvCxnSpPr>
+        <p:spPr>
+          <a:xfrm>
+            <a:off x="3230880" y="4424906"/>
+            <a:ext cx="3657600" cy="0"/>
+          </a:xfrm>
+          <a:prstGeom prst="line">
+            <a:avLst/>
+          </a:prstGeom>
+          <a:ln w="19050">
+            <a:solidFill>
+              <a:srgbClr val="FFFFFF">
+                <a:alpha val="80000"/>
+              </a:srgbClr>
+            </a:solidFill>
+          </a:ln>
+        </p:spPr>
+        <p:style>
+          <a:lnRef idx="1">
+            <a:schemeClr val="accent1"/>
+          </a:lnRef>
+          <a:fillRef idx="0">
+            <a:schemeClr val="accent1"/>
+          </a:fillRef>
+          <a:effectRef idx="0">
+            <a:schemeClr val="accent1"/>
+          </a:effectRef>
+          <a:fontRef idx="minor">
+            <a:schemeClr val="tx1"/>
+          </a:fontRef>
+        </p:style>
+      </p:cxnSp>
+      <p:sp>
+        <p:nvSpPr>
+          <p:cNvPr id="15" name="Rectangle 14">
+            <a:extLst>
+              <a:ext uri="{FF2B5EF4-FFF2-40B4-BE49-F238E27FC236}">
+                <a16:creationId xmlns:a16="http://schemas.microsoft.com/office/drawing/2014/main" id="{FCA36376-A222-465D-BC66-44777DE120CC}"/>
+              </a:ext>
+            </a:extLst>
+          </p:cNvPr>
+          <p:cNvSpPr>
+            <a:spLocks noGrp="1" noRot="1" noChangeAspect="1" noMove="1" noResize="1" noEditPoints="1" noAdjustHandles="1" noChangeArrowheads="1" noChangeShapeType="1" noTextEdit="1"/>
+          </p:cNvSpPr>
+          <p:nvPr>
+            <p:extLst>
+              <p:ext uri="{386F3935-93C4-4BCD-93E2-E3B085C9AB24}">
+                <p16:designElem xmlns:p16="http://schemas.microsoft.com/office/powerpoint/2015/main" val="1"/>
+              </p:ext>
+            </p:extLst>
+          </p:nvPr>
+        </p:nvSpPr>
+        <p:spPr>
+          <a:xfrm>
+            <a:off x="7851452" y="476778"/>
+            <a:ext cx="3864383" cy="5920653"/>
+          </a:xfrm>
+          <a:prstGeom prst="rect">
+            <a:avLst/>
+          </a:prstGeom>
+          <a:solidFill>
+            <a:schemeClr val="bg2">
+              <a:lumMod val="90000"/>
+            </a:schemeClr>
+          </a:solidFill>
+          <a:ln>
+            <a:noFill/>
+          </a:ln>
+        </p:spPr>
+        <p:style>
+          <a:lnRef idx="2">
+            <a:schemeClr val="accent1">
+              <a:shade val="50000"/>
+            </a:schemeClr>
+          </a:lnRef>
+          <a:fillRef idx="1">
+            <a:schemeClr val="accent1"/>
+          </a:fillRef>
+          <a:effectRef idx="0">
+            <a:schemeClr val="accent1"/>
+          </a:effectRef>
+          <a:fontRef idx="minor">
+            <a:schemeClr val="lt1"/>
+          </a:fontRef>
+        </p:style>
+        <p:txBody>
+          <a:bodyPr rtlCol="0" anchor="ctr"/>
+          <a:lstStyle/>
+          <a:p>
+            <a:pPr algn="ctr"/>
+            <a:endParaRPr lang="en-US"/>
+          </a:p>
+        </p:txBody>
+      </p:sp>
       <p:sp>
         <p:nvSpPr>
           <p:cNvPr id="5" name="Titre 4">
@@ -14937,7 +13971,7 @@
 </p:sld>
 </file>
 
-<file path=ppt/slides/slide23.xml><?xml version="1.0" encoding="utf-8"?>
+<file path=ppt/slides/slide3.xml><?xml version="1.0" encoding="utf-8"?>
 <p:sld xmlns:a="http://schemas.openxmlformats.org/drawingml/2006/main" xmlns:r="http://schemas.openxmlformats.org/officeDocument/2006/relationships" xmlns:p="http://schemas.openxmlformats.org/presentationml/2006/main">
   <p:cSld>
     <p:spTree>
@@ -14959,7 +13993,7 @@
           <p:cNvPr id="2" name="Titre 1">
             <a:extLst>
               <a:ext uri="{FF2B5EF4-FFF2-40B4-BE49-F238E27FC236}">
-                <a16:creationId xmlns:a16="http://schemas.microsoft.com/office/drawing/2014/main" id="{8707E2C9-70AC-4F6C-B4DD-30D294D55AB8}"/>
+                <a16:creationId xmlns:a16="http://schemas.microsoft.com/office/drawing/2014/main" id="{2568979B-42D7-4F7A-8480-B0D5AA66FAC9}"/>
               </a:ext>
             </a:extLst>
           </p:cNvPr>
@@ -14967,32 +14001,27 @@
             <a:spLocks noGrp="1"/>
           </p:cNvSpPr>
           <p:nvPr>
-            <p:ph type="ctrTitle"/>
+            <p:ph type="title"/>
           </p:nvPr>
         </p:nvSpPr>
-        <p:spPr>
-          <a:xfrm>
-            <a:off x="1524000" y="1122363"/>
-            <a:ext cx="9144000" cy="2387600"/>
-          </a:xfrm>
-        </p:spPr>
+        <p:spPr/>
         <p:txBody>
           <a:bodyPr/>
           <a:lstStyle/>
           <a:p>
             <a:r>
               <a:rPr lang="fr-CA" dirty="0"/>
-              <a:t>Bonnes pratiques</a:t>
+              <a:t>Qui suis-je?</a:t>
             </a:r>
           </a:p>
         </p:txBody>
       </p:sp>
       <p:sp>
         <p:nvSpPr>
-          <p:cNvPr id="3" name="Sous-titre 2">
+          <p:cNvPr id="3" name="Espace réservé du contenu 2">
             <a:extLst>
               <a:ext uri="{FF2B5EF4-FFF2-40B4-BE49-F238E27FC236}">
-                <a16:creationId xmlns:a16="http://schemas.microsoft.com/office/drawing/2014/main" id="{49E0A603-5B7F-4E0E-9CB6-936FB4236AD2}"/>
+                <a16:creationId xmlns:a16="http://schemas.microsoft.com/office/drawing/2014/main" id="{1174FFCB-81FE-4A5E-AFE8-D1ED56E48199}"/>
               </a:ext>
             </a:extLst>
           </p:cNvPr>
@@ -15000,85 +14029,118 @@
             <a:spLocks noGrp="1"/>
           </p:cNvSpPr>
           <p:nvPr>
-            <p:ph type="subTitle" idx="1"/>
+            <p:ph idx="1"/>
           </p:nvPr>
         </p:nvSpPr>
         <p:spPr>
           <a:xfrm>
-            <a:off x="1524000" y="3602038"/>
-            <a:ext cx="9144000" cy="1655762"/>
+            <a:off x="838200" y="1798992"/>
+            <a:ext cx="7107315" cy="4351338"/>
           </a:xfrm>
         </p:spPr>
         <p:txBody>
-          <a:bodyPr>
-            <a:normAutofit fontScale="92500"/>
-          </a:bodyPr>
+          <a:bodyPr/>
           <a:lstStyle/>
           <a:p>
-            <a:pPr marL="457200" indent="-457200" algn="l">
-              <a:buFont typeface="+mj-lt"/>
-              <a:buAutoNum type="arabicPeriod"/>
-            </a:pPr>
             <a:r>
               <a:rPr lang="fr-CA" dirty="0"/>
-              <a:t>Valider : </a:t>
-            </a:r>
-            <a:r>
-              <a:rPr lang="fr-CA" dirty="0">
-                <a:hlinkClick r:id="rId2"/>
-              </a:rPr>
-              <a:t>https://validator.w3.org/</a:t>
-            </a:r>
+              <a:t>Coprésident et cofondateur (1 an)</a:t>
+            </a:r>
+          </a:p>
+          <a:p>
             <a:r>
               <a:rPr lang="fr-CA" dirty="0"/>
-              <a:t> </a:t>
-            </a:r>
-          </a:p>
-          <a:p>
-            <a:pPr marL="457200" indent="-457200" algn="l">
-              <a:buFont typeface="+mj-lt"/>
-              <a:buAutoNum type="arabicPeriod"/>
-            </a:pPr>
+              <a:t>Architecte organique (2+ ans)</a:t>
+            </a:r>
+          </a:p>
+          <a:p>
             <a:r>
               <a:rPr lang="fr-CA" dirty="0"/>
-              <a:t>Références des balises : </a:t>
-            </a:r>
-            <a:r>
-              <a:rPr lang="fr-CA" dirty="0">
-                <a:hlinkClick r:id="rId3"/>
-              </a:rPr>
-              <a:t>https://www.w3schools.com/tags/default.asp</a:t>
-            </a:r>
-            <a:endParaRPr lang="fr-CA" dirty="0"/>
-          </a:p>
-          <a:p>
-            <a:pPr marL="457200" indent="-457200" algn="l">
-              <a:buFont typeface="+mj-lt"/>
-              <a:buAutoNum type="arabicPeriod"/>
-            </a:pPr>
+              <a:t>Développeur Full-Stack (6+ ans)</a:t>
+            </a:r>
+          </a:p>
+          <a:p>
             <a:r>
               <a:rPr lang="fr-CA" dirty="0"/>
-              <a:t>Documentation : </a:t>
-            </a:r>
-            <a:r>
-              <a:rPr lang="fr-CA" dirty="0">
-                <a:hlinkClick r:id="rId4"/>
-              </a:rPr>
-              <a:t>https://developer.mozilla.org/en-US/docs/Web/HTML</a:t>
-            </a:r>
+              <a:t>Spécialisation en Web</a:t>
+            </a:r>
+          </a:p>
+          <a:p>
+            <a:pPr lvl="1"/>
             <a:r>
               <a:rPr lang="fr-CA" dirty="0"/>
-              <a:t> </a:t>
+              <a:t>Java, C#, PHP, JavaScript, </a:t>
+            </a:r>
+            <a:r>
+              <a:rPr lang="fr-CA" dirty="0" err="1"/>
+              <a:t>TypeScript</a:t>
+            </a:r>
+            <a:r>
+              <a:rPr lang="fr-CA" dirty="0"/>
+              <a:t>, Ruby on Rails, CSS3, HTML5</a:t>
+            </a:r>
+          </a:p>
+          <a:p>
+            <a:r>
+              <a:rPr lang="fr-CA" i="1" dirty="0"/>
+              <a:t>Coach</a:t>
+            </a:r>
+            <a:r>
+              <a:rPr lang="fr-CA" dirty="0"/>
+              <a:t> technique et formateur</a:t>
+            </a:r>
+          </a:p>
+          <a:p>
+            <a:pPr lvl="1"/>
+            <a:r>
+              <a:rPr lang="fr-CA" dirty="0"/>
+              <a:t>Bonnes pratiques, code propre, architecture propre, principes OO avancés</a:t>
             </a:r>
           </a:p>
         </p:txBody>
       </p:sp>
+      <p:pic>
+        <p:nvPicPr>
+          <p:cNvPr id="5" name="Image 4">
+            <a:extLst>
+              <a:ext uri="{FF2B5EF4-FFF2-40B4-BE49-F238E27FC236}">
+                <a16:creationId xmlns:a16="http://schemas.microsoft.com/office/drawing/2014/main" id="{0DF294AB-DB58-426F-8F23-E8D5F3CEA80D}"/>
+              </a:ext>
+            </a:extLst>
+          </p:cNvPr>
+          <p:cNvPicPr>
+            <a:picLocks noChangeAspect="1"/>
+          </p:cNvPicPr>
+          <p:nvPr/>
+        </p:nvPicPr>
+        <p:blipFill>
+          <a:blip r:embed="rId2">
+            <a:extLst>
+              <a:ext uri="{28A0092B-C50C-407E-A947-70E740481C1C}">
+                <a14:useLocalDpi xmlns:a14="http://schemas.microsoft.com/office/drawing/2010/main" val="0"/>
+              </a:ext>
+            </a:extLst>
+          </a:blip>
+          <a:stretch>
+            <a:fillRect/>
+          </a:stretch>
+        </p:blipFill>
+        <p:spPr>
+          <a:xfrm>
+            <a:off x="7945515" y="1267603"/>
+            <a:ext cx="3175130" cy="4233507"/>
+          </a:xfrm>
+          <a:prstGeom prst="rect">
+            <a:avLst/>
+          </a:prstGeom>
+        </p:spPr>
+      </p:pic>
       <p:sp>
         <p:nvSpPr>
-          <p:cNvPr id="4" name="ZoneTexte 3">
+          <p:cNvPr id="6" name="ZoneTexte 5">
             <a:extLst>
               <a:ext uri="{FF2B5EF4-FFF2-40B4-BE49-F238E27FC236}">
-                <a16:creationId xmlns:a16="http://schemas.microsoft.com/office/drawing/2014/main" id="{919F33AF-C187-4CE4-90A4-5765A078AF05}"/>
+                <a16:creationId xmlns:a16="http://schemas.microsoft.com/office/drawing/2014/main" id="{86154FAF-CACE-42BB-9846-549EAB3A534E}"/>
               </a:ext>
             </a:extLst>
           </p:cNvPr>
@@ -15087,8 +14149,8 @@
         </p:nvSpPr>
         <p:spPr>
           <a:xfrm>
-            <a:off x="4471581" y="5592865"/>
-            <a:ext cx="3248838" cy="369332"/>
+            <a:off x="8256159" y="5501110"/>
+            <a:ext cx="2553841" cy="369332"/>
           </a:xfrm>
           <a:prstGeom prst="rect">
             <a:avLst/>
@@ -15103,15 +14165,20 @@
           <a:p>
             <a:r>
               <a:rPr lang="fr-CA" dirty="0"/>
-              <a:t>Toujours valider la compatibilité!</a:t>
-            </a:r>
+              <a:t>Sylvain Cloutier – Ezo </a:t>
+            </a:r>
+            <a:r>
+              <a:rPr lang="fr-CA" dirty="0" err="1"/>
+              <a:t>inc.</a:t>
+            </a:r>
+            <a:endParaRPr lang="fr-CA" dirty="0"/>
           </a:p>
         </p:txBody>
       </p:sp>
     </p:spTree>
     <p:extLst>
       <p:ext uri="{BB962C8B-B14F-4D97-AF65-F5344CB8AC3E}">
-        <p14:creationId xmlns:p14="http://schemas.microsoft.com/office/powerpoint/2010/main" val="4036208706"/>
+        <p14:creationId xmlns:p14="http://schemas.microsoft.com/office/powerpoint/2010/main" val="969844067"/>
       </p:ext>
     </p:extLst>
   </p:cSld>
@@ -15121,7 +14188,7 @@
 </p:sld>
 </file>
 
-<file path=ppt/slides/slide24.xml><?xml version="1.0" encoding="utf-8"?>
+<file path=ppt/slides/slide30.xml><?xml version="1.0" encoding="utf-8"?>
 <p:sld xmlns:a="http://schemas.openxmlformats.org/drawingml/2006/main" xmlns:r="http://schemas.openxmlformats.org/officeDocument/2006/relationships" xmlns:p="http://schemas.openxmlformats.org/presentationml/2006/main">
   <p:cSld>
     <p:spTree>
@@ -15156,6 +14223,190 @@
         </p:nvSpPr>
         <p:spPr>
           <a:xfrm>
+            <a:off x="1524000" y="1122363"/>
+            <a:ext cx="9144000" cy="2387600"/>
+          </a:xfrm>
+        </p:spPr>
+        <p:txBody>
+          <a:bodyPr/>
+          <a:lstStyle/>
+          <a:p>
+            <a:r>
+              <a:rPr lang="fr-CA" dirty="0"/>
+              <a:t>Bonnes pratiques</a:t>
+            </a:r>
+          </a:p>
+        </p:txBody>
+      </p:sp>
+      <p:sp>
+        <p:nvSpPr>
+          <p:cNvPr id="3" name="Sous-titre 2">
+            <a:extLst>
+              <a:ext uri="{FF2B5EF4-FFF2-40B4-BE49-F238E27FC236}">
+                <a16:creationId xmlns:a16="http://schemas.microsoft.com/office/drawing/2014/main" id="{49E0A603-5B7F-4E0E-9CB6-936FB4236AD2}"/>
+              </a:ext>
+            </a:extLst>
+          </p:cNvPr>
+          <p:cNvSpPr>
+            <a:spLocks noGrp="1"/>
+          </p:cNvSpPr>
+          <p:nvPr>
+            <p:ph type="subTitle" idx="1"/>
+          </p:nvPr>
+        </p:nvSpPr>
+        <p:spPr>
+          <a:xfrm>
+            <a:off x="1524000" y="3602038"/>
+            <a:ext cx="9144000" cy="1655762"/>
+          </a:xfrm>
+        </p:spPr>
+        <p:txBody>
+          <a:bodyPr>
+            <a:normAutofit fontScale="92500"/>
+          </a:bodyPr>
+          <a:lstStyle/>
+          <a:p>
+            <a:pPr marL="457200" indent="-457200" algn="l">
+              <a:buFont typeface="+mj-lt"/>
+              <a:buAutoNum type="arabicPeriod"/>
+            </a:pPr>
+            <a:r>
+              <a:rPr lang="fr-CA" dirty="0"/>
+              <a:t>Valider : </a:t>
+            </a:r>
+            <a:r>
+              <a:rPr lang="fr-CA" dirty="0">
+                <a:hlinkClick r:id="rId2"/>
+              </a:rPr>
+              <a:t>https://validator.w3.org/</a:t>
+            </a:r>
+            <a:r>
+              <a:rPr lang="fr-CA" dirty="0"/>
+              <a:t> </a:t>
+            </a:r>
+          </a:p>
+          <a:p>
+            <a:pPr marL="457200" indent="-457200" algn="l">
+              <a:buFont typeface="+mj-lt"/>
+              <a:buAutoNum type="arabicPeriod"/>
+            </a:pPr>
+            <a:r>
+              <a:rPr lang="fr-CA" dirty="0"/>
+              <a:t>Références des balises : </a:t>
+            </a:r>
+            <a:r>
+              <a:rPr lang="fr-CA" dirty="0">
+                <a:hlinkClick r:id="rId3"/>
+              </a:rPr>
+              <a:t>https://www.w3schools.com/tags/default.asp</a:t>
+            </a:r>
+            <a:endParaRPr lang="fr-CA" dirty="0"/>
+          </a:p>
+          <a:p>
+            <a:pPr marL="457200" indent="-457200" algn="l">
+              <a:buFont typeface="+mj-lt"/>
+              <a:buAutoNum type="arabicPeriod"/>
+            </a:pPr>
+            <a:r>
+              <a:rPr lang="fr-CA" dirty="0"/>
+              <a:t>Documentation : </a:t>
+            </a:r>
+            <a:r>
+              <a:rPr lang="fr-CA" dirty="0">
+                <a:hlinkClick r:id="rId4"/>
+              </a:rPr>
+              <a:t>https://developer.mozilla.org/en-US/docs/Web/HTML</a:t>
+            </a:r>
+            <a:r>
+              <a:rPr lang="fr-CA" dirty="0"/>
+              <a:t> </a:t>
+            </a:r>
+          </a:p>
+        </p:txBody>
+      </p:sp>
+      <p:sp>
+        <p:nvSpPr>
+          <p:cNvPr id="4" name="ZoneTexte 3">
+            <a:extLst>
+              <a:ext uri="{FF2B5EF4-FFF2-40B4-BE49-F238E27FC236}">
+                <a16:creationId xmlns:a16="http://schemas.microsoft.com/office/drawing/2014/main" id="{919F33AF-C187-4CE4-90A4-5765A078AF05}"/>
+              </a:ext>
+            </a:extLst>
+          </p:cNvPr>
+          <p:cNvSpPr txBox="1"/>
+          <p:nvPr/>
+        </p:nvSpPr>
+        <p:spPr>
+          <a:xfrm>
+            <a:off x="4471581" y="5592865"/>
+            <a:ext cx="3248838" cy="369332"/>
+          </a:xfrm>
+          <a:prstGeom prst="rect">
+            <a:avLst/>
+          </a:prstGeom>
+          <a:noFill/>
+        </p:spPr>
+        <p:txBody>
+          <a:bodyPr wrap="none" rtlCol="0">
+            <a:spAutoFit/>
+          </a:bodyPr>
+          <a:lstStyle/>
+          <a:p>
+            <a:r>
+              <a:rPr lang="fr-CA" dirty="0"/>
+              <a:t>Toujours valider la compatibilité!</a:t>
+            </a:r>
+          </a:p>
+        </p:txBody>
+      </p:sp>
+    </p:spTree>
+    <p:extLst>
+      <p:ext uri="{BB962C8B-B14F-4D97-AF65-F5344CB8AC3E}">
+        <p14:creationId xmlns:p14="http://schemas.microsoft.com/office/powerpoint/2010/main" val="4036208706"/>
+      </p:ext>
+    </p:extLst>
+  </p:cSld>
+  <p:clrMapOvr>
+    <a:masterClrMapping/>
+  </p:clrMapOvr>
+</p:sld>
+</file>
+
+<file path=ppt/slides/slide31.xml><?xml version="1.0" encoding="utf-8"?>
+<p:sld xmlns:a="http://schemas.openxmlformats.org/drawingml/2006/main" xmlns:r="http://schemas.openxmlformats.org/officeDocument/2006/relationships" xmlns:p="http://schemas.openxmlformats.org/presentationml/2006/main">
+  <p:cSld>
+    <p:spTree>
+      <p:nvGrpSpPr>
+        <p:cNvPr id="1" name=""/>
+        <p:cNvGrpSpPr/>
+        <p:nvPr/>
+      </p:nvGrpSpPr>
+      <p:grpSpPr>
+        <a:xfrm>
+          <a:off x="0" y="0"/>
+          <a:ext cx="0" cy="0"/>
+          <a:chOff x="0" y="0"/>
+          <a:chExt cx="0" cy="0"/>
+        </a:xfrm>
+      </p:grpSpPr>
+      <p:sp>
+        <p:nvSpPr>
+          <p:cNvPr id="2" name="Titre 1">
+            <a:extLst>
+              <a:ext uri="{FF2B5EF4-FFF2-40B4-BE49-F238E27FC236}">
+                <a16:creationId xmlns:a16="http://schemas.microsoft.com/office/drawing/2014/main" id="{8707E2C9-70AC-4F6C-B4DD-30D294D55AB8}"/>
+              </a:ext>
+            </a:extLst>
+          </p:cNvPr>
+          <p:cNvSpPr>
+            <a:spLocks noGrp="1"/>
+          </p:cNvSpPr>
+          <p:nvPr>
+            <p:ph type="ctrTitle"/>
+          </p:nvPr>
+        </p:nvSpPr>
+        <p:spPr>
+          <a:xfrm>
             <a:off x="1524000" y="-359928"/>
             <a:ext cx="9144000" cy="2387600"/>
           </a:xfrm>
@@ -15301,7 +14552,7 @@
 </p:sld>
 </file>
 
-<file path=ppt/slides/slide25.xml><?xml version="1.0" encoding="utf-8"?>
+<file path=ppt/slides/slide32.xml><?xml version="1.0" encoding="utf-8"?>
 <p:sld xmlns:a="http://schemas.openxmlformats.org/drawingml/2006/main" xmlns:r="http://schemas.openxmlformats.org/officeDocument/2006/relationships" xmlns:p="http://schemas.openxmlformats.org/presentationml/2006/main">
   <p:cSld>
     <p:bg>
@@ -15503,7 +14754,7 @@
 </p:sld>
 </file>
 
-<file path=ppt/slides/slide26.xml><?xml version="1.0" encoding="utf-8"?>
+<file path=ppt/slides/slide33.xml><?xml version="1.0" encoding="utf-8"?>
 <p:sld xmlns:a="http://schemas.openxmlformats.org/drawingml/2006/main" xmlns:r="http://schemas.openxmlformats.org/officeDocument/2006/relationships" xmlns:p="http://schemas.openxmlformats.org/presentationml/2006/main">
   <p:cSld>
     <p:spTree>
@@ -15592,7 +14843,7 @@
 </p:sld>
 </file>
 
-<file path=ppt/slides/slide27.xml><?xml version="1.0" encoding="utf-8"?>
+<file path=ppt/slides/slide34.xml><?xml version="1.0" encoding="utf-8"?>
 <p:sld xmlns:a="http://schemas.openxmlformats.org/drawingml/2006/main" xmlns:r="http://schemas.openxmlformats.org/officeDocument/2006/relationships" xmlns:p="http://schemas.openxmlformats.org/presentationml/2006/main">
   <p:cSld>
     <p:bg>
@@ -15840,223 +15091,6 @@
   </p:cSld>
   <p:clrMapOvr>
     <a:overrideClrMapping bg1="dk1" tx1="lt1" bg2="dk2" tx2="lt2" accent1="accent1" accent2="accent2" accent3="accent3" accent4="accent4" accent5="accent5" accent6="accent6" hlink="hlink" folHlink="folHlink"/>
-  </p:clrMapOvr>
-</p:sld>
-</file>
-
-<file path=ppt/slides/slide3.xml><?xml version="1.0" encoding="utf-8"?>
-<p:sld xmlns:a="http://schemas.openxmlformats.org/drawingml/2006/main" xmlns:r="http://schemas.openxmlformats.org/officeDocument/2006/relationships" xmlns:p="http://schemas.openxmlformats.org/presentationml/2006/main">
-  <p:cSld>
-    <p:spTree>
-      <p:nvGrpSpPr>
-        <p:cNvPr id="1" name=""/>
-        <p:cNvGrpSpPr/>
-        <p:nvPr/>
-      </p:nvGrpSpPr>
-      <p:grpSpPr>
-        <a:xfrm>
-          <a:off x="0" y="0"/>
-          <a:ext cx="0" cy="0"/>
-          <a:chOff x="0" y="0"/>
-          <a:chExt cx="0" cy="0"/>
-        </a:xfrm>
-      </p:grpSpPr>
-      <p:sp>
-        <p:nvSpPr>
-          <p:cNvPr id="2" name="Titre 1">
-            <a:extLst>
-              <a:ext uri="{FF2B5EF4-FFF2-40B4-BE49-F238E27FC236}">
-                <a16:creationId xmlns:a16="http://schemas.microsoft.com/office/drawing/2014/main" id="{2568979B-42D7-4F7A-8480-B0D5AA66FAC9}"/>
-              </a:ext>
-            </a:extLst>
-          </p:cNvPr>
-          <p:cNvSpPr>
-            <a:spLocks noGrp="1"/>
-          </p:cNvSpPr>
-          <p:nvPr>
-            <p:ph type="title"/>
-          </p:nvPr>
-        </p:nvSpPr>
-        <p:spPr/>
-        <p:txBody>
-          <a:bodyPr/>
-          <a:lstStyle/>
-          <a:p>
-            <a:r>
-              <a:rPr lang="fr-CA" dirty="0"/>
-              <a:t>Qui suis-je?</a:t>
-            </a:r>
-          </a:p>
-        </p:txBody>
-      </p:sp>
-      <p:sp>
-        <p:nvSpPr>
-          <p:cNvPr id="3" name="Espace réservé du contenu 2">
-            <a:extLst>
-              <a:ext uri="{FF2B5EF4-FFF2-40B4-BE49-F238E27FC236}">
-                <a16:creationId xmlns:a16="http://schemas.microsoft.com/office/drawing/2014/main" id="{1174FFCB-81FE-4A5E-AFE8-D1ED56E48199}"/>
-              </a:ext>
-            </a:extLst>
-          </p:cNvPr>
-          <p:cNvSpPr>
-            <a:spLocks noGrp="1"/>
-          </p:cNvSpPr>
-          <p:nvPr>
-            <p:ph idx="1"/>
-          </p:nvPr>
-        </p:nvSpPr>
-        <p:spPr>
-          <a:xfrm>
-            <a:off x="838200" y="1798992"/>
-            <a:ext cx="7107315" cy="4351338"/>
-          </a:xfrm>
-        </p:spPr>
-        <p:txBody>
-          <a:bodyPr/>
-          <a:lstStyle/>
-          <a:p>
-            <a:r>
-              <a:rPr lang="fr-CA" dirty="0"/>
-              <a:t>Coprésident et cofondateur (1 an)</a:t>
-            </a:r>
-          </a:p>
-          <a:p>
-            <a:r>
-              <a:rPr lang="fr-CA" dirty="0"/>
-              <a:t>Architecte organique (2+ ans)</a:t>
-            </a:r>
-          </a:p>
-          <a:p>
-            <a:r>
-              <a:rPr lang="fr-CA" dirty="0"/>
-              <a:t>Développeur Full-Stack (6+ ans)</a:t>
-            </a:r>
-          </a:p>
-          <a:p>
-            <a:r>
-              <a:rPr lang="fr-CA" dirty="0"/>
-              <a:t>Spécialisation en Web</a:t>
-            </a:r>
-          </a:p>
-          <a:p>
-            <a:pPr lvl="1"/>
-            <a:r>
-              <a:rPr lang="fr-CA" dirty="0"/>
-              <a:t>Java, C#, PHP, JavaScript, </a:t>
-            </a:r>
-            <a:r>
-              <a:rPr lang="fr-CA" dirty="0" err="1"/>
-              <a:t>TypeScript</a:t>
-            </a:r>
-            <a:r>
-              <a:rPr lang="fr-CA" dirty="0"/>
-              <a:t>, Ruby on Rails, CSS3, HTML5</a:t>
-            </a:r>
-          </a:p>
-          <a:p>
-            <a:r>
-              <a:rPr lang="fr-CA" i="1" dirty="0"/>
-              <a:t>Coach</a:t>
-            </a:r>
-            <a:r>
-              <a:rPr lang="fr-CA" dirty="0"/>
-              <a:t> technique et formateur</a:t>
-            </a:r>
-          </a:p>
-          <a:p>
-            <a:pPr lvl="1"/>
-            <a:r>
-              <a:rPr lang="fr-CA" dirty="0"/>
-              <a:t>Bonnes pratiques, code propre, architecture propre, principes OO avancés</a:t>
-            </a:r>
-          </a:p>
-        </p:txBody>
-      </p:sp>
-      <p:pic>
-        <p:nvPicPr>
-          <p:cNvPr id="5" name="Image 4">
-            <a:extLst>
-              <a:ext uri="{FF2B5EF4-FFF2-40B4-BE49-F238E27FC236}">
-                <a16:creationId xmlns:a16="http://schemas.microsoft.com/office/drawing/2014/main" id="{0DF294AB-DB58-426F-8F23-E8D5F3CEA80D}"/>
-              </a:ext>
-            </a:extLst>
-          </p:cNvPr>
-          <p:cNvPicPr>
-            <a:picLocks noChangeAspect="1"/>
-          </p:cNvPicPr>
-          <p:nvPr/>
-        </p:nvPicPr>
-        <p:blipFill>
-          <a:blip r:embed="rId2">
-            <a:extLst>
-              <a:ext uri="{28A0092B-C50C-407E-A947-70E740481C1C}">
-                <a14:useLocalDpi xmlns:a14="http://schemas.microsoft.com/office/drawing/2010/main" val="0"/>
-              </a:ext>
-            </a:extLst>
-          </a:blip>
-          <a:stretch>
-            <a:fillRect/>
-          </a:stretch>
-        </p:blipFill>
-        <p:spPr>
-          <a:xfrm>
-            <a:off x="7945515" y="1267603"/>
-            <a:ext cx="3175130" cy="4233507"/>
-          </a:xfrm>
-          <a:prstGeom prst="rect">
-            <a:avLst/>
-          </a:prstGeom>
-        </p:spPr>
-      </p:pic>
-      <p:sp>
-        <p:nvSpPr>
-          <p:cNvPr id="6" name="ZoneTexte 5">
-            <a:extLst>
-              <a:ext uri="{FF2B5EF4-FFF2-40B4-BE49-F238E27FC236}">
-                <a16:creationId xmlns:a16="http://schemas.microsoft.com/office/drawing/2014/main" id="{86154FAF-CACE-42BB-9846-549EAB3A534E}"/>
-              </a:ext>
-            </a:extLst>
-          </p:cNvPr>
-          <p:cNvSpPr txBox="1"/>
-          <p:nvPr/>
-        </p:nvSpPr>
-        <p:spPr>
-          <a:xfrm>
-            <a:off x="8256159" y="5501110"/>
-            <a:ext cx="2553841" cy="369332"/>
-          </a:xfrm>
-          <a:prstGeom prst="rect">
-            <a:avLst/>
-          </a:prstGeom>
-          <a:noFill/>
-        </p:spPr>
-        <p:txBody>
-          <a:bodyPr wrap="none" rtlCol="0">
-            <a:spAutoFit/>
-          </a:bodyPr>
-          <a:lstStyle/>
-          <a:p>
-            <a:r>
-              <a:rPr lang="fr-CA" dirty="0"/>
-              <a:t>Sylvain Cloutier – Ezo </a:t>
-            </a:r>
-            <a:r>
-              <a:rPr lang="fr-CA" dirty="0" err="1"/>
-              <a:t>inc.</a:t>
-            </a:r>
-            <a:endParaRPr lang="fr-CA" dirty="0"/>
-          </a:p>
-        </p:txBody>
-      </p:sp>
-    </p:spTree>
-    <p:extLst>
-      <p:ext uri="{BB962C8B-B14F-4D97-AF65-F5344CB8AC3E}">
-        <p14:creationId xmlns:p14="http://schemas.microsoft.com/office/powerpoint/2010/main" val="969844067"/>
-      </p:ext>
-    </p:extLst>
-  </p:cSld>
-  <p:clrMapOvr>
-    <a:masterClrMapping/>
   </p:clrMapOvr>
 </p:sld>
 </file>
@@ -16132,7 +15166,7 @@
             <p:ph idx="1"/>
             <p:extLst>
               <p:ext uri="{D42A27DB-BD31-4B8C-83A1-F6EECF244321}">
-                <p14:modId xmlns:p14="http://schemas.microsoft.com/office/powerpoint/2010/main" val="2076155577"/>
+                <p14:modId xmlns:p14="http://schemas.microsoft.com/office/powerpoint/2010/main" val="1871313823"/>
               </p:ext>
             </p:extLst>
           </p:nvPr>

--- a/CSS/1. Présentation/Cours CSS - v1.0.pptx
+++ b/CSS/1. Présentation/Cours CSS - v1.0.pptx
@@ -5,7 +5,7 @@
     <p:sldMasterId id="2147483684" r:id="rId1"/>
   </p:sldMasterIdLst>
   <p:notesMasterIdLst>
-    <p:notesMasterId r:id="rId36"/>
+    <p:notesMasterId r:id="rId48"/>
   </p:notesMasterIdLst>
   <p:sldIdLst>
     <p:sldId id="256" r:id="rId2"/>
@@ -36,12 +36,24 @@
     <p:sldId id="356" r:id="rId27"/>
     <p:sldId id="357" r:id="rId28"/>
     <p:sldId id="358" r:id="rId29"/>
-    <p:sldId id="301" r:id="rId30"/>
-    <p:sldId id="321" r:id="rId31"/>
-    <p:sldId id="322" r:id="rId32"/>
-    <p:sldId id="335" r:id="rId33"/>
-    <p:sldId id="323" r:id="rId34"/>
-    <p:sldId id="336" r:id="rId35"/>
+    <p:sldId id="359" r:id="rId30"/>
+    <p:sldId id="362" r:id="rId31"/>
+    <p:sldId id="364" r:id="rId32"/>
+    <p:sldId id="365" r:id="rId33"/>
+    <p:sldId id="366" r:id="rId34"/>
+    <p:sldId id="367" r:id="rId35"/>
+    <p:sldId id="368" r:id="rId36"/>
+    <p:sldId id="369" r:id="rId37"/>
+    <p:sldId id="370" r:id="rId38"/>
+    <p:sldId id="371" r:id="rId39"/>
+    <p:sldId id="360" r:id="rId40"/>
+    <p:sldId id="372" r:id="rId41"/>
+    <p:sldId id="374" r:id="rId42"/>
+    <p:sldId id="361" r:id="rId43"/>
+    <p:sldId id="373" r:id="rId44"/>
+    <p:sldId id="323" r:id="rId45"/>
+    <p:sldId id="375" r:id="rId46"/>
+    <p:sldId id="336" r:id="rId47"/>
   </p:sldIdLst>
   <p:sldSz cx="12192000" cy="6858000"/>
   <p:notesSz cx="6858000" cy="9144000"/>
@@ -4484,90 +4496,6 @@
 </p:notesMaster>
 </file>
 
-<file path=ppt/notesSlides/notesSlide1.xml><?xml version="1.0" encoding="utf-8"?>
-<p:notes xmlns:a="http://schemas.openxmlformats.org/drawingml/2006/main" xmlns:r="http://schemas.openxmlformats.org/officeDocument/2006/relationships" xmlns:p="http://schemas.openxmlformats.org/presentationml/2006/main">
-  <p:cSld>
-    <p:spTree>
-      <p:nvGrpSpPr>
-        <p:cNvPr id="1" name=""/>
-        <p:cNvGrpSpPr/>
-        <p:nvPr/>
-      </p:nvGrpSpPr>
-      <p:grpSpPr>
-        <a:xfrm>
-          <a:off x="0" y="0"/>
-          <a:ext cx="0" cy="0"/>
-          <a:chOff x="0" y="0"/>
-          <a:chExt cx="0" cy="0"/>
-        </a:xfrm>
-      </p:grpSpPr>
-      <p:sp>
-        <p:nvSpPr>
-          <p:cNvPr id="2" name="Espace réservé de l'image des diapositives 1"/>
-          <p:cNvSpPr>
-            <a:spLocks noGrp="1" noRot="1" noChangeAspect="1"/>
-          </p:cNvSpPr>
-          <p:nvPr>
-            <p:ph type="sldImg"/>
-          </p:nvPr>
-        </p:nvSpPr>
-        <p:spPr/>
-      </p:sp>
-      <p:sp>
-        <p:nvSpPr>
-          <p:cNvPr id="3" name="Espace réservé des notes 2"/>
-          <p:cNvSpPr>
-            <a:spLocks noGrp="1"/>
-          </p:cNvSpPr>
-          <p:nvPr>
-            <p:ph type="body" idx="1"/>
-          </p:nvPr>
-        </p:nvSpPr>
-        <p:spPr/>
-        <p:txBody>
-          <a:bodyPr/>
-          <a:lstStyle/>
-          <a:p>
-            <a:endParaRPr lang="fr-CA" dirty="0"/>
-          </a:p>
-        </p:txBody>
-      </p:sp>
-      <p:sp>
-        <p:nvSpPr>
-          <p:cNvPr id="4" name="Espace réservé du numéro de diapositive 3"/>
-          <p:cNvSpPr>
-            <a:spLocks noGrp="1"/>
-          </p:cNvSpPr>
-          <p:nvPr>
-            <p:ph type="sldNum" sz="quarter" idx="10"/>
-          </p:nvPr>
-        </p:nvSpPr>
-        <p:spPr/>
-        <p:txBody>
-          <a:bodyPr/>
-          <a:lstStyle/>
-          <a:p>
-            <a:fld id="{76FF421F-F6E0-49E1-8813-FA3EDB57181A}" type="slidenum">
-              <a:rPr lang="fr-CA" smtClean="0"/>
-              <a:t>29</a:t>
-            </a:fld>
-            <a:endParaRPr lang="fr-CA"/>
-          </a:p>
-        </p:txBody>
-      </p:sp>
-    </p:spTree>
-    <p:extLst>
-      <p:ext uri="{BB962C8B-B14F-4D97-AF65-F5344CB8AC3E}">
-        <p14:creationId xmlns:p14="http://schemas.microsoft.com/office/powerpoint/2010/main" val="616514117"/>
-      </p:ext>
-    </p:extLst>
-  </p:cSld>
-  <p:clrMapOvr>
-    <a:masterClrMapping/>
-  </p:clrMapOvr>
-</p:notes>
-</file>
-
 <file path=ppt/slideLayouts/slideLayout1.xml><?xml version="1.0" encoding="utf-8"?>
 <p:sldLayout xmlns:a="http://schemas.openxmlformats.org/drawingml/2006/main" xmlns:r="http://schemas.openxmlformats.org/officeDocument/2006/relationships" xmlns:p="http://schemas.openxmlformats.org/presentationml/2006/main" type="title" preserve="1">
   <p:cSld name="Diapositive de titre">
@@ -11800,7 +11728,22 @@
                   <a:schemeClr val="accent1"/>
                 </a:solidFill>
               </a:rPr>
-              <a:t>Display &amp; Position</a:t>
+              <a:t>Display</a:t>
+            </a:r>
+            <a:br>
+              <a:rPr lang="fr-CA" dirty="0">
+                <a:solidFill>
+                  <a:schemeClr val="accent1"/>
+                </a:solidFill>
+              </a:rPr>
+            </a:br>
+            <a:r>
+              <a:rPr lang="fr-CA" dirty="0">
+                <a:solidFill>
+                  <a:schemeClr val="accent1"/>
+                </a:solidFill>
+              </a:rPr>
+              <a:t>&amp; Position</a:t>
             </a:r>
           </a:p>
         </p:txBody>
@@ -11835,25 +11778,32 @@
           <a:p>
             <a:r>
               <a:rPr lang="fr-CA" sz="2400" dirty="0"/>
-              <a:t>Permet d’identifier un ou plusieurs éléments</a:t>
+              <a:t>Défini comment les éléments s’affichent l’un par rapport à l’autre</a:t>
             </a:r>
           </a:p>
           <a:p>
             <a:r>
               <a:rPr lang="fr-CA" sz="2400" dirty="0"/>
-              <a:t>Permet de spécifier la hiérarchie du DOM</a:t>
+              <a:t>Même ligne</a:t>
             </a:r>
           </a:p>
           <a:p>
             <a:r>
               <a:rPr lang="fr-CA" sz="2400" dirty="0"/>
-              <a:t>Permet de spécifier les « frères et sœurs » (siblings)</a:t>
-            </a:r>
+              <a:t>Même colonne</a:t>
+            </a:r>
+          </a:p>
+          <a:p>
+            <a:r>
+              <a:rPr lang="fr-CA" sz="2400" dirty="0" err="1"/>
+              <a:t>FlexBox</a:t>
+            </a:r>
+            <a:endParaRPr lang="fr-CA" sz="2400" dirty="0"/>
           </a:p>
           <a:p>
             <a:r>
               <a:rPr lang="fr-CA" sz="2400" dirty="0"/>
-              <a:t>Plusieurs façons existent pour identifier un élément</a:t>
+              <a:t>Cacher un élément</a:t>
             </a:r>
           </a:p>
         </p:txBody>
@@ -12883,7 +12833,7 @@
                 <a:latin typeface="Consolas" panose="020B0609020204030204" pitchFamily="49" charset="0"/>
                 <a:cs typeface="Consolas" panose="020B0609020204030204" pitchFamily="49" charset="0"/>
               </a:rPr>
-              <a:t>Display, position et </a:t>
+              <a:t>Display et </a:t>
             </a:r>
             <a:r>
               <a:rPr lang="fr-CA" dirty="0" err="1">
@@ -13590,7 +13540,7 @@
           <a:p>
             <a:r>
               <a:rPr lang="fr-CA" dirty="0"/>
-              <a:t>Exercice #2 (suite)</a:t>
+              <a:t>Exercice #3</a:t>
             </a:r>
           </a:p>
         </p:txBody>
@@ -13621,19 +13571,8 @@
                 <a:latin typeface="Consolas" panose="020B0609020204030204" pitchFamily="49" charset="0"/>
                 <a:cs typeface="Consolas" panose="020B0609020204030204" pitchFamily="49" charset="0"/>
               </a:rPr>
-              <a:t>Display, position et </a:t>
-            </a:r>
-            <a:r>
-              <a:rPr lang="fr-CA" dirty="0" err="1">
-                <a:latin typeface="Consolas" panose="020B0609020204030204" pitchFamily="49" charset="0"/>
-                <a:cs typeface="Consolas" panose="020B0609020204030204" pitchFamily="49" charset="0"/>
-              </a:rPr>
-              <a:t>visibility</a:t>
-            </a:r>
-            <a:endParaRPr lang="fr-CA" dirty="0">
-              <a:latin typeface="Consolas" panose="020B0609020204030204" pitchFamily="49" charset="0"/>
-              <a:cs typeface="Consolas" panose="020B0609020204030204" pitchFamily="49" charset="0"/>
-            </a:endParaRPr>
+              <a:t>Position</a:t>
+            </a:r>
           </a:p>
         </p:txBody>
       </p:sp>
@@ -13677,10 +13616,10 @@
       </p:grpSpPr>
       <p:sp>
         <p:nvSpPr>
-          <p:cNvPr id="11" name="Rectangle 10">
-            <a:extLst>
-              <a:ext uri="{FF2B5EF4-FFF2-40B4-BE49-F238E27FC236}">
-                <a16:creationId xmlns:a16="http://schemas.microsoft.com/office/drawing/2014/main" id="{AD812D85-1A73-4B3F-9942-EA3421A28958}"/>
+          <p:cNvPr id="8" name="Rectangle 7">
+            <a:extLst>
+              <a:ext uri="{FF2B5EF4-FFF2-40B4-BE49-F238E27FC236}">
+                <a16:creationId xmlns:a16="http://schemas.microsoft.com/office/drawing/2014/main" id="{8D70B121-56F4-4848-B38B-182089D909FA}"/>
               </a:ext>
             </a:extLst>
           </p:cNvPr>
@@ -13695,29 +13634,33 @@
             </p:extLst>
           </p:nvPr>
         </p:nvSpPr>
-        <p:spPr>
-          <a:xfrm>
-            <a:off x="478135" y="476778"/>
-            <a:ext cx="7212450" cy="5920653"/>
+        <p:spPr bwMode="ltGray">
+          <a:xfrm>
+            <a:off x="321564" y="320040"/>
+            <a:ext cx="11548872" cy="6217920"/>
           </a:xfrm>
           <a:prstGeom prst="rect">
             <a:avLst/>
           </a:prstGeom>
           <a:solidFill>
-            <a:schemeClr val="accent1"/>
+            <a:schemeClr val="tx1">
+              <a:alpha val="8000"/>
+            </a:schemeClr>
           </a:solidFill>
-          <a:ln>
+          <a:ln w="127000" cap="sq" cmpd="thinThick">
             <a:noFill/>
           </a:ln>
         </p:spPr>
         <p:style>
-          <a:lnRef idx="1">
-            <a:schemeClr val="accent1"/>
+          <a:lnRef idx="2">
+            <a:schemeClr val="accent1">
+              <a:shade val="50000"/>
+            </a:schemeClr>
           </a:lnRef>
-          <a:fillRef idx="3">
+          <a:fillRef idx="1">
             <a:schemeClr val="accent1"/>
           </a:fillRef>
-          <a:effectRef idx="2">
+          <a:effectRef idx="0">
             <a:schemeClr val="accent1"/>
           </a:effectRef>
           <a:fontRef idx="minor">
@@ -13735,10 +13678,10 @@
       </p:sp>
       <p:cxnSp>
         <p:nvCxnSpPr>
-          <p:cNvPr id="13" name="Straight Connector 12">
-            <a:extLst>
-              <a:ext uri="{FF2B5EF4-FFF2-40B4-BE49-F238E27FC236}">
-                <a16:creationId xmlns:a16="http://schemas.microsoft.com/office/drawing/2014/main" id="{0235ADA5-5364-456A-A990-E53F604378F9}"/>
+          <p:cNvPr id="16" name="Straight Connector 9">
+            <a:extLst>
+              <a:ext uri="{FF2B5EF4-FFF2-40B4-BE49-F238E27FC236}">
+                <a16:creationId xmlns:a16="http://schemas.microsoft.com/office/drawing/2014/main" id="{2D72A2C9-F3CA-4216-8BAD-FA4C970C3C4E}"/>
               </a:ext>
             </a:extLst>
           </p:cNvPr>
@@ -13755,17 +13698,18 @@
         </p:nvCxnSpPr>
         <p:spPr>
           <a:xfrm>
-            <a:off x="3230880" y="4424906"/>
-            <a:ext cx="3657600" cy="0"/>
+            <a:off x="4654296" y="2057400"/>
+            <a:ext cx="0" cy="2743200"/>
           </a:xfrm>
           <a:prstGeom prst="line">
             <a:avLst/>
           </a:prstGeom>
           <a:ln w="19050">
             <a:solidFill>
-              <a:srgbClr val="FFFFFF">
-                <a:alpha val="80000"/>
-              </a:srgbClr>
+              <a:schemeClr val="tx1">
+                <a:lumMod val="85000"/>
+                <a:lumOff val="15000"/>
+              </a:schemeClr>
             </a:solidFill>
           </a:ln>
         </p:spPr>
@@ -13786,72 +13730,10 @@
       </p:cxnSp>
       <p:sp>
         <p:nvSpPr>
-          <p:cNvPr id="15" name="Rectangle 14">
-            <a:extLst>
-              <a:ext uri="{FF2B5EF4-FFF2-40B4-BE49-F238E27FC236}">
-                <a16:creationId xmlns:a16="http://schemas.microsoft.com/office/drawing/2014/main" id="{FCA36376-A222-465D-BC66-44777DE120CC}"/>
-              </a:ext>
-            </a:extLst>
-          </p:cNvPr>
-          <p:cNvSpPr>
-            <a:spLocks noGrp="1" noRot="1" noChangeAspect="1" noMove="1" noResize="1" noEditPoints="1" noAdjustHandles="1" noChangeArrowheads="1" noChangeShapeType="1" noTextEdit="1"/>
-          </p:cNvSpPr>
-          <p:nvPr>
-            <p:extLst>
-              <p:ext uri="{386F3935-93C4-4BCD-93E2-E3B085C9AB24}">
-                <p16:designElem xmlns:p16="http://schemas.microsoft.com/office/powerpoint/2015/main" val="1"/>
-              </p:ext>
-            </p:extLst>
-          </p:nvPr>
-        </p:nvSpPr>
-        <p:spPr>
-          <a:xfrm>
-            <a:off x="7851452" y="476778"/>
-            <a:ext cx="3864383" cy="5920653"/>
-          </a:xfrm>
-          <a:prstGeom prst="rect">
-            <a:avLst/>
-          </a:prstGeom>
-          <a:solidFill>
-            <a:schemeClr val="bg2">
-              <a:lumMod val="90000"/>
-            </a:schemeClr>
-          </a:solidFill>
-          <a:ln>
-            <a:noFill/>
-          </a:ln>
-        </p:spPr>
-        <p:style>
-          <a:lnRef idx="2">
-            <a:schemeClr val="accent1">
-              <a:shade val="50000"/>
-            </a:schemeClr>
-          </a:lnRef>
-          <a:fillRef idx="1">
-            <a:schemeClr val="accent1"/>
-          </a:fillRef>
-          <a:effectRef idx="0">
-            <a:schemeClr val="accent1"/>
-          </a:effectRef>
-          <a:fontRef idx="minor">
-            <a:schemeClr val="lt1"/>
-          </a:fontRef>
-        </p:style>
-        <p:txBody>
-          <a:bodyPr rtlCol="0" anchor="ctr"/>
-          <a:lstStyle/>
-          <a:p>
-            <a:pPr algn="ctr"/>
-            <a:endParaRPr lang="en-US"/>
-          </a:p>
-        </p:txBody>
-      </p:sp>
-      <p:sp>
-        <p:nvSpPr>
-          <p:cNvPr id="5" name="Titre 4">
-            <a:extLst>
-              <a:ext uri="{FF2B5EF4-FFF2-40B4-BE49-F238E27FC236}">
-                <a16:creationId xmlns:a16="http://schemas.microsoft.com/office/drawing/2014/main" id="{4906A919-D020-479A-AC5A-D9F539FF3D33}"/>
+          <p:cNvPr id="2" name="Titre 1">
+            <a:extLst>
+              <a:ext uri="{FF2B5EF4-FFF2-40B4-BE49-F238E27FC236}">
+                <a16:creationId xmlns:a16="http://schemas.microsoft.com/office/drawing/2014/main" id="{B621E71C-F70F-4EE9-A6A4-10260DA5AA50}"/>
               </a:ext>
             </a:extLst>
           </p:cNvPr>
@@ -13859,13 +13741,13 @@
             <a:spLocks noGrp="1"/>
           </p:cNvSpPr>
           <p:nvPr>
-            <p:ph type="ctrTitle"/>
+            <p:ph type="title"/>
           </p:nvPr>
         </p:nvSpPr>
         <p:spPr>
           <a:xfrm>
-            <a:off x="1118215" y="1269255"/>
-            <a:ext cx="5956353" cy="3038947"/>
+            <a:off x="838200" y="963877"/>
+            <a:ext cx="3494362" cy="4930246"/>
           </a:xfrm>
         </p:spPr>
         <p:txBody>
@@ -13876,52 +13758,27 @@
           <a:p>
             <a:pPr algn="r"/>
             <a:r>
-              <a:rPr lang="fr-CA" sz="5400" dirty="0">
+              <a:rPr lang="fr-CA" dirty="0" err="1">
                 <a:solidFill>
-                  <a:srgbClr val="FFFFFF"/>
+                  <a:schemeClr val="accent1"/>
                 </a:solidFill>
               </a:rPr>
-              <a:t>Bonnes pratiques</a:t>
-            </a:r>
-            <a:br>
-              <a:rPr lang="fr-CA" sz="5400" dirty="0">
-                <a:solidFill>
-                  <a:srgbClr val="FFFFFF"/>
-                </a:solidFill>
-              </a:rPr>
-            </a:br>
-            <a:r>
-              <a:rPr lang="fr-CA" sz="5400" dirty="0">
-                <a:solidFill>
-                  <a:srgbClr val="FFFFFF"/>
-                </a:solidFill>
-              </a:rPr>
-              <a:t>Propreté du code</a:t>
-            </a:r>
-            <a:br>
-              <a:rPr lang="fr-CA" sz="5400" dirty="0">
-                <a:solidFill>
-                  <a:srgbClr val="FFFFFF"/>
-                </a:solidFill>
-              </a:rPr>
-            </a:br>
-            <a:r>
-              <a:rPr lang="fr-CA" sz="5400" dirty="0">
-                <a:solidFill>
-                  <a:srgbClr val="FFFFFF"/>
-                </a:solidFill>
-              </a:rPr>
-              <a:t>Sémantique</a:t>
-            </a:r>
+              <a:t>FlexBox</a:t>
+            </a:r>
+            <a:endParaRPr lang="fr-CA" dirty="0">
+              <a:solidFill>
+                <a:schemeClr val="accent1"/>
+              </a:solidFill>
+            </a:endParaRPr>
           </a:p>
         </p:txBody>
       </p:sp>
       <p:sp>
         <p:nvSpPr>
-          <p:cNvPr id="6" name="Sous-titre 5">
-            <a:extLst>
-              <a:ext uri="{FF2B5EF4-FFF2-40B4-BE49-F238E27FC236}">
-                <a16:creationId xmlns:a16="http://schemas.microsoft.com/office/drawing/2014/main" id="{D4E8AAF7-3291-42EF-8749-155B01266A3A}"/>
+          <p:cNvPr id="3" name="Espace réservé du contenu 2">
+            <a:extLst>
+              <a:ext uri="{FF2B5EF4-FFF2-40B4-BE49-F238E27FC236}">
+                <a16:creationId xmlns:a16="http://schemas.microsoft.com/office/drawing/2014/main" id="{BD96EFB3-89F9-41FA-9EBA-DFC522EC35A6}"/>
               </a:ext>
             </a:extLst>
           </p:cNvPr>
@@ -13929,31 +13786,30 @@
             <a:spLocks noGrp="1"/>
           </p:cNvSpPr>
           <p:nvPr>
-            <p:ph type="subTitle" idx="1"/>
+            <p:ph idx="1"/>
           </p:nvPr>
         </p:nvSpPr>
         <p:spPr>
           <a:xfrm>
-            <a:off x="1118215" y="4578114"/>
-            <a:ext cx="5956353" cy="1247274"/>
+            <a:off x="4976031" y="963877"/>
+            <a:ext cx="6377769" cy="4930246"/>
           </a:xfrm>
         </p:spPr>
         <p:txBody>
-          <a:bodyPr>
+          <a:bodyPr anchor="ctr">
             <a:normAutofit/>
           </a:bodyPr>
           <a:lstStyle/>
           <a:p>
-            <a:pPr algn="r"/>
-            <a:r>
-              <a:rPr lang="fr-CA" dirty="0">
-                <a:solidFill>
-                  <a:srgbClr val="FFFFFF"/>
-                </a:solidFill>
-                <a:latin typeface="Consolas" panose="020B0609020204030204" pitchFamily="49" charset="0"/>
-                <a:cs typeface="Consolas" panose="020B0609020204030204" pitchFamily="49" charset="0"/>
-              </a:rPr>
-              <a:t>Savoir coder et savoir bien coder</a:t>
+            <a:r>
+              <a:rPr lang="fr-CA" sz="2400" dirty="0"/>
+              <a:t>Enfin…</a:t>
+            </a:r>
+          </a:p>
+          <a:p>
+            <a:r>
+              <a:rPr lang="fr-CA" sz="2400" dirty="0"/>
+              <a:t>Positionnement facile</a:t>
             </a:r>
           </a:p>
         </p:txBody>
@@ -13961,7 +13817,7 @@
     </p:spTree>
     <p:extLst>
       <p:ext uri="{BB962C8B-B14F-4D97-AF65-F5344CB8AC3E}">
-        <p14:creationId xmlns:p14="http://schemas.microsoft.com/office/powerpoint/2010/main" val="112262115"/>
+        <p14:creationId xmlns:p14="http://schemas.microsoft.com/office/powerpoint/2010/main" val="1035165556"/>
       </p:ext>
     </p:extLst>
   </p:cSld>
@@ -14191,377 +14047,10 @@
 <file path=ppt/slides/slide30.xml><?xml version="1.0" encoding="utf-8"?>
 <p:sld xmlns:a="http://schemas.openxmlformats.org/drawingml/2006/main" xmlns:r="http://schemas.openxmlformats.org/officeDocument/2006/relationships" xmlns:p="http://schemas.openxmlformats.org/presentationml/2006/main">
   <p:cSld>
-    <p:spTree>
-      <p:nvGrpSpPr>
-        <p:cNvPr id="1" name=""/>
-        <p:cNvGrpSpPr/>
-        <p:nvPr/>
-      </p:nvGrpSpPr>
-      <p:grpSpPr>
-        <a:xfrm>
-          <a:off x="0" y="0"/>
-          <a:ext cx="0" cy="0"/>
-          <a:chOff x="0" y="0"/>
-          <a:chExt cx="0" cy="0"/>
-        </a:xfrm>
-      </p:grpSpPr>
-      <p:sp>
-        <p:nvSpPr>
-          <p:cNvPr id="2" name="Titre 1">
-            <a:extLst>
-              <a:ext uri="{FF2B5EF4-FFF2-40B4-BE49-F238E27FC236}">
-                <a16:creationId xmlns:a16="http://schemas.microsoft.com/office/drawing/2014/main" id="{8707E2C9-70AC-4F6C-B4DD-30D294D55AB8}"/>
-              </a:ext>
-            </a:extLst>
-          </p:cNvPr>
-          <p:cNvSpPr>
-            <a:spLocks noGrp="1"/>
-          </p:cNvSpPr>
-          <p:nvPr>
-            <p:ph type="ctrTitle"/>
-          </p:nvPr>
-        </p:nvSpPr>
-        <p:spPr>
-          <a:xfrm>
-            <a:off x="1524000" y="1122363"/>
-            <a:ext cx="9144000" cy="2387600"/>
-          </a:xfrm>
-        </p:spPr>
-        <p:txBody>
-          <a:bodyPr/>
-          <a:lstStyle/>
-          <a:p>
-            <a:r>
-              <a:rPr lang="fr-CA" dirty="0"/>
-              <a:t>Bonnes pratiques</a:t>
-            </a:r>
-          </a:p>
-        </p:txBody>
-      </p:sp>
-      <p:sp>
-        <p:nvSpPr>
-          <p:cNvPr id="3" name="Sous-titre 2">
-            <a:extLst>
-              <a:ext uri="{FF2B5EF4-FFF2-40B4-BE49-F238E27FC236}">
-                <a16:creationId xmlns:a16="http://schemas.microsoft.com/office/drawing/2014/main" id="{49E0A603-5B7F-4E0E-9CB6-936FB4236AD2}"/>
-              </a:ext>
-            </a:extLst>
-          </p:cNvPr>
-          <p:cNvSpPr>
-            <a:spLocks noGrp="1"/>
-          </p:cNvSpPr>
-          <p:nvPr>
-            <p:ph type="subTitle" idx="1"/>
-          </p:nvPr>
-        </p:nvSpPr>
-        <p:spPr>
-          <a:xfrm>
-            <a:off x="1524000" y="3602038"/>
-            <a:ext cx="9144000" cy="1655762"/>
-          </a:xfrm>
-        </p:spPr>
-        <p:txBody>
-          <a:bodyPr>
-            <a:normAutofit fontScale="92500"/>
-          </a:bodyPr>
-          <a:lstStyle/>
-          <a:p>
-            <a:pPr marL="457200" indent="-457200" algn="l">
-              <a:buFont typeface="+mj-lt"/>
-              <a:buAutoNum type="arabicPeriod"/>
-            </a:pPr>
-            <a:r>
-              <a:rPr lang="fr-CA" dirty="0"/>
-              <a:t>Valider : </a:t>
-            </a:r>
-            <a:r>
-              <a:rPr lang="fr-CA" dirty="0">
-                <a:hlinkClick r:id="rId2"/>
-              </a:rPr>
-              <a:t>https://validator.w3.org/</a:t>
-            </a:r>
-            <a:r>
-              <a:rPr lang="fr-CA" dirty="0"/>
-              <a:t> </a:t>
-            </a:r>
-          </a:p>
-          <a:p>
-            <a:pPr marL="457200" indent="-457200" algn="l">
-              <a:buFont typeface="+mj-lt"/>
-              <a:buAutoNum type="arabicPeriod"/>
-            </a:pPr>
-            <a:r>
-              <a:rPr lang="fr-CA" dirty="0"/>
-              <a:t>Références des balises : </a:t>
-            </a:r>
-            <a:r>
-              <a:rPr lang="fr-CA" dirty="0">
-                <a:hlinkClick r:id="rId3"/>
-              </a:rPr>
-              <a:t>https://www.w3schools.com/tags/default.asp</a:t>
-            </a:r>
-            <a:endParaRPr lang="fr-CA" dirty="0"/>
-          </a:p>
-          <a:p>
-            <a:pPr marL="457200" indent="-457200" algn="l">
-              <a:buFont typeface="+mj-lt"/>
-              <a:buAutoNum type="arabicPeriod"/>
-            </a:pPr>
-            <a:r>
-              <a:rPr lang="fr-CA" dirty="0"/>
-              <a:t>Documentation : </a:t>
-            </a:r>
-            <a:r>
-              <a:rPr lang="fr-CA" dirty="0">
-                <a:hlinkClick r:id="rId4"/>
-              </a:rPr>
-              <a:t>https://developer.mozilla.org/en-US/docs/Web/HTML</a:t>
-            </a:r>
-            <a:r>
-              <a:rPr lang="fr-CA" dirty="0"/>
-              <a:t> </a:t>
-            </a:r>
-          </a:p>
-        </p:txBody>
-      </p:sp>
-      <p:sp>
-        <p:nvSpPr>
-          <p:cNvPr id="4" name="ZoneTexte 3">
-            <a:extLst>
-              <a:ext uri="{FF2B5EF4-FFF2-40B4-BE49-F238E27FC236}">
-                <a16:creationId xmlns:a16="http://schemas.microsoft.com/office/drawing/2014/main" id="{919F33AF-C187-4CE4-90A4-5765A078AF05}"/>
-              </a:ext>
-            </a:extLst>
-          </p:cNvPr>
-          <p:cNvSpPr txBox="1"/>
-          <p:nvPr/>
-        </p:nvSpPr>
-        <p:spPr>
-          <a:xfrm>
-            <a:off x="4471581" y="5592865"/>
-            <a:ext cx="3248838" cy="369332"/>
-          </a:xfrm>
-          <a:prstGeom prst="rect">
-            <a:avLst/>
-          </a:prstGeom>
-          <a:noFill/>
-        </p:spPr>
-        <p:txBody>
-          <a:bodyPr wrap="none" rtlCol="0">
-            <a:spAutoFit/>
-          </a:bodyPr>
-          <a:lstStyle/>
-          <a:p>
-            <a:r>
-              <a:rPr lang="fr-CA" dirty="0"/>
-              <a:t>Toujours valider la compatibilité!</a:t>
-            </a:r>
-          </a:p>
-        </p:txBody>
-      </p:sp>
-    </p:spTree>
-    <p:extLst>
-      <p:ext uri="{BB962C8B-B14F-4D97-AF65-F5344CB8AC3E}">
-        <p14:creationId xmlns:p14="http://schemas.microsoft.com/office/powerpoint/2010/main" val="4036208706"/>
-      </p:ext>
-    </p:extLst>
-  </p:cSld>
-  <p:clrMapOvr>
-    <a:masterClrMapping/>
-  </p:clrMapOvr>
-</p:sld>
-</file>
-
-<file path=ppt/slides/slide31.xml><?xml version="1.0" encoding="utf-8"?>
-<p:sld xmlns:a="http://schemas.openxmlformats.org/drawingml/2006/main" xmlns:r="http://schemas.openxmlformats.org/officeDocument/2006/relationships" xmlns:p="http://schemas.openxmlformats.org/presentationml/2006/main">
-  <p:cSld>
-    <p:spTree>
-      <p:nvGrpSpPr>
-        <p:cNvPr id="1" name=""/>
-        <p:cNvGrpSpPr/>
-        <p:nvPr/>
-      </p:nvGrpSpPr>
-      <p:grpSpPr>
-        <a:xfrm>
-          <a:off x="0" y="0"/>
-          <a:ext cx="0" cy="0"/>
-          <a:chOff x="0" y="0"/>
-          <a:chExt cx="0" cy="0"/>
-        </a:xfrm>
-      </p:grpSpPr>
-      <p:sp>
-        <p:nvSpPr>
-          <p:cNvPr id="2" name="Titre 1">
-            <a:extLst>
-              <a:ext uri="{FF2B5EF4-FFF2-40B4-BE49-F238E27FC236}">
-                <a16:creationId xmlns:a16="http://schemas.microsoft.com/office/drawing/2014/main" id="{8707E2C9-70AC-4F6C-B4DD-30D294D55AB8}"/>
-              </a:ext>
-            </a:extLst>
-          </p:cNvPr>
-          <p:cNvSpPr>
-            <a:spLocks noGrp="1"/>
-          </p:cNvSpPr>
-          <p:nvPr>
-            <p:ph type="ctrTitle"/>
-          </p:nvPr>
-        </p:nvSpPr>
-        <p:spPr>
-          <a:xfrm>
-            <a:off x="1524000" y="-359928"/>
-            <a:ext cx="9144000" cy="2387600"/>
-          </a:xfrm>
-        </p:spPr>
-        <p:txBody>
-          <a:bodyPr/>
-          <a:lstStyle/>
-          <a:p>
-            <a:r>
-              <a:rPr lang="fr-CA" dirty="0"/>
-              <a:t>Propreté du code</a:t>
-            </a:r>
-          </a:p>
-        </p:txBody>
-      </p:sp>
-      <p:sp>
-        <p:nvSpPr>
-          <p:cNvPr id="3" name="Sous-titre 2">
-            <a:extLst>
-              <a:ext uri="{FF2B5EF4-FFF2-40B4-BE49-F238E27FC236}">
-                <a16:creationId xmlns:a16="http://schemas.microsoft.com/office/drawing/2014/main" id="{49E0A603-5B7F-4E0E-9CB6-936FB4236AD2}"/>
-              </a:ext>
-            </a:extLst>
-          </p:cNvPr>
-          <p:cNvSpPr>
-            <a:spLocks noGrp="1"/>
-          </p:cNvSpPr>
-          <p:nvPr>
-            <p:ph type="subTitle" idx="1"/>
-          </p:nvPr>
-        </p:nvSpPr>
-        <p:spPr>
-          <a:xfrm>
-            <a:off x="1524000" y="2531444"/>
-            <a:ext cx="9144000" cy="3580598"/>
-          </a:xfrm>
-        </p:spPr>
-        <p:txBody>
-          <a:bodyPr>
-            <a:normAutofit/>
-          </a:bodyPr>
-          <a:lstStyle/>
-          <a:p>
-            <a:pPr marL="457200" indent="-457200" algn="l">
-              <a:buFont typeface="+mj-lt"/>
-              <a:buAutoNum type="arabicPeriod"/>
-            </a:pPr>
-            <a:r>
-              <a:rPr lang="fr-CA" dirty="0"/>
-              <a:t>Indentation…</a:t>
-            </a:r>
-          </a:p>
-          <a:p>
-            <a:pPr marL="457200" indent="-457200" algn="l">
-              <a:buFont typeface="+mj-lt"/>
-              <a:buAutoNum type="arabicPeriod"/>
-            </a:pPr>
-            <a:r>
-              <a:rPr lang="fr-CA" dirty="0"/>
-              <a:t>Séparation des préoccupations (</a:t>
-            </a:r>
-            <a:r>
-              <a:rPr lang="fr-CA" dirty="0" err="1"/>
-              <a:t>SoC</a:t>
-            </a:r>
-            <a:r>
-              <a:rPr lang="fr-CA" dirty="0"/>
-              <a:t>)</a:t>
-            </a:r>
-          </a:p>
-          <a:p>
-            <a:pPr marL="914400" lvl="1" indent="-457200" algn="l">
-              <a:buFont typeface="Arial" panose="020B0604020202020204" pitchFamily="34" charset="0"/>
-              <a:buChar char="•"/>
-            </a:pPr>
-            <a:r>
-              <a:rPr lang="fr-CA" dirty="0"/>
-              <a:t>HTML : Organisation du contenu</a:t>
-            </a:r>
-          </a:p>
-          <a:p>
-            <a:pPr marL="914400" lvl="1" indent="-457200" algn="l">
-              <a:buFont typeface="Arial" panose="020B0604020202020204" pitchFamily="34" charset="0"/>
-              <a:buChar char="•"/>
-            </a:pPr>
-            <a:r>
-              <a:rPr lang="fr-CA" dirty="0"/>
-              <a:t>CSS : Définition de la présentation et des styles du contenu</a:t>
-            </a:r>
-          </a:p>
-          <a:p>
-            <a:pPr marL="914400" lvl="1" indent="-457200" algn="l">
-              <a:buFont typeface="Arial" panose="020B0604020202020204" pitchFamily="34" charset="0"/>
-              <a:buChar char="•"/>
-            </a:pPr>
-            <a:r>
-              <a:rPr lang="fr-CA" dirty="0"/>
-              <a:t>JS : Comportement et interaction entre l’utilisateur et le contenu</a:t>
-            </a:r>
-          </a:p>
-          <a:p>
-            <a:pPr marL="457200" indent="-457200" algn="l">
-              <a:buFont typeface="+mj-lt"/>
-              <a:buAutoNum type="arabicPeriod"/>
-            </a:pPr>
-            <a:r>
-              <a:rPr lang="fr-CA" dirty="0"/>
-              <a:t>Utilisation des conteneurs sémantique appropriés</a:t>
-            </a:r>
-          </a:p>
-          <a:p>
-            <a:pPr marL="457200" indent="-457200" algn="l">
-              <a:buFont typeface="+mj-lt"/>
-              <a:buAutoNum type="arabicPeriod"/>
-            </a:pPr>
-            <a:r>
-              <a:rPr lang="fr-CA" dirty="0"/>
-              <a:t>ID unique par page</a:t>
-            </a:r>
-          </a:p>
-          <a:p>
-            <a:pPr marL="457200" indent="-457200" algn="l">
-              <a:buFont typeface="+mj-lt"/>
-              <a:buAutoNum type="arabicPeriod"/>
-            </a:pPr>
-            <a:r>
-              <a:rPr lang="fr-CA" dirty="0"/>
-              <a:t>Valide!</a:t>
-            </a:r>
-          </a:p>
-        </p:txBody>
-      </p:sp>
-    </p:spTree>
-    <p:extLst>
-      <p:ext uri="{BB962C8B-B14F-4D97-AF65-F5344CB8AC3E}">
-        <p14:creationId xmlns:p14="http://schemas.microsoft.com/office/powerpoint/2010/main" val="56202166"/>
-      </p:ext>
-    </p:extLst>
-  </p:cSld>
-  <p:clrMapOvr>
-    <a:masterClrMapping/>
-  </p:clrMapOvr>
-</p:sld>
-</file>
-
-<file path=ppt/slides/slide32.xml><?xml version="1.0" encoding="utf-8"?>
-<p:sld xmlns:a="http://schemas.openxmlformats.org/drawingml/2006/main" xmlns:r="http://schemas.openxmlformats.org/officeDocument/2006/relationships" xmlns:p="http://schemas.openxmlformats.org/presentationml/2006/main">
-  <p:cSld>
     <p:bg>
       <p:bgPr>
         <a:solidFill>
-          <a:schemeClr val="bg1">
-            <a:tint val="95000"/>
-            <a:satMod val="170000"/>
-          </a:schemeClr>
+          <a:schemeClr val="bg1"/>
         </a:solidFill>
         <a:effectLst/>
       </p:bgPr>
@@ -14582,10 +14071,10 @@
       </p:grpSpPr>
       <p:sp>
         <p:nvSpPr>
-          <p:cNvPr id="14" name="Rectangle 7">
-            <a:extLst>
-              <a:ext uri="{FF2B5EF4-FFF2-40B4-BE49-F238E27FC236}">
-                <a16:creationId xmlns:a16="http://schemas.microsoft.com/office/drawing/2014/main" id="{B2F1F93F-A78C-4FF9-8982-6EC6891A61E8}"/>
+          <p:cNvPr id="82" name="Rectangle 81">
+            <a:extLst>
+              <a:ext uri="{FF2B5EF4-FFF2-40B4-BE49-F238E27FC236}">
+                <a16:creationId xmlns:a16="http://schemas.microsoft.com/office/drawing/2014/main" id="{823AC064-BC96-4F32-8AE1-B2FD38754823}"/>
               </a:ext>
             </a:extLst>
           </p:cNvPr>
@@ -14600,21 +14089,21 @@
             </p:extLst>
           </p:nvPr>
         </p:nvSpPr>
-        <p:spPr>
-          <a:xfrm>
-            <a:off x="8119870" y="0"/>
-            <a:ext cx="4072130" cy="6858000"/>
+        <p:spPr bwMode="ltGray">
+          <a:xfrm>
+            <a:off x="378068" y="4633546"/>
+            <a:ext cx="11438793" cy="1844256"/>
           </a:xfrm>
           <a:prstGeom prst="rect">
             <a:avLst/>
           </a:prstGeom>
           <a:solidFill>
-            <a:schemeClr val="accent1">
-              <a:alpha val="80000"/>
-            </a:schemeClr>
+            <a:srgbClr val="404040"/>
           </a:solidFill>
-          <a:ln>
-            <a:noFill/>
+          <a:ln w="127000" cap="sq" cmpd="thinThick">
+            <a:solidFill>
+              <a:srgbClr val="404040"/>
+            </a:solidFill>
           </a:ln>
         </p:spPr>
         <p:style>
@@ -14642,12 +14131,110 @@
           </a:p>
         </p:txBody>
       </p:sp>
+      <p:cxnSp>
+        <p:nvCxnSpPr>
+          <p:cNvPr id="84" name="Straight Connector 83">
+            <a:extLst>
+              <a:ext uri="{FF2B5EF4-FFF2-40B4-BE49-F238E27FC236}">
+                <a16:creationId xmlns:a16="http://schemas.microsoft.com/office/drawing/2014/main" id="{7E7C77BC-7138-40B1-A15B-20F57A494629}"/>
+              </a:ext>
+            </a:extLst>
+          </p:cNvPr>
+          <p:cNvCxnSpPr>
+            <a:cxnSpLocks noGrp="1" noRot="1" noChangeAspect="1" noMove="1" noResize="1" noEditPoints="1" noAdjustHandles="1" noChangeArrowheads="1" noChangeShapeType="1"/>
+          </p:cNvCxnSpPr>
+          <p:nvPr>
+            <p:extLst>
+              <p:ext uri="{386F3935-93C4-4BCD-93E2-E3B085C9AB24}">
+                <p16:designElem xmlns:p16="http://schemas.microsoft.com/office/powerpoint/2015/main" val="1"/>
+              </p:ext>
+            </p:extLst>
+          </p:nvPr>
+        </p:nvCxnSpPr>
+        <p:spPr>
+          <a:xfrm>
+            <a:off x="2209800" y="5738691"/>
+            <a:ext cx="7772400" cy="0"/>
+          </a:xfrm>
+          <a:prstGeom prst="line">
+            <a:avLst/>
+          </a:prstGeom>
+          <a:ln w="22225">
+            <a:solidFill>
+              <a:srgbClr val="D9D9D9"/>
+            </a:solidFill>
+          </a:ln>
+        </p:spPr>
+        <p:style>
+          <a:lnRef idx="1">
+            <a:schemeClr val="accent1"/>
+          </a:lnRef>
+          <a:fillRef idx="0">
+            <a:schemeClr val="accent1"/>
+          </a:fillRef>
+          <a:effectRef idx="0">
+            <a:schemeClr val="accent1"/>
+          </a:effectRef>
+          <a:fontRef idx="minor">
+            <a:schemeClr val="tx1"/>
+          </a:fontRef>
+        </p:style>
+      </p:cxnSp>
+      <p:cxnSp>
+        <p:nvCxnSpPr>
+          <p:cNvPr id="86" name="Straight Connector 85">
+            <a:extLst>
+              <a:ext uri="{FF2B5EF4-FFF2-40B4-BE49-F238E27FC236}">
+                <a16:creationId xmlns:a16="http://schemas.microsoft.com/office/drawing/2014/main" id="{DB146403-F3D6-484B-B2ED-97F9565D0370}"/>
+              </a:ext>
+            </a:extLst>
+          </p:cNvPr>
+          <p:cNvCxnSpPr>
+            <a:cxnSpLocks noGrp="1" noRot="1" noChangeAspect="1" noMove="1" noResize="1" noEditPoints="1" noAdjustHandles="1" noChangeArrowheads="1" noChangeShapeType="1"/>
+          </p:cNvCxnSpPr>
+          <p:nvPr>
+            <p:extLst>
+              <p:ext uri="{386F3935-93C4-4BCD-93E2-E3B085C9AB24}">
+                <p16:designElem xmlns:p16="http://schemas.microsoft.com/office/powerpoint/2015/main" val="1"/>
+              </p:ext>
+            </p:extLst>
+          </p:nvPr>
+        </p:nvCxnSpPr>
+        <p:spPr>
+          <a:xfrm>
+            <a:off x="6096000" y="477749"/>
+            <a:ext cx="0" cy="3657600"/>
+          </a:xfrm>
+          <a:prstGeom prst="line">
+            <a:avLst/>
+          </a:prstGeom>
+          <a:ln w="101600" cmpd="dbl">
+            <a:solidFill>
+              <a:srgbClr val="595959"/>
+            </a:solidFill>
+          </a:ln>
+        </p:spPr>
+        <p:style>
+          <a:lnRef idx="1">
+            <a:schemeClr val="accent1"/>
+          </a:lnRef>
+          <a:fillRef idx="0">
+            <a:schemeClr val="accent1"/>
+          </a:fillRef>
+          <a:effectRef idx="0">
+            <a:schemeClr val="accent1"/>
+          </a:effectRef>
+          <a:fontRef idx="minor">
+            <a:schemeClr val="tx1"/>
+          </a:fontRef>
+        </p:style>
+      </p:cxnSp>
       <p:sp>
         <p:nvSpPr>
           <p:cNvPr id="2" name="Titre 1">
             <a:extLst>
               <a:ext uri="{FF2B5EF4-FFF2-40B4-BE49-F238E27FC236}">
-                <a16:creationId xmlns:a16="http://schemas.microsoft.com/office/drawing/2014/main" id="{1F6908DD-E2BC-4682-8832-3F39001C8C87}"/>
+                <a16:creationId xmlns:a16="http://schemas.microsoft.com/office/drawing/2014/main" id="{F0DD20CB-0FB9-4003-AE9D-231F020F5929}"/>
               </a:ext>
             </a:extLst>
           </p:cNvPr>
@@ -14660,80 +14247,26 @@
         </p:nvSpPr>
         <p:spPr>
           <a:xfrm>
-            <a:off x="1023257" y="965198"/>
-            <a:ext cx="6766078" cy="4927601"/>
+            <a:off x="527538" y="4756638"/>
+            <a:ext cx="11139854" cy="930447"/>
           </a:xfrm>
         </p:spPr>
         <p:txBody>
-          <a:bodyPr vert="horz" lIns="91440" tIns="45720" rIns="91440" bIns="45720" rtlCol="0" anchor="ctr">
+          <a:bodyPr vert="horz" lIns="91440" tIns="45720" rIns="91440" bIns="45720" rtlCol="0" anchor="b">
             <a:normAutofit/>
           </a:bodyPr>
           <a:lstStyle/>
           <a:p>
-            <a:pPr algn="r"/>
-            <a:r>
-              <a:rPr lang="en-US" sz="6000"/>
-              <a:t>BONUS!</a:t>
-            </a:r>
-          </a:p>
-        </p:txBody>
-      </p:sp>
-      <p:sp>
-        <p:nvSpPr>
-          <p:cNvPr id="3" name="Espace réservé du contenu 2">
-            <a:extLst>
-              <a:ext uri="{FF2B5EF4-FFF2-40B4-BE49-F238E27FC236}">
-                <a16:creationId xmlns:a16="http://schemas.microsoft.com/office/drawing/2014/main" id="{621520C5-50B5-4497-9EFA-BC72C788663F}"/>
-              </a:ext>
-            </a:extLst>
-          </p:cNvPr>
-          <p:cNvSpPr>
-            <a:spLocks noGrp="1"/>
-          </p:cNvSpPr>
-          <p:nvPr>
-            <p:ph idx="1"/>
-          </p:nvPr>
-        </p:nvSpPr>
-        <p:spPr>
-          <a:xfrm>
-            <a:off x="8454570" y="965199"/>
-            <a:ext cx="3093963" cy="4927602"/>
-          </a:xfrm>
-        </p:spPr>
-        <p:txBody>
-          <a:bodyPr vert="horz" lIns="91440" tIns="45720" rIns="91440" bIns="45720" rtlCol="0" anchor="ctr">
-            <a:normAutofit/>
-          </a:bodyPr>
-          <a:lstStyle/>
-          <a:p>
-            <a:pPr marL="0" indent="0">
-              <a:buNone/>
-            </a:pPr>
-            <a:r>
-              <a:rPr lang="en-US" sz="2000" dirty="0" err="1">
+            <a:pPr algn="ctr"/>
+            <a:r>
+              <a:rPr lang="fr-CA" sz="5400" dirty="0">
                 <a:solidFill>
                   <a:srgbClr val="FFFFFF"/>
                 </a:solidFill>
               </a:rPr>
-              <a:t>Démo</a:t>
-            </a:r>
-            <a:r>
-              <a:rPr lang="en-US" sz="2000" dirty="0">
-                <a:solidFill>
-                  <a:srgbClr val="FFFFFF"/>
-                </a:solidFill>
-              </a:rPr>
-              <a:t> du </a:t>
-            </a:r>
-            <a:r>
-              <a:rPr lang="en-US" sz="2000" dirty="0" err="1">
-                <a:solidFill>
-                  <a:srgbClr val="FFFFFF"/>
-                </a:solidFill>
-              </a:rPr>
-              <a:t>débogueur</a:t>
-            </a:r>
-            <a:endParaRPr lang="en-US" sz="2000" dirty="0">
+              <a:t>Flex (base)</a:t>
+            </a:r>
+            <a:endParaRPr lang="en-US" sz="5400" dirty="0">
               <a:solidFill>
                 <a:srgbClr val="FFFFFF"/>
               </a:solidFill>
@@ -14741,99 +14274,70 @@
           </a:p>
         </p:txBody>
       </p:sp>
+      <p:pic>
+        <p:nvPicPr>
+          <p:cNvPr id="3" name="Image 2">
+            <a:extLst>
+              <a:ext uri="{FF2B5EF4-FFF2-40B4-BE49-F238E27FC236}">
+                <a16:creationId xmlns:a16="http://schemas.microsoft.com/office/drawing/2014/main" id="{613DF90C-FBCE-4316-9FB8-6906397F8B31}"/>
+              </a:ext>
+            </a:extLst>
+          </p:cNvPr>
+          <p:cNvPicPr>
+            <a:picLocks noChangeAspect="1"/>
+          </p:cNvPicPr>
+          <p:nvPr/>
+        </p:nvPicPr>
+        <p:blipFill>
+          <a:blip r:embed="rId2"/>
+          <a:stretch>
+            <a:fillRect/>
+          </a:stretch>
+        </p:blipFill>
+        <p:spPr>
+          <a:xfrm>
+            <a:off x="1080973" y="1833667"/>
+            <a:ext cx="3838575" cy="571500"/>
+          </a:xfrm>
+          <a:prstGeom prst="rect">
+            <a:avLst/>
+          </a:prstGeom>
+        </p:spPr>
+      </p:pic>
+      <p:pic>
+        <p:nvPicPr>
+          <p:cNvPr id="6" name="Image 5">
+            <a:extLst>
+              <a:ext uri="{FF2B5EF4-FFF2-40B4-BE49-F238E27FC236}">
+                <a16:creationId xmlns:a16="http://schemas.microsoft.com/office/drawing/2014/main" id="{E2D56FF1-391C-4C42-8D95-F8004B0526CC}"/>
+              </a:ext>
+            </a:extLst>
+          </p:cNvPr>
+          <p:cNvPicPr>
+            <a:picLocks noChangeAspect="1"/>
+          </p:cNvPicPr>
+          <p:nvPr/>
+        </p:nvPicPr>
+        <p:blipFill>
+          <a:blip r:embed="rId3"/>
+          <a:stretch>
+            <a:fillRect/>
+          </a:stretch>
+        </p:blipFill>
+        <p:spPr>
+          <a:xfrm>
+            <a:off x="6941085" y="537654"/>
+            <a:ext cx="4038600" cy="3305175"/>
+          </a:xfrm>
+          <a:prstGeom prst="rect">
+            <a:avLst/>
+          </a:prstGeom>
+        </p:spPr>
+      </p:pic>
     </p:spTree>
     <p:extLst>
       <p:ext uri="{BB962C8B-B14F-4D97-AF65-F5344CB8AC3E}">
-        <p14:creationId xmlns:p14="http://schemas.microsoft.com/office/powerpoint/2010/main" val="516591418"/>
-      </p:ext>
-    </p:extLst>
-  </p:cSld>
-  <p:clrMapOvr>
-    <a:overrideClrMapping bg1="dk1" tx1="lt1" bg2="dk2" tx2="lt2" accent1="accent1" accent2="accent2" accent3="accent3" accent4="accent4" accent5="accent5" accent6="accent6" hlink="hlink" folHlink="folHlink"/>
-  </p:clrMapOvr>
-</p:sld>
-</file>
-
-<file path=ppt/slides/slide33.xml><?xml version="1.0" encoding="utf-8"?>
-<p:sld xmlns:a="http://schemas.openxmlformats.org/drawingml/2006/main" xmlns:r="http://schemas.openxmlformats.org/officeDocument/2006/relationships" xmlns:p="http://schemas.openxmlformats.org/presentationml/2006/main">
-  <p:cSld>
-    <p:spTree>
-      <p:nvGrpSpPr>
-        <p:cNvPr id="1" name=""/>
-        <p:cNvGrpSpPr/>
-        <p:nvPr/>
-      </p:nvGrpSpPr>
-      <p:grpSpPr>
-        <a:xfrm>
-          <a:off x="0" y="0"/>
-          <a:ext cx="0" cy="0"/>
-          <a:chOff x="0" y="0"/>
-          <a:chExt cx="0" cy="0"/>
-        </a:xfrm>
-      </p:grpSpPr>
-      <p:sp>
-        <p:nvSpPr>
-          <p:cNvPr id="5" name="Titre 4">
-            <a:extLst>
-              <a:ext uri="{FF2B5EF4-FFF2-40B4-BE49-F238E27FC236}">
-                <a16:creationId xmlns:a16="http://schemas.microsoft.com/office/drawing/2014/main" id="{4906A919-D020-479A-AC5A-D9F539FF3D33}"/>
-              </a:ext>
-            </a:extLst>
-          </p:cNvPr>
-          <p:cNvSpPr>
-            <a:spLocks noGrp="1"/>
-          </p:cNvSpPr>
-          <p:nvPr>
-            <p:ph type="ctrTitle"/>
-          </p:nvPr>
-        </p:nvSpPr>
-        <p:spPr/>
-        <p:txBody>
-          <a:bodyPr/>
-          <a:lstStyle/>
-          <a:p>
-            <a:r>
-              <a:rPr lang="fr-CA" dirty="0"/>
-              <a:t>Projet synthèse</a:t>
-            </a:r>
-          </a:p>
-        </p:txBody>
-      </p:sp>
-      <p:sp>
-        <p:nvSpPr>
-          <p:cNvPr id="6" name="Sous-titre 5">
-            <a:extLst>
-              <a:ext uri="{FF2B5EF4-FFF2-40B4-BE49-F238E27FC236}">
-                <a16:creationId xmlns:a16="http://schemas.microsoft.com/office/drawing/2014/main" id="{D4E8AAF7-3291-42EF-8749-155B01266A3A}"/>
-              </a:ext>
-            </a:extLst>
-          </p:cNvPr>
-          <p:cNvSpPr>
-            <a:spLocks noGrp="1"/>
-          </p:cNvSpPr>
-          <p:nvPr>
-            <p:ph type="subTitle" idx="1"/>
-          </p:nvPr>
-        </p:nvSpPr>
-        <p:spPr/>
-        <p:txBody>
-          <a:bodyPr/>
-          <a:lstStyle/>
-          <a:p>
-            <a:r>
-              <a:rPr lang="fr-CA" dirty="0">
-                <a:latin typeface="Consolas" panose="020B0609020204030204" pitchFamily="49" charset="0"/>
-                <a:cs typeface="Consolas" panose="020B0609020204030204" pitchFamily="49" charset="0"/>
-              </a:rPr>
-              <a:t>Re7+</a:t>
-            </a:r>
-          </a:p>
-        </p:txBody>
-      </p:sp>
-    </p:spTree>
-    <p:extLst>
-      <p:ext uri="{BB962C8B-B14F-4D97-AF65-F5344CB8AC3E}">
-        <p14:creationId xmlns:p14="http://schemas.microsoft.com/office/powerpoint/2010/main" val="624116466"/>
+        <p14:creationId xmlns:p14="http://schemas.microsoft.com/office/powerpoint/2010/main" val="1440457499"/>
       </p:ext>
     </p:extLst>
   </p:cSld>
@@ -14843,13 +14347,13 @@
 </p:sld>
 </file>
 
-<file path=ppt/slides/slide34.xml><?xml version="1.0" encoding="utf-8"?>
+<file path=ppt/slides/slide31.xml><?xml version="1.0" encoding="utf-8"?>
 <p:sld xmlns:a="http://schemas.openxmlformats.org/drawingml/2006/main" xmlns:r="http://schemas.openxmlformats.org/officeDocument/2006/relationships" xmlns:p="http://schemas.openxmlformats.org/presentationml/2006/main">
   <p:cSld>
     <p:bg>
       <p:bgPr>
         <a:solidFill>
-          <a:schemeClr val="tx1"/>
+          <a:schemeClr val="bg1"/>
         </a:solidFill>
         <a:effectLst/>
       </p:bgPr>
@@ -14870,10 +14374,10 @@
       </p:grpSpPr>
       <p:sp>
         <p:nvSpPr>
-          <p:cNvPr id="10" name="Rectangle 9">
-            <a:extLst>
-              <a:ext uri="{FF2B5EF4-FFF2-40B4-BE49-F238E27FC236}">
-                <a16:creationId xmlns:a16="http://schemas.microsoft.com/office/drawing/2014/main" id="{303B3BA0-E6D1-4B51-B0FC-AB26E30A4644}"/>
+          <p:cNvPr id="82" name="Rectangle 81">
+            <a:extLst>
+              <a:ext uri="{FF2B5EF4-FFF2-40B4-BE49-F238E27FC236}">
+                <a16:creationId xmlns:a16="http://schemas.microsoft.com/office/drawing/2014/main" id="{823AC064-BC96-4F32-8AE1-B2FD38754823}"/>
               </a:ext>
             </a:extLst>
           </p:cNvPr>
@@ -14888,19 +14392,21 @@
             </p:extLst>
           </p:nvPr>
         </p:nvSpPr>
-        <p:spPr>
-          <a:xfrm>
-            <a:off x="0" y="-3324"/>
-            <a:ext cx="12192000" cy="6861324"/>
+        <p:spPr bwMode="ltGray">
+          <a:xfrm>
+            <a:off x="378068" y="4633546"/>
+            <a:ext cx="11438793" cy="1844256"/>
           </a:xfrm>
           <a:prstGeom prst="rect">
             <a:avLst/>
           </a:prstGeom>
           <a:solidFill>
-            <a:schemeClr val="tx1"/>
+            <a:srgbClr val="404040"/>
           </a:solidFill>
-          <a:ln>
-            <a:noFill/>
+          <a:ln w="127000" cap="sq" cmpd="thinThick">
+            <a:solidFill>
+              <a:srgbClr val="404040"/>
+            </a:solidFill>
           </a:ln>
         </p:spPr>
         <p:style>
@@ -14928,18 +14434,18 @@
           </a:p>
         </p:txBody>
       </p:sp>
-      <p:sp>
-        <p:nvSpPr>
-          <p:cNvPr id="12" name="Rectangle 11">
-            <a:extLst>
-              <a:ext uri="{FF2B5EF4-FFF2-40B4-BE49-F238E27FC236}">
-                <a16:creationId xmlns:a16="http://schemas.microsoft.com/office/drawing/2014/main" id="{9EC5C977-1B4A-4938-A7A6-A8EDE5399DAE}"/>
-              </a:ext>
-            </a:extLst>
-          </p:cNvPr>
-          <p:cNvSpPr>
-            <a:spLocks noGrp="1" noRot="1" noChangeAspect="1" noMove="1" noResize="1" noEditPoints="1" noAdjustHandles="1" noChangeArrowheads="1" noChangeShapeType="1" noTextEdit="1"/>
-          </p:cNvSpPr>
+      <p:cxnSp>
+        <p:nvCxnSpPr>
+          <p:cNvPr id="84" name="Straight Connector 83">
+            <a:extLst>
+              <a:ext uri="{FF2B5EF4-FFF2-40B4-BE49-F238E27FC236}">
+                <a16:creationId xmlns:a16="http://schemas.microsoft.com/office/drawing/2014/main" id="{7E7C77BC-7138-40B1-A15B-20F57A494629}"/>
+              </a:ext>
+            </a:extLst>
+          </p:cNvPr>
+          <p:cNvCxnSpPr>
+            <a:cxnSpLocks noGrp="1" noRot="1" noChangeAspect="1" noMove="1" noResize="1" noEditPoints="1" noAdjustHandles="1" noChangeArrowheads="1" noChangeShapeType="1"/>
+          </p:cNvCxnSpPr>
           <p:nvPr>
             <p:extLst>
               <p:ext uri="{386F3935-93C4-4BCD-93E2-E3B085C9AB24}">
@@ -14947,27 +14453,262 @@
               </p:ext>
             </p:extLst>
           </p:nvPr>
+        </p:nvCxnSpPr>
+        <p:spPr>
+          <a:xfrm>
+            <a:off x="2209800" y="5738691"/>
+            <a:ext cx="7772400" cy="0"/>
+          </a:xfrm>
+          <a:prstGeom prst="line">
+            <a:avLst/>
+          </a:prstGeom>
+          <a:ln w="22225">
+            <a:solidFill>
+              <a:srgbClr val="D9D9D9"/>
+            </a:solidFill>
+          </a:ln>
+        </p:spPr>
+        <p:style>
+          <a:lnRef idx="1">
+            <a:schemeClr val="accent1"/>
+          </a:lnRef>
+          <a:fillRef idx="0">
+            <a:schemeClr val="accent1"/>
+          </a:fillRef>
+          <a:effectRef idx="0">
+            <a:schemeClr val="accent1"/>
+          </a:effectRef>
+          <a:fontRef idx="minor">
+            <a:schemeClr val="tx1"/>
+          </a:fontRef>
+        </p:style>
+      </p:cxnSp>
+      <p:cxnSp>
+        <p:nvCxnSpPr>
+          <p:cNvPr id="86" name="Straight Connector 85">
+            <a:extLst>
+              <a:ext uri="{FF2B5EF4-FFF2-40B4-BE49-F238E27FC236}">
+                <a16:creationId xmlns:a16="http://schemas.microsoft.com/office/drawing/2014/main" id="{DB146403-F3D6-484B-B2ED-97F9565D0370}"/>
+              </a:ext>
+            </a:extLst>
+          </p:cNvPr>
+          <p:cNvCxnSpPr>
+            <a:cxnSpLocks noGrp="1" noRot="1" noChangeAspect="1" noMove="1" noResize="1" noEditPoints="1" noAdjustHandles="1" noChangeArrowheads="1" noChangeShapeType="1"/>
+          </p:cNvCxnSpPr>
+          <p:nvPr>
+            <p:extLst>
+              <p:ext uri="{386F3935-93C4-4BCD-93E2-E3B085C9AB24}">
+                <p16:designElem xmlns:p16="http://schemas.microsoft.com/office/powerpoint/2015/main" val="1"/>
+              </p:ext>
+            </p:extLst>
+          </p:nvPr>
+        </p:nvCxnSpPr>
+        <p:spPr>
+          <a:xfrm>
+            <a:off x="6096000" y="477749"/>
+            <a:ext cx="0" cy="3657600"/>
+          </a:xfrm>
+          <a:prstGeom prst="line">
+            <a:avLst/>
+          </a:prstGeom>
+          <a:ln w="101600" cmpd="dbl">
+            <a:solidFill>
+              <a:srgbClr val="595959"/>
+            </a:solidFill>
+          </a:ln>
+        </p:spPr>
+        <p:style>
+          <a:lnRef idx="1">
+            <a:schemeClr val="accent1"/>
+          </a:lnRef>
+          <a:fillRef idx="0">
+            <a:schemeClr val="accent1"/>
+          </a:fillRef>
+          <a:effectRef idx="0">
+            <a:schemeClr val="accent1"/>
+          </a:effectRef>
+          <a:fontRef idx="minor">
+            <a:schemeClr val="tx1"/>
+          </a:fontRef>
+        </p:style>
+      </p:cxnSp>
+      <p:sp>
+        <p:nvSpPr>
+          <p:cNvPr id="2" name="Titre 1">
+            <a:extLst>
+              <a:ext uri="{FF2B5EF4-FFF2-40B4-BE49-F238E27FC236}">
+                <a16:creationId xmlns:a16="http://schemas.microsoft.com/office/drawing/2014/main" id="{F0DD20CB-0FB9-4003-AE9D-231F020F5929}"/>
+              </a:ext>
+            </a:extLst>
+          </p:cNvPr>
+          <p:cNvSpPr>
+            <a:spLocks noGrp="1"/>
+          </p:cNvSpPr>
+          <p:nvPr>
+            <p:ph type="title"/>
+          </p:nvPr>
+        </p:nvSpPr>
+        <p:spPr>
+          <a:xfrm>
+            <a:off x="527538" y="4756638"/>
+            <a:ext cx="11139854" cy="930447"/>
+          </a:xfrm>
+        </p:spPr>
+        <p:txBody>
+          <a:bodyPr vert="horz" lIns="91440" tIns="45720" rIns="91440" bIns="45720" rtlCol="0" anchor="b">
+            <a:normAutofit/>
+          </a:bodyPr>
+          <a:lstStyle/>
+          <a:p>
+            <a:pPr algn="ctr"/>
+            <a:r>
+              <a:rPr lang="fr-CA" sz="5400" dirty="0">
+                <a:solidFill>
+                  <a:srgbClr val="FFFFFF"/>
+                </a:solidFill>
+              </a:rPr>
+              <a:t>Flex (colonne)</a:t>
+            </a:r>
+            <a:endParaRPr lang="en-US" sz="5400" dirty="0">
+              <a:solidFill>
+                <a:srgbClr val="FFFFFF"/>
+              </a:solidFill>
+            </a:endParaRPr>
+          </a:p>
+        </p:txBody>
+      </p:sp>
+      <p:pic>
+        <p:nvPicPr>
+          <p:cNvPr id="4" name="Image 3">
+            <a:extLst>
+              <a:ext uri="{FF2B5EF4-FFF2-40B4-BE49-F238E27FC236}">
+                <a16:creationId xmlns:a16="http://schemas.microsoft.com/office/drawing/2014/main" id="{FB31FAB7-1F58-4F01-803A-FF0608B3161B}"/>
+              </a:ext>
+            </a:extLst>
+          </p:cNvPr>
+          <p:cNvPicPr>
+            <a:picLocks noChangeAspect="1"/>
+          </p:cNvPicPr>
+          <p:nvPr/>
+        </p:nvPicPr>
+        <p:blipFill>
+          <a:blip r:embed="rId2"/>
+          <a:stretch>
+            <a:fillRect/>
+          </a:stretch>
+        </p:blipFill>
+        <p:spPr>
+          <a:xfrm>
+            <a:off x="1038396" y="1399666"/>
+            <a:ext cx="3857625" cy="1581150"/>
+          </a:xfrm>
+          <a:prstGeom prst="rect">
+            <a:avLst/>
+          </a:prstGeom>
+        </p:spPr>
+      </p:pic>
+      <p:pic>
+        <p:nvPicPr>
+          <p:cNvPr id="5" name="Image 4">
+            <a:extLst>
+              <a:ext uri="{FF2B5EF4-FFF2-40B4-BE49-F238E27FC236}">
+                <a16:creationId xmlns:a16="http://schemas.microsoft.com/office/drawing/2014/main" id="{2D7BA1DA-CDCD-488C-9C51-2DA11EA30A4D}"/>
+              </a:ext>
+            </a:extLst>
+          </p:cNvPr>
+          <p:cNvPicPr>
+            <a:picLocks noChangeAspect="1"/>
+          </p:cNvPicPr>
+          <p:nvPr/>
+        </p:nvPicPr>
+        <p:blipFill>
+          <a:blip r:embed="rId3"/>
+          <a:stretch>
+            <a:fillRect/>
+          </a:stretch>
+        </p:blipFill>
+        <p:spPr>
+          <a:xfrm>
+            <a:off x="7006269" y="667692"/>
+            <a:ext cx="3886200" cy="3371850"/>
+          </a:xfrm>
+          <a:prstGeom prst="rect">
+            <a:avLst/>
+          </a:prstGeom>
+        </p:spPr>
+      </p:pic>
+    </p:spTree>
+    <p:extLst>
+      <p:ext uri="{BB962C8B-B14F-4D97-AF65-F5344CB8AC3E}">
+        <p14:creationId xmlns:p14="http://schemas.microsoft.com/office/powerpoint/2010/main" val="2762283843"/>
+      </p:ext>
+    </p:extLst>
+  </p:cSld>
+  <p:clrMapOvr>
+    <a:masterClrMapping/>
+  </p:clrMapOvr>
+</p:sld>
+</file>
+
+<file path=ppt/slides/slide32.xml><?xml version="1.0" encoding="utf-8"?>
+<p:sld xmlns:a="http://schemas.openxmlformats.org/drawingml/2006/main" xmlns:r="http://schemas.openxmlformats.org/officeDocument/2006/relationships" xmlns:p="http://schemas.openxmlformats.org/presentationml/2006/main">
+  <p:cSld>
+    <p:bg>
+      <p:bgPr>
+        <a:solidFill>
+          <a:schemeClr val="bg1"/>
+        </a:solidFill>
+        <a:effectLst/>
+      </p:bgPr>
+    </p:bg>
+    <p:spTree>
+      <p:nvGrpSpPr>
+        <p:cNvPr id="1" name=""/>
+        <p:cNvGrpSpPr/>
+        <p:nvPr/>
+      </p:nvGrpSpPr>
+      <p:grpSpPr>
+        <a:xfrm>
+          <a:off x="0" y="0"/>
+          <a:ext cx="0" cy="0"/>
+          <a:chOff x="0" y="0"/>
+          <a:chExt cx="0" cy="0"/>
+        </a:xfrm>
+      </p:grpSpPr>
+      <p:sp>
+        <p:nvSpPr>
+          <p:cNvPr id="82" name="Rectangle 81">
+            <a:extLst>
+              <a:ext uri="{FF2B5EF4-FFF2-40B4-BE49-F238E27FC236}">
+                <a16:creationId xmlns:a16="http://schemas.microsoft.com/office/drawing/2014/main" id="{823AC064-BC96-4F32-8AE1-B2FD38754823}"/>
+              </a:ext>
+            </a:extLst>
+          </p:cNvPr>
+          <p:cNvSpPr>
+            <a:spLocks noGrp="1" noRot="1" noChangeAspect="1" noMove="1" noResize="1" noEditPoints="1" noAdjustHandles="1" noChangeArrowheads="1" noChangeShapeType="1" noTextEdit="1"/>
+          </p:cNvSpPr>
+          <p:nvPr>
+            <p:extLst>
+              <p:ext uri="{386F3935-93C4-4BCD-93E2-E3B085C9AB24}">
+                <p16:designElem xmlns:p16="http://schemas.microsoft.com/office/powerpoint/2015/main" val="1"/>
+              </p:ext>
+            </p:extLst>
+          </p:nvPr>
         </p:nvSpPr>
         <p:spPr bwMode="ltGray">
           <a:xfrm>
-            <a:off x="321734" y="321733"/>
-            <a:ext cx="11573488" cy="6214534"/>
+            <a:off x="378068" y="4633546"/>
+            <a:ext cx="11438793" cy="1844256"/>
           </a:xfrm>
           <a:prstGeom prst="rect">
             <a:avLst/>
           </a:prstGeom>
           <a:solidFill>
-            <a:schemeClr val="bg1">
-              <a:lumMod val="75000"/>
-              <a:lumOff val="25000"/>
-            </a:schemeClr>
+            <a:srgbClr val="404040"/>
           </a:solidFill>
           <a:ln w="127000" cap="sq" cmpd="thinThick">
             <a:solidFill>
-              <a:schemeClr val="bg1">
-                <a:lumMod val="75000"/>
-                <a:lumOff val="25000"/>
-              </a:schemeClr>
+              <a:srgbClr val="404040"/>
             </a:solidFill>
           </a:ln>
         </p:spPr>
@@ -14998,10 +14739,10 @@
       </p:sp>
       <p:cxnSp>
         <p:nvCxnSpPr>
-          <p:cNvPr id="14" name="Straight Connector 13">
-            <a:extLst>
-              <a:ext uri="{FF2B5EF4-FFF2-40B4-BE49-F238E27FC236}">
-                <a16:creationId xmlns:a16="http://schemas.microsoft.com/office/drawing/2014/main" id="{811575C1-D79C-46B7-B304-2F5B124A0C00}"/>
+          <p:cNvPr id="84" name="Straight Connector 83">
+            <a:extLst>
+              <a:ext uri="{FF2B5EF4-FFF2-40B4-BE49-F238E27FC236}">
+                <a16:creationId xmlns:a16="http://schemas.microsoft.com/office/drawing/2014/main" id="{7E7C77BC-7138-40B1-A15B-20F57A494629}"/>
               </a:ext>
             </a:extLst>
           </p:cNvPr>
@@ -15018,17 +14759,64 @@
         </p:nvCxnSpPr>
         <p:spPr>
           <a:xfrm>
-            <a:off x="4724400" y="4109417"/>
-            <a:ext cx="2743200" cy="0"/>
+            <a:off x="2209800" y="5738691"/>
+            <a:ext cx="7772400" cy="0"/>
           </a:xfrm>
           <a:prstGeom prst="line">
             <a:avLst/>
           </a:prstGeom>
-          <a:ln w="12700">
+          <a:ln w="22225">
             <a:solidFill>
-              <a:schemeClr val="tx1">
-                <a:lumMod val="85000"/>
-              </a:schemeClr>
+              <a:srgbClr val="D9D9D9"/>
+            </a:solidFill>
+          </a:ln>
+        </p:spPr>
+        <p:style>
+          <a:lnRef idx="1">
+            <a:schemeClr val="accent1"/>
+          </a:lnRef>
+          <a:fillRef idx="0">
+            <a:schemeClr val="accent1"/>
+          </a:fillRef>
+          <a:effectRef idx="0">
+            <a:schemeClr val="accent1"/>
+          </a:effectRef>
+          <a:fontRef idx="minor">
+            <a:schemeClr val="tx1"/>
+          </a:fontRef>
+        </p:style>
+      </p:cxnSp>
+      <p:cxnSp>
+        <p:nvCxnSpPr>
+          <p:cNvPr id="86" name="Straight Connector 85">
+            <a:extLst>
+              <a:ext uri="{FF2B5EF4-FFF2-40B4-BE49-F238E27FC236}">
+                <a16:creationId xmlns:a16="http://schemas.microsoft.com/office/drawing/2014/main" id="{DB146403-F3D6-484B-B2ED-97F9565D0370}"/>
+              </a:ext>
+            </a:extLst>
+          </p:cNvPr>
+          <p:cNvCxnSpPr>
+            <a:cxnSpLocks noGrp="1" noRot="1" noChangeAspect="1" noMove="1" noResize="1" noEditPoints="1" noAdjustHandles="1" noChangeArrowheads="1" noChangeShapeType="1"/>
+          </p:cNvCxnSpPr>
+          <p:nvPr>
+            <p:extLst>
+              <p:ext uri="{386F3935-93C4-4BCD-93E2-E3B085C9AB24}">
+                <p16:designElem xmlns:p16="http://schemas.microsoft.com/office/powerpoint/2015/main" val="1"/>
+              </p:ext>
+            </p:extLst>
+          </p:nvPr>
+        </p:nvCxnSpPr>
+        <p:spPr>
+          <a:xfrm>
+            <a:off x="6096000" y="477749"/>
+            <a:ext cx="0" cy="3657600"/>
+          </a:xfrm>
+          <a:prstGeom prst="line">
+            <a:avLst/>
+          </a:prstGeom>
+          <a:ln w="101600" cmpd="dbl">
+            <a:solidFill>
+              <a:srgbClr val="595959"/>
             </a:solidFill>
           </a:ln>
         </p:spPr>
@@ -15049,10 +14837,10 @@
       </p:cxnSp>
       <p:sp>
         <p:nvSpPr>
-          <p:cNvPr id="5" name="Titre 4">
-            <a:extLst>
-              <a:ext uri="{FF2B5EF4-FFF2-40B4-BE49-F238E27FC236}">
-                <a16:creationId xmlns:a16="http://schemas.microsoft.com/office/drawing/2014/main" id="{4906A919-D020-479A-AC5A-D9F539FF3D33}"/>
+          <p:cNvPr id="2" name="Titre 1">
+            <a:extLst>
+              <a:ext uri="{FF2B5EF4-FFF2-40B4-BE49-F238E27FC236}">
+                <a16:creationId xmlns:a16="http://schemas.microsoft.com/office/drawing/2014/main" id="{F0DD20CB-0FB9-4003-AE9D-231F020F5929}"/>
               </a:ext>
             </a:extLst>
           </p:cNvPr>
@@ -15060,13 +14848,1878 @@
             <a:spLocks noGrp="1"/>
           </p:cNvSpPr>
           <p:nvPr>
+            <p:ph type="title"/>
+          </p:nvPr>
+        </p:nvSpPr>
+        <p:spPr>
+          <a:xfrm>
+            <a:off x="527538" y="4756638"/>
+            <a:ext cx="11139854" cy="930447"/>
+          </a:xfrm>
+        </p:spPr>
+        <p:txBody>
+          <a:bodyPr vert="horz" lIns="91440" tIns="45720" rIns="91440" bIns="45720" rtlCol="0" anchor="b">
+            <a:normAutofit/>
+          </a:bodyPr>
+          <a:lstStyle/>
+          <a:p>
+            <a:pPr algn="ctr"/>
+            <a:r>
+              <a:rPr lang="fr-CA" sz="5400" dirty="0">
+                <a:solidFill>
+                  <a:srgbClr val="FFFFFF"/>
+                </a:solidFill>
+              </a:rPr>
+              <a:t>Aligner…</a:t>
+            </a:r>
+            <a:endParaRPr lang="en-US" sz="5400" dirty="0">
+              <a:solidFill>
+                <a:srgbClr val="FFFFFF"/>
+              </a:solidFill>
+            </a:endParaRPr>
+          </a:p>
+        </p:txBody>
+      </p:sp>
+      <p:pic>
+        <p:nvPicPr>
+          <p:cNvPr id="3" name="Image 2">
+            <a:extLst>
+              <a:ext uri="{FF2B5EF4-FFF2-40B4-BE49-F238E27FC236}">
+                <a16:creationId xmlns:a16="http://schemas.microsoft.com/office/drawing/2014/main" id="{12D8B907-9820-4427-BE1E-7A906FEC8C73}"/>
+              </a:ext>
+            </a:extLst>
+          </p:cNvPr>
+          <p:cNvPicPr>
+            <a:picLocks noChangeAspect="1"/>
+          </p:cNvPicPr>
+          <p:nvPr/>
+        </p:nvPicPr>
+        <p:blipFill>
+          <a:blip r:embed="rId2"/>
+          <a:stretch>
+            <a:fillRect/>
+          </a:stretch>
+        </p:blipFill>
+        <p:spPr>
+          <a:xfrm>
+            <a:off x="1192633" y="1515974"/>
+            <a:ext cx="3857625" cy="1581150"/>
+          </a:xfrm>
+          <a:prstGeom prst="rect">
+            <a:avLst/>
+          </a:prstGeom>
+        </p:spPr>
+      </p:pic>
+      <p:pic>
+        <p:nvPicPr>
+          <p:cNvPr id="6" name="Image 5">
+            <a:extLst>
+              <a:ext uri="{FF2B5EF4-FFF2-40B4-BE49-F238E27FC236}">
+                <a16:creationId xmlns:a16="http://schemas.microsoft.com/office/drawing/2014/main" id="{F95AB06F-D9EE-4374-B116-8D02FD1CE8C6}"/>
+              </a:ext>
+            </a:extLst>
+          </p:cNvPr>
+          <p:cNvPicPr>
+            <a:picLocks noChangeAspect="1"/>
+          </p:cNvPicPr>
+          <p:nvPr/>
+        </p:nvPicPr>
+        <p:blipFill>
+          <a:blip r:embed="rId3"/>
+          <a:stretch>
+            <a:fillRect/>
+          </a:stretch>
+        </p:blipFill>
+        <p:spPr>
+          <a:xfrm>
+            <a:off x="7141743" y="535588"/>
+            <a:ext cx="3790950" cy="3571875"/>
+          </a:xfrm>
+          <a:prstGeom prst="rect">
+            <a:avLst/>
+          </a:prstGeom>
+        </p:spPr>
+      </p:pic>
+    </p:spTree>
+    <p:extLst>
+      <p:ext uri="{BB962C8B-B14F-4D97-AF65-F5344CB8AC3E}">
+        <p14:creationId xmlns:p14="http://schemas.microsoft.com/office/powerpoint/2010/main" val="4114948195"/>
+      </p:ext>
+    </p:extLst>
+  </p:cSld>
+  <p:clrMapOvr>
+    <a:masterClrMapping/>
+  </p:clrMapOvr>
+</p:sld>
+</file>
+
+<file path=ppt/slides/slide33.xml><?xml version="1.0" encoding="utf-8"?>
+<p:sld xmlns:a="http://schemas.openxmlformats.org/drawingml/2006/main" xmlns:r="http://schemas.openxmlformats.org/officeDocument/2006/relationships" xmlns:p="http://schemas.openxmlformats.org/presentationml/2006/main">
+  <p:cSld>
+    <p:bg>
+      <p:bgPr>
+        <a:solidFill>
+          <a:schemeClr val="bg1"/>
+        </a:solidFill>
+        <a:effectLst/>
+      </p:bgPr>
+    </p:bg>
+    <p:spTree>
+      <p:nvGrpSpPr>
+        <p:cNvPr id="1" name=""/>
+        <p:cNvGrpSpPr/>
+        <p:nvPr/>
+      </p:nvGrpSpPr>
+      <p:grpSpPr>
+        <a:xfrm>
+          <a:off x="0" y="0"/>
+          <a:ext cx="0" cy="0"/>
+          <a:chOff x="0" y="0"/>
+          <a:chExt cx="0" cy="0"/>
+        </a:xfrm>
+      </p:grpSpPr>
+      <p:sp>
+        <p:nvSpPr>
+          <p:cNvPr id="82" name="Rectangle 81">
+            <a:extLst>
+              <a:ext uri="{FF2B5EF4-FFF2-40B4-BE49-F238E27FC236}">
+                <a16:creationId xmlns:a16="http://schemas.microsoft.com/office/drawing/2014/main" id="{823AC064-BC96-4F32-8AE1-B2FD38754823}"/>
+              </a:ext>
+            </a:extLst>
+          </p:cNvPr>
+          <p:cNvSpPr>
+            <a:spLocks noGrp="1" noRot="1" noChangeAspect="1" noMove="1" noResize="1" noEditPoints="1" noAdjustHandles="1" noChangeArrowheads="1" noChangeShapeType="1" noTextEdit="1"/>
+          </p:cNvSpPr>
+          <p:nvPr>
+            <p:extLst>
+              <p:ext uri="{386F3935-93C4-4BCD-93E2-E3B085C9AB24}">
+                <p16:designElem xmlns:p16="http://schemas.microsoft.com/office/powerpoint/2015/main" val="1"/>
+              </p:ext>
+            </p:extLst>
+          </p:nvPr>
+        </p:nvSpPr>
+        <p:spPr bwMode="ltGray">
+          <a:xfrm>
+            <a:off x="378068" y="4633546"/>
+            <a:ext cx="11438793" cy="1844256"/>
+          </a:xfrm>
+          <a:prstGeom prst="rect">
+            <a:avLst/>
+          </a:prstGeom>
+          <a:solidFill>
+            <a:srgbClr val="404040"/>
+          </a:solidFill>
+          <a:ln w="127000" cap="sq" cmpd="thinThick">
+            <a:solidFill>
+              <a:srgbClr val="404040"/>
+            </a:solidFill>
+          </a:ln>
+        </p:spPr>
+        <p:style>
+          <a:lnRef idx="2">
+            <a:schemeClr val="accent1">
+              <a:shade val="50000"/>
+            </a:schemeClr>
+          </a:lnRef>
+          <a:fillRef idx="1">
+            <a:schemeClr val="accent1"/>
+          </a:fillRef>
+          <a:effectRef idx="0">
+            <a:schemeClr val="accent1"/>
+          </a:effectRef>
+          <a:fontRef idx="minor">
+            <a:schemeClr val="lt1"/>
+          </a:fontRef>
+        </p:style>
+        <p:txBody>
+          <a:bodyPr rtlCol="0" anchor="ctr"/>
+          <a:lstStyle/>
+          <a:p>
+            <a:pPr algn="ctr"/>
+            <a:endParaRPr lang="en-US"/>
+          </a:p>
+        </p:txBody>
+      </p:sp>
+      <p:cxnSp>
+        <p:nvCxnSpPr>
+          <p:cNvPr id="84" name="Straight Connector 83">
+            <a:extLst>
+              <a:ext uri="{FF2B5EF4-FFF2-40B4-BE49-F238E27FC236}">
+                <a16:creationId xmlns:a16="http://schemas.microsoft.com/office/drawing/2014/main" id="{7E7C77BC-7138-40B1-A15B-20F57A494629}"/>
+              </a:ext>
+            </a:extLst>
+          </p:cNvPr>
+          <p:cNvCxnSpPr>
+            <a:cxnSpLocks noGrp="1" noRot="1" noChangeAspect="1" noMove="1" noResize="1" noEditPoints="1" noAdjustHandles="1" noChangeArrowheads="1" noChangeShapeType="1"/>
+          </p:cNvCxnSpPr>
+          <p:nvPr>
+            <p:extLst>
+              <p:ext uri="{386F3935-93C4-4BCD-93E2-E3B085C9AB24}">
+                <p16:designElem xmlns:p16="http://schemas.microsoft.com/office/powerpoint/2015/main" val="1"/>
+              </p:ext>
+            </p:extLst>
+          </p:nvPr>
+        </p:nvCxnSpPr>
+        <p:spPr>
+          <a:xfrm>
+            <a:off x="2209800" y="5738691"/>
+            <a:ext cx="7772400" cy="0"/>
+          </a:xfrm>
+          <a:prstGeom prst="line">
+            <a:avLst/>
+          </a:prstGeom>
+          <a:ln w="22225">
+            <a:solidFill>
+              <a:srgbClr val="D9D9D9"/>
+            </a:solidFill>
+          </a:ln>
+        </p:spPr>
+        <p:style>
+          <a:lnRef idx="1">
+            <a:schemeClr val="accent1"/>
+          </a:lnRef>
+          <a:fillRef idx="0">
+            <a:schemeClr val="accent1"/>
+          </a:fillRef>
+          <a:effectRef idx="0">
+            <a:schemeClr val="accent1"/>
+          </a:effectRef>
+          <a:fontRef idx="minor">
+            <a:schemeClr val="tx1"/>
+          </a:fontRef>
+        </p:style>
+      </p:cxnSp>
+      <p:cxnSp>
+        <p:nvCxnSpPr>
+          <p:cNvPr id="86" name="Straight Connector 85">
+            <a:extLst>
+              <a:ext uri="{FF2B5EF4-FFF2-40B4-BE49-F238E27FC236}">
+                <a16:creationId xmlns:a16="http://schemas.microsoft.com/office/drawing/2014/main" id="{DB146403-F3D6-484B-B2ED-97F9565D0370}"/>
+              </a:ext>
+            </a:extLst>
+          </p:cNvPr>
+          <p:cNvCxnSpPr>
+            <a:cxnSpLocks noGrp="1" noRot="1" noChangeAspect="1" noMove="1" noResize="1" noEditPoints="1" noAdjustHandles="1" noChangeArrowheads="1" noChangeShapeType="1"/>
+          </p:cNvCxnSpPr>
+          <p:nvPr>
+            <p:extLst>
+              <p:ext uri="{386F3935-93C4-4BCD-93E2-E3B085C9AB24}">
+                <p16:designElem xmlns:p16="http://schemas.microsoft.com/office/powerpoint/2015/main" val="1"/>
+              </p:ext>
+            </p:extLst>
+          </p:nvPr>
+        </p:nvCxnSpPr>
+        <p:spPr>
+          <a:xfrm>
+            <a:off x="6096000" y="477749"/>
+            <a:ext cx="0" cy="3657600"/>
+          </a:xfrm>
+          <a:prstGeom prst="line">
+            <a:avLst/>
+          </a:prstGeom>
+          <a:ln w="101600" cmpd="dbl">
+            <a:solidFill>
+              <a:srgbClr val="595959"/>
+            </a:solidFill>
+          </a:ln>
+        </p:spPr>
+        <p:style>
+          <a:lnRef idx="1">
+            <a:schemeClr val="accent1"/>
+          </a:lnRef>
+          <a:fillRef idx="0">
+            <a:schemeClr val="accent1"/>
+          </a:fillRef>
+          <a:effectRef idx="0">
+            <a:schemeClr val="accent1"/>
+          </a:effectRef>
+          <a:fontRef idx="minor">
+            <a:schemeClr val="tx1"/>
+          </a:fontRef>
+        </p:style>
+      </p:cxnSp>
+      <p:sp>
+        <p:nvSpPr>
+          <p:cNvPr id="2" name="Titre 1">
+            <a:extLst>
+              <a:ext uri="{FF2B5EF4-FFF2-40B4-BE49-F238E27FC236}">
+                <a16:creationId xmlns:a16="http://schemas.microsoft.com/office/drawing/2014/main" id="{F0DD20CB-0FB9-4003-AE9D-231F020F5929}"/>
+              </a:ext>
+            </a:extLst>
+          </p:cNvPr>
+          <p:cNvSpPr>
+            <a:spLocks noGrp="1"/>
+          </p:cNvSpPr>
+          <p:nvPr>
+            <p:ph type="title"/>
+          </p:nvPr>
+        </p:nvSpPr>
+        <p:spPr>
+          <a:xfrm>
+            <a:off x="527538" y="4756638"/>
+            <a:ext cx="11139854" cy="930447"/>
+          </a:xfrm>
+        </p:spPr>
+        <p:txBody>
+          <a:bodyPr vert="horz" lIns="91440" tIns="45720" rIns="91440" bIns="45720" rtlCol="0" anchor="b">
+            <a:normAutofit/>
+          </a:bodyPr>
+          <a:lstStyle/>
+          <a:p>
+            <a:pPr algn="ctr"/>
+            <a:r>
+              <a:rPr lang="fr-CA" sz="5400" dirty="0">
+                <a:solidFill>
+                  <a:srgbClr val="FFFFFF"/>
+                </a:solidFill>
+              </a:rPr>
+              <a:t>Aligner…</a:t>
+            </a:r>
+            <a:endParaRPr lang="en-US" sz="5400" dirty="0">
+              <a:solidFill>
+                <a:srgbClr val="FFFFFF"/>
+              </a:solidFill>
+            </a:endParaRPr>
+          </a:p>
+        </p:txBody>
+      </p:sp>
+      <p:pic>
+        <p:nvPicPr>
+          <p:cNvPr id="3" name="Image 2">
+            <a:extLst>
+              <a:ext uri="{FF2B5EF4-FFF2-40B4-BE49-F238E27FC236}">
+                <a16:creationId xmlns:a16="http://schemas.microsoft.com/office/drawing/2014/main" id="{1CA92E9B-943E-4B19-8037-5318F38F486B}"/>
+              </a:ext>
+            </a:extLst>
+          </p:cNvPr>
+          <p:cNvPicPr>
+            <a:picLocks noChangeAspect="1"/>
+          </p:cNvPicPr>
+          <p:nvPr/>
+        </p:nvPicPr>
+        <p:blipFill>
+          <a:blip r:embed="rId2"/>
+          <a:stretch>
+            <a:fillRect/>
+          </a:stretch>
+        </p:blipFill>
+        <p:spPr>
+          <a:xfrm>
+            <a:off x="1132786" y="1511211"/>
+            <a:ext cx="3867150" cy="1590675"/>
+          </a:xfrm>
+          <a:prstGeom prst="rect">
+            <a:avLst/>
+          </a:prstGeom>
+        </p:spPr>
+      </p:pic>
+      <p:pic>
+        <p:nvPicPr>
+          <p:cNvPr id="6" name="Image 5">
+            <a:extLst>
+              <a:ext uri="{FF2B5EF4-FFF2-40B4-BE49-F238E27FC236}">
+                <a16:creationId xmlns:a16="http://schemas.microsoft.com/office/drawing/2014/main" id="{E438A7A8-A598-4EC5-8CED-E90A0C349CDD}"/>
+              </a:ext>
+            </a:extLst>
+          </p:cNvPr>
+          <p:cNvPicPr>
+            <a:picLocks noChangeAspect="1"/>
+          </p:cNvPicPr>
+          <p:nvPr/>
+        </p:nvPicPr>
+        <p:blipFill>
+          <a:blip r:embed="rId3"/>
+          <a:stretch>
+            <a:fillRect/>
+          </a:stretch>
+        </p:blipFill>
+        <p:spPr>
+          <a:xfrm>
+            <a:off x="6891624" y="226578"/>
+            <a:ext cx="3829050" cy="3790950"/>
+          </a:xfrm>
+          <a:prstGeom prst="rect">
+            <a:avLst/>
+          </a:prstGeom>
+        </p:spPr>
+      </p:pic>
+    </p:spTree>
+    <p:extLst>
+      <p:ext uri="{BB962C8B-B14F-4D97-AF65-F5344CB8AC3E}">
+        <p14:creationId xmlns:p14="http://schemas.microsoft.com/office/powerpoint/2010/main" val="2061583708"/>
+      </p:ext>
+    </p:extLst>
+  </p:cSld>
+  <p:clrMapOvr>
+    <a:masterClrMapping/>
+  </p:clrMapOvr>
+</p:sld>
+</file>
+
+<file path=ppt/slides/slide34.xml><?xml version="1.0" encoding="utf-8"?>
+<p:sld xmlns:a="http://schemas.openxmlformats.org/drawingml/2006/main" xmlns:r="http://schemas.openxmlformats.org/officeDocument/2006/relationships" xmlns:p="http://schemas.openxmlformats.org/presentationml/2006/main">
+  <p:cSld>
+    <p:bg>
+      <p:bgPr>
+        <a:solidFill>
+          <a:schemeClr val="bg1"/>
+        </a:solidFill>
+        <a:effectLst/>
+      </p:bgPr>
+    </p:bg>
+    <p:spTree>
+      <p:nvGrpSpPr>
+        <p:cNvPr id="1" name=""/>
+        <p:cNvGrpSpPr/>
+        <p:nvPr/>
+      </p:nvGrpSpPr>
+      <p:grpSpPr>
+        <a:xfrm>
+          <a:off x="0" y="0"/>
+          <a:ext cx="0" cy="0"/>
+          <a:chOff x="0" y="0"/>
+          <a:chExt cx="0" cy="0"/>
+        </a:xfrm>
+      </p:grpSpPr>
+      <p:sp>
+        <p:nvSpPr>
+          <p:cNvPr id="82" name="Rectangle 81">
+            <a:extLst>
+              <a:ext uri="{FF2B5EF4-FFF2-40B4-BE49-F238E27FC236}">
+                <a16:creationId xmlns:a16="http://schemas.microsoft.com/office/drawing/2014/main" id="{823AC064-BC96-4F32-8AE1-B2FD38754823}"/>
+              </a:ext>
+            </a:extLst>
+          </p:cNvPr>
+          <p:cNvSpPr>
+            <a:spLocks noGrp="1" noRot="1" noChangeAspect="1" noMove="1" noResize="1" noEditPoints="1" noAdjustHandles="1" noChangeArrowheads="1" noChangeShapeType="1" noTextEdit="1"/>
+          </p:cNvSpPr>
+          <p:nvPr>
+            <p:extLst>
+              <p:ext uri="{386F3935-93C4-4BCD-93E2-E3B085C9AB24}">
+                <p16:designElem xmlns:p16="http://schemas.microsoft.com/office/powerpoint/2015/main" val="1"/>
+              </p:ext>
+            </p:extLst>
+          </p:nvPr>
+        </p:nvSpPr>
+        <p:spPr bwMode="ltGray">
+          <a:xfrm>
+            <a:off x="378068" y="4633546"/>
+            <a:ext cx="11438793" cy="1844256"/>
+          </a:xfrm>
+          <a:prstGeom prst="rect">
+            <a:avLst/>
+          </a:prstGeom>
+          <a:solidFill>
+            <a:srgbClr val="404040"/>
+          </a:solidFill>
+          <a:ln w="127000" cap="sq" cmpd="thinThick">
+            <a:solidFill>
+              <a:srgbClr val="404040"/>
+            </a:solidFill>
+          </a:ln>
+        </p:spPr>
+        <p:style>
+          <a:lnRef idx="2">
+            <a:schemeClr val="accent1">
+              <a:shade val="50000"/>
+            </a:schemeClr>
+          </a:lnRef>
+          <a:fillRef idx="1">
+            <a:schemeClr val="accent1"/>
+          </a:fillRef>
+          <a:effectRef idx="0">
+            <a:schemeClr val="accent1"/>
+          </a:effectRef>
+          <a:fontRef idx="minor">
+            <a:schemeClr val="lt1"/>
+          </a:fontRef>
+        </p:style>
+        <p:txBody>
+          <a:bodyPr rtlCol="0" anchor="ctr"/>
+          <a:lstStyle/>
+          <a:p>
+            <a:pPr algn="ctr"/>
+            <a:endParaRPr lang="en-US"/>
+          </a:p>
+        </p:txBody>
+      </p:sp>
+      <p:cxnSp>
+        <p:nvCxnSpPr>
+          <p:cNvPr id="84" name="Straight Connector 83">
+            <a:extLst>
+              <a:ext uri="{FF2B5EF4-FFF2-40B4-BE49-F238E27FC236}">
+                <a16:creationId xmlns:a16="http://schemas.microsoft.com/office/drawing/2014/main" id="{7E7C77BC-7138-40B1-A15B-20F57A494629}"/>
+              </a:ext>
+            </a:extLst>
+          </p:cNvPr>
+          <p:cNvCxnSpPr>
+            <a:cxnSpLocks noGrp="1" noRot="1" noChangeAspect="1" noMove="1" noResize="1" noEditPoints="1" noAdjustHandles="1" noChangeArrowheads="1" noChangeShapeType="1"/>
+          </p:cNvCxnSpPr>
+          <p:nvPr>
+            <p:extLst>
+              <p:ext uri="{386F3935-93C4-4BCD-93E2-E3B085C9AB24}">
+                <p16:designElem xmlns:p16="http://schemas.microsoft.com/office/powerpoint/2015/main" val="1"/>
+              </p:ext>
+            </p:extLst>
+          </p:nvPr>
+        </p:nvCxnSpPr>
+        <p:spPr>
+          <a:xfrm>
+            <a:off x="2209800" y="5738691"/>
+            <a:ext cx="7772400" cy="0"/>
+          </a:xfrm>
+          <a:prstGeom prst="line">
+            <a:avLst/>
+          </a:prstGeom>
+          <a:ln w="22225">
+            <a:solidFill>
+              <a:srgbClr val="D9D9D9"/>
+            </a:solidFill>
+          </a:ln>
+        </p:spPr>
+        <p:style>
+          <a:lnRef idx="1">
+            <a:schemeClr val="accent1"/>
+          </a:lnRef>
+          <a:fillRef idx="0">
+            <a:schemeClr val="accent1"/>
+          </a:fillRef>
+          <a:effectRef idx="0">
+            <a:schemeClr val="accent1"/>
+          </a:effectRef>
+          <a:fontRef idx="minor">
+            <a:schemeClr val="tx1"/>
+          </a:fontRef>
+        </p:style>
+      </p:cxnSp>
+      <p:cxnSp>
+        <p:nvCxnSpPr>
+          <p:cNvPr id="86" name="Straight Connector 85">
+            <a:extLst>
+              <a:ext uri="{FF2B5EF4-FFF2-40B4-BE49-F238E27FC236}">
+                <a16:creationId xmlns:a16="http://schemas.microsoft.com/office/drawing/2014/main" id="{DB146403-F3D6-484B-B2ED-97F9565D0370}"/>
+              </a:ext>
+            </a:extLst>
+          </p:cNvPr>
+          <p:cNvCxnSpPr>
+            <a:cxnSpLocks noGrp="1" noRot="1" noChangeAspect="1" noMove="1" noResize="1" noEditPoints="1" noAdjustHandles="1" noChangeArrowheads="1" noChangeShapeType="1"/>
+          </p:cNvCxnSpPr>
+          <p:nvPr>
+            <p:extLst>
+              <p:ext uri="{386F3935-93C4-4BCD-93E2-E3B085C9AB24}">
+                <p16:designElem xmlns:p16="http://schemas.microsoft.com/office/powerpoint/2015/main" val="1"/>
+              </p:ext>
+            </p:extLst>
+          </p:nvPr>
+        </p:nvCxnSpPr>
+        <p:spPr>
+          <a:xfrm>
+            <a:off x="6096000" y="477749"/>
+            <a:ext cx="0" cy="3657600"/>
+          </a:xfrm>
+          <a:prstGeom prst="line">
+            <a:avLst/>
+          </a:prstGeom>
+          <a:ln w="101600" cmpd="dbl">
+            <a:solidFill>
+              <a:srgbClr val="595959"/>
+            </a:solidFill>
+          </a:ln>
+        </p:spPr>
+        <p:style>
+          <a:lnRef idx="1">
+            <a:schemeClr val="accent1"/>
+          </a:lnRef>
+          <a:fillRef idx="0">
+            <a:schemeClr val="accent1"/>
+          </a:fillRef>
+          <a:effectRef idx="0">
+            <a:schemeClr val="accent1"/>
+          </a:effectRef>
+          <a:fontRef idx="minor">
+            <a:schemeClr val="tx1"/>
+          </a:fontRef>
+        </p:style>
+      </p:cxnSp>
+      <p:sp>
+        <p:nvSpPr>
+          <p:cNvPr id="2" name="Titre 1">
+            <a:extLst>
+              <a:ext uri="{FF2B5EF4-FFF2-40B4-BE49-F238E27FC236}">
+                <a16:creationId xmlns:a16="http://schemas.microsoft.com/office/drawing/2014/main" id="{F0DD20CB-0FB9-4003-AE9D-231F020F5929}"/>
+              </a:ext>
+            </a:extLst>
+          </p:cNvPr>
+          <p:cNvSpPr>
+            <a:spLocks noGrp="1"/>
+          </p:cNvSpPr>
+          <p:nvPr>
+            <p:ph type="title"/>
+          </p:nvPr>
+        </p:nvSpPr>
+        <p:spPr>
+          <a:xfrm>
+            <a:off x="527538" y="4756638"/>
+            <a:ext cx="11139854" cy="930447"/>
+          </a:xfrm>
+        </p:spPr>
+        <p:txBody>
+          <a:bodyPr vert="horz" lIns="91440" tIns="45720" rIns="91440" bIns="45720" rtlCol="0" anchor="b">
+            <a:normAutofit/>
+          </a:bodyPr>
+          <a:lstStyle/>
+          <a:p>
+            <a:pPr algn="ctr"/>
+            <a:r>
+              <a:rPr lang="fr-CA" sz="5400" dirty="0">
+                <a:solidFill>
+                  <a:srgbClr val="FFFFFF"/>
+                </a:solidFill>
+              </a:rPr>
+              <a:t>Justifier…</a:t>
+            </a:r>
+            <a:endParaRPr lang="en-US" sz="5400" dirty="0">
+              <a:solidFill>
+                <a:srgbClr val="FFFFFF"/>
+              </a:solidFill>
+            </a:endParaRPr>
+          </a:p>
+        </p:txBody>
+      </p:sp>
+      <p:pic>
+        <p:nvPicPr>
+          <p:cNvPr id="4" name="Image 3">
+            <a:extLst>
+              <a:ext uri="{FF2B5EF4-FFF2-40B4-BE49-F238E27FC236}">
+                <a16:creationId xmlns:a16="http://schemas.microsoft.com/office/drawing/2014/main" id="{F5D55B23-5DBF-469C-A7B7-013591C35CDC}"/>
+              </a:ext>
+            </a:extLst>
+          </p:cNvPr>
+          <p:cNvPicPr>
+            <a:picLocks noChangeAspect="1"/>
+          </p:cNvPicPr>
+          <p:nvPr/>
+        </p:nvPicPr>
+        <p:blipFill>
+          <a:blip r:embed="rId2"/>
+          <a:stretch>
+            <a:fillRect/>
+          </a:stretch>
+        </p:blipFill>
+        <p:spPr>
+          <a:xfrm>
+            <a:off x="1184887" y="130086"/>
+            <a:ext cx="3829050" cy="4352925"/>
+          </a:xfrm>
+          <a:prstGeom prst="rect">
+            <a:avLst/>
+          </a:prstGeom>
+        </p:spPr>
+      </p:pic>
+      <p:pic>
+        <p:nvPicPr>
+          <p:cNvPr id="5" name="Image 4">
+            <a:extLst>
+              <a:ext uri="{FF2B5EF4-FFF2-40B4-BE49-F238E27FC236}">
+                <a16:creationId xmlns:a16="http://schemas.microsoft.com/office/drawing/2014/main" id="{BF0D8B4B-996C-4F04-AE76-F1117C396A14}"/>
+              </a:ext>
+            </a:extLst>
+          </p:cNvPr>
+          <p:cNvPicPr>
+            <a:picLocks noChangeAspect="1"/>
+          </p:cNvPicPr>
+          <p:nvPr/>
+        </p:nvPicPr>
+        <p:blipFill>
+          <a:blip r:embed="rId3"/>
+          <a:stretch>
+            <a:fillRect/>
+          </a:stretch>
+        </p:blipFill>
+        <p:spPr>
+          <a:xfrm>
+            <a:off x="7178064" y="279172"/>
+            <a:ext cx="3648075" cy="4105275"/>
+          </a:xfrm>
+          <a:prstGeom prst="rect">
+            <a:avLst/>
+          </a:prstGeom>
+        </p:spPr>
+      </p:pic>
+    </p:spTree>
+    <p:extLst>
+      <p:ext uri="{BB962C8B-B14F-4D97-AF65-F5344CB8AC3E}">
+        <p14:creationId xmlns:p14="http://schemas.microsoft.com/office/powerpoint/2010/main" val="2253366984"/>
+      </p:ext>
+    </p:extLst>
+  </p:cSld>
+  <p:clrMapOvr>
+    <a:masterClrMapping/>
+  </p:clrMapOvr>
+</p:sld>
+</file>
+
+<file path=ppt/slides/slide35.xml><?xml version="1.0" encoding="utf-8"?>
+<p:sld xmlns:a="http://schemas.openxmlformats.org/drawingml/2006/main" xmlns:r="http://schemas.openxmlformats.org/officeDocument/2006/relationships" xmlns:p="http://schemas.openxmlformats.org/presentationml/2006/main">
+  <p:cSld>
+    <p:bg>
+      <p:bgPr>
+        <a:solidFill>
+          <a:schemeClr val="bg1"/>
+        </a:solidFill>
+        <a:effectLst/>
+      </p:bgPr>
+    </p:bg>
+    <p:spTree>
+      <p:nvGrpSpPr>
+        <p:cNvPr id="1" name=""/>
+        <p:cNvGrpSpPr/>
+        <p:nvPr/>
+      </p:nvGrpSpPr>
+      <p:grpSpPr>
+        <a:xfrm>
+          <a:off x="0" y="0"/>
+          <a:ext cx="0" cy="0"/>
+          <a:chOff x="0" y="0"/>
+          <a:chExt cx="0" cy="0"/>
+        </a:xfrm>
+      </p:grpSpPr>
+      <p:sp>
+        <p:nvSpPr>
+          <p:cNvPr id="82" name="Rectangle 81">
+            <a:extLst>
+              <a:ext uri="{FF2B5EF4-FFF2-40B4-BE49-F238E27FC236}">
+                <a16:creationId xmlns:a16="http://schemas.microsoft.com/office/drawing/2014/main" id="{823AC064-BC96-4F32-8AE1-B2FD38754823}"/>
+              </a:ext>
+            </a:extLst>
+          </p:cNvPr>
+          <p:cNvSpPr>
+            <a:spLocks noGrp="1" noRot="1" noChangeAspect="1" noMove="1" noResize="1" noEditPoints="1" noAdjustHandles="1" noChangeArrowheads="1" noChangeShapeType="1" noTextEdit="1"/>
+          </p:cNvSpPr>
+          <p:nvPr>
+            <p:extLst>
+              <p:ext uri="{386F3935-93C4-4BCD-93E2-E3B085C9AB24}">
+                <p16:designElem xmlns:p16="http://schemas.microsoft.com/office/powerpoint/2015/main" val="1"/>
+              </p:ext>
+            </p:extLst>
+          </p:nvPr>
+        </p:nvSpPr>
+        <p:spPr bwMode="ltGray">
+          <a:xfrm>
+            <a:off x="378068" y="4633546"/>
+            <a:ext cx="11438793" cy="1844256"/>
+          </a:xfrm>
+          <a:prstGeom prst="rect">
+            <a:avLst/>
+          </a:prstGeom>
+          <a:solidFill>
+            <a:srgbClr val="404040"/>
+          </a:solidFill>
+          <a:ln w="127000" cap="sq" cmpd="thinThick">
+            <a:solidFill>
+              <a:srgbClr val="404040"/>
+            </a:solidFill>
+          </a:ln>
+        </p:spPr>
+        <p:style>
+          <a:lnRef idx="2">
+            <a:schemeClr val="accent1">
+              <a:shade val="50000"/>
+            </a:schemeClr>
+          </a:lnRef>
+          <a:fillRef idx="1">
+            <a:schemeClr val="accent1"/>
+          </a:fillRef>
+          <a:effectRef idx="0">
+            <a:schemeClr val="accent1"/>
+          </a:effectRef>
+          <a:fontRef idx="minor">
+            <a:schemeClr val="lt1"/>
+          </a:fontRef>
+        </p:style>
+        <p:txBody>
+          <a:bodyPr rtlCol="0" anchor="ctr"/>
+          <a:lstStyle/>
+          <a:p>
+            <a:pPr algn="ctr"/>
+            <a:endParaRPr lang="en-US"/>
+          </a:p>
+        </p:txBody>
+      </p:sp>
+      <p:cxnSp>
+        <p:nvCxnSpPr>
+          <p:cNvPr id="84" name="Straight Connector 83">
+            <a:extLst>
+              <a:ext uri="{FF2B5EF4-FFF2-40B4-BE49-F238E27FC236}">
+                <a16:creationId xmlns:a16="http://schemas.microsoft.com/office/drawing/2014/main" id="{7E7C77BC-7138-40B1-A15B-20F57A494629}"/>
+              </a:ext>
+            </a:extLst>
+          </p:cNvPr>
+          <p:cNvCxnSpPr>
+            <a:cxnSpLocks noGrp="1" noRot="1" noChangeAspect="1" noMove="1" noResize="1" noEditPoints="1" noAdjustHandles="1" noChangeArrowheads="1" noChangeShapeType="1"/>
+          </p:cNvCxnSpPr>
+          <p:nvPr>
+            <p:extLst>
+              <p:ext uri="{386F3935-93C4-4BCD-93E2-E3B085C9AB24}">
+                <p16:designElem xmlns:p16="http://schemas.microsoft.com/office/powerpoint/2015/main" val="1"/>
+              </p:ext>
+            </p:extLst>
+          </p:nvPr>
+        </p:nvCxnSpPr>
+        <p:spPr>
+          <a:xfrm>
+            <a:off x="2209800" y="5738691"/>
+            <a:ext cx="7772400" cy="0"/>
+          </a:xfrm>
+          <a:prstGeom prst="line">
+            <a:avLst/>
+          </a:prstGeom>
+          <a:ln w="22225">
+            <a:solidFill>
+              <a:srgbClr val="D9D9D9"/>
+            </a:solidFill>
+          </a:ln>
+        </p:spPr>
+        <p:style>
+          <a:lnRef idx="1">
+            <a:schemeClr val="accent1"/>
+          </a:lnRef>
+          <a:fillRef idx="0">
+            <a:schemeClr val="accent1"/>
+          </a:fillRef>
+          <a:effectRef idx="0">
+            <a:schemeClr val="accent1"/>
+          </a:effectRef>
+          <a:fontRef idx="minor">
+            <a:schemeClr val="tx1"/>
+          </a:fontRef>
+        </p:style>
+      </p:cxnSp>
+      <p:cxnSp>
+        <p:nvCxnSpPr>
+          <p:cNvPr id="86" name="Straight Connector 85">
+            <a:extLst>
+              <a:ext uri="{FF2B5EF4-FFF2-40B4-BE49-F238E27FC236}">
+                <a16:creationId xmlns:a16="http://schemas.microsoft.com/office/drawing/2014/main" id="{DB146403-F3D6-484B-B2ED-97F9565D0370}"/>
+              </a:ext>
+            </a:extLst>
+          </p:cNvPr>
+          <p:cNvCxnSpPr>
+            <a:cxnSpLocks noGrp="1" noRot="1" noChangeAspect="1" noMove="1" noResize="1" noEditPoints="1" noAdjustHandles="1" noChangeArrowheads="1" noChangeShapeType="1"/>
+          </p:cNvCxnSpPr>
+          <p:nvPr>
+            <p:extLst>
+              <p:ext uri="{386F3935-93C4-4BCD-93E2-E3B085C9AB24}">
+                <p16:designElem xmlns:p16="http://schemas.microsoft.com/office/powerpoint/2015/main" val="1"/>
+              </p:ext>
+            </p:extLst>
+          </p:nvPr>
+        </p:nvCxnSpPr>
+        <p:spPr>
+          <a:xfrm>
+            <a:off x="6096000" y="477749"/>
+            <a:ext cx="0" cy="3657600"/>
+          </a:xfrm>
+          <a:prstGeom prst="line">
+            <a:avLst/>
+          </a:prstGeom>
+          <a:ln w="101600" cmpd="dbl">
+            <a:solidFill>
+              <a:srgbClr val="595959"/>
+            </a:solidFill>
+          </a:ln>
+        </p:spPr>
+        <p:style>
+          <a:lnRef idx="1">
+            <a:schemeClr val="accent1"/>
+          </a:lnRef>
+          <a:fillRef idx="0">
+            <a:schemeClr val="accent1"/>
+          </a:fillRef>
+          <a:effectRef idx="0">
+            <a:schemeClr val="accent1"/>
+          </a:effectRef>
+          <a:fontRef idx="minor">
+            <a:schemeClr val="tx1"/>
+          </a:fontRef>
+        </p:style>
+      </p:cxnSp>
+      <p:sp>
+        <p:nvSpPr>
+          <p:cNvPr id="2" name="Titre 1">
+            <a:extLst>
+              <a:ext uri="{FF2B5EF4-FFF2-40B4-BE49-F238E27FC236}">
+                <a16:creationId xmlns:a16="http://schemas.microsoft.com/office/drawing/2014/main" id="{F0DD20CB-0FB9-4003-AE9D-231F020F5929}"/>
+              </a:ext>
+            </a:extLst>
+          </p:cNvPr>
+          <p:cNvSpPr>
+            <a:spLocks noGrp="1"/>
+          </p:cNvSpPr>
+          <p:nvPr>
+            <p:ph type="title"/>
+          </p:nvPr>
+        </p:nvSpPr>
+        <p:spPr>
+          <a:xfrm>
+            <a:off x="527538" y="4756638"/>
+            <a:ext cx="11139854" cy="930447"/>
+          </a:xfrm>
+        </p:spPr>
+        <p:txBody>
+          <a:bodyPr vert="horz" lIns="91440" tIns="45720" rIns="91440" bIns="45720" rtlCol="0" anchor="b">
+            <a:normAutofit/>
+          </a:bodyPr>
+          <a:lstStyle/>
+          <a:p>
+            <a:pPr algn="ctr"/>
+            <a:r>
+              <a:rPr lang="fr-CA" sz="5400" dirty="0">
+                <a:solidFill>
+                  <a:srgbClr val="FFFFFF"/>
+                </a:solidFill>
+              </a:rPr>
+              <a:t>Justifier…</a:t>
+            </a:r>
+            <a:endParaRPr lang="en-US" sz="5400" dirty="0">
+              <a:solidFill>
+                <a:srgbClr val="FFFFFF"/>
+              </a:solidFill>
+            </a:endParaRPr>
+          </a:p>
+        </p:txBody>
+      </p:sp>
+      <p:pic>
+        <p:nvPicPr>
+          <p:cNvPr id="4" name="Image 3">
+            <a:extLst>
+              <a:ext uri="{FF2B5EF4-FFF2-40B4-BE49-F238E27FC236}">
+                <a16:creationId xmlns:a16="http://schemas.microsoft.com/office/drawing/2014/main" id="{B97275FA-BB2C-4D10-A0AE-707B8D148B56}"/>
+              </a:ext>
+            </a:extLst>
+          </p:cNvPr>
+          <p:cNvPicPr>
+            <a:picLocks noChangeAspect="1"/>
+          </p:cNvPicPr>
+          <p:nvPr/>
+        </p:nvPicPr>
+        <p:blipFill>
+          <a:blip r:embed="rId2"/>
+          <a:stretch>
+            <a:fillRect/>
+          </a:stretch>
+        </p:blipFill>
+        <p:spPr>
+          <a:xfrm>
+            <a:off x="1269751" y="115799"/>
+            <a:ext cx="3857625" cy="4381500"/>
+          </a:xfrm>
+          <a:prstGeom prst="rect">
+            <a:avLst/>
+          </a:prstGeom>
+        </p:spPr>
+      </p:pic>
+      <p:pic>
+        <p:nvPicPr>
+          <p:cNvPr id="5" name="Image 4">
+            <a:extLst>
+              <a:ext uri="{FF2B5EF4-FFF2-40B4-BE49-F238E27FC236}">
+                <a16:creationId xmlns:a16="http://schemas.microsoft.com/office/drawing/2014/main" id="{B89D7AB8-679C-4677-9CFA-9D0184DA3D36}"/>
+              </a:ext>
+            </a:extLst>
+          </p:cNvPr>
+          <p:cNvPicPr>
+            <a:picLocks noChangeAspect="1"/>
+          </p:cNvPicPr>
+          <p:nvPr/>
+        </p:nvPicPr>
+        <p:blipFill>
+          <a:blip r:embed="rId3"/>
+          <a:stretch>
+            <a:fillRect/>
+          </a:stretch>
+        </p:blipFill>
+        <p:spPr>
+          <a:xfrm>
+            <a:off x="7064625" y="277724"/>
+            <a:ext cx="3762375" cy="4057650"/>
+          </a:xfrm>
+          <a:prstGeom prst="rect">
+            <a:avLst/>
+          </a:prstGeom>
+        </p:spPr>
+      </p:pic>
+    </p:spTree>
+    <p:extLst>
+      <p:ext uri="{BB962C8B-B14F-4D97-AF65-F5344CB8AC3E}">
+        <p14:creationId xmlns:p14="http://schemas.microsoft.com/office/powerpoint/2010/main" val="570759150"/>
+      </p:ext>
+    </p:extLst>
+  </p:cSld>
+  <p:clrMapOvr>
+    <a:masterClrMapping/>
+  </p:clrMapOvr>
+</p:sld>
+</file>
+
+<file path=ppt/slides/slide36.xml><?xml version="1.0" encoding="utf-8"?>
+<p:sld xmlns:a="http://schemas.openxmlformats.org/drawingml/2006/main" xmlns:r="http://schemas.openxmlformats.org/officeDocument/2006/relationships" xmlns:p="http://schemas.openxmlformats.org/presentationml/2006/main">
+  <p:cSld>
+    <p:bg>
+      <p:bgPr>
+        <a:solidFill>
+          <a:schemeClr val="bg1"/>
+        </a:solidFill>
+        <a:effectLst/>
+      </p:bgPr>
+    </p:bg>
+    <p:spTree>
+      <p:nvGrpSpPr>
+        <p:cNvPr id="1" name=""/>
+        <p:cNvGrpSpPr/>
+        <p:nvPr/>
+      </p:nvGrpSpPr>
+      <p:grpSpPr>
+        <a:xfrm>
+          <a:off x="0" y="0"/>
+          <a:ext cx="0" cy="0"/>
+          <a:chOff x="0" y="0"/>
+          <a:chExt cx="0" cy="0"/>
+        </a:xfrm>
+      </p:grpSpPr>
+      <p:sp>
+        <p:nvSpPr>
+          <p:cNvPr id="82" name="Rectangle 81">
+            <a:extLst>
+              <a:ext uri="{FF2B5EF4-FFF2-40B4-BE49-F238E27FC236}">
+                <a16:creationId xmlns:a16="http://schemas.microsoft.com/office/drawing/2014/main" id="{823AC064-BC96-4F32-8AE1-B2FD38754823}"/>
+              </a:ext>
+            </a:extLst>
+          </p:cNvPr>
+          <p:cNvSpPr>
+            <a:spLocks noGrp="1" noRot="1" noChangeAspect="1" noMove="1" noResize="1" noEditPoints="1" noAdjustHandles="1" noChangeArrowheads="1" noChangeShapeType="1" noTextEdit="1"/>
+          </p:cNvSpPr>
+          <p:nvPr>
+            <p:extLst>
+              <p:ext uri="{386F3935-93C4-4BCD-93E2-E3B085C9AB24}">
+                <p16:designElem xmlns:p16="http://schemas.microsoft.com/office/powerpoint/2015/main" val="1"/>
+              </p:ext>
+            </p:extLst>
+          </p:nvPr>
+        </p:nvSpPr>
+        <p:spPr bwMode="ltGray">
+          <a:xfrm>
+            <a:off x="378068" y="4633546"/>
+            <a:ext cx="11438793" cy="1844256"/>
+          </a:xfrm>
+          <a:prstGeom prst="rect">
+            <a:avLst/>
+          </a:prstGeom>
+          <a:solidFill>
+            <a:srgbClr val="404040"/>
+          </a:solidFill>
+          <a:ln w="127000" cap="sq" cmpd="thinThick">
+            <a:solidFill>
+              <a:srgbClr val="404040"/>
+            </a:solidFill>
+          </a:ln>
+        </p:spPr>
+        <p:style>
+          <a:lnRef idx="2">
+            <a:schemeClr val="accent1">
+              <a:shade val="50000"/>
+            </a:schemeClr>
+          </a:lnRef>
+          <a:fillRef idx="1">
+            <a:schemeClr val="accent1"/>
+          </a:fillRef>
+          <a:effectRef idx="0">
+            <a:schemeClr val="accent1"/>
+          </a:effectRef>
+          <a:fontRef idx="minor">
+            <a:schemeClr val="lt1"/>
+          </a:fontRef>
+        </p:style>
+        <p:txBody>
+          <a:bodyPr rtlCol="0" anchor="ctr"/>
+          <a:lstStyle/>
+          <a:p>
+            <a:pPr algn="ctr"/>
+            <a:endParaRPr lang="en-US"/>
+          </a:p>
+        </p:txBody>
+      </p:sp>
+      <p:cxnSp>
+        <p:nvCxnSpPr>
+          <p:cNvPr id="84" name="Straight Connector 83">
+            <a:extLst>
+              <a:ext uri="{FF2B5EF4-FFF2-40B4-BE49-F238E27FC236}">
+                <a16:creationId xmlns:a16="http://schemas.microsoft.com/office/drawing/2014/main" id="{7E7C77BC-7138-40B1-A15B-20F57A494629}"/>
+              </a:ext>
+            </a:extLst>
+          </p:cNvPr>
+          <p:cNvCxnSpPr>
+            <a:cxnSpLocks noGrp="1" noRot="1" noChangeAspect="1" noMove="1" noResize="1" noEditPoints="1" noAdjustHandles="1" noChangeArrowheads="1" noChangeShapeType="1"/>
+          </p:cNvCxnSpPr>
+          <p:nvPr>
+            <p:extLst>
+              <p:ext uri="{386F3935-93C4-4BCD-93E2-E3B085C9AB24}">
+                <p16:designElem xmlns:p16="http://schemas.microsoft.com/office/powerpoint/2015/main" val="1"/>
+              </p:ext>
+            </p:extLst>
+          </p:nvPr>
+        </p:nvCxnSpPr>
+        <p:spPr>
+          <a:xfrm>
+            <a:off x="2209800" y="5738691"/>
+            <a:ext cx="7772400" cy="0"/>
+          </a:xfrm>
+          <a:prstGeom prst="line">
+            <a:avLst/>
+          </a:prstGeom>
+          <a:ln w="22225">
+            <a:solidFill>
+              <a:srgbClr val="D9D9D9"/>
+            </a:solidFill>
+          </a:ln>
+        </p:spPr>
+        <p:style>
+          <a:lnRef idx="1">
+            <a:schemeClr val="accent1"/>
+          </a:lnRef>
+          <a:fillRef idx="0">
+            <a:schemeClr val="accent1"/>
+          </a:fillRef>
+          <a:effectRef idx="0">
+            <a:schemeClr val="accent1"/>
+          </a:effectRef>
+          <a:fontRef idx="minor">
+            <a:schemeClr val="tx1"/>
+          </a:fontRef>
+        </p:style>
+      </p:cxnSp>
+      <p:cxnSp>
+        <p:nvCxnSpPr>
+          <p:cNvPr id="86" name="Straight Connector 85">
+            <a:extLst>
+              <a:ext uri="{FF2B5EF4-FFF2-40B4-BE49-F238E27FC236}">
+                <a16:creationId xmlns:a16="http://schemas.microsoft.com/office/drawing/2014/main" id="{DB146403-F3D6-484B-B2ED-97F9565D0370}"/>
+              </a:ext>
+            </a:extLst>
+          </p:cNvPr>
+          <p:cNvCxnSpPr>
+            <a:cxnSpLocks noGrp="1" noRot="1" noChangeAspect="1" noMove="1" noResize="1" noEditPoints="1" noAdjustHandles="1" noChangeArrowheads="1" noChangeShapeType="1"/>
+          </p:cNvCxnSpPr>
+          <p:nvPr>
+            <p:extLst>
+              <p:ext uri="{386F3935-93C4-4BCD-93E2-E3B085C9AB24}">
+                <p16:designElem xmlns:p16="http://schemas.microsoft.com/office/powerpoint/2015/main" val="1"/>
+              </p:ext>
+            </p:extLst>
+          </p:nvPr>
+        </p:nvCxnSpPr>
+        <p:spPr>
+          <a:xfrm>
+            <a:off x="6096000" y="477749"/>
+            <a:ext cx="0" cy="3657600"/>
+          </a:xfrm>
+          <a:prstGeom prst="line">
+            <a:avLst/>
+          </a:prstGeom>
+          <a:ln w="101600" cmpd="dbl">
+            <a:solidFill>
+              <a:srgbClr val="595959"/>
+            </a:solidFill>
+          </a:ln>
+        </p:spPr>
+        <p:style>
+          <a:lnRef idx="1">
+            <a:schemeClr val="accent1"/>
+          </a:lnRef>
+          <a:fillRef idx="0">
+            <a:schemeClr val="accent1"/>
+          </a:fillRef>
+          <a:effectRef idx="0">
+            <a:schemeClr val="accent1"/>
+          </a:effectRef>
+          <a:fontRef idx="minor">
+            <a:schemeClr val="tx1"/>
+          </a:fontRef>
+        </p:style>
+      </p:cxnSp>
+      <p:sp>
+        <p:nvSpPr>
+          <p:cNvPr id="2" name="Titre 1">
+            <a:extLst>
+              <a:ext uri="{FF2B5EF4-FFF2-40B4-BE49-F238E27FC236}">
+                <a16:creationId xmlns:a16="http://schemas.microsoft.com/office/drawing/2014/main" id="{F0DD20CB-0FB9-4003-AE9D-231F020F5929}"/>
+              </a:ext>
+            </a:extLst>
+          </p:cNvPr>
+          <p:cNvSpPr>
+            <a:spLocks noGrp="1"/>
+          </p:cNvSpPr>
+          <p:nvPr>
+            <p:ph type="title"/>
+          </p:nvPr>
+        </p:nvSpPr>
+        <p:spPr>
+          <a:xfrm>
+            <a:off x="527538" y="4756638"/>
+            <a:ext cx="11139854" cy="930447"/>
+          </a:xfrm>
+        </p:spPr>
+        <p:txBody>
+          <a:bodyPr vert="horz" lIns="91440" tIns="45720" rIns="91440" bIns="45720" rtlCol="0" anchor="b">
+            <a:normAutofit/>
+          </a:bodyPr>
+          <a:lstStyle/>
+          <a:p>
+            <a:pPr algn="ctr"/>
+            <a:r>
+              <a:rPr lang="fr-CA" sz="5400" dirty="0">
+                <a:solidFill>
+                  <a:srgbClr val="FFFFFF"/>
+                </a:solidFill>
+              </a:rPr>
+              <a:t>Justifier…</a:t>
+            </a:r>
+            <a:endParaRPr lang="en-US" sz="5400" dirty="0">
+              <a:solidFill>
+                <a:srgbClr val="FFFFFF"/>
+              </a:solidFill>
+            </a:endParaRPr>
+          </a:p>
+        </p:txBody>
+      </p:sp>
+      <p:pic>
+        <p:nvPicPr>
+          <p:cNvPr id="3" name="Image 2">
+            <a:extLst>
+              <a:ext uri="{FF2B5EF4-FFF2-40B4-BE49-F238E27FC236}">
+                <a16:creationId xmlns:a16="http://schemas.microsoft.com/office/drawing/2014/main" id="{6DA12E24-57F4-4325-97AB-FD38E4D2D819}"/>
+              </a:ext>
+            </a:extLst>
+          </p:cNvPr>
+          <p:cNvPicPr>
+            <a:picLocks noChangeAspect="1"/>
+          </p:cNvPicPr>
+          <p:nvPr/>
+        </p:nvPicPr>
+        <p:blipFill>
+          <a:blip r:embed="rId2"/>
+          <a:stretch>
+            <a:fillRect/>
+          </a:stretch>
+        </p:blipFill>
+        <p:spPr>
+          <a:xfrm>
+            <a:off x="1239971" y="111036"/>
+            <a:ext cx="3829050" cy="4391025"/>
+          </a:xfrm>
+          <a:prstGeom prst="rect">
+            <a:avLst/>
+          </a:prstGeom>
+        </p:spPr>
+      </p:pic>
+      <p:pic>
+        <p:nvPicPr>
+          <p:cNvPr id="6" name="Image 5">
+            <a:extLst>
+              <a:ext uri="{FF2B5EF4-FFF2-40B4-BE49-F238E27FC236}">
+                <a16:creationId xmlns:a16="http://schemas.microsoft.com/office/drawing/2014/main" id="{C770F45A-614C-45F8-9AE1-BDDDF0E684F7}"/>
+              </a:ext>
+            </a:extLst>
+          </p:cNvPr>
+          <p:cNvPicPr>
+            <a:picLocks noChangeAspect="1"/>
+          </p:cNvPicPr>
+          <p:nvPr/>
+        </p:nvPicPr>
+        <p:blipFill>
+          <a:blip r:embed="rId3"/>
+          <a:stretch>
+            <a:fillRect/>
+          </a:stretch>
+        </p:blipFill>
+        <p:spPr>
+          <a:xfrm>
+            <a:off x="6956290" y="263435"/>
+            <a:ext cx="4162425" cy="4086225"/>
+          </a:xfrm>
+          <a:prstGeom prst="rect">
+            <a:avLst/>
+          </a:prstGeom>
+        </p:spPr>
+      </p:pic>
+    </p:spTree>
+    <p:extLst>
+      <p:ext uri="{BB962C8B-B14F-4D97-AF65-F5344CB8AC3E}">
+        <p14:creationId xmlns:p14="http://schemas.microsoft.com/office/powerpoint/2010/main" val="2096986267"/>
+      </p:ext>
+    </p:extLst>
+  </p:cSld>
+  <p:clrMapOvr>
+    <a:masterClrMapping/>
+  </p:clrMapOvr>
+</p:sld>
+</file>
+
+<file path=ppt/slides/slide37.xml><?xml version="1.0" encoding="utf-8"?>
+<p:sld xmlns:a="http://schemas.openxmlformats.org/drawingml/2006/main" xmlns:r="http://schemas.openxmlformats.org/officeDocument/2006/relationships" xmlns:p="http://schemas.openxmlformats.org/presentationml/2006/main">
+  <p:cSld>
+    <p:bg>
+      <p:bgPr>
+        <a:solidFill>
+          <a:schemeClr val="bg1"/>
+        </a:solidFill>
+        <a:effectLst/>
+      </p:bgPr>
+    </p:bg>
+    <p:spTree>
+      <p:nvGrpSpPr>
+        <p:cNvPr id="1" name=""/>
+        <p:cNvGrpSpPr/>
+        <p:nvPr/>
+      </p:nvGrpSpPr>
+      <p:grpSpPr>
+        <a:xfrm>
+          <a:off x="0" y="0"/>
+          <a:ext cx="0" cy="0"/>
+          <a:chOff x="0" y="0"/>
+          <a:chExt cx="0" cy="0"/>
+        </a:xfrm>
+      </p:grpSpPr>
+      <p:sp>
+        <p:nvSpPr>
+          <p:cNvPr id="82" name="Rectangle 81">
+            <a:extLst>
+              <a:ext uri="{FF2B5EF4-FFF2-40B4-BE49-F238E27FC236}">
+                <a16:creationId xmlns:a16="http://schemas.microsoft.com/office/drawing/2014/main" id="{823AC064-BC96-4F32-8AE1-B2FD38754823}"/>
+              </a:ext>
+            </a:extLst>
+          </p:cNvPr>
+          <p:cNvSpPr>
+            <a:spLocks noGrp="1" noRot="1" noChangeAspect="1" noMove="1" noResize="1" noEditPoints="1" noAdjustHandles="1" noChangeArrowheads="1" noChangeShapeType="1" noTextEdit="1"/>
+          </p:cNvSpPr>
+          <p:nvPr>
+            <p:extLst>
+              <p:ext uri="{386F3935-93C4-4BCD-93E2-E3B085C9AB24}">
+                <p16:designElem xmlns:p16="http://schemas.microsoft.com/office/powerpoint/2015/main" val="1"/>
+              </p:ext>
+            </p:extLst>
+          </p:nvPr>
+        </p:nvSpPr>
+        <p:spPr bwMode="ltGray">
+          <a:xfrm>
+            <a:off x="378068" y="4633546"/>
+            <a:ext cx="11438793" cy="1844256"/>
+          </a:xfrm>
+          <a:prstGeom prst="rect">
+            <a:avLst/>
+          </a:prstGeom>
+          <a:solidFill>
+            <a:srgbClr val="404040"/>
+          </a:solidFill>
+          <a:ln w="127000" cap="sq" cmpd="thinThick">
+            <a:solidFill>
+              <a:srgbClr val="404040"/>
+            </a:solidFill>
+          </a:ln>
+        </p:spPr>
+        <p:style>
+          <a:lnRef idx="2">
+            <a:schemeClr val="accent1">
+              <a:shade val="50000"/>
+            </a:schemeClr>
+          </a:lnRef>
+          <a:fillRef idx="1">
+            <a:schemeClr val="accent1"/>
+          </a:fillRef>
+          <a:effectRef idx="0">
+            <a:schemeClr val="accent1"/>
+          </a:effectRef>
+          <a:fontRef idx="minor">
+            <a:schemeClr val="lt1"/>
+          </a:fontRef>
+        </p:style>
+        <p:txBody>
+          <a:bodyPr rtlCol="0" anchor="ctr"/>
+          <a:lstStyle/>
+          <a:p>
+            <a:pPr algn="ctr"/>
+            <a:endParaRPr lang="en-US"/>
+          </a:p>
+        </p:txBody>
+      </p:sp>
+      <p:cxnSp>
+        <p:nvCxnSpPr>
+          <p:cNvPr id="84" name="Straight Connector 83">
+            <a:extLst>
+              <a:ext uri="{FF2B5EF4-FFF2-40B4-BE49-F238E27FC236}">
+                <a16:creationId xmlns:a16="http://schemas.microsoft.com/office/drawing/2014/main" id="{7E7C77BC-7138-40B1-A15B-20F57A494629}"/>
+              </a:ext>
+            </a:extLst>
+          </p:cNvPr>
+          <p:cNvCxnSpPr>
+            <a:cxnSpLocks noGrp="1" noRot="1" noChangeAspect="1" noMove="1" noResize="1" noEditPoints="1" noAdjustHandles="1" noChangeArrowheads="1" noChangeShapeType="1"/>
+          </p:cNvCxnSpPr>
+          <p:nvPr>
+            <p:extLst>
+              <p:ext uri="{386F3935-93C4-4BCD-93E2-E3B085C9AB24}">
+                <p16:designElem xmlns:p16="http://schemas.microsoft.com/office/powerpoint/2015/main" val="1"/>
+              </p:ext>
+            </p:extLst>
+          </p:nvPr>
+        </p:nvCxnSpPr>
+        <p:spPr>
+          <a:xfrm>
+            <a:off x="2209800" y="5738691"/>
+            <a:ext cx="7772400" cy="0"/>
+          </a:xfrm>
+          <a:prstGeom prst="line">
+            <a:avLst/>
+          </a:prstGeom>
+          <a:ln w="22225">
+            <a:solidFill>
+              <a:srgbClr val="D9D9D9"/>
+            </a:solidFill>
+          </a:ln>
+        </p:spPr>
+        <p:style>
+          <a:lnRef idx="1">
+            <a:schemeClr val="accent1"/>
+          </a:lnRef>
+          <a:fillRef idx="0">
+            <a:schemeClr val="accent1"/>
+          </a:fillRef>
+          <a:effectRef idx="0">
+            <a:schemeClr val="accent1"/>
+          </a:effectRef>
+          <a:fontRef idx="minor">
+            <a:schemeClr val="tx1"/>
+          </a:fontRef>
+        </p:style>
+      </p:cxnSp>
+      <p:cxnSp>
+        <p:nvCxnSpPr>
+          <p:cNvPr id="86" name="Straight Connector 85">
+            <a:extLst>
+              <a:ext uri="{FF2B5EF4-FFF2-40B4-BE49-F238E27FC236}">
+                <a16:creationId xmlns:a16="http://schemas.microsoft.com/office/drawing/2014/main" id="{DB146403-F3D6-484B-B2ED-97F9565D0370}"/>
+              </a:ext>
+            </a:extLst>
+          </p:cNvPr>
+          <p:cNvCxnSpPr>
+            <a:cxnSpLocks noGrp="1" noRot="1" noChangeAspect="1" noMove="1" noResize="1" noEditPoints="1" noAdjustHandles="1" noChangeArrowheads="1" noChangeShapeType="1"/>
+          </p:cNvCxnSpPr>
+          <p:nvPr>
+            <p:extLst>
+              <p:ext uri="{386F3935-93C4-4BCD-93E2-E3B085C9AB24}">
+                <p16:designElem xmlns:p16="http://schemas.microsoft.com/office/powerpoint/2015/main" val="1"/>
+              </p:ext>
+            </p:extLst>
+          </p:nvPr>
+        </p:nvCxnSpPr>
+        <p:spPr>
+          <a:xfrm>
+            <a:off x="6096000" y="477749"/>
+            <a:ext cx="0" cy="3657600"/>
+          </a:xfrm>
+          <a:prstGeom prst="line">
+            <a:avLst/>
+          </a:prstGeom>
+          <a:ln w="101600" cmpd="dbl">
+            <a:solidFill>
+              <a:srgbClr val="595959"/>
+            </a:solidFill>
+          </a:ln>
+        </p:spPr>
+        <p:style>
+          <a:lnRef idx="1">
+            <a:schemeClr val="accent1"/>
+          </a:lnRef>
+          <a:fillRef idx="0">
+            <a:schemeClr val="accent1"/>
+          </a:fillRef>
+          <a:effectRef idx="0">
+            <a:schemeClr val="accent1"/>
+          </a:effectRef>
+          <a:fontRef idx="minor">
+            <a:schemeClr val="tx1"/>
+          </a:fontRef>
+        </p:style>
+      </p:cxnSp>
+      <p:sp>
+        <p:nvSpPr>
+          <p:cNvPr id="2" name="Titre 1">
+            <a:extLst>
+              <a:ext uri="{FF2B5EF4-FFF2-40B4-BE49-F238E27FC236}">
+                <a16:creationId xmlns:a16="http://schemas.microsoft.com/office/drawing/2014/main" id="{F0DD20CB-0FB9-4003-AE9D-231F020F5929}"/>
+              </a:ext>
+            </a:extLst>
+          </p:cNvPr>
+          <p:cNvSpPr>
+            <a:spLocks noGrp="1"/>
+          </p:cNvSpPr>
+          <p:nvPr>
+            <p:ph type="title"/>
+          </p:nvPr>
+        </p:nvSpPr>
+        <p:spPr>
+          <a:xfrm>
+            <a:off x="527538" y="4756638"/>
+            <a:ext cx="11139854" cy="930447"/>
+          </a:xfrm>
+        </p:spPr>
+        <p:txBody>
+          <a:bodyPr vert="horz" lIns="91440" tIns="45720" rIns="91440" bIns="45720" rtlCol="0" anchor="b">
+            <a:normAutofit/>
+          </a:bodyPr>
+          <a:lstStyle/>
+          <a:p>
+            <a:pPr algn="ctr"/>
+            <a:r>
+              <a:rPr lang="fr-CA" sz="5400" dirty="0">
+                <a:solidFill>
+                  <a:srgbClr val="FFFFFF"/>
+                </a:solidFill>
+              </a:rPr>
+              <a:t>Justifier…</a:t>
+            </a:r>
+            <a:endParaRPr lang="en-US" sz="5400" dirty="0">
+              <a:solidFill>
+                <a:srgbClr val="FFFFFF"/>
+              </a:solidFill>
+            </a:endParaRPr>
+          </a:p>
+        </p:txBody>
+      </p:sp>
+      <p:pic>
+        <p:nvPicPr>
+          <p:cNvPr id="6" name="Image 5">
+            <a:extLst>
+              <a:ext uri="{FF2B5EF4-FFF2-40B4-BE49-F238E27FC236}">
+                <a16:creationId xmlns:a16="http://schemas.microsoft.com/office/drawing/2014/main" id="{D9870F58-7BF4-4DF5-9C40-81F3044484B0}"/>
+              </a:ext>
+            </a:extLst>
+          </p:cNvPr>
+          <p:cNvPicPr>
+            <a:picLocks noChangeAspect="1"/>
+          </p:cNvPicPr>
+          <p:nvPr/>
+        </p:nvPicPr>
+        <p:blipFill>
+          <a:blip r:embed="rId2"/>
+          <a:stretch>
+            <a:fillRect/>
+          </a:stretch>
+        </p:blipFill>
+        <p:spPr>
+          <a:xfrm>
+            <a:off x="1244734" y="130086"/>
+            <a:ext cx="3819525" cy="4352925"/>
+          </a:xfrm>
+          <a:prstGeom prst="rect">
+            <a:avLst/>
+          </a:prstGeom>
+        </p:spPr>
+      </p:pic>
+      <p:pic>
+        <p:nvPicPr>
+          <p:cNvPr id="8" name="Image 7">
+            <a:extLst>
+              <a:ext uri="{FF2B5EF4-FFF2-40B4-BE49-F238E27FC236}">
+                <a16:creationId xmlns:a16="http://schemas.microsoft.com/office/drawing/2014/main" id="{4A585D6B-2213-4F3A-8D03-E182C928A586}"/>
+              </a:ext>
+            </a:extLst>
+          </p:cNvPr>
+          <p:cNvPicPr>
+            <a:picLocks noChangeAspect="1"/>
+          </p:cNvPicPr>
+          <p:nvPr/>
+        </p:nvPicPr>
+        <p:blipFill>
+          <a:blip r:embed="rId3"/>
+          <a:stretch>
+            <a:fillRect/>
+          </a:stretch>
+        </p:blipFill>
+        <p:spPr>
+          <a:xfrm>
+            <a:off x="6556241" y="258673"/>
+            <a:ext cx="4391025" cy="4095750"/>
+          </a:xfrm>
+          <a:prstGeom prst="rect">
+            <a:avLst/>
+          </a:prstGeom>
+        </p:spPr>
+      </p:pic>
+    </p:spTree>
+    <p:extLst>
+      <p:ext uri="{BB962C8B-B14F-4D97-AF65-F5344CB8AC3E}">
+        <p14:creationId xmlns:p14="http://schemas.microsoft.com/office/powerpoint/2010/main" val="2605227640"/>
+      </p:ext>
+    </p:extLst>
+  </p:cSld>
+  <p:clrMapOvr>
+    <a:masterClrMapping/>
+  </p:clrMapOvr>
+</p:sld>
+</file>
+
+<file path=ppt/slides/slide38.xml><?xml version="1.0" encoding="utf-8"?>
+<p:sld xmlns:a="http://schemas.openxmlformats.org/drawingml/2006/main" xmlns:r="http://schemas.openxmlformats.org/officeDocument/2006/relationships" xmlns:p="http://schemas.openxmlformats.org/presentationml/2006/main">
+  <p:cSld>
+    <p:spTree>
+      <p:nvGrpSpPr>
+        <p:cNvPr id="1" name=""/>
+        <p:cNvGrpSpPr/>
+        <p:nvPr/>
+      </p:nvGrpSpPr>
+      <p:grpSpPr>
+        <a:xfrm>
+          <a:off x="0" y="0"/>
+          <a:ext cx="0" cy="0"/>
+          <a:chOff x="0" y="0"/>
+          <a:chExt cx="0" cy="0"/>
+        </a:xfrm>
+      </p:grpSpPr>
+      <p:sp>
+        <p:nvSpPr>
+          <p:cNvPr id="5" name="Titre 4">
+            <a:extLst>
+              <a:ext uri="{FF2B5EF4-FFF2-40B4-BE49-F238E27FC236}">
+                <a16:creationId xmlns:a16="http://schemas.microsoft.com/office/drawing/2014/main" id="{4906A919-D020-479A-AC5A-D9F539FF3D33}"/>
+              </a:ext>
+            </a:extLst>
+          </p:cNvPr>
+          <p:cNvSpPr>
+            <a:spLocks noGrp="1"/>
+          </p:cNvSpPr>
+          <p:nvPr>
             <p:ph type="ctrTitle"/>
           </p:nvPr>
         </p:nvSpPr>
-        <p:spPr>
-          <a:xfrm>
-            <a:off x="1524000" y="1122362"/>
-            <a:ext cx="9144000" cy="2840037"/>
+        <p:spPr/>
+        <p:txBody>
+          <a:bodyPr/>
+          <a:lstStyle/>
+          <a:p>
+            <a:r>
+              <a:rPr lang="fr-CA" dirty="0"/>
+              <a:t>Exercice #4</a:t>
+            </a:r>
+          </a:p>
+        </p:txBody>
+      </p:sp>
+      <p:sp>
+        <p:nvSpPr>
+          <p:cNvPr id="6" name="Sous-titre 5">
+            <a:extLst>
+              <a:ext uri="{FF2B5EF4-FFF2-40B4-BE49-F238E27FC236}">
+                <a16:creationId xmlns:a16="http://schemas.microsoft.com/office/drawing/2014/main" id="{D4E8AAF7-3291-42EF-8749-155B01266A3A}"/>
+              </a:ext>
+            </a:extLst>
+          </p:cNvPr>
+          <p:cNvSpPr>
+            <a:spLocks noGrp="1"/>
+          </p:cNvSpPr>
+          <p:nvPr>
+            <p:ph type="subTitle" idx="1"/>
+          </p:nvPr>
+        </p:nvSpPr>
+        <p:spPr/>
+        <p:txBody>
+          <a:bodyPr/>
+          <a:lstStyle/>
+          <a:p>
+            <a:r>
+              <a:rPr lang="fr-CA" dirty="0" err="1">
+                <a:latin typeface="Consolas" panose="020B0609020204030204" pitchFamily="49" charset="0"/>
+                <a:cs typeface="Consolas" panose="020B0609020204030204" pitchFamily="49" charset="0"/>
+              </a:rPr>
+              <a:t>FlexBox</a:t>
+            </a:r>
+            <a:endParaRPr lang="fr-CA" dirty="0">
+              <a:latin typeface="Consolas" panose="020B0609020204030204" pitchFamily="49" charset="0"/>
+              <a:cs typeface="Consolas" panose="020B0609020204030204" pitchFamily="49" charset="0"/>
+            </a:endParaRPr>
+          </a:p>
+        </p:txBody>
+      </p:sp>
+    </p:spTree>
+    <p:extLst>
+      <p:ext uri="{BB962C8B-B14F-4D97-AF65-F5344CB8AC3E}">
+        <p14:creationId xmlns:p14="http://schemas.microsoft.com/office/powerpoint/2010/main" val="826218446"/>
+      </p:ext>
+    </p:extLst>
+  </p:cSld>
+  <p:clrMapOvr>
+    <a:masterClrMapping/>
+  </p:clrMapOvr>
+</p:sld>
+</file>
+
+<file path=ppt/slides/slide39.xml><?xml version="1.0" encoding="utf-8"?>
+<p:sld xmlns:a="http://schemas.openxmlformats.org/drawingml/2006/main" xmlns:r="http://schemas.openxmlformats.org/officeDocument/2006/relationships" xmlns:p="http://schemas.openxmlformats.org/presentationml/2006/main">
+  <p:cSld>
+    <p:bg>
+      <p:bgPr>
+        <a:solidFill>
+          <a:schemeClr val="bg1"/>
+        </a:solidFill>
+        <a:effectLst/>
+      </p:bgPr>
+    </p:bg>
+    <p:spTree>
+      <p:nvGrpSpPr>
+        <p:cNvPr id="1" name=""/>
+        <p:cNvGrpSpPr/>
+        <p:nvPr/>
+      </p:nvGrpSpPr>
+      <p:grpSpPr>
+        <a:xfrm>
+          <a:off x="0" y="0"/>
+          <a:ext cx="0" cy="0"/>
+          <a:chOff x="0" y="0"/>
+          <a:chExt cx="0" cy="0"/>
+        </a:xfrm>
+      </p:grpSpPr>
+      <p:sp>
+        <p:nvSpPr>
+          <p:cNvPr id="8" name="Rectangle 7">
+            <a:extLst>
+              <a:ext uri="{FF2B5EF4-FFF2-40B4-BE49-F238E27FC236}">
+                <a16:creationId xmlns:a16="http://schemas.microsoft.com/office/drawing/2014/main" id="{8D70B121-56F4-4848-B38B-182089D909FA}"/>
+              </a:ext>
+            </a:extLst>
+          </p:cNvPr>
+          <p:cNvSpPr>
+            <a:spLocks noGrp="1" noRot="1" noChangeAspect="1" noMove="1" noResize="1" noEditPoints="1" noAdjustHandles="1" noChangeArrowheads="1" noChangeShapeType="1" noTextEdit="1"/>
+          </p:cNvSpPr>
+          <p:nvPr>
+            <p:extLst>
+              <p:ext uri="{386F3935-93C4-4BCD-93E2-E3B085C9AB24}">
+                <p16:designElem xmlns:p16="http://schemas.microsoft.com/office/powerpoint/2015/main" val="1"/>
+              </p:ext>
+            </p:extLst>
+          </p:nvPr>
+        </p:nvSpPr>
+        <p:spPr bwMode="ltGray">
+          <a:xfrm>
+            <a:off x="321564" y="320040"/>
+            <a:ext cx="11548872" cy="6217920"/>
+          </a:xfrm>
+          <a:prstGeom prst="rect">
+            <a:avLst/>
+          </a:prstGeom>
+          <a:solidFill>
+            <a:schemeClr val="tx1">
+              <a:alpha val="8000"/>
+            </a:schemeClr>
+          </a:solidFill>
+          <a:ln w="127000" cap="sq" cmpd="thinThick">
+            <a:noFill/>
+          </a:ln>
+        </p:spPr>
+        <p:style>
+          <a:lnRef idx="2">
+            <a:schemeClr val="accent1">
+              <a:shade val="50000"/>
+            </a:schemeClr>
+          </a:lnRef>
+          <a:fillRef idx="1">
+            <a:schemeClr val="accent1"/>
+          </a:fillRef>
+          <a:effectRef idx="0">
+            <a:schemeClr val="accent1"/>
+          </a:effectRef>
+          <a:fontRef idx="minor">
+            <a:schemeClr val="lt1"/>
+          </a:fontRef>
+        </p:style>
+        <p:txBody>
+          <a:bodyPr rtlCol="0" anchor="ctr"/>
+          <a:lstStyle/>
+          <a:p>
+            <a:pPr algn="ctr"/>
+            <a:endParaRPr lang="en-US"/>
+          </a:p>
+        </p:txBody>
+      </p:sp>
+      <p:cxnSp>
+        <p:nvCxnSpPr>
+          <p:cNvPr id="16" name="Straight Connector 9">
+            <a:extLst>
+              <a:ext uri="{FF2B5EF4-FFF2-40B4-BE49-F238E27FC236}">
+                <a16:creationId xmlns:a16="http://schemas.microsoft.com/office/drawing/2014/main" id="{2D72A2C9-F3CA-4216-8BAD-FA4C970C3C4E}"/>
+              </a:ext>
+            </a:extLst>
+          </p:cNvPr>
+          <p:cNvCxnSpPr>
+            <a:cxnSpLocks noGrp="1" noRot="1" noChangeAspect="1" noMove="1" noResize="1" noEditPoints="1" noAdjustHandles="1" noChangeArrowheads="1" noChangeShapeType="1"/>
+          </p:cNvCxnSpPr>
+          <p:nvPr>
+            <p:extLst>
+              <p:ext uri="{386F3935-93C4-4BCD-93E2-E3B085C9AB24}">
+                <p16:designElem xmlns:p16="http://schemas.microsoft.com/office/powerpoint/2015/main" val="1"/>
+              </p:ext>
+            </p:extLst>
+          </p:nvPr>
+        </p:nvCxnSpPr>
+        <p:spPr>
+          <a:xfrm>
+            <a:off x="4654296" y="2057400"/>
+            <a:ext cx="0" cy="2743200"/>
+          </a:xfrm>
+          <a:prstGeom prst="line">
+            <a:avLst/>
+          </a:prstGeom>
+          <a:ln w="19050">
+            <a:solidFill>
+              <a:schemeClr val="tx1">
+                <a:lumMod val="85000"/>
+                <a:lumOff val="15000"/>
+              </a:schemeClr>
+            </a:solidFill>
+          </a:ln>
+        </p:spPr>
+        <p:style>
+          <a:lnRef idx="1">
+            <a:schemeClr val="accent1"/>
+          </a:lnRef>
+          <a:fillRef idx="0">
+            <a:schemeClr val="accent1"/>
+          </a:fillRef>
+          <a:effectRef idx="0">
+            <a:schemeClr val="accent1"/>
+          </a:effectRef>
+          <a:fontRef idx="minor">
+            <a:schemeClr val="tx1"/>
+          </a:fontRef>
+        </p:style>
+      </p:cxnSp>
+      <p:sp>
+        <p:nvSpPr>
+          <p:cNvPr id="2" name="Titre 1">
+            <a:extLst>
+              <a:ext uri="{FF2B5EF4-FFF2-40B4-BE49-F238E27FC236}">
+                <a16:creationId xmlns:a16="http://schemas.microsoft.com/office/drawing/2014/main" id="{B621E71C-F70F-4EE9-A6A4-10260DA5AA50}"/>
+              </a:ext>
+            </a:extLst>
+          </p:cNvPr>
+          <p:cNvSpPr>
+            <a:spLocks noGrp="1"/>
+          </p:cNvSpPr>
+          <p:nvPr>
+            <p:ph type="title"/>
+          </p:nvPr>
+        </p:nvSpPr>
+        <p:spPr>
+          <a:xfrm>
+            <a:off x="838200" y="963877"/>
+            <a:ext cx="3494362" cy="4930246"/>
           </a:xfrm>
         </p:spPr>
         <p:txBody>
@@ -15075,9 +16728,74 @@
           </a:bodyPr>
           <a:lstStyle/>
           <a:p>
-            <a:r>
-              <a:rPr lang="fr-CA" sz="5800"/>
-              <a:t>Merci </a:t>
+            <a:pPr algn="r"/>
+            <a:r>
+              <a:rPr lang="fr-CA" dirty="0">
+                <a:solidFill>
+                  <a:schemeClr val="accent1"/>
+                </a:solidFill>
+              </a:rPr>
+              <a:t>Media </a:t>
+            </a:r>
+            <a:r>
+              <a:rPr lang="fr-CA" dirty="0" err="1">
+                <a:solidFill>
+                  <a:schemeClr val="accent1"/>
+                </a:solidFill>
+              </a:rPr>
+              <a:t>Queries</a:t>
+            </a:r>
+            <a:endParaRPr lang="fr-CA" dirty="0">
+              <a:solidFill>
+                <a:schemeClr val="accent1"/>
+              </a:solidFill>
+            </a:endParaRPr>
+          </a:p>
+        </p:txBody>
+      </p:sp>
+      <p:sp>
+        <p:nvSpPr>
+          <p:cNvPr id="3" name="Espace réservé du contenu 2">
+            <a:extLst>
+              <a:ext uri="{FF2B5EF4-FFF2-40B4-BE49-F238E27FC236}">
+                <a16:creationId xmlns:a16="http://schemas.microsoft.com/office/drawing/2014/main" id="{BD96EFB3-89F9-41FA-9EBA-DFC522EC35A6}"/>
+              </a:ext>
+            </a:extLst>
+          </p:cNvPr>
+          <p:cNvSpPr>
+            <a:spLocks noGrp="1"/>
+          </p:cNvSpPr>
+          <p:nvPr>
+            <p:ph idx="1"/>
+          </p:nvPr>
+        </p:nvSpPr>
+        <p:spPr>
+          <a:xfrm>
+            <a:off x="4976031" y="963877"/>
+            <a:ext cx="6377769" cy="4930246"/>
+          </a:xfrm>
+        </p:spPr>
+        <p:txBody>
+          <a:bodyPr anchor="ctr">
+            <a:normAutofit/>
+          </a:bodyPr>
+          <a:lstStyle/>
+          <a:p>
+            <a:r>
+              <a:rPr lang="fr-CA" sz="2400" dirty="0"/>
+              <a:t>Définit des règles CSS par « media »</a:t>
+            </a:r>
+          </a:p>
+          <a:p>
+            <a:r>
+              <a:rPr lang="fr-CA" sz="2400" dirty="0"/>
+              <a:t>Conception réactive</a:t>
+            </a:r>
+          </a:p>
+          <a:p>
+            <a:r>
+              <a:rPr lang="fr-CA" sz="2400" dirty="0"/>
+              <a:t>Autres périphériques</a:t>
             </a:r>
           </a:p>
         </p:txBody>
@@ -15085,12 +16803,12 @@
     </p:spTree>
     <p:extLst>
       <p:ext uri="{BB962C8B-B14F-4D97-AF65-F5344CB8AC3E}">
-        <p14:creationId xmlns:p14="http://schemas.microsoft.com/office/powerpoint/2010/main" val="3915525559"/>
+        <p14:creationId xmlns:p14="http://schemas.microsoft.com/office/powerpoint/2010/main" val="4213806361"/>
       </p:ext>
     </p:extLst>
   </p:cSld>
   <p:clrMapOvr>
-    <a:overrideClrMapping bg1="dk1" tx1="lt1" bg2="dk2" tx2="lt2" accent1="accent1" accent2="accent2" accent3="accent3" accent4="accent4" accent5="accent5" accent6="accent6" hlink="hlink" folHlink="folHlink"/>
+    <a:masterClrMapping/>
   </p:clrMapOvr>
 </p:sld>
 </file>
@@ -15185,6 +16903,1232 @@
     <p:extLst>
       <p:ext uri="{BB962C8B-B14F-4D97-AF65-F5344CB8AC3E}">
         <p14:creationId xmlns:p14="http://schemas.microsoft.com/office/powerpoint/2010/main" val="2773367191"/>
+      </p:ext>
+    </p:extLst>
+  </p:cSld>
+  <p:clrMapOvr>
+    <a:overrideClrMapping bg1="dk1" tx1="lt1" bg2="dk2" tx2="lt2" accent1="accent1" accent2="accent2" accent3="accent3" accent4="accent4" accent5="accent5" accent6="accent6" hlink="hlink" folHlink="folHlink"/>
+  </p:clrMapOvr>
+</p:sld>
+</file>
+
+<file path=ppt/slides/slide40.xml><?xml version="1.0" encoding="utf-8"?>
+<p:sld xmlns:a="http://schemas.openxmlformats.org/drawingml/2006/main" xmlns:r="http://schemas.openxmlformats.org/officeDocument/2006/relationships" xmlns:p="http://schemas.openxmlformats.org/presentationml/2006/main">
+  <p:cSld>
+    <p:bg>
+      <p:bgPr>
+        <a:solidFill>
+          <a:schemeClr val="bg1"/>
+        </a:solidFill>
+        <a:effectLst/>
+      </p:bgPr>
+    </p:bg>
+    <p:spTree>
+      <p:nvGrpSpPr>
+        <p:cNvPr id="1" name=""/>
+        <p:cNvGrpSpPr/>
+        <p:nvPr/>
+      </p:nvGrpSpPr>
+      <p:grpSpPr>
+        <a:xfrm>
+          <a:off x="0" y="0"/>
+          <a:ext cx="0" cy="0"/>
+          <a:chOff x="0" y="0"/>
+          <a:chExt cx="0" cy="0"/>
+        </a:xfrm>
+      </p:grpSpPr>
+      <p:sp>
+        <p:nvSpPr>
+          <p:cNvPr id="2" name="Titre 1">
+            <a:extLst>
+              <a:ext uri="{FF2B5EF4-FFF2-40B4-BE49-F238E27FC236}">
+                <a16:creationId xmlns:a16="http://schemas.microsoft.com/office/drawing/2014/main" id="{F0DD20CB-0FB9-4003-AE9D-231F020F5929}"/>
+              </a:ext>
+            </a:extLst>
+          </p:cNvPr>
+          <p:cNvSpPr>
+            <a:spLocks noGrp="1"/>
+          </p:cNvSpPr>
+          <p:nvPr>
+            <p:ph type="title"/>
+          </p:nvPr>
+        </p:nvSpPr>
+        <p:spPr/>
+        <p:txBody>
+          <a:bodyPr vert="horz" lIns="91440" tIns="45720" rIns="91440" bIns="45720" rtlCol="0" anchor="b">
+            <a:normAutofit/>
+          </a:bodyPr>
+          <a:lstStyle/>
+          <a:p>
+            <a:pPr algn="ctr"/>
+            <a:r>
+              <a:rPr lang="fr-CA" sz="5400" dirty="0">
+                <a:solidFill>
+                  <a:srgbClr val="FFFFFF"/>
+                </a:solidFill>
+              </a:rPr>
+              <a:t>Conception réactive</a:t>
+            </a:r>
+            <a:endParaRPr lang="en-US" sz="5400" dirty="0">
+              <a:solidFill>
+                <a:srgbClr val="FFFFFF"/>
+              </a:solidFill>
+            </a:endParaRPr>
+          </a:p>
+        </p:txBody>
+      </p:sp>
+      <p:sp>
+        <p:nvSpPr>
+          <p:cNvPr id="5" name="Espace réservé du contenu 4">
+            <a:extLst>
+              <a:ext uri="{FF2B5EF4-FFF2-40B4-BE49-F238E27FC236}">
+                <a16:creationId xmlns:a16="http://schemas.microsoft.com/office/drawing/2014/main" id="{40A58F3D-7337-40E5-AAD4-DEF718C3F777}"/>
+              </a:ext>
+            </a:extLst>
+          </p:cNvPr>
+          <p:cNvSpPr>
+            <a:spLocks noGrp="1"/>
+          </p:cNvSpPr>
+          <p:nvPr>
+            <p:ph idx="1"/>
+          </p:nvPr>
+        </p:nvSpPr>
+        <p:spPr/>
+        <p:txBody>
+          <a:bodyPr/>
+          <a:lstStyle/>
+          <a:p>
+            <a:endParaRPr lang="en-US" dirty="0"/>
+          </a:p>
+        </p:txBody>
+      </p:sp>
+      <p:pic>
+        <p:nvPicPr>
+          <p:cNvPr id="3" name="Image 2">
+            <a:extLst>
+              <a:ext uri="{FF2B5EF4-FFF2-40B4-BE49-F238E27FC236}">
+                <a16:creationId xmlns:a16="http://schemas.microsoft.com/office/drawing/2014/main" id="{ABA89FE1-F9D6-4696-ADA4-10E5BC500C5D}"/>
+              </a:ext>
+            </a:extLst>
+          </p:cNvPr>
+          <p:cNvPicPr>
+            <a:picLocks noChangeAspect="1"/>
+          </p:cNvPicPr>
+          <p:nvPr/>
+        </p:nvPicPr>
+        <p:blipFill>
+          <a:blip r:embed="rId2"/>
+          <a:stretch>
+            <a:fillRect/>
+          </a:stretch>
+        </p:blipFill>
+        <p:spPr>
+          <a:xfrm>
+            <a:off x="3650256" y="523225"/>
+            <a:ext cx="4171950" cy="5495925"/>
+          </a:xfrm>
+          <a:prstGeom prst="rect">
+            <a:avLst/>
+          </a:prstGeom>
+        </p:spPr>
+      </p:pic>
+    </p:spTree>
+    <p:extLst>
+      <p:ext uri="{BB962C8B-B14F-4D97-AF65-F5344CB8AC3E}">
+        <p14:creationId xmlns:p14="http://schemas.microsoft.com/office/powerpoint/2010/main" val="4283537824"/>
+      </p:ext>
+    </p:extLst>
+  </p:cSld>
+  <p:clrMapOvr>
+    <a:masterClrMapping/>
+  </p:clrMapOvr>
+</p:sld>
+</file>
+
+<file path=ppt/slides/slide41.xml><?xml version="1.0" encoding="utf-8"?>
+<p:sld xmlns:a="http://schemas.openxmlformats.org/drawingml/2006/main" xmlns:r="http://schemas.openxmlformats.org/officeDocument/2006/relationships" xmlns:p="http://schemas.openxmlformats.org/presentationml/2006/main">
+  <p:cSld>
+    <p:spTree>
+      <p:nvGrpSpPr>
+        <p:cNvPr id="1" name=""/>
+        <p:cNvGrpSpPr/>
+        <p:nvPr/>
+      </p:nvGrpSpPr>
+      <p:grpSpPr>
+        <a:xfrm>
+          <a:off x="0" y="0"/>
+          <a:ext cx="0" cy="0"/>
+          <a:chOff x="0" y="0"/>
+          <a:chExt cx="0" cy="0"/>
+        </a:xfrm>
+      </p:grpSpPr>
+      <p:sp>
+        <p:nvSpPr>
+          <p:cNvPr id="5" name="Titre 4">
+            <a:extLst>
+              <a:ext uri="{FF2B5EF4-FFF2-40B4-BE49-F238E27FC236}">
+                <a16:creationId xmlns:a16="http://schemas.microsoft.com/office/drawing/2014/main" id="{4906A919-D020-479A-AC5A-D9F539FF3D33}"/>
+              </a:ext>
+            </a:extLst>
+          </p:cNvPr>
+          <p:cNvSpPr>
+            <a:spLocks noGrp="1"/>
+          </p:cNvSpPr>
+          <p:nvPr>
+            <p:ph type="ctrTitle"/>
+          </p:nvPr>
+        </p:nvSpPr>
+        <p:spPr/>
+        <p:txBody>
+          <a:bodyPr/>
+          <a:lstStyle/>
+          <a:p>
+            <a:r>
+              <a:rPr lang="fr-CA" dirty="0"/>
+              <a:t>Exercice #5</a:t>
+            </a:r>
+          </a:p>
+        </p:txBody>
+      </p:sp>
+      <p:sp>
+        <p:nvSpPr>
+          <p:cNvPr id="6" name="Sous-titre 5">
+            <a:extLst>
+              <a:ext uri="{FF2B5EF4-FFF2-40B4-BE49-F238E27FC236}">
+                <a16:creationId xmlns:a16="http://schemas.microsoft.com/office/drawing/2014/main" id="{D4E8AAF7-3291-42EF-8749-155B01266A3A}"/>
+              </a:ext>
+            </a:extLst>
+          </p:cNvPr>
+          <p:cNvSpPr>
+            <a:spLocks noGrp="1"/>
+          </p:cNvSpPr>
+          <p:nvPr>
+            <p:ph type="subTitle" idx="1"/>
+          </p:nvPr>
+        </p:nvSpPr>
+        <p:spPr/>
+        <p:txBody>
+          <a:bodyPr/>
+          <a:lstStyle/>
+          <a:p>
+            <a:r>
+              <a:rPr lang="fr-CA" dirty="0">
+                <a:latin typeface="Consolas" panose="020B0609020204030204" pitchFamily="49" charset="0"/>
+                <a:cs typeface="Consolas" panose="020B0609020204030204" pitchFamily="49" charset="0"/>
+              </a:rPr>
+              <a:t>Media</a:t>
+            </a:r>
+          </a:p>
+        </p:txBody>
+      </p:sp>
+    </p:spTree>
+    <p:extLst>
+      <p:ext uri="{BB962C8B-B14F-4D97-AF65-F5344CB8AC3E}">
+        <p14:creationId xmlns:p14="http://schemas.microsoft.com/office/powerpoint/2010/main" val="3202901356"/>
+      </p:ext>
+    </p:extLst>
+  </p:cSld>
+  <p:clrMapOvr>
+    <a:masterClrMapping/>
+  </p:clrMapOvr>
+</p:sld>
+</file>
+
+<file path=ppt/slides/slide42.xml><?xml version="1.0" encoding="utf-8"?>
+<p:sld xmlns:a="http://schemas.openxmlformats.org/drawingml/2006/main" xmlns:r="http://schemas.openxmlformats.org/officeDocument/2006/relationships" xmlns:p="http://schemas.openxmlformats.org/presentationml/2006/main">
+  <p:cSld>
+    <p:bg>
+      <p:bgPr>
+        <a:solidFill>
+          <a:schemeClr val="bg1"/>
+        </a:solidFill>
+        <a:effectLst/>
+      </p:bgPr>
+    </p:bg>
+    <p:spTree>
+      <p:nvGrpSpPr>
+        <p:cNvPr id="1" name=""/>
+        <p:cNvGrpSpPr/>
+        <p:nvPr/>
+      </p:nvGrpSpPr>
+      <p:grpSpPr>
+        <a:xfrm>
+          <a:off x="0" y="0"/>
+          <a:ext cx="0" cy="0"/>
+          <a:chOff x="0" y="0"/>
+          <a:chExt cx="0" cy="0"/>
+        </a:xfrm>
+      </p:grpSpPr>
+      <p:sp>
+        <p:nvSpPr>
+          <p:cNvPr id="8" name="Rectangle 7">
+            <a:extLst>
+              <a:ext uri="{FF2B5EF4-FFF2-40B4-BE49-F238E27FC236}">
+                <a16:creationId xmlns:a16="http://schemas.microsoft.com/office/drawing/2014/main" id="{8D70B121-56F4-4848-B38B-182089D909FA}"/>
+              </a:ext>
+            </a:extLst>
+          </p:cNvPr>
+          <p:cNvSpPr>
+            <a:spLocks noGrp="1" noRot="1" noChangeAspect="1" noMove="1" noResize="1" noEditPoints="1" noAdjustHandles="1" noChangeArrowheads="1" noChangeShapeType="1" noTextEdit="1"/>
+          </p:cNvSpPr>
+          <p:nvPr>
+            <p:extLst>
+              <p:ext uri="{386F3935-93C4-4BCD-93E2-E3B085C9AB24}">
+                <p16:designElem xmlns:p16="http://schemas.microsoft.com/office/powerpoint/2015/main" val="1"/>
+              </p:ext>
+            </p:extLst>
+          </p:nvPr>
+        </p:nvSpPr>
+        <p:spPr bwMode="ltGray">
+          <a:xfrm>
+            <a:off x="321564" y="320040"/>
+            <a:ext cx="11548872" cy="6217920"/>
+          </a:xfrm>
+          <a:prstGeom prst="rect">
+            <a:avLst/>
+          </a:prstGeom>
+          <a:solidFill>
+            <a:schemeClr val="tx1">
+              <a:alpha val="8000"/>
+            </a:schemeClr>
+          </a:solidFill>
+          <a:ln w="127000" cap="sq" cmpd="thinThick">
+            <a:noFill/>
+          </a:ln>
+        </p:spPr>
+        <p:style>
+          <a:lnRef idx="2">
+            <a:schemeClr val="accent1">
+              <a:shade val="50000"/>
+            </a:schemeClr>
+          </a:lnRef>
+          <a:fillRef idx="1">
+            <a:schemeClr val="accent1"/>
+          </a:fillRef>
+          <a:effectRef idx="0">
+            <a:schemeClr val="accent1"/>
+          </a:effectRef>
+          <a:fontRef idx="minor">
+            <a:schemeClr val="lt1"/>
+          </a:fontRef>
+        </p:style>
+        <p:txBody>
+          <a:bodyPr rtlCol="0" anchor="ctr"/>
+          <a:lstStyle/>
+          <a:p>
+            <a:pPr algn="ctr"/>
+            <a:endParaRPr lang="en-US"/>
+          </a:p>
+        </p:txBody>
+      </p:sp>
+      <p:cxnSp>
+        <p:nvCxnSpPr>
+          <p:cNvPr id="16" name="Straight Connector 9">
+            <a:extLst>
+              <a:ext uri="{FF2B5EF4-FFF2-40B4-BE49-F238E27FC236}">
+                <a16:creationId xmlns:a16="http://schemas.microsoft.com/office/drawing/2014/main" id="{2D72A2C9-F3CA-4216-8BAD-FA4C970C3C4E}"/>
+              </a:ext>
+            </a:extLst>
+          </p:cNvPr>
+          <p:cNvCxnSpPr>
+            <a:cxnSpLocks noGrp="1" noRot="1" noChangeAspect="1" noMove="1" noResize="1" noEditPoints="1" noAdjustHandles="1" noChangeArrowheads="1" noChangeShapeType="1"/>
+          </p:cNvCxnSpPr>
+          <p:nvPr>
+            <p:extLst>
+              <p:ext uri="{386F3935-93C4-4BCD-93E2-E3B085C9AB24}">
+                <p16:designElem xmlns:p16="http://schemas.microsoft.com/office/powerpoint/2015/main" val="1"/>
+              </p:ext>
+            </p:extLst>
+          </p:nvPr>
+        </p:nvCxnSpPr>
+        <p:spPr>
+          <a:xfrm>
+            <a:off x="4654296" y="2057400"/>
+            <a:ext cx="0" cy="2743200"/>
+          </a:xfrm>
+          <a:prstGeom prst="line">
+            <a:avLst/>
+          </a:prstGeom>
+          <a:ln w="19050">
+            <a:solidFill>
+              <a:schemeClr val="tx1">
+                <a:lumMod val="85000"/>
+                <a:lumOff val="15000"/>
+              </a:schemeClr>
+            </a:solidFill>
+          </a:ln>
+        </p:spPr>
+        <p:style>
+          <a:lnRef idx="1">
+            <a:schemeClr val="accent1"/>
+          </a:lnRef>
+          <a:fillRef idx="0">
+            <a:schemeClr val="accent1"/>
+          </a:fillRef>
+          <a:effectRef idx="0">
+            <a:schemeClr val="accent1"/>
+          </a:effectRef>
+          <a:fontRef idx="minor">
+            <a:schemeClr val="tx1"/>
+          </a:fontRef>
+        </p:style>
+      </p:cxnSp>
+      <p:sp>
+        <p:nvSpPr>
+          <p:cNvPr id="2" name="Titre 1">
+            <a:extLst>
+              <a:ext uri="{FF2B5EF4-FFF2-40B4-BE49-F238E27FC236}">
+                <a16:creationId xmlns:a16="http://schemas.microsoft.com/office/drawing/2014/main" id="{B621E71C-F70F-4EE9-A6A4-10260DA5AA50}"/>
+              </a:ext>
+            </a:extLst>
+          </p:cNvPr>
+          <p:cNvSpPr>
+            <a:spLocks noGrp="1"/>
+          </p:cNvSpPr>
+          <p:nvPr>
+            <p:ph type="title"/>
+          </p:nvPr>
+        </p:nvSpPr>
+        <p:spPr>
+          <a:xfrm>
+            <a:off x="838200" y="963877"/>
+            <a:ext cx="3494362" cy="4930246"/>
+          </a:xfrm>
+        </p:spPr>
+        <p:txBody>
+          <a:bodyPr>
+            <a:normAutofit/>
+          </a:bodyPr>
+          <a:lstStyle/>
+          <a:p>
+            <a:pPr algn="r"/>
+            <a:r>
+              <a:rPr lang="fr-CA" dirty="0">
+                <a:solidFill>
+                  <a:schemeClr val="accent1"/>
+                </a:solidFill>
+              </a:rPr>
+              <a:t>Animations</a:t>
+            </a:r>
+          </a:p>
+        </p:txBody>
+      </p:sp>
+      <p:sp>
+        <p:nvSpPr>
+          <p:cNvPr id="3" name="Espace réservé du contenu 2">
+            <a:extLst>
+              <a:ext uri="{FF2B5EF4-FFF2-40B4-BE49-F238E27FC236}">
+                <a16:creationId xmlns:a16="http://schemas.microsoft.com/office/drawing/2014/main" id="{BD96EFB3-89F9-41FA-9EBA-DFC522EC35A6}"/>
+              </a:ext>
+            </a:extLst>
+          </p:cNvPr>
+          <p:cNvSpPr>
+            <a:spLocks noGrp="1"/>
+          </p:cNvSpPr>
+          <p:nvPr>
+            <p:ph idx="1"/>
+          </p:nvPr>
+        </p:nvSpPr>
+        <p:spPr>
+          <a:xfrm>
+            <a:off x="4976031" y="963877"/>
+            <a:ext cx="6377769" cy="4930246"/>
+          </a:xfrm>
+        </p:spPr>
+        <p:txBody>
+          <a:bodyPr anchor="ctr">
+            <a:normAutofit/>
+          </a:bodyPr>
+          <a:lstStyle/>
+          <a:p>
+            <a:r>
+              <a:rPr lang="fr-CA" sz="2400" dirty="0"/>
+              <a:t>Transition</a:t>
+            </a:r>
+          </a:p>
+          <a:p>
+            <a:r>
+              <a:rPr lang="fr-CA" sz="2400" dirty="0" err="1"/>
+              <a:t>Keyframes</a:t>
+            </a:r>
+            <a:endParaRPr lang="fr-CA" sz="2400" dirty="0"/>
+          </a:p>
+        </p:txBody>
+      </p:sp>
+    </p:spTree>
+    <p:extLst>
+      <p:ext uri="{BB962C8B-B14F-4D97-AF65-F5344CB8AC3E}">
+        <p14:creationId xmlns:p14="http://schemas.microsoft.com/office/powerpoint/2010/main" val="3387535368"/>
+      </p:ext>
+    </p:extLst>
+  </p:cSld>
+  <p:clrMapOvr>
+    <a:masterClrMapping/>
+  </p:clrMapOvr>
+</p:sld>
+</file>
+
+<file path=ppt/slides/slide43.xml><?xml version="1.0" encoding="utf-8"?>
+<p:sld xmlns:a="http://schemas.openxmlformats.org/drawingml/2006/main" xmlns:r="http://schemas.openxmlformats.org/officeDocument/2006/relationships" xmlns:p="http://schemas.openxmlformats.org/presentationml/2006/main">
+  <p:cSld>
+    <p:bg>
+      <p:bgPr>
+        <a:solidFill>
+          <a:schemeClr val="bg1"/>
+        </a:solidFill>
+        <a:effectLst/>
+      </p:bgPr>
+    </p:bg>
+    <p:spTree>
+      <p:nvGrpSpPr>
+        <p:cNvPr id="1" name=""/>
+        <p:cNvGrpSpPr/>
+        <p:nvPr/>
+      </p:nvGrpSpPr>
+      <p:grpSpPr>
+        <a:xfrm>
+          <a:off x="0" y="0"/>
+          <a:ext cx="0" cy="0"/>
+          <a:chOff x="0" y="0"/>
+          <a:chExt cx="0" cy="0"/>
+        </a:xfrm>
+      </p:grpSpPr>
+      <p:sp>
+        <p:nvSpPr>
+          <p:cNvPr id="82" name="Rectangle 81">
+            <a:extLst>
+              <a:ext uri="{FF2B5EF4-FFF2-40B4-BE49-F238E27FC236}">
+                <a16:creationId xmlns:a16="http://schemas.microsoft.com/office/drawing/2014/main" id="{823AC064-BC96-4F32-8AE1-B2FD38754823}"/>
+              </a:ext>
+            </a:extLst>
+          </p:cNvPr>
+          <p:cNvSpPr>
+            <a:spLocks noGrp="1" noRot="1" noChangeAspect="1" noMove="1" noResize="1" noEditPoints="1" noAdjustHandles="1" noChangeArrowheads="1" noChangeShapeType="1" noTextEdit="1"/>
+          </p:cNvSpPr>
+          <p:nvPr>
+            <p:extLst>
+              <p:ext uri="{386F3935-93C4-4BCD-93E2-E3B085C9AB24}">
+                <p16:designElem xmlns:p16="http://schemas.microsoft.com/office/powerpoint/2015/main" val="1"/>
+              </p:ext>
+            </p:extLst>
+          </p:nvPr>
+        </p:nvSpPr>
+        <p:spPr bwMode="ltGray">
+          <a:xfrm>
+            <a:off x="378068" y="4633546"/>
+            <a:ext cx="11438793" cy="1844256"/>
+          </a:xfrm>
+          <a:prstGeom prst="rect">
+            <a:avLst/>
+          </a:prstGeom>
+          <a:solidFill>
+            <a:srgbClr val="404040"/>
+          </a:solidFill>
+          <a:ln w="127000" cap="sq" cmpd="thinThick">
+            <a:solidFill>
+              <a:srgbClr val="404040"/>
+            </a:solidFill>
+          </a:ln>
+        </p:spPr>
+        <p:style>
+          <a:lnRef idx="2">
+            <a:schemeClr val="accent1">
+              <a:shade val="50000"/>
+            </a:schemeClr>
+          </a:lnRef>
+          <a:fillRef idx="1">
+            <a:schemeClr val="accent1"/>
+          </a:fillRef>
+          <a:effectRef idx="0">
+            <a:schemeClr val="accent1"/>
+          </a:effectRef>
+          <a:fontRef idx="minor">
+            <a:schemeClr val="lt1"/>
+          </a:fontRef>
+        </p:style>
+        <p:txBody>
+          <a:bodyPr rtlCol="0" anchor="ctr"/>
+          <a:lstStyle/>
+          <a:p>
+            <a:pPr algn="ctr"/>
+            <a:endParaRPr lang="en-US"/>
+          </a:p>
+        </p:txBody>
+      </p:sp>
+      <p:cxnSp>
+        <p:nvCxnSpPr>
+          <p:cNvPr id="84" name="Straight Connector 83">
+            <a:extLst>
+              <a:ext uri="{FF2B5EF4-FFF2-40B4-BE49-F238E27FC236}">
+                <a16:creationId xmlns:a16="http://schemas.microsoft.com/office/drawing/2014/main" id="{7E7C77BC-7138-40B1-A15B-20F57A494629}"/>
+              </a:ext>
+            </a:extLst>
+          </p:cNvPr>
+          <p:cNvCxnSpPr>
+            <a:cxnSpLocks noGrp="1" noRot="1" noChangeAspect="1" noMove="1" noResize="1" noEditPoints="1" noAdjustHandles="1" noChangeArrowheads="1" noChangeShapeType="1"/>
+          </p:cNvCxnSpPr>
+          <p:nvPr>
+            <p:extLst>
+              <p:ext uri="{386F3935-93C4-4BCD-93E2-E3B085C9AB24}">
+                <p16:designElem xmlns:p16="http://schemas.microsoft.com/office/powerpoint/2015/main" val="1"/>
+              </p:ext>
+            </p:extLst>
+          </p:nvPr>
+        </p:nvCxnSpPr>
+        <p:spPr>
+          <a:xfrm>
+            <a:off x="2209800" y="5738691"/>
+            <a:ext cx="7772400" cy="0"/>
+          </a:xfrm>
+          <a:prstGeom prst="line">
+            <a:avLst/>
+          </a:prstGeom>
+          <a:ln w="22225">
+            <a:solidFill>
+              <a:srgbClr val="D9D9D9"/>
+            </a:solidFill>
+          </a:ln>
+        </p:spPr>
+        <p:style>
+          <a:lnRef idx="1">
+            <a:schemeClr val="accent1"/>
+          </a:lnRef>
+          <a:fillRef idx="0">
+            <a:schemeClr val="accent1"/>
+          </a:fillRef>
+          <a:effectRef idx="0">
+            <a:schemeClr val="accent1"/>
+          </a:effectRef>
+          <a:fontRef idx="minor">
+            <a:schemeClr val="tx1"/>
+          </a:fontRef>
+        </p:style>
+      </p:cxnSp>
+      <p:cxnSp>
+        <p:nvCxnSpPr>
+          <p:cNvPr id="86" name="Straight Connector 85">
+            <a:extLst>
+              <a:ext uri="{FF2B5EF4-FFF2-40B4-BE49-F238E27FC236}">
+                <a16:creationId xmlns:a16="http://schemas.microsoft.com/office/drawing/2014/main" id="{DB146403-F3D6-484B-B2ED-97F9565D0370}"/>
+              </a:ext>
+            </a:extLst>
+          </p:cNvPr>
+          <p:cNvCxnSpPr>
+            <a:cxnSpLocks noGrp="1" noRot="1" noChangeAspect="1" noMove="1" noResize="1" noEditPoints="1" noAdjustHandles="1" noChangeArrowheads="1" noChangeShapeType="1"/>
+          </p:cNvCxnSpPr>
+          <p:nvPr>
+            <p:extLst>
+              <p:ext uri="{386F3935-93C4-4BCD-93E2-E3B085C9AB24}">
+                <p16:designElem xmlns:p16="http://schemas.microsoft.com/office/powerpoint/2015/main" val="1"/>
+              </p:ext>
+            </p:extLst>
+          </p:nvPr>
+        </p:nvCxnSpPr>
+        <p:spPr>
+          <a:xfrm>
+            <a:off x="6096000" y="477749"/>
+            <a:ext cx="0" cy="3657600"/>
+          </a:xfrm>
+          <a:prstGeom prst="line">
+            <a:avLst/>
+          </a:prstGeom>
+          <a:ln w="101600" cmpd="dbl">
+            <a:solidFill>
+              <a:srgbClr val="595959"/>
+            </a:solidFill>
+          </a:ln>
+        </p:spPr>
+        <p:style>
+          <a:lnRef idx="1">
+            <a:schemeClr val="accent1"/>
+          </a:lnRef>
+          <a:fillRef idx="0">
+            <a:schemeClr val="accent1"/>
+          </a:fillRef>
+          <a:effectRef idx="0">
+            <a:schemeClr val="accent1"/>
+          </a:effectRef>
+          <a:fontRef idx="minor">
+            <a:schemeClr val="tx1"/>
+          </a:fontRef>
+        </p:style>
+      </p:cxnSp>
+      <p:sp>
+        <p:nvSpPr>
+          <p:cNvPr id="2" name="Titre 1">
+            <a:extLst>
+              <a:ext uri="{FF2B5EF4-FFF2-40B4-BE49-F238E27FC236}">
+                <a16:creationId xmlns:a16="http://schemas.microsoft.com/office/drawing/2014/main" id="{F0DD20CB-0FB9-4003-AE9D-231F020F5929}"/>
+              </a:ext>
+            </a:extLst>
+          </p:cNvPr>
+          <p:cNvSpPr>
+            <a:spLocks noGrp="1"/>
+          </p:cNvSpPr>
+          <p:nvPr>
+            <p:ph type="title"/>
+          </p:nvPr>
+        </p:nvSpPr>
+        <p:spPr>
+          <a:xfrm>
+            <a:off x="527538" y="4756638"/>
+            <a:ext cx="11139854" cy="930447"/>
+          </a:xfrm>
+        </p:spPr>
+        <p:txBody>
+          <a:bodyPr vert="horz" lIns="91440" tIns="45720" rIns="91440" bIns="45720" rtlCol="0" anchor="b">
+            <a:normAutofit/>
+          </a:bodyPr>
+          <a:lstStyle/>
+          <a:p>
+            <a:pPr algn="ctr"/>
+            <a:r>
+              <a:rPr lang="fr-CA" sz="5400" dirty="0">
+                <a:solidFill>
+                  <a:srgbClr val="FFFFFF"/>
+                </a:solidFill>
+              </a:rPr>
+              <a:t>Transitions…</a:t>
+            </a:r>
+            <a:endParaRPr lang="en-US" sz="5400" dirty="0">
+              <a:solidFill>
+                <a:srgbClr val="FFFFFF"/>
+              </a:solidFill>
+            </a:endParaRPr>
+          </a:p>
+        </p:txBody>
+      </p:sp>
+      <p:pic>
+        <p:nvPicPr>
+          <p:cNvPr id="3" name="Image 2">
+            <a:extLst>
+              <a:ext uri="{FF2B5EF4-FFF2-40B4-BE49-F238E27FC236}">
+                <a16:creationId xmlns:a16="http://schemas.microsoft.com/office/drawing/2014/main" id="{EAE7E2D1-5CFB-4CE5-B2FF-C9AA7A46F79F}"/>
+              </a:ext>
+            </a:extLst>
+          </p:cNvPr>
+          <p:cNvPicPr>
+            <a:picLocks noChangeAspect="1"/>
+          </p:cNvPicPr>
+          <p:nvPr/>
+        </p:nvPicPr>
+        <p:blipFill>
+          <a:blip r:embed="rId2"/>
+          <a:stretch>
+            <a:fillRect/>
+          </a:stretch>
+        </p:blipFill>
+        <p:spPr>
+          <a:xfrm>
+            <a:off x="2522345" y="1892208"/>
+            <a:ext cx="1095375" cy="828675"/>
+          </a:xfrm>
+          <a:prstGeom prst="rect">
+            <a:avLst/>
+          </a:prstGeom>
+        </p:spPr>
+      </p:pic>
+      <p:pic>
+        <p:nvPicPr>
+          <p:cNvPr id="4" name="Image 3">
+            <a:extLst>
+              <a:ext uri="{FF2B5EF4-FFF2-40B4-BE49-F238E27FC236}">
+                <a16:creationId xmlns:a16="http://schemas.microsoft.com/office/drawing/2014/main" id="{D78D3718-89F2-411D-BE70-56973F9E4897}"/>
+              </a:ext>
+            </a:extLst>
+          </p:cNvPr>
+          <p:cNvPicPr>
+            <a:picLocks noChangeAspect="1"/>
+          </p:cNvPicPr>
+          <p:nvPr/>
+        </p:nvPicPr>
+        <p:blipFill>
+          <a:blip r:embed="rId3"/>
+          <a:stretch>
+            <a:fillRect/>
+          </a:stretch>
+        </p:blipFill>
+        <p:spPr>
+          <a:xfrm>
+            <a:off x="957091" y="1930309"/>
+            <a:ext cx="1057275" cy="752475"/>
+          </a:xfrm>
+          <a:prstGeom prst="rect">
+            <a:avLst/>
+          </a:prstGeom>
+        </p:spPr>
+      </p:pic>
+      <p:pic>
+        <p:nvPicPr>
+          <p:cNvPr id="5" name="Image 4">
+            <a:extLst>
+              <a:ext uri="{FF2B5EF4-FFF2-40B4-BE49-F238E27FC236}">
+                <a16:creationId xmlns:a16="http://schemas.microsoft.com/office/drawing/2014/main" id="{5E402C83-7F5C-47B8-8F54-D5EA4C85D2FC}"/>
+              </a:ext>
+            </a:extLst>
+          </p:cNvPr>
+          <p:cNvPicPr>
+            <a:picLocks noChangeAspect="1"/>
+          </p:cNvPicPr>
+          <p:nvPr/>
+        </p:nvPicPr>
+        <p:blipFill>
+          <a:blip r:embed="rId4"/>
+          <a:stretch>
+            <a:fillRect/>
+          </a:stretch>
+        </p:blipFill>
+        <p:spPr>
+          <a:xfrm>
+            <a:off x="4131899" y="2387509"/>
+            <a:ext cx="1085850" cy="295275"/>
+          </a:xfrm>
+          <a:prstGeom prst="rect">
+            <a:avLst/>
+          </a:prstGeom>
+        </p:spPr>
+      </p:pic>
+      <p:pic>
+        <p:nvPicPr>
+          <p:cNvPr id="7" name="Image 6">
+            <a:extLst>
+              <a:ext uri="{FF2B5EF4-FFF2-40B4-BE49-F238E27FC236}">
+                <a16:creationId xmlns:a16="http://schemas.microsoft.com/office/drawing/2014/main" id="{384ADE6F-AC8F-4770-AB0C-566D00CD7600}"/>
+              </a:ext>
+            </a:extLst>
+          </p:cNvPr>
+          <p:cNvPicPr>
+            <a:picLocks noChangeAspect="1"/>
+          </p:cNvPicPr>
+          <p:nvPr/>
+        </p:nvPicPr>
+        <p:blipFill>
+          <a:blip r:embed="rId5"/>
+          <a:stretch>
+            <a:fillRect/>
+          </a:stretch>
+        </p:blipFill>
+        <p:spPr>
+          <a:xfrm>
+            <a:off x="7463755" y="1333866"/>
+            <a:ext cx="2905125" cy="1781175"/>
+          </a:xfrm>
+          <a:prstGeom prst="rect">
+            <a:avLst/>
+          </a:prstGeom>
+        </p:spPr>
+      </p:pic>
+    </p:spTree>
+    <p:extLst>
+      <p:ext uri="{BB962C8B-B14F-4D97-AF65-F5344CB8AC3E}">
+        <p14:creationId xmlns:p14="http://schemas.microsoft.com/office/powerpoint/2010/main" val="4135970277"/>
+      </p:ext>
+    </p:extLst>
+  </p:cSld>
+  <p:clrMapOvr>
+    <a:masterClrMapping/>
+  </p:clrMapOvr>
+</p:sld>
+</file>
+
+<file path=ppt/slides/slide44.xml><?xml version="1.0" encoding="utf-8"?>
+<p:sld xmlns:a="http://schemas.openxmlformats.org/drawingml/2006/main" xmlns:r="http://schemas.openxmlformats.org/officeDocument/2006/relationships" xmlns:p="http://schemas.openxmlformats.org/presentationml/2006/main">
+  <p:cSld>
+    <p:spTree>
+      <p:nvGrpSpPr>
+        <p:cNvPr id="1" name=""/>
+        <p:cNvGrpSpPr/>
+        <p:nvPr/>
+      </p:nvGrpSpPr>
+      <p:grpSpPr>
+        <a:xfrm>
+          <a:off x="0" y="0"/>
+          <a:ext cx="0" cy="0"/>
+          <a:chOff x="0" y="0"/>
+          <a:chExt cx="0" cy="0"/>
+        </a:xfrm>
+      </p:grpSpPr>
+      <p:sp>
+        <p:nvSpPr>
+          <p:cNvPr id="5" name="Titre 4">
+            <a:extLst>
+              <a:ext uri="{FF2B5EF4-FFF2-40B4-BE49-F238E27FC236}">
+                <a16:creationId xmlns:a16="http://schemas.microsoft.com/office/drawing/2014/main" id="{4906A919-D020-479A-AC5A-D9F539FF3D33}"/>
+              </a:ext>
+            </a:extLst>
+          </p:cNvPr>
+          <p:cNvSpPr>
+            <a:spLocks noGrp="1"/>
+          </p:cNvSpPr>
+          <p:nvPr>
+            <p:ph type="ctrTitle"/>
+          </p:nvPr>
+        </p:nvSpPr>
+        <p:spPr/>
+        <p:txBody>
+          <a:bodyPr/>
+          <a:lstStyle/>
+          <a:p>
+            <a:r>
+              <a:rPr lang="fr-CA" dirty="0"/>
+              <a:t>Projet synthèse</a:t>
+            </a:r>
+          </a:p>
+        </p:txBody>
+      </p:sp>
+      <p:sp>
+        <p:nvSpPr>
+          <p:cNvPr id="6" name="Sous-titre 5">
+            <a:extLst>
+              <a:ext uri="{FF2B5EF4-FFF2-40B4-BE49-F238E27FC236}">
+                <a16:creationId xmlns:a16="http://schemas.microsoft.com/office/drawing/2014/main" id="{D4E8AAF7-3291-42EF-8749-155B01266A3A}"/>
+              </a:ext>
+            </a:extLst>
+          </p:cNvPr>
+          <p:cNvSpPr>
+            <a:spLocks noGrp="1"/>
+          </p:cNvSpPr>
+          <p:nvPr>
+            <p:ph type="subTitle" idx="1"/>
+          </p:nvPr>
+        </p:nvSpPr>
+        <p:spPr/>
+        <p:txBody>
+          <a:bodyPr/>
+          <a:lstStyle/>
+          <a:p>
+            <a:r>
+              <a:rPr lang="fr-CA" dirty="0">
+                <a:latin typeface="Consolas" panose="020B0609020204030204" pitchFamily="49" charset="0"/>
+                <a:cs typeface="Consolas" panose="020B0609020204030204" pitchFamily="49" charset="0"/>
+              </a:rPr>
+              <a:t>LOGIN!</a:t>
+            </a:r>
+          </a:p>
+        </p:txBody>
+      </p:sp>
+    </p:spTree>
+    <p:extLst>
+      <p:ext uri="{BB962C8B-B14F-4D97-AF65-F5344CB8AC3E}">
+        <p14:creationId xmlns:p14="http://schemas.microsoft.com/office/powerpoint/2010/main" val="624116466"/>
+      </p:ext>
+    </p:extLst>
+  </p:cSld>
+  <p:clrMapOvr>
+    <a:masterClrMapping/>
+  </p:clrMapOvr>
+</p:sld>
+</file>
+
+<file path=ppt/slides/slide45.xml><?xml version="1.0" encoding="utf-8"?>
+<p:sld xmlns:a="http://schemas.openxmlformats.org/drawingml/2006/main" xmlns:r="http://schemas.openxmlformats.org/officeDocument/2006/relationships" xmlns:p="http://schemas.openxmlformats.org/presentationml/2006/main">
+  <p:cSld>
+    <p:spTree>
+      <p:nvGrpSpPr>
+        <p:cNvPr id="1" name=""/>
+        <p:cNvGrpSpPr/>
+        <p:nvPr/>
+      </p:nvGrpSpPr>
+      <p:grpSpPr>
+        <a:xfrm>
+          <a:off x="0" y="0"/>
+          <a:ext cx="0" cy="0"/>
+          <a:chOff x="0" y="0"/>
+          <a:chExt cx="0" cy="0"/>
+        </a:xfrm>
+      </p:grpSpPr>
+      <p:pic>
+        <p:nvPicPr>
+          <p:cNvPr id="3" name="Image 2">
+            <a:extLst>
+              <a:ext uri="{FF2B5EF4-FFF2-40B4-BE49-F238E27FC236}">
+                <a16:creationId xmlns:a16="http://schemas.microsoft.com/office/drawing/2014/main" id="{DBDE38CC-CC86-4E6C-A21F-08CBC16FD340}"/>
+              </a:ext>
+            </a:extLst>
+          </p:cNvPr>
+          <p:cNvPicPr>
+            <a:picLocks noChangeAspect="1"/>
+          </p:cNvPicPr>
+          <p:nvPr/>
+        </p:nvPicPr>
+        <p:blipFill>
+          <a:blip r:embed="rId2">
+            <a:extLst>
+              <a:ext uri="{28A0092B-C50C-407E-A947-70E740481C1C}">
+                <a14:useLocalDpi xmlns:a14="http://schemas.microsoft.com/office/drawing/2010/main" val="0"/>
+              </a:ext>
+            </a:extLst>
+          </a:blip>
+          <a:stretch>
+            <a:fillRect/>
+          </a:stretch>
+        </p:blipFill>
+        <p:spPr>
+          <a:xfrm>
+            <a:off x="-1453676" y="-251460"/>
+            <a:ext cx="15794516" cy="8272378"/>
+          </a:xfrm>
+          <a:prstGeom prst="rect">
+            <a:avLst/>
+          </a:prstGeom>
+        </p:spPr>
+      </p:pic>
+    </p:spTree>
+    <p:extLst>
+      <p:ext uri="{BB962C8B-B14F-4D97-AF65-F5344CB8AC3E}">
+        <p14:creationId xmlns:p14="http://schemas.microsoft.com/office/powerpoint/2010/main" val="1973016633"/>
+      </p:ext>
+    </p:extLst>
+  </p:cSld>
+  <p:clrMapOvr>
+    <a:masterClrMapping/>
+  </p:clrMapOvr>
+</p:sld>
+</file>
+
+<file path=ppt/slides/slide46.xml><?xml version="1.0" encoding="utf-8"?>
+<p:sld xmlns:a="http://schemas.openxmlformats.org/drawingml/2006/main" xmlns:r="http://schemas.openxmlformats.org/officeDocument/2006/relationships" xmlns:p="http://schemas.openxmlformats.org/presentationml/2006/main">
+  <p:cSld>
+    <p:bg>
+      <p:bgPr>
+        <a:solidFill>
+          <a:schemeClr val="tx1"/>
+        </a:solidFill>
+        <a:effectLst/>
+      </p:bgPr>
+    </p:bg>
+    <p:spTree>
+      <p:nvGrpSpPr>
+        <p:cNvPr id="1" name=""/>
+        <p:cNvGrpSpPr/>
+        <p:nvPr/>
+      </p:nvGrpSpPr>
+      <p:grpSpPr>
+        <a:xfrm>
+          <a:off x="0" y="0"/>
+          <a:ext cx="0" cy="0"/>
+          <a:chOff x="0" y="0"/>
+          <a:chExt cx="0" cy="0"/>
+        </a:xfrm>
+      </p:grpSpPr>
+      <p:sp>
+        <p:nvSpPr>
+          <p:cNvPr id="10" name="Rectangle 9">
+            <a:extLst>
+              <a:ext uri="{FF2B5EF4-FFF2-40B4-BE49-F238E27FC236}">
+                <a16:creationId xmlns:a16="http://schemas.microsoft.com/office/drawing/2014/main" id="{303B3BA0-E6D1-4B51-B0FC-AB26E30A4644}"/>
+              </a:ext>
+            </a:extLst>
+          </p:cNvPr>
+          <p:cNvSpPr>
+            <a:spLocks noGrp="1" noRot="1" noChangeAspect="1" noMove="1" noResize="1" noEditPoints="1" noAdjustHandles="1" noChangeArrowheads="1" noChangeShapeType="1" noTextEdit="1"/>
+          </p:cNvSpPr>
+          <p:nvPr>
+            <p:extLst>
+              <p:ext uri="{386F3935-93C4-4BCD-93E2-E3B085C9AB24}">
+                <p16:designElem xmlns:p16="http://schemas.microsoft.com/office/powerpoint/2015/main" val="1"/>
+              </p:ext>
+            </p:extLst>
+          </p:nvPr>
+        </p:nvSpPr>
+        <p:spPr>
+          <a:xfrm>
+            <a:off x="0" y="-3324"/>
+            <a:ext cx="12192000" cy="6861324"/>
+          </a:xfrm>
+          <a:prstGeom prst="rect">
+            <a:avLst/>
+          </a:prstGeom>
+          <a:solidFill>
+            <a:schemeClr val="tx1"/>
+          </a:solidFill>
+          <a:ln>
+            <a:noFill/>
+          </a:ln>
+        </p:spPr>
+        <p:style>
+          <a:lnRef idx="2">
+            <a:schemeClr val="accent1">
+              <a:shade val="50000"/>
+            </a:schemeClr>
+          </a:lnRef>
+          <a:fillRef idx="1">
+            <a:schemeClr val="accent1"/>
+          </a:fillRef>
+          <a:effectRef idx="0">
+            <a:schemeClr val="accent1"/>
+          </a:effectRef>
+          <a:fontRef idx="minor">
+            <a:schemeClr val="lt1"/>
+          </a:fontRef>
+        </p:style>
+        <p:txBody>
+          <a:bodyPr rtlCol="0" anchor="ctr"/>
+          <a:lstStyle/>
+          <a:p>
+            <a:pPr algn="ctr"/>
+            <a:endParaRPr lang="en-US"/>
+          </a:p>
+        </p:txBody>
+      </p:sp>
+      <p:sp>
+        <p:nvSpPr>
+          <p:cNvPr id="12" name="Rectangle 11">
+            <a:extLst>
+              <a:ext uri="{FF2B5EF4-FFF2-40B4-BE49-F238E27FC236}">
+                <a16:creationId xmlns:a16="http://schemas.microsoft.com/office/drawing/2014/main" id="{9EC5C977-1B4A-4938-A7A6-A8EDE5399DAE}"/>
+              </a:ext>
+            </a:extLst>
+          </p:cNvPr>
+          <p:cNvSpPr>
+            <a:spLocks noGrp="1" noRot="1" noChangeAspect="1" noMove="1" noResize="1" noEditPoints="1" noAdjustHandles="1" noChangeArrowheads="1" noChangeShapeType="1" noTextEdit="1"/>
+          </p:cNvSpPr>
+          <p:nvPr>
+            <p:extLst>
+              <p:ext uri="{386F3935-93C4-4BCD-93E2-E3B085C9AB24}">
+                <p16:designElem xmlns:p16="http://schemas.microsoft.com/office/powerpoint/2015/main" val="1"/>
+              </p:ext>
+            </p:extLst>
+          </p:nvPr>
+        </p:nvSpPr>
+        <p:spPr bwMode="ltGray">
+          <a:xfrm>
+            <a:off x="321734" y="321733"/>
+            <a:ext cx="11573488" cy="6214534"/>
+          </a:xfrm>
+          <a:prstGeom prst="rect">
+            <a:avLst/>
+          </a:prstGeom>
+          <a:solidFill>
+            <a:schemeClr val="bg1">
+              <a:lumMod val="75000"/>
+              <a:lumOff val="25000"/>
+            </a:schemeClr>
+          </a:solidFill>
+          <a:ln w="127000" cap="sq" cmpd="thinThick">
+            <a:solidFill>
+              <a:schemeClr val="bg1">
+                <a:lumMod val="75000"/>
+                <a:lumOff val="25000"/>
+              </a:schemeClr>
+            </a:solidFill>
+          </a:ln>
+        </p:spPr>
+        <p:style>
+          <a:lnRef idx="2">
+            <a:schemeClr val="accent1">
+              <a:shade val="50000"/>
+            </a:schemeClr>
+          </a:lnRef>
+          <a:fillRef idx="1">
+            <a:schemeClr val="accent1"/>
+          </a:fillRef>
+          <a:effectRef idx="0">
+            <a:schemeClr val="accent1"/>
+          </a:effectRef>
+          <a:fontRef idx="minor">
+            <a:schemeClr val="lt1"/>
+          </a:fontRef>
+        </p:style>
+        <p:txBody>
+          <a:bodyPr rtlCol="0" anchor="ctr"/>
+          <a:lstStyle/>
+          <a:p>
+            <a:pPr algn="ctr"/>
+            <a:endParaRPr lang="en-US"/>
+          </a:p>
+        </p:txBody>
+      </p:sp>
+      <p:cxnSp>
+        <p:nvCxnSpPr>
+          <p:cNvPr id="14" name="Straight Connector 13">
+            <a:extLst>
+              <a:ext uri="{FF2B5EF4-FFF2-40B4-BE49-F238E27FC236}">
+                <a16:creationId xmlns:a16="http://schemas.microsoft.com/office/drawing/2014/main" id="{811575C1-D79C-46B7-B304-2F5B124A0C00}"/>
+              </a:ext>
+            </a:extLst>
+          </p:cNvPr>
+          <p:cNvCxnSpPr>
+            <a:cxnSpLocks noGrp="1" noRot="1" noChangeAspect="1" noMove="1" noResize="1" noEditPoints="1" noAdjustHandles="1" noChangeArrowheads="1" noChangeShapeType="1"/>
+          </p:cNvCxnSpPr>
+          <p:nvPr>
+            <p:extLst>
+              <p:ext uri="{386F3935-93C4-4BCD-93E2-E3B085C9AB24}">
+                <p16:designElem xmlns:p16="http://schemas.microsoft.com/office/powerpoint/2015/main" val="1"/>
+              </p:ext>
+            </p:extLst>
+          </p:nvPr>
+        </p:nvCxnSpPr>
+        <p:spPr>
+          <a:xfrm>
+            <a:off x="4724400" y="4109417"/>
+            <a:ext cx="2743200" cy="0"/>
+          </a:xfrm>
+          <a:prstGeom prst="line">
+            <a:avLst/>
+          </a:prstGeom>
+          <a:ln w="12700">
+            <a:solidFill>
+              <a:schemeClr val="tx1">
+                <a:lumMod val="85000"/>
+              </a:schemeClr>
+            </a:solidFill>
+          </a:ln>
+        </p:spPr>
+        <p:style>
+          <a:lnRef idx="1">
+            <a:schemeClr val="accent1"/>
+          </a:lnRef>
+          <a:fillRef idx="0">
+            <a:schemeClr val="accent1"/>
+          </a:fillRef>
+          <a:effectRef idx="0">
+            <a:schemeClr val="accent1"/>
+          </a:effectRef>
+          <a:fontRef idx="minor">
+            <a:schemeClr val="tx1"/>
+          </a:fontRef>
+        </p:style>
+      </p:cxnSp>
+      <p:sp>
+        <p:nvSpPr>
+          <p:cNvPr id="5" name="Titre 4">
+            <a:extLst>
+              <a:ext uri="{FF2B5EF4-FFF2-40B4-BE49-F238E27FC236}">
+                <a16:creationId xmlns:a16="http://schemas.microsoft.com/office/drawing/2014/main" id="{4906A919-D020-479A-AC5A-D9F539FF3D33}"/>
+              </a:ext>
+            </a:extLst>
+          </p:cNvPr>
+          <p:cNvSpPr>
+            <a:spLocks noGrp="1"/>
+          </p:cNvSpPr>
+          <p:nvPr>
+            <p:ph type="ctrTitle"/>
+          </p:nvPr>
+        </p:nvSpPr>
+        <p:spPr>
+          <a:xfrm>
+            <a:off x="1524000" y="1122362"/>
+            <a:ext cx="9144000" cy="2840037"/>
+          </a:xfrm>
+        </p:spPr>
+        <p:txBody>
+          <a:bodyPr>
+            <a:normAutofit/>
+          </a:bodyPr>
+          <a:lstStyle/>
+          <a:p>
+            <a:r>
+              <a:rPr lang="fr-CA" sz="5800"/>
+              <a:t>Merci </a:t>
+            </a:r>
+          </a:p>
+        </p:txBody>
+      </p:sp>
+    </p:spTree>
+    <p:extLst>
+      <p:ext uri="{BB962C8B-B14F-4D97-AF65-F5344CB8AC3E}">
+        <p14:creationId xmlns:p14="http://schemas.microsoft.com/office/powerpoint/2010/main" val="3915525559"/>
       </p:ext>
     </p:extLst>
   </p:cSld>

--- a/CSS/1. Présentation/Cours CSS - v1.0.pptx
+++ b/CSS/1. Présentation/Cours CSS - v1.0.pptx
@@ -170,6 +170,10 @@
     </p:extLst>
   </p:cmAuthor>
 </p:cmAuthorLst>
+</file>
+
+<file path=ppt/revisionInfo.xml><?xml version="1.0" encoding="utf-8"?>
+<p1510:revInfo xmlns:a="http://schemas.openxmlformats.org/drawingml/2006/main" xmlns:r="http://schemas.openxmlformats.org/officeDocument/2006/relationships" xmlns:p1510="http://schemas.microsoft.com/office/powerpoint/2015/10/main"/>
 </file>
 
 <file path=ppt/diagrams/colors1.xml><?xml version="1.0" encoding="utf-8"?>
@@ -4228,7 +4232,7 @@
           <a:p>
             <a:fld id="{83484A92-80DB-45F2-84F5-0D1BF1E89935}" type="datetimeFigureOut">
               <a:rPr lang="fr-CA" smtClean="0"/>
-              <a:t>2018-04-20</a:t>
+              <a:t>2018-05-14</a:t>
             </a:fld>
             <a:endParaRPr lang="fr-CA"/>
           </a:p>
@@ -4627,7 +4631,7 @@
           <a:p>
             <a:fld id="{7946004B-0E6B-4AC3-A8D3-BFF0512C2F93}" type="datetimeFigureOut">
               <a:rPr lang="fr-CA" smtClean="0"/>
-              <a:t>2018-04-20</a:t>
+              <a:t>2018-05-14</a:t>
             </a:fld>
             <a:endParaRPr lang="fr-CA"/>
           </a:p>
@@ -4797,7 +4801,7 @@
           <a:p>
             <a:fld id="{7946004B-0E6B-4AC3-A8D3-BFF0512C2F93}" type="datetimeFigureOut">
               <a:rPr lang="fr-CA" smtClean="0"/>
-              <a:t>2018-04-20</a:t>
+              <a:t>2018-05-14</a:t>
             </a:fld>
             <a:endParaRPr lang="fr-CA"/>
           </a:p>
@@ -4977,7 +4981,7 @@
           <a:p>
             <a:fld id="{7946004B-0E6B-4AC3-A8D3-BFF0512C2F93}" type="datetimeFigureOut">
               <a:rPr lang="fr-CA" smtClean="0"/>
-              <a:t>2018-04-20</a:t>
+              <a:t>2018-05-14</a:t>
             </a:fld>
             <a:endParaRPr lang="fr-CA"/>
           </a:p>
@@ -5147,7 +5151,7 @@
           <a:p>
             <a:fld id="{7946004B-0E6B-4AC3-A8D3-BFF0512C2F93}" type="datetimeFigureOut">
               <a:rPr lang="fr-CA" smtClean="0"/>
-              <a:t>2018-04-20</a:t>
+              <a:t>2018-05-14</a:t>
             </a:fld>
             <a:endParaRPr lang="fr-CA"/>
           </a:p>
@@ -5393,7 +5397,7 @@
           <a:p>
             <a:fld id="{7946004B-0E6B-4AC3-A8D3-BFF0512C2F93}" type="datetimeFigureOut">
               <a:rPr lang="fr-CA" smtClean="0"/>
-              <a:t>2018-04-20</a:t>
+              <a:t>2018-05-14</a:t>
             </a:fld>
             <a:endParaRPr lang="fr-CA"/>
           </a:p>
@@ -5625,7 +5629,7 @@
           <a:p>
             <a:fld id="{7946004B-0E6B-4AC3-A8D3-BFF0512C2F93}" type="datetimeFigureOut">
               <a:rPr lang="fr-CA" smtClean="0"/>
-              <a:t>2018-04-20</a:t>
+              <a:t>2018-05-14</a:t>
             </a:fld>
             <a:endParaRPr lang="fr-CA"/>
           </a:p>
@@ -5992,7 +5996,7 @@
           <a:p>
             <a:fld id="{7946004B-0E6B-4AC3-A8D3-BFF0512C2F93}" type="datetimeFigureOut">
               <a:rPr lang="fr-CA" smtClean="0"/>
-              <a:t>2018-04-20</a:t>
+              <a:t>2018-05-14</a:t>
             </a:fld>
             <a:endParaRPr lang="fr-CA"/>
           </a:p>
@@ -6110,7 +6114,7 @@
           <a:p>
             <a:fld id="{7946004B-0E6B-4AC3-A8D3-BFF0512C2F93}" type="datetimeFigureOut">
               <a:rPr lang="fr-CA" smtClean="0"/>
-              <a:t>2018-04-20</a:t>
+              <a:t>2018-05-14</a:t>
             </a:fld>
             <a:endParaRPr lang="fr-CA"/>
           </a:p>
@@ -6205,7 +6209,7 @@
           <a:p>
             <a:fld id="{7946004B-0E6B-4AC3-A8D3-BFF0512C2F93}" type="datetimeFigureOut">
               <a:rPr lang="fr-CA" smtClean="0"/>
-              <a:t>2018-04-20</a:t>
+              <a:t>2018-05-14</a:t>
             </a:fld>
             <a:endParaRPr lang="fr-CA"/>
           </a:p>
@@ -6482,7 +6486,7 @@
           <a:p>
             <a:fld id="{7946004B-0E6B-4AC3-A8D3-BFF0512C2F93}" type="datetimeFigureOut">
               <a:rPr lang="fr-CA" smtClean="0"/>
-              <a:t>2018-04-20</a:t>
+              <a:t>2018-05-14</a:t>
             </a:fld>
             <a:endParaRPr lang="fr-CA"/>
           </a:p>
@@ -6739,7 +6743,7 @@
           <a:p>
             <a:fld id="{7946004B-0E6B-4AC3-A8D3-BFF0512C2F93}" type="datetimeFigureOut">
               <a:rPr lang="fr-CA" smtClean="0"/>
-              <a:t>2018-04-20</a:t>
+              <a:t>2018-05-14</a:t>
             </a:fld>
             <a:endParaRPr lang="fr-CA"/>
           </a:p>
@@ -6952,7 +6956,7 @@
           <a:p>
             <a:fld id="{7946004B-0E6B-4AC3-A8D3-BFF0512C2F93}" type="datetimeFigureOut">
               <a:rPr lang="fr-CA" smtClean="0"/>
-              <a:t>2018-04-20</a:t>
+              <a:t>2018-05-14</a:t>
             </a:fld>
             <a:endParaRPr lang="fr-CA"/>
           </a:p>
@@ -7537,7 +7541,7 @@
           <a:p>
             <a:r>
               <a:rPr lang="fr-CA" dirty="0"/>
-              <a:t>DV22-0118-1</a:t>
+              <a:t>DV22-0118-2</a:t>
             </a:r>
           </a:p>
         </p:txBody>
